--- a/overview/images/qa_resources-v4.pptx
+++ b/overview/images/qa_resources-v4.pptx
@@ -237,7 +237,7 @@
               <a:rPr lang="fr-FR" smtClean="0">
                 <a:latin typeface="Calibri Regular" charset="0"/>
               </a:rPr>
-              <a:t>08/08/2025</a:t>
+              <a:t>09/07/2025</a:t>
             </a:fld>
             <a:endParaRPr lang="en-US" dirty="0">
               <a:latin typeface="Calibri Regular" charset="0"/>
@@ -425,7 +425,7 @@
           <a:p>
             <a:fld id="{D125E8DA-58CB-F841-A404-E11EC1E2C988}" type="datetime1">
               <a:rPr lang="fr-FR" smtClean="0"/>
-              <a:t>08/08/2025</a:t>
+              <a:t>09/07/2025</a:t>
             </a:fld>
             <a:endParaRPr lang="en-US" dirty="0"/>
           </a:p>
@@ -4498,7 +4498,7 @@
           <a:p>
             <a:fld id="{198ED07F-DFCB-4ABE-A311-845A3D30E5DB}" type="datetime7">
               <a:rPr lang="en-US" smtClean="0"/>
-              <a:t>Aug-25</a:t>
+              <a:t>Jul-25</a:t>
             </a:fld>
             <a:endParaRPr lang="en-US" dirty="0"/>
           </a:p>
@@ -32647,67 +32647,6 @@
       </p:grpSpPr>
       <p:sp>
         <p:nvSpPr>
-          <p:cNvPr id="156" name="Arrow: Down 230">
-            <a:extLst>
-              <a:ext uri="{FF2B5EF4-FFF2-40B4-BE49-F238E27FC236}">
-                <a16:creationId xmlns:a16="http://schemas.microsoft.com/office/drawing/2014/main" id="{427BB446-FE0F-5DD7-2658-C262AF142A51}"/>
-              </a:ext>
-            </a:extLst>
-          </p:cNvPr>
-          <p:cNvSpPr/>
-          <p:nvPr/>
-        </p:nvSpPr>
-        <p:spPr>
-          <a:xfrm>
-            <a:off x="2796492" y="5301828"/>
-            <a:ext cx="498476" cy="573520"/>
-          </a:xfrm>
-          <a:prstGeom prst="downArrow">
-            <a:avLst>
-              <a:gd name="adj1" fmla="val 100000"/>
-              <a:gd name="adj2" fmla="val 32401"/>
-            </a:avLst>
-          </a:prstGeom>
-          <a:solidFill>
-            <a:schemeClr val="tx1"/>
-          </a:solidFill>
-          <a:ln>
-            <a:solidFill>
-              <a:schemeClr val="tx1"/>
-            </a:solidFill>
-          </a:ln>
-        </p:spPr>
-        <p:style>
-          <a:lnRef idx="2">
-            <a:schemeClr val="accent1">
-              <a:shade val="50000"/>
-            </a:schemeClr>
-          </a:lnRef>
-          <a:fillRef idx="1">
-            <a:schemeClr val="accent1"/>
-          </a:fillRef>
-          <a:effectRef idx="0">
-            <a:schemeClr val="accent1"/>
-          </a:effectRef>
-          <a:fontRef idx="minor">
-            <a:schemeClr val="lt1"/>
-          </a:fontRef>
-        </p:style>
-        <p:txBody>
-          <a:bodyPr rtlCol="0" anchor="ctr"/>
-          <a:lstStyle/>
-          <a:p>
-            <a:pPr algn="ctr"/>
-            <a:endParaRPr lang="en-US">
-              <a:solidFill>
-                <a:srgbClr val="71B84D"/>
-              </a:solidFill>
-            </a:endParaRPr>
-          </a:p>
-        </p:txBody>
-      </p:sp>
-      <p:sp>
-        <p:nvSpPr>
           <p:cNvPr id="231" name="Arrow: Down 230">
             <a:extLst>
               <a:ext uri="{FF2B5EF4-FFF2-40B4-BE49-F238E27FC236}">
@@ -32720,8 +32659,8 @@
         </p:nvSpPr>
         <p:spPr>
           <a:xfrm>
-            <a:off x="4295805" y="5314898"/>
-            <a:ext cx="498476" cy="573520"/>
+            <a:off x="2855641" y="5303752"/>
+            <a:ext cx="1872206" cy="573520"/>
           </a:xfrm>
           <a:prstGeom prst="downArrow">
             <a:avLst>
@@ -32730,11 +32669,11 @@
             </a:avLst>
           </a:prstGeom>
           <a:solidFill>
-            <a:schemeClr val="tx1"/>
+            <a:srgbClr val="71B84D"/>
           </a:solidFill>
           <a:ln>
             <a:solidFill>
-              <a:schemeClr val="tx1"/>
+              <a:srgbClr val="71B84D"/>
             </a:solidFill>
           </a:ln>
         </p:spPr>
@@ -32782,7 +32721,7 @@
         <p:spPr>
           <a:xfrm>
             <a:off x="7949813" y="790159"/>
-            <a:ext cx="4183333" cy="4880920"/>
+            <a:ext cx="4124593" cy="4880920"/>
           </a:xfrm>
           <a:prstGeom prst="roundRect">
             <a:avLst>
@@ -32996,7 +32935,7 @@
         </p:nvSpPr>
         <p:spPr>
           <a:xfrm>
-            <a:off x="8509781" y="4653136"/>
+            <a:off x="8420051" y="3777823"/>
             <a:ext cx="1867691" cy="255080"/>
           </a:xfrm>
           <a:prstGeom prst="roundRect">
@@ -33005,79 +32944,7 @@
             </a:avLst>
           </a:prstGeom>
           <a:solidFill>
-            <a:schemeClr val="bg1">
-              <a:lumMod val="50000"/>
-            </a:schemeClr>
-          </a:solidFill>
-          <a:ln w="12700">
-            <a:noFill/>
-          </a:ln>
-          <a:effectLst>
-            <a:outerShdw blurRad="50800" dist="38100" dir="2700000" algn="tl" rotWithShape="0">
-              <a:prstClr val="black">
-                <a:alpha val="40000"/>
-              </a:prstClr>
-            </a:outerShdw>
-          </a:effectLst>
-        </p:spPr>
-        <p:style>
-          <a:lnRef idx="2">
-            <a:schemeClr val="dk1"/>
-          </a:lnRef>
-          <a:fillRef idx="1">
-            <a:schemeClr val="lt1"/>
-          </a:fillRef>
-          <a:effectRef idx="0">
-            <a:schemeClr val="dk1"/>
-          </a:effectRef>
-          <a:fontRef idx="minor">
-            <a:schemeClr val="dk1"/>
-          </a:fontRef>
-        </p:style>
-        <p:txBody>
-          <a:bodyPr wrap="square" tIns="36000" bIns="36000" rtlCol="0" anchor="ctr" anchorCtr="1">
-            <a:noAutofit/>
-          </a:bodyPr>
-          <a:lstStyle/>
-          <a:p>
-            <a:pPr algn="ctr"/>
-            <a:r>
-              <a:rPr lang="en-US" sz="1000" dirty="0">
-                <a:solidFill>
-                  <a:schemeClr val="bg1"/>
-                </a:solidFill>
-                <a:latin typeface="Source Sans Pro" panose="020B0503030403020204" pitchFamily="34" charset="0"/>
-                <a:ea typeface="Source Sans Pro" panose="020B0503030403020204" pitchFamily="34" charset="0"/>
-              </a:rPr>
-              <a:t>Example Applications</a:t>
-            </a:r>
-          </a:p>
-        </p:txBody>
-      </p:sp>
-      <p:sp>
-        <p:nvSpPr>
-          <p:cNvPr id="25" name="Rounded Rectangle 114">
-            <a:extLst>
-              <a:ext uri="{FF2B5EF4-FFF2-40B4-BE49-F238E27FC236}">
-                <a16:creationId xmlns:a16="http://schemas.microsoft.com/office/drawing/2014/main" id="{B65E21A1-B2EE-4D1F-9D6D-37123904C747}"/>
-              </a:ext>
-            </a:extLst>
-          </p:cNvPr>
-          <p:cNvSpPr/>
-          <p:nvPr/>
-        </p:nvSpPr>
-        <p:spPr>
-          <a:xfrm>
-            <a:off x="8509781" y="5128437"/>
-            <a:ext cx="1867691" cy="255080"/>
-          </a:xfrm>
-          <a:prstGeom prst="roundRect">
-            <a:avLst>
-              <a:gd name="adj" fmla="val 19644"/>
-            </a:avLst>
-          </a:prstGeom>
-          <a:solidFill>
-            <a:schemeClr val="tx1"/>
+            <a:schemeClr val="accent4"/>
           </a:solidFill>
           <a:ln>
             <a:noFill/>
@@ -33112,6 +32979,88 @@
           <a:p>
             <a:pPr algn="ctr"/>
             <a:r>
+              <a:rPr lang="en-US" sz="1000" dirty="0" err="1">
+                <a:solidFill>
+                  <a:srgbClr val="FFFFFF"/>
+                </a:solidFill>
+                <a:latin typeface="Source Sans Pro" panose="020B0503030403020204" pitchFamily="34" charset="0"/>
+                <a:ea typeface="Source Sans Pro" panose="020B0503030403020204" pitchFamily="34" charset="0"/>
+                <a:cs typeface="Arial" panose="020B0604020202020204" pitchFamily="34" charset="0"/>
+              </a:rPr>
+              <a:t>MicroEJ</a:t>
+            </a:r>
+            <a:r>
+              <a:rPr lang="en-US" sz="1000" dirty="0">
+                <a:solidFill>
+                  <a:srgbClr val="FFFFFF"/>
+                </a:solidFill>
+                <a:latin typeface="Source Sans Pro" panose="020B0503030403020204" pitchFamily="34" charset="0"/>
+                <a:ea typeface="Source Sans Pro" panose="020B0503030403020204" pitchFamily="34" charset="0"/>
+                <a:cs typeface="Arial" panose="020B0604020202020204" pitchFamily="34" charset="0"/>
+              </a:rPr>
+              <a:t> Example Applications</a:t>
+            </a:r>
+          </a:p>
+        </p:txBody>
+      </p:sp>
+      <p:sp>
+        <p:nvSpPr>
+          <p:cNvPr id="25" name="Rounded Rectangle 114">
+            <a:extLst>
+              <a:ext uri="{FF2B5EF4-FFF2-40B4-BE49-F238E27FC236}">
+                <a16:creationId xmlns:a16="http://schemas.microsoft.com/office/drawing/2014/main" id="{B65E21A1-B2EE-4D1F-9D6D-37123904C747}"/>
+              </a:ext>
+            </a:extLst>
+          </p:cNvPr>
+          <p:cNvSpPr/>
+          <p:nvPr/>
+        </p:nvSpPr>
+        <p:spPr>
+          <a:xfrm>
+            <a:off x="8420051" y="5307109"/>
+            <a:ext cx="1867691" cy="255080"/>
+          </a:xfrm>
+          <a:prstGeom prst="roundRect">
+            <a:avLst>
+              <a:gd name="adj" fmla="val 19644"/>
+            </a:avLst>
+          </a:prstGeom>
+          <a:solidFill>
+            <a:schemeClr val="accent1"/>
+          </a:solidFill>
+          <a:ln>
+            <a:noFill/>
+          </a:ln>
+          <a:effectLst>
+            <a:outerShdw blurRad="50800" dist="38100" dir="2700000" algn="tl" rotWithShape="0">
+              <a:prstClr val="black">
+                <a:alpha val="40000"/>
+              </a:prstClr>
+            </a:outerShdw>
+          </a:effectLst>
+        </p:spPr>
+        <p:style>
+          <a:lnRef idx="2">
+            <a:schemeClr val="dk1">
+              <a:shade val="50000"/>
+            </a:schemeClr>
+          </a:lnRef>
+          <a:fillRef idx="1">
+            <a:schemeClr val="dk1"/>
+          </a:fillRef>
+          <a:effectRef idx="0">
+            <a:schemeClr val="dk1"/>
+          </a:effectRef>
+          <a:fontRef idx="minor">
+            <a:schemeClr val="lt1"/>
+          </a:fontRef>
+        </p:style>
+        <p:txBody>
+          <a:bodyPr rtlCol="0" anchor="ctr"/>
+          <a:lstStyle/>
+          <a:p>
+            <a:pPr algn="ctr"/>
+            <a:r>
               <a:rPr lang="en-US" sz="1000">
                 <a:solidFill>
                   <a:srgbClr val="FFFFFF"/>
@@ -33119,15 +33068,18 @@
                 <a:latin typeface="Source Sans Pro" panose="020B0503030403020204" pitchFamily="34" charset="0"/>
                 <a:ea typeface="Source Sans Pro" panose="020B0503030403020204" pitchFamily="34" charset="0"/>
               </a:rPr>
-              <a:t>Offline Repository</a:t>
-            </a:r>
-            <a:endParaRPr lang="en-US" sz="1000" dirty="0">
-              <a:solidFill>
-                <a:srgbClr val="FFFFFF"/>
-              </a:solidFill>
-              <a:latin typeface="Source Sans Pro" panose="020B0503030403020204" pitchFamily="34" charset="0"/>
-              <a:ea typeface="Source Sans Pro" panose="020B0503030403020204" pitchFamily="34" charset="0"/>
-            </a:endParaRPr>
+              <a:t>Offline </a:t>
+            </a:r>
+            <a:r>
+              <a:rPr lang="en-US" sz="1000" dirty="0">
+                <a:solidFill>
+                  <a:srgbClr val="FFFFFF"/>
+                </a:solidFill>
+                <a:latin typeface="Source Sans Pro" panose="020B0503030403020204" pitchFamily="34" charset="0"/>
+                <a:ea typeface="Source Sans Pro" panose="020B0503030403020204" pitchFamily="34" charset="0"/>
+              </a:rPr>
+              <a:t>Repository</a:t>
+            </a:r>
           </a:p>
         </p:txBody>
       </p:sp>
@@ -33266,7 +33218,7 @@
         </p:nvSpPr>
         <p:spPr>
           <a:xfrm>
-            <a:off x="5836277" y="3574510"/>
+            <a:off x="5692080" y="2712627"/>
             <a:ext cx="1969074" cy="169277"/>
           </a:xfrm>
           <a:prstGeom prst="rect">
@@ -33321,7 +33273,7 @@
         </p:nvSpPr>
         <p:spPr>
           <a:xfrm>
-            <a:off x="5587235" y="4480453"/>
+            <a:off x="5371205" y="3688069"/>
             <a:ext cx="2600969" cy="126638"/>
           </a:xfrm>
           <a:prstGeom prst="rect">
@@ -33379,7 +33331,7 @@
         </p:nvSpPr>
         <p:spPr>
           <a:xfrm>
-            <a:off x="5512782" y="2307953"/>
+            <a:off x="5333411" y="4827726"/>
             <a:ext cx="2575263" cy="338554"/>
           </a:xfrm>
           <a:prstGeom prst="rect">
@@ -33444,21 +33396,20 @@
                 <a:ea typeface="Source Sans Pro" panose="020B0503030403020204" pitchFamily="34" charset="0"/>
                 <a:cs typeface="Source Sans Pro Light" charset="0"/>
               </a:rPr>
-              <a:t>radle </a:t>
-            </a:r>
-            <a:r>
-              <a:rPr lang="en-US" sz="1100" spc="0" dirty="0" err="1">
-                <a:ln>
-                  <a:noFill/>
-                </a:ln>
-                <a:solidFill>
-                  <a:schemeClr val="accent1"/>
+              <a:t>radle or from an Offline </a:t>
+            </a:r>
+            <a:r>
+              <a:rPr lang="en-US" sz="1100" dirty="0">
+                <a:solidFill>
+                  <a:schemeClr val="bg2">
+                    <a:lumMod val="75000"/>
+                  </a:schemeClr>
                 </a:solidFill>
                 <a:latin typeface="Source Sans Pro" panose="020B0503030403020204" pitchFamily="34" charset="0"/>
                 <a:ea typeface="Source Sans Pro" panose="020B0503030403020204" pitchFamily="34" charset="0"/>
                 <a:cs typeface="Source Sans Pro Light" charset="0"/>
               </a:rPr>
-              <a:t>MicroEJ</a:t>
+              <a:t>R</a:t>
             </a:r>
             <a:r>
               <a:rPr lang="en-US" sz="1100" spc="0" dirty="0">
@@ -33466,13 +33417,28 @@
                   <a:noFill/>
                 </a:ln>
                 <a:solidFill>
-                  <a:schemeClr val="accent1"/>
+                  <a:schemeClr val="bg2">
+                    <a:lumMod val="75000"/>
+                  </a:schemeClr>
                 </a:solidFill>
                 <a:latin typeface="Source Sans Pro" panose="020B0503030403020204" pitchFamily="34" charset="0"/>
                 <a:ea typeface="Source Sans Pro" panose="020B0503030403020204" pitchFamily="34" charset="0"/>
                 <a:cs typeface="Source Sans Pro Light" charset="0"/>
               </a:rPr>
-              <a:t> Repositories</a:t>
+              <a:t>epository </a:t>
+            </a:r>
+            <a:r>
+              <a:rPr lang="en-US" sz="1100" dirty="0">
+                <a:solidFill>
+                  <a:schemeClr val="bg2">
+                    <a:lumMod val="75000"/>
+                  </a:schemeClr>
+                </a:solidFill>
+                <a:latin typeface="Source Sans Pro" panose="020B0503030403020204" pitchFamily="34" charset="0"/>
+                <a:ea typeface="Source Sans Pro" panose="020B0503030403020204" pitchFamily="34" charset="0"/>
+                <a:cs typeface="Source Sans Pro Light" charset="0"/>
+              </a:rPr>
+              <a:t>(optional)</a:t>
             </a:r>
             <a:endParaRPr lang="en-US" sz="1100" spc="0" dirty="0">
               <a:ln>
@@ -33504,7 +33470,7 @@
         </p:nvSpPr>
         <p:spPr>
           <a:xfrm>
-            <a:off x="5395790" y="1298141"/>
+            <a:off x="5262721" y="1263360"/>
             <a:ext cx="2635574" cy="363882"/>
           </a:xfrm>
           <a:prstGeom prst="rect">
@@ -33623,7 +33589,7 @@
         </p:nvSpPr>
         <p:spPr>
           <a:xfrm>
-            <a:off x="3316181" y="6032128"/>
+            <a:off x="2838021" y="6032128"/>
             <a:ext cx="1945170" cy="205184"/>
           </a:xfrm>
           <a:prstGeom prst="rect">
@@ -33672,8 +33638,8 @@
         </p:nvSpPr>
         <p:spPr>
           <a:xfrm>
-            <a:off x="3871814" y="5897680"/>
-            <a:ext cx="1290406" cy="430296"/>
+            <a:off x="2838020" y="5897680"/>
+            <a:ext cx="1909485" cy="555656"/>
           </a:xfrm>
           <a:prstGeom prst="roundRect">
             <a:avLst>
@@ -33681,7 +33647,7 @@
             </a:avLst>
           </a:prstGeom>
           <a:solidFill>
-            <a:schemeClr val="tx1"/>
+            <a:schemeClr val="accent1"/>
           </a:solidFill>
           <a:ln>
             <a:noFill/>
@@ -33723,7 +33689,26 @@
                 <a:latin typeface="Source Sans Pro" panose="020B0503030403020204" pitchFamily="34" charset="0"/>
                 <a:ea typeface="Source Sans Pro" panose="020B0503030403020204" pitchFamily="34" charset="0"/>
               </a:rPr>
-              <a:t> Executable</a:t>
+              <a:t>MicroEJ </a:t>
+            </a:r>
+            <a:br>
+              <a:rPr lang="en-US" sz="1000" dirty="0">
+                <a:solidFill>
+                  <a:srgbClr val="FFFFFF"/>
+                </a:solidFill>
+                <a:latin typeface="Source Sans Pro" panose="020B0503030403020204" pitchFamily="34" charset="0"/>
+                <a:ea typeface="Source Sans Pro" panose="020B0503030403020204" pitchFamily="34" charset="0"/>
+              </a:rPr>
+            </a:br>
+            <a:r>
+              <a:rPr lang="en-US" sz="1000" dirty="0">
+                <a:solidFill>
+                  <a:srgbClr val="FFFFFF"/>
+                </a:solidFill>
+                <a:latin typeface="Source Sans Pro" panose="020B0503030403020204" pitchFamily="34" charset="0"/>
+                <a:ea typeface="Source Sans Pro" panose="020B0503030403020204" pitchFamily="34" charset="0"/>
+              </a:rPr>
+              <a:t>Executable</a:t>
             </a:r>
           </a:p>
         </p:txBody>
@@ -33742,7 +33727,7 @@
         </p:nvSpPr>
         <p:spPr>
           <a:xfrm>
-            <a:off x="8220856" y="3236485"/>
+            <a:off x="8131126" y="2387707"/>
             <a:ext cx="2494660" cy="1138920"/>
           </a:xfrm>
           <a:prstGeom prst="roundRect">
@@ -33751,9 +33736,7 @@
             </a:avLst>
           </a:prstGeom>
           <a:solidFill>
-            <a:schemeClr val="bg1">
-              <a:lumMod val="50000"/>
-            </a:schemeClr>
+            <a:schemeClr val="accent1"/>
           </a:solidFill>
           <a:ln>
             <a:noFill/>
@@ -33790,7 +33773,7 @@
               <a:defRPr/>
             </a:pPr>
             <a:r>
-              <a:rPr lang="en-US" sz="1000">
+              <a:rPr lang="en-US" sz="1000" dirty="0">
                 <a:solidFill>
                   <a:srgbClr val="FFFFFF"/>
                 </a:solidFill>
@@ -33800,242 +33783,15 @@
               </a:rPr>
               <a:t>VEE Port Example Projects</a:t>
             </a:r>
-            <a:endParaRPr lang="en-US" sz="1000" dirty="0">
-              <a:solidFill>
-                <a:srgbClr val="FFFFFF"/>
-              </a:solidFill>
-              <a:latin typeface="Source Sans Pro" panose="020B0503030403020204" pitchFamily="34" charset="0"/>
-              <a:ea typeface="Source Sans Pro" panose="020B0503030403020204" pitchFamily="34" charset="0"/>
-              <a:cs typeface="Source Sans Pro Light" charset="0"/>
-            </a:endParaRPr>
-          </a:p>
-        </p:txBody>
-      </p:sp>
-      <p:sp>
-        <p:nvSpPr>
-          <p:cNvPr id="123" name="Rounded Rectangle 114">
-            <a:extLst>
-              <a:ext uri="{FF2B5EF4-FFF2-40B4-BE49-F238E27FC236}">
-                <a16:creationId xmlns:a16="http://schemas.microsoft.com/office/drawing/2014/main" id="{3C22549C-E7EC-4E20-8401-ADC527F14B89}"/>
-              </a:ext>
-            </a:extLst>
-          </p:cNvPr>
-          <p:cNvSpPr/>
-          <p:nvPr/>
-        </p:nvSpPr>
-        <p:spPr>
-          <a:xfrm>
-            <a:off x="8509781" y="3966973"/>
-            <a:ext cx="1867691" cy="255080"/>
-          </a:xfrm>
-          <a:prstGeom prst="roundRect">
-            <a:avLst>
-              <a:gd name="adj" fmla="val 19644"/>
-            </a:avLst>
-          </a:prstGeom>
-          <a:solidFill>
-            <a:schemeClr val="bg1">
-              <a:lumMod val="50000"/>
-            </a:schemeClr>
-          </a:solidFill>
-          <a:ln w="12700">
-            <a:noFill/>
-          </a:ln>
-          <a:effectLst>
-            <a:outerShdw blurRad="50800" dist="38100" dir="2700000" algn="tl" rotWithShape="0">
-              <a:prstClr val="black">
-                <a:alpha val="40000"/>
-              </a:prstClr>
-            </a:outerShdw>
-          </a:effectLst>
-        </p:spPr>
-        <p:style>
-          <a:lnRef idx="2">
-            <a:schemeClr val="dk1"/>
-          </a:lnRef>
-          <a:fillRef idx="1">
-            <a:schemeClr val="lt1"/>
-          </a:fillRef>
-          <a:effectRef idx="0">
-            <a:schemeClr val="dk1"/>
-          </a:effectRef>
-          <a:fontRef idx="minor">
-            <a:schemeClr val="dk1"/>
-          </a:fontRef>
-        </p:style>
-        <p:txBody>
-          <a:bodyPr wrap="square" tIns="36000" bIns="36000" rtlCol="0" anchor="ctr" anchorCtr="1">
-            <a:noAutofit/>
-          </a:bodyPr>
-          <a:lstStyle/>
-          <a:p>
-            <a:pPr algn="ctr"/>
-            <a:r>
-              <a:rPr lang="en-US" sz="1000">
-                <a:solidFill>
-                  <a:schemeClr val="bg1"/>
-                </a:solidFill>
-                <a:latin typeface="Source Sans Pro" panose="020B0503030403020204" pitchFamily="34" charset="0"/>
-                <a:ea typeface="Source Sans Pro" panose="020B0503030403020204" pitchFamily="34" charset="0"/>
-              </a:rPr>
-              <a:t>VEE Port Configuration</a:t>
-            </a:r>
-            <a:endParaRPr lang="en-US" sz="1000" dirty="0">
-              <a:solidFill>
-                <a:schemeClr val="bg1"/>
-              </a:solidFill>
-              <a:latin typeface="Source Sans Pro" panose="020B0503030403020204" pitchFamily="34" charset="0"/>
-              <a:ea typeface="Source Sans Pro" panose="020B0503030403020204" pitchFamily="34" charset="0"/>
-            </a:endParaRPr>
-          </a:p>
-        </p:txBody>
-      </p:sp>
-      <p:sp>
-        <p:nvSpPr>
-          <p:cNvPr id="125" name="Rounded Rectangle 114">
-            <a:extLst>
-              <a:ext uri="{FF2B5EF4-FFF2-40B4-BE49-F238E27FC236}">
-                <a16:creationId xmlns:a16="http://schemas.microsoft.com/office/drawing/2014/main" id="{4C068209-3EA3-428A-94F5-8C979958A54D}"/>
-              </a:ext>
-            </a:extLst>
-          </p:cNvPr>
-          <p:cNvSpPr/>
-          <p:nvPr/>
-        </p:nvSpPr>
-        <p:spPr>
-          <a:xfrm>
-            <a:off x="8509781" y="3616294"/>
-            <a:ext cx="1867691" cy="255080"/>
-          </a:xfrm>
-          <a:prstGeom prst="roundRect">
-            <a:avLst>
-              <a:gd name="adj" fmla="val 19644"/>
-            </a:avLst>
-          </a:prstGeom>
-          <a:solidFill>
-            <a:schemeClr val="tx1"/>
-          </a:solidFill>
-          <a:ln>
-            <a:noFill/>
-          </a:ln>
-          <a:effectLst>
-            <a:outerShdw blurRad="50800" dist="38100" dir="2700000" algn="tl" rotWithShape="0">
-              <a:prstClr val="black">
-                <a:alpha val="40000"/>
-              </a:prstClr>
-            </a:outerShdw>
-          </a:effectLst>
-        </p:spPr>
-        <p:style>
-          <a:lnRef idx="2">
-            <a:schemeClr val="dk1">
-              <a:shade val="50000"/>
-            </a:schemeClr>
-          </a:lnRef>
-          <a:fillRef idx="1">
-            <a:schemeClr val="dk1"/>
-          </a:fillRef>
-          <a:effectRef idx="0">
-            <a:schemeClr val="dk1"/>
-          </a:effectRef>
-          <a:fontRef idx="minor">
-            <a:schemeClr val="lt1"/>
-          </a:fontRef>
-        </p:style>
-        <p:txBody>
-          <a:bodyPr rtlCol="0" anchor="ctr"/>
-          <a:lstStyle/>
-          <a:p>
-            <a:pPr algn="ctr"/>
-            <a:r>
-              <a:rPr lang="en-US" sz="1000">
-                <a:solidFill>
-                  <a:srgbClr val="FFFFFF"/>
-                </a:solidFill>
-                <a:latin typeface="Source Sans Pro" panose="020B0503030403020204" pitchFamily="34" charset="0"/>
-                <a:ea typeface="Source Sans Pro" panose="020B0503030403020204" pitchFamily="34" charset="0"/>
-              </a:rPr>
-              <a:t>BSP C Drivers</a:t>
-            </a:r>
-          </a:p>
-        </p:txBody>
-      </p:sp>
-      <p:sp>
-        <p:nvSpPr>
-          <p:cNvPr id="129" name="Rounded Rectangle 114">
-            <a:extLst>
-              <a:ext uri="{FF2B5EF4-FFF2-40B4-BE49-F238E27FC236}">
-                <a16:creationId xmlns:a16="http://schemas.microsoft.com/office/drawing/2014/main" id="{86C790C5-092C-46A0-BE5E-8BE15DE5A4F7}"/>
-              </a:ext>
-            </a:extLst>
-          </p:cNvPr>
-          <p:cNvSpPr/>
-          <p:nvPr/>
-        </p:nvSpPr>
-        <p:spPr>
-          <a:xfrm>
-            <a:off x="3719286" y="5128995"/>
-            <a:ext cx="1296594" cy="300804"/>
-          </a:xfrm>
-          <a:prstGeom prst="roundRect">
-            <a:avLst>
-              <a:gd name="adj" fmla="val 19644"/>
-            </a:avLst>
-          </a:prstGeom>
-          <a:solidFill>
-            <a:schemeClr val="tx1"/>
-          </a:solidFill>
-          <a:ln>
-            <a:noFill/>
-          </a:ln>
-          <a:effectLst>
-            <a:outerShdw blurRad="50800" dist="38100" dir="2700000" algn="tl" rotWithShape="0">
-              <a:prstClr val="black">
-                <a:alpha val="40000"/>
-              </a:prstClr>
-            </a:outerShdw>
-          </a:effectLst>
-        </p:spPr>
-        <p:style>
-          <a:lnRef idx="2">
-            <a:schemeClr val="dk1">
-              <a:shade val="50000"/>
-            </a:schemeClr>
-          </a:lnRef>
-          <a:fillRef idx="1">
-            <a:schemeClr val="dk1"/>
-          </a:fillRef>
-          <a:effectRef idx="0">
-            <a:schemeClr val="dk1"/>
-          </a:effectRef>
-          <a:fontRef idx="minor">
-            <a:schemeClr val="lt1"/>
-          </a:fontRef>
-        </p:style>
-        <p:txBody>
-          <a:bodyPr rtlCol="0" anchor="ctr"/>
-          <a:lstStyle/>
-          <a:p>
-            <a:pPr algn="ctr"/>
-            <a:r>
-              <a:rPr lang="en-US" sz="1000" dirty="0">
-                <a:solidFill>
-                  <a:srgbClr val="FFFFFF"/>
-                </a:solidFill>
-                <a:latin typeface="Source Sans Pro" panose="020B0503030403020204" pitchFamily="34" charset="0"/>
-                <a:ea typeface="Source Sans Pro" panose="020B0503030403020204" pitchFamily="34" charset="0"/>
-              </a:rPr>
-              <a:t>Native (C) Toolchain</a:t>
-            </a:r>
           </a:p>
         </p:txBody>
       </p:sp>
       <p:grpSp>
         <p:nvGrpSpPr>
-          <p:cNvPr id="138" name="Group 137">
+          <p:cNvPr id="12" name="Group 11">
             <a:extLst>
               <a:ext uri="{FF2B5EF4-FFF2-40B4-BE49-F238E27FC236}">
-                <a16:creationId xmlns:a16="http://schemas.microsoft.com/office/drawing/2014/main" id="{C25CA13D-8845-E4C9-9B71-79830E0AF5E7}"/>
+                <a16:creationId xmlns:a16="http://schemas.microsoft.com/office/drawing/2014/main" id="{42D45183-B7FA-2AFC-A4D8-39BD188B3BA1}"/>
               </a:ext>
             </a:extLst>
           </p:cNvPr>
@@ -34044,18 +33800,18 @@
         </p:nvGrpSpPr>
         <p:grpSpPr>
           <a:xfrm>
-            <a:off x="8436399" y="2512519"/>
-            <a:ext cx="1867691" cy="556441"/>
-            <a:chOff x="8433743" y="4811299"/>
-            <a:chExt cx="1867691" cy="556441"/>
+            <a:off x="8420051" y="2767516"/>
+            <a:ext cx="1867691" cy="605759"/>
+            <a:chOff x="8414233" y="2767516"/>
+            <a:chExt cx="1867691" cy="605759"/>
           </a:xfrm>
         </p:grpSpPr>
         <p:sp>
           <p:nvSpPr>
-            <p:cNvPr id="58" name="Rounded Rectangle 114">
+            <p:cNvPr id="123" name="Rounded Rectangle 114">
               <a:extLst>
                 <a:ext uri="{FF2B5EF4-FFF2-40B4-BE49-F238E27FC236}">
-                  <a16:creationId xmlns:a16="http://schemas.microsoft.com/office/drawing/2014/main" id="{61B23D28-46E0-4D50-CBB0-1CB2F60EE660}"/>
+                  <a16:creationId xmlns:a16="http://schemas.microsoft.com/office/drawing/2014/main" id="{3C22549C-E7EC-4E20-8401-ADC527F14B89}"/>
                 </a:ext>
               </a:extLst>
             </p:cNvPr>
@@ -34064,7 +33820,7 @@
           </p:nvSpPr>
           <p:spPr>
             <a:xfrm>
-              <a:off x="8433743" y="4811299"/>
+              <a:off x="8414233" y="3118195"/>
               <a:ext cx="1867691" cy="255080"/>
             </a:xfrm>
             <a:prstGeom prst="roundRect">
@@ -34073,7 +33829,96 @@
               </a:avLst>
             </a:prstGeom>
             <a:solidFill>
-              <a:schemeClr val="accent1"/>
+              <a:schemeClr val="bg1">
+                <a:lumMod val="50000"/>
+              </a:schemeClr>
+            </a:solidFill>
+            <a:ln w="12700">
+              <a:noFill/>
+            </a:ln>
+            <a:effectLst>
+              <a:outerShdw blurRad="50800" dist="38100" dir="2700000" algn="tl" rotWithShape="0">
+                <a:prstClr val="black">
+                  <a:alpha val="40000"/>
+                </a:prstClr>
+              </a:outerShdw>
+            </a:effectLst>
+          </p:spPr>
+          <p:style>
+            <a:lnRef idx="2">
+              <a:schemeClr val="dk1"/>
+            </a:lnRef>
+            <a:fillRef idx="1">
+              <a:schemeClr val="lt1"/>
+            </a:fillRef>
+            <a:effectRef idx="0">
+              <a:schemeClr val="dk1"/>
+            </a:effectRef>
+            <a:fontRef idx="minor">
+              <a:schemeClr val="dk1"/>
+            </a:fontRef>
+          </p:style>
+          <p:txBody>
+            <a:bodyPr wrap="square" tIns="36000" bIns="36000" rtlCol="0" anchor="ctr" anchorCtr="1">
+              <a:noAutofit/>
+            </a:bodyPr>
+            <a:lstStyle/>
+            <a:p>
+              <a:pPr algn="ctr"/>
+              <a:r>
+                <a:rPr lang="en-US" sz="1000" dirty="0">
+                  <a:solidFill>
+                    <a:schemeClr val="bg1"/>
+                  </a:solidFill>
+                  <a:latin typeface="Source Sans Pro" panose="020B0503030403020204" pitchFamily="34" charset="0"/>
+                  <a:ea typeface="Source Sans Pro" panose="020B0503030403020204" pitchFamily="34" charset="0"/>
+                </a:rPr>
+                <a:t>VEE </a:t>
+              </a:r>
+              <a:r>
+                <a:rPr lang="en-US" sz="1000">
+                  <a:solidFill>
+                    <a:schemeClr val="bg1"/>
+                  </a:solidFill>
+                  <a:latin typeface="Source Sans Pro" panose="020B0503030403020204" pitchFamily="34" charset="0"/>
+                  <a:ea typeface="Source Sans Pro" panose="020B0503030403020204" pitchFamily="34" charset="0"/>
+                </a:rPr>
+                <a:t>Port Configuration</a:t>
+              </a:r>
+              <a:endParaRPr lang="en-US" sz="1000" dirty="0">
+                <a:solidFill>
+                  <a:schemeClr val="bg1"/>
+                </a:solidFill>
+                <a:latin typeface="Source Sans Pro" panose="020B0503030403020204" pitchFamily="34" charset="0"/>
+                <a:ea typeface="Source Sans Pro" panose="020B0503030403020204" pitchFamily="34" charset="0"/>
+              </a:endParaRPr>
+            </a:p>
+          </p:txBody>
+        </p:sp>
+        <p:sp>
+          <p:nvSpPr>
+            <p:cNvPr id="125" name="Rounded Rectangle 114">
+              <a:extLst>
+                <a:ext uri="{FF2B5EF4-FFF2-40B4-BE49-F238E27FC236}">
+                  <a16:creationId xmlns:a16="http://schemas.microsoft.com/office/drawing/2014/main" id="{4C068209-3EA3-428A-94F5-8C979958A54D}"/>
+                </a:ext>
+              </a:extLst>
+            </p:cNvPr>
+            <p:cNvSpPr/>
+            <p:nvPr/>
+          </p:nvSpPr>
+          <p:spPr>
+            <a:xfrm>
+              <a:off x="8414233" y="2767516"/>
+              <a:ext cx="1867691" cy="255080"/>
+            </a:xfrm>
+            <a:prstGeom prst="roundRect">
+              <a:avLst>
+                <a:gd name="adj" fmla="val 19644"/>
+              </a:avLst>
+            </a:prstGeom>
+            <a:solidFill>
+              <a:schemeClr val="accent6"/>
             </a:solidFill>
             <a:ln>
               <a:noFill/>
@@ -34108,89 +33953,1069 @@
             <a:p>
               <a:pPr algn="ctr"/>
               <a:r>
-                <a:rPr lang="en-US" sz="1000" dirty="0">
+                <a:rPr lang="en-US" sz="1000">
                   <a:solidFill>
                     <a:srgbClr val="FFFFFF"/>
                   </a:solidFill>
                   <a:latin typeface="Source Sans Pro" panose="020B0503030403020204" pitchFamily="34" charset="0"/>
                   <a:ea typeface="Source Sans Pro" panose="020B0503030403020204" pitchFamily="34" charset="0"/>
+                  <a:cs typeface="Arial" panose="020B0604020202020204" pitchFamily="34" charset="0"/>
                 </a:rPr>
-                <a:t>Central Repository</a:t>
-              </a:r>
-            </a:p>
-          </p:txBody>
-        </p:sp>
-        <p:sp>
-          <p:nvSpPr>
-            <p:cNvPr id="59" name="Rounded Rectangle 114">
-              <a:extLst>
-                <a:ext uri="{FF2B5EF4-FFF2-40B4-BE49-F238E27FC236}">
-                  <a16:creationId xmlns:a16="http://schemas.microsoft.com/office/drawing/2014/main" id="{8297540B-AA08-C138-655A-5F1EBB3E8011}"/>
-                </a:ext>
-              </a:extLst>
-            </p:cNvPr>
-            <p:cNvSpPr/>
-            <p:nvPr/>
-          </p:nvSpPr>
-          <p:spPr>
-            <a:xfrm>
-              <a:off x="8433743" y="5112660"/>
-              <a:ext cx="1867691" cy="255080"/>
-            </a:xfrm>
-            <a:prstGeom prst="roundRect">
-              <a:avLst>
-                <a:gd name="adj" fmla="val 19644"/>
-              </a:avLst>
-            </a:prstGeom>
-            <a:solidFill>
-              <a:schemeClr val="accent1"/>
-            </a:solidFill>
-            <a:ln>
-              <a:noFill/>
-            </a:ln>
-            <a:effectLst>
-              <a:outerShdw blurRad="50800" dist="38100" dir="2700000" algn="tl" rotWithShape="0">
-                <a:prstClr val="black">
-                  <a:alpha val="40000"/>
-                </a:prstClr>
-              </a:outerShdw>
-            </a:effectLst>
-          </p:spPr>
-          <p:style>
-            <a:lnRef idx="2">
-              <a:schemeClr val="dk1">
-                <a:shade val="50000"/>
-              </a:schemeClr>
-            </a:lnRef>
-            <a:fillRef idx="1">
-              <a:schemeClr val="dk1"/>
-            </a:fillRef>
-            <a:effectRef idx="0">
-              <a:schemeClr val="dk1"/>
-            </a:effectRef>
-            <a:fontRef idx="minor">
-              <a:schemeClr val="lt1"/>
-            </a:fontRef>
-          </p:style>
-          <p:txBody>
-            <a:bodyPr rtlCol="0" anchor="ctr"/>
-            <a:lstStyle/>
-            <a:p>
-              <a:pPr algn="ctr"/>
-              <a:r>
-                <a:rPr lang="en-US" sz="1000" dirty="0">
-                  <a:solidFill>
-                    <a:srgbClr val="FFFFFF"/>
-                  </a:solidFill>
-                  <a:latin typeface="Source Sans Pro" panose="020B0503030403020204" pitchFamily="34" charset="0"/>
-                  <a:ea typeface="Source Sans Pro" panose="020B0503030403020204" pitchFamily="34" charset="0"/>
-                </a:rPr>
-                <a:t>Developer Repository</a:t>
+                <a:t>BSP C Drivers</a:t>
               </a:r>
             </a:p>
           </p:txBody>
         </p:sp>
       </p:grpSp>
+      <p:grpSp>
+        <p:nvGrpSpPr>
+          <p:cNvPr id="33" name="Group 32">
+            <a:extLst>
+              <a:ext uri="{FF2B5EF4-FFF2-40B4-BE49-F238E27FC236}">
+                <a16:creationId xmlns:a16="http://schemas.microsoft.com/office/drawing/2014/main" id="{F5785293-C47B-6DD5-BEEF-CD54FA7D5AF3}"/>
+              </a:ext>
+            </a:extLst>
+          </p:cNvPr>
+          <p:cNvGrpSpPr/>
+          <p:nvPr/>
+        </p:nvGrpSpPr>
+        <p:grpSpPr>
+          <a:xfrm>
+            <a:off x="2630304" y="990526"/>
+            <a:ext cx="2336726" cy="4545247"/>
+            <a:chOff x="2630304" y="990526"/>
+            <a:chExt cx="2336726" cy="4545247"/>
+          </a:xfrm>
+        </p:grpSpPr>
+        <p:grpSp>
+          <p:nvGrpSpPr>
+            <p:cNvPr id="30" name="Group 29">
+              <a:extLst>
+                <a:ext uri="{FF2B5EF4-FFF2-40B4-BE49-F238E27FC236}">
+                  <a16:creationId xmlns:a16="http://schemas.microsoft.com/office/drawing/2014/main" id="{FC094812-C81D-CC50-6890-1F7A1118696B}"/>
+                </a:ext>
+              </a:extLst>
+            </p:cNvPr>
+            <p:cNvGrpSpPr/>
+            <p:nvPr/>
+          </p:nvGrpSpPr>
+          <p:grpSpPr>
+            <a:xfrm>
+              <a:off x="2630304" y="990526"/>
+              <a:ext cx="2336726" cy="1103177"/>
+              <a:chOff x="2630304" y="990526"/>
+              <a:chExt cx="2336726" cy="1103177"/>
+            </a:xfrm>
+          </p:grpSpPr>
+          <p:sp>
+            <p:nvSpPr>
+              <p:cNvPr id="108" name="Rounded Rectangle 62">
+                <a:extLst>
+                  <a:ext uri="{FF2B5EF4-FFF2-40B4-BE49-F238E27FC236}">
+                    <a16:creationId xmlns:a16="http://schemas.microsoft.com/office/drawing/2014/main" id="{594485E9-9FDD-42D9-A895-515379347D47}"/>
+                  </a:ext>
+                </a:extLst>
+              </p:cNvPr>
+              <p:cNvSpPr/>
+              <p:nvPr/>
+            </p:nvSpPr>
+            <p:spPr>
+              <a:xfrm>
+                <a:off x="2630304" y="990526"/>
+                <a:ext cx="2336726" cy="1103177"/>
+              </a:xfrm>
+              <a:prstGeom prst="roundRect">
+                <a:avLst>
+                  <a:gd name="adj" fmla="val 5059"/>
+                </a:avLst>
+              </a:prstGeom>
+              <a:solidFill>
+                <a:schemeClr val="bg1">
+                  <a:lumMod val="95000"/>
+                </a:schemeClr>
+              </a:solidFill>
+              <a:ln w="19050">
+                <a:noFill/>
+              </a:ln>
+              <a:effectLst>
+                <a:outerShdw blurRad="50800" dist="38100" dir="2700000" algn="tl" rotWithShape="0">
+                  <a:prstClr val="black">
+                    <a:alpha val="40000"/>
+                  </a:prstClr>
+                </a:outerShdw>
+              </a:effectLst>
+            </p:spPr>
+            <p:style>
+              <a:lnRef idx="2">
+                <a:schemeClr val="accent1">
+                  <a:shade val="50000"/>
+                </a:schemeClr>
+              </a:lnRef>
+              <a:fillRef idx="1">
+                <a:schemeClr val="accent1"/>
+              </a:fillRef>
+              <a:effectRef idx="0">
+                <a:schemeClr val="accent1"/>
+              </a:effectRef>
+              <a:fontRef idx="minor">
+                <a:schemeClr val="lt1"/>
+              </a:fontRef>
+            </p:style>
+            <p:txBody>
+              <a:bodyPr wrap="square" lIns="0" tIns="0" rIns="0" bIns="0" rtlCol="0" anchor="ctr"/>
+              <a:lstStyle/>
+              <a:p>
+                <a:pPr algn="ctr"/>
+                <a:endParaRPr lang="en-US" sz="1400" dirty="0">
+                  <a:solidFill>
+                    <a:schemeClr val="bg1">
+                      <a:lumMod val="95000"/>
+                    </a:schemeClr>
+                  </a:solidFill>
+                </a:endParaRPr>
+              </a:p>
+            </p:txBody>
+          </p:sp>
+          <p:sp>
+            <p:nvSpPr>
+              <p:cNvPr id="87" name="Rounded Rectangle 114">
+                <a:extLst>
+                  <a:ext uri="{FF2B5EF4-FFF2-40B4-BE49-F238E27FC236}">
+                    <a16:creationId xmlns:a16="http://schemas.microsoft.com/office/drawing/2014/main" id="{AB1FDF19-F29D-4188-9A76-717A2E2D4076}"/>
+                  </a:ext>
+                </a:extLst>
+              </p:cNvPr>
+              <p:cNvSpPr/>
+              <p:nvPr/>
+            </p:nvSpPr>
+            <p:spPr>
+              <a:xfrm>
+                <a:off x="2862563" y="1369657"/>
+                <a:ext cx="1872209" cy="555040"/>
+              </a:xfrm>
+              <a:prstGeom prst="roundRect">
+                <a:avLst>
+                  <a:gd name="adj" fmla="val 7230"/>
+                </a:avLst>
+              </a:prstGeom>
+              <a:solidFill>
+                <a:schemeClr val="tx1"/>
+              </a:solidFill>
+              <a:ln>
+                <a:noFill/>
+              </a:ln>
+              <a:effectLst>
+                <a:outerShdw blurRad="50800" dist="38100" dir="2700000" algn="tl" rotWithShape="0">
+                  <a:prstClr val="black">
+                    <a:alpha val="40000"/>
+                  </a:prstClr>
+                </a:outerShdw>
+              </a:effectLst>
+            </p:spPr>
+            <p:style>
+              <a:lnRef idx="2">
+                <a:schemeClr val="dk1">
+                  <a:shade val="50000"/>
+                </a:schemeClr>
+              </a:lnRef>
+              <a:fillRef idx="1">
+                <a:schemeClr val="dk1"/>
+              </a:fillRef>
+              <a:effectRef idx="0">
+                <a:schemeClr val="dk1"/>
+              </a:effectRef>
+              <a:fontRef idx="minor">
+                <a:schemeClr val="lt1"/>
+              </a:fontRef>
+            </p:style>
+            <p:txBody>
+              <a:bodyPr rtlCol="0" anchor="ctr"/>
+              <a:lstStyle/>
+              <a:p>
+                <a:pPr algn="ctr"/>
+                <a:r>
+                  <a:rPr lang="en-US" sz="1000" dirty="0">
+                    <a:solidFill>
+                      <a:srgbClr val="FFFFFF"/>
+                    </a:solidFill>
+                    <a:latin typeface="Source Sans Pro" panose="020B0503030403020204" pitchFamily="34" charset="0"/>
+                    <a:ea typeface="Source Sans Pro" panose="020B0503030403020204" pitchFamily="34" charset="0"/>
+                  </a:rPr>
+                  <a:t>Gradle Plugin</a:t>
+                </a:r>
+              </a:p>
+              <a:p>
+                <a:pPr algn="ctr"/>
+                <a:r>
+                  <a:rPr lang="en-US" sz="1000" dirty="0">
+                    <a:solidFill>
+                      <a:srgbClr val="FFFFFF"/>
+                    </a:solidFill>
+                    <a:latin typeface="Source Sans Pro" panose="020B0503030403020204" pitchFamily="34" charset="0"/>
+                    <a:ea typeface="Source Sans Pro" panose="020B0503030403020204" pitchFamily="34" charset="0"/>
+                  </a:rPr>
+                  <a:t>(Dependency Management and Build)</a:t>
+                </a:r>
+              </a:p>
+            </p:txBody>
+          </p:sp>
+          <p:sp>
+            <p:nvSpPr>
+              <p:cNvPr id="119" name="TextBox 118">
+                <a:extLst>
+                  <a:ext uri="{FF2B5EF4-FFF2-40B4-BE49-F238E27FC236}">
+                    <a16:creationId xmlns:a16="http://schemas.microsoft.com/office/drawing/2014/main" id="{75380A88-4537-46CC-BEB6-83BD464DA85A}"/>
+                  </a:ext>
+                </a:extLst>
+              </p:cNvPr>
+              <p:cNvSpPr txBox="1"/>
+              <p:nvPr/>
+            </p:nvSpPr>
+            <p:spPr>
+              <a:xfrm>
+                <a:off x="2654595" y="1043543"/>
+                <a:ext cx="1495718" cy="276999"/>
+              </a:xfrm>
+              <a:prstGeom prst="rect">
+                <a:avLst/>
+              </a:prstGeom>
+              <a:noFill/>
+            </p:spPr>
+            <p:txBody>
+              <a:bodyPr wrap="square" rtlCol="0">
+                <a:spAutoFit/>
+              </a:bodyPr>
+              <a:lstStyle/>
+              <a:p>
+                <a:r>
+                  <a:rPr lang="en-US" sz="1200" b="1" dirty="0">
+                    <a:latin typeface="Source Sans Pro SemiBold" charset="0"/>
+                    <a:ea typeface="Source Sans Pro SemiBold" charset="0"/>
+                    <a:cs typeface="Source Sans Pro SemiBold" charset="0"/>
+                  </a:rPr>
+                  <a:t>MICROEJ SDK</a:t>
+                </a:r>
+              </a:p>
+            </p:txBody>
+          </p:sp>
+        </p:grpSp>
+        <p:grpSp>
+          <p:nvGrpSpPr>
+            <p:cNvPr id="31" name="Group 30">
+              <a:extLst>
+                <a:ext uri="{FF2B5EF4-FFF2-40B4-BE49-F238E27FC236}">
+                  <a16:creationId xmlns:a16="http://schemas.microsoft.com/office/drawing/2014/main" id="{4C884401-36BA-D1DC-6079-A4DA21306382}"/>
+                </a:ext>
+              </a:extLst>
+            </p:cNvPr>
+            <p:cNvGrpSpPr/>
+            <p:nvPr/>
+          </p:nvGrpSpPr>
+          <p:grpSpPr>
+            <a:xfrm>
+              <a:off x="2750818" y="2276872"/>
+              <a:ext cx="2095698" cy="1796524"/>
+              <a:chOff x="2712904" y="2276872"/>
+              <a:chExt cx="2095698" cy="1796524"/>
+            </a:xfrm>
+          </p:grpSpPr>
+          <p:sp>
+            <p:nvSpPr>
+              <p:cNvPr id="112" name="Rounded Rectangle 62">
+                <a:extLst>
+                  <a:ext uri="{FF2B5EF4-FFF2-40B4-BE49-F238E27FC236}">
+                    <a16:creationId xmlns:a16="http://schemas.microsoft.com/office/drawing/2014/main" id="{532D9E35-28E9-4BFA-8137-0AE48A627B0F}"/>
+                  </a:ext>
+                </a:extLst>
+              </p:cNvPr>
+              <p:cNvSpPr/>
+              <p:nvPr/>
+            </p:nvSpPr>
+            <p:spPr>
+              <a:xfrm>
+                <a:off x="2712904" y="2276872"/>
+                <a:ext cx="2095698" cy="1796524"/>
+              </a:xfrm>
+              <a:prstGeom prst="roundRect">
+                <a:avLst>
+                  <a:gd name="adj" fmla="val 5059"/>
+                </a:avLst>
+              </a:prstGeom>
+              <a:solidFill>
+                <a:schemeClr val="bg1">
+                  <a:lumMod val="95000"/>
+                </a:schemeClr>
+              </a:solidFill>
+              <a:ln w="19050">
+                <a:noFill/>
+              </a:ln>
+              <a:effectLst>
+                <a:outerShdw blurRad="50800" dist="38100" dir="2700000" algn="tl" rotWithShape="0">
+                  <a:prstClr val="black">
+                    <a:alpha val="40000"/>
+                  </a:prstClr>
+                </a:outerShdw>
+              </a:effectLst>
+            </p:spPr>
+            <p:style>
+              <a:lnRef idx="2">
+                <a:schemeClr val="accent1">
+                  <a:shade val="50000"/>
+                </a:schemeClr>
+              </a:lnRef>
+              <a:fillRef idx="1">
+                <a:schemeClr val="accent1"/>
+              </a:fillRef>
+              <a:effectRef idx="0">
+                <a:schemeClr val="accent1"/>
+              </a:effectRef>
+              <a:fontRef idx="minor">
+                <a:schemeClr val="lt1"/>
+              </a:fontRef>
+            </p:style>
+            <p:txBody>
+              <a:bodyPr wrap="square" lIns="0" tIns="0" rIns="0" bIns="0" rtlCol="0" anchor="ctr"/>
+              <a:lstStyle/>
+              <a:p>
+                <a:pPr algn="ctr"/>
+                <a:endParaRPr lang="en-US" sz="1400" dirty="0">
+                  <a:solidFill>
+                    <a:schemeClr val="bg1">
+                      <a:lumMod val="95000"/>
+                    </a:schemeClr>
+                  </a:solidFill>
+                </a:endParaRPr>
+              </a:p>
+            </p:txBody>
+          </p:sp>
+          <p:sp>
+            <p:nvSpPr>
+              <p:cNvPr id="85" name="Rounded Rectangle 114">
+                <a:extLst>
+                  <a:ext uri="{FF2B5EF4-FFF2-40B4-BE49-F238E27FC236}">
+                    <a16:creationId xmlns:a16="http://schemas.microsoft.com/office/drawing/2014/main" id="{23B6A628-FCCC-4E65-8963-19973CA2E7D7}"/>
+                  </a:ext>
+                </a:extLst>
+              </p:cNvPr>
+              <p:cNvSpPr/>
+              <p:nvPr/>
+            </p:nvSpPr>
+            <p:spPr>
+              <a:xfrm>
+                <a:off x="2813534" y="3602292"/>
+                <a:ext cx="1872208" cy="255080"/>
+              </a:xfrm>
+              <a:prstGeom prst="roundRect">
+                <a:avLst>
+                  <a:gd name="adj" fmla="val 19644"/>
+                </a:avLst>
+              </a:prstGeom>
+              <a:gradFill>
+                <a:gsLst>
+                  <a:gs pos="42000">
+                    <a:schemeClr val="accent4"/>
+                  </a:gs>
+                  <a:gs pos="60000">
+                    <a:schemeClr val="accent6"/>
+                  </a:gs>
+                </a:gsLst>
+                <a:lin ang="2700000" scaled="1"/>
+              </a:gradFill>
+              <a:ln>
+                <a:noFill/>
+              </a:ln>
+              <a:effectLst>
+                <a:outerShdw blurRad="50800" dist="38100" dir="2700000" algn="tl" rotWithShape="0">
+                  <a:prstClr val="black">
+                    <a:alpha val="40000"/>
+                  </a:prstClr>
+                </a:outerShdw>
+              </a:effectLst>
+            </p:spPr>
+            <p:style>
+              <a:lnRef idx="2">
+                <a:schemeClr val="dk1">
+                  <a:shade val="50000"/>
+                </a:schemeClr>
+              </a:lnRef>
+              <a:fillRef idx="1">
+                <a:schemeClr val="dk1"/>
+              </a:fillRef>
+              <a:effectRef idx="0">
+                <a:schemeClr val="dk1"/>
+              </a:effectRef>
+              <a:fontRef idx="minor">
+                <a:schemeClr val="lt1"/>
+              </a:fontRef>
+            </p:style>
+            <p:txBody>
+              <a:bodyPr rtlCol="0" anchor="ctr"/>
+              <a:lstStyle/>
+              <a:p>
+                <a:pPr algn="ctr"/>
+                <a:r>
+                  <a:rPr lang="en-US" sz="1000" dirty="0">
+                    <a:solidFill>
+                      <a:srgbClr val="FFFFFF"/>
+                    </a:solidFill>
+                    <a:latin typeface="Source Sans Pro" panose="020B0503030403020204" pitchFamily="34" charset="0"/>
+                    <a:ea typeface="Source Sans Pro" panose="020B0503030403020204" pitchFamily="34" charset="0"/>
+                    <a:cs typeface="Arial" panose="020B0604020202020204" pitchFamily="34" charset="0"/>
+                  </a:rPr>
+                  <a:t>Application Projects</a:t>
+                </a:r>
+              </a:p>
+            </p:txBody>
+          </p:sp>
+          <p:sp>
+            <p:nvSpPr>
+              <p:cNvPr id="117" name="TextBox 116">
+                <a:extLst>
+                  <a:ext uri="{FF2B5EF4-FFF2-40B4-BE49-F238E27FC236}">
+                    <a16:creationId xmlns:a16="http://schemas.microsoft.com/office/drawing/2014/main" id="{7919CBE3-81C7-4DD0-94ED-87CCA9F5D8E8}"/>
+                  </a:ext>
+                </a:extLst>
+              </p:cNvPr>
+              <p:cNvSpPr txBox="1"/>
+              <p:nvPr/>
+            </p:nvSpPr>
+            <p:spPr>
+              <a:xfrm>
+                <a:off x="2757794" y="2311872"/>
+                <a:ext cx="1850359" cy="276999"/>
+              </a:xfrm>
+              <a:prstGeom prst="rect">
+                <a:avLst/>
+              </a:prstGeom>
+              <a:noFill/>
+            </p:spPr>
+            <p:txBody>
+              <a:bodyPr wrap="square" rtlCol="0">
+                <a:spAutoFit/>
+              </a:bodyPr>
+              <a:lstStyle>
+                <a:defPPr>
+                  <a:defRPr lang="en-US"/>
+                </a:defPPr>
+                <a:lvl1pPr>
+                  <a:defRPr sz="1200" b="1">
+                    <a:latin typeface="Source Sans Pro SemiBold" charset="0"/>
+                    <a:ea typeface="Source Sans Pro SemiBold" charset="0"/>
+                    <a:cs typeface="Source Sans Pro SemiBold" charset="0"/>
+                  </a:defRPr>
+                </a:lvl1pPr>
+              </a:lstStyle>
+              <a:p>
+                <a:r>
+                  <a:rPr lang="en-US" dirty="0"/>
+                  <a:t>MICROEJ SDK Workspace</a:t>
+                </a:r>
+              </a:p>
+            </p:txBody>
+          </p:sp>
+          <p:sp>
+            <p:nvSpPr>
+              <p:cNvPr id="121" name="Rounded Rectangle 114">
+                <a:extLst>
+                  <a:ext uri="{FF2B5EF4-FFF2-40B4-BE49-F238E27FC236}">
+                    <a16:creationId xmlns:a16="http://schemas.microsoft.com/office/drawing/2014/main" id="{C3BC971D-01A8-4300-B6EE-560EA7C7D394}"/>
+                  </a:ext>
+                </a:extLst>
+              </p:cNvPr>
+              <p:cNvSpPr/>
+              <p:nvPr/>
+            </p:nvSpPr>
+            <p:spPr>
+              <a:xfrm>
+                <a:off x="2813534" y="3177592"/>
+                <a:ext cx="1872208" cy="255080"/>
+              </a:xfrm>
+              <a:prstGeom prst="roundRect">
+                <a:avLst>
+                  <a:gd name="adj" fmla="val 19644"/>
+                </a:avLst>
+              </a:prstGeom>
+              <a:solidFill>
+                <a:schemeClr val="accent1"/>
+              </a:solidFill>
+              <a:ln>
+                <a:noFill/>
+              </a:ln>
+              <a:effectLst>
+                <a:outerShdw blurRad="50800" dist="38100" dir="2700000" algn="tl" rotWithShape="0">
+                  <a:prstClr val="black">
+                    <a:alpha val="40000"/>
+                  </a:prstClr>
+                </a:outerShdw>
+              </a:effectLst>
+            </p:spPr>
+            <p:style>
+              <a:lnRef idx="2">
+                <a:schemeClr val="dk1">
+                  <a:shade val="50000"/>
+                </a:schemeClr>
+              </a:lnRef>
+              <a:fillRef idx="1">
+                <a:schemeClr val="dk1"/>
+              </a:fillRef>
+              <a:effectRef idx="0">
+                <a:schemeClr val="dk1"/>
+              </a:effectRef>
+              <a:fontRef idx="minor">
+                <a:schemeClr val="lt1"/>
+              </a:fontRef>
+            </p:style>
+            <p:txBody>
+              <a:bodyPr rtlCol="0" anchor="ctr"/>
+              <a:lstStyle/>
+              <a:p>
+                <a:pPr algn="ctr"/>
+                <a:r>
+                  <a:rPr lang="en-US" sz="1000" dirty="0">
+                    <a:solidFill>
+                      <a:srgbClr val="FFFFFF"/>
+                    </a:solidFill>
+                    <a:latin typeface="Source Sans Pro" panose="020B0503030403020204" pitchFamily="34" charset="0"/>
+                    <a:ea typeface="Source Sans Pro" panose="020B0503030403020204" pitchFamily="34" charset="0"/>
+                  </a:rPr>
+                  <a:t>VEE Port Project</a:t>
+                </a:r>
+              </a:p>
+            </p:txBody>
+          </p:sp>
+          <p:sp>
+            <p:nvSpPr>
+              <p:cNvPr id="127" name="Rounded Rectangle 114">
+                <a:extLst>
+                  <a:ext uri="{FF2B5EF4-FFF2-40B4-BE49-F238E27FC236}">
+                    <a16:creationId xmlns:a16="http://schemas.microsoft.com/office/drawing/2014/main" id="{B2F17F48-047C-4B94-8A7C-566FCDAB4FFC}"/>
+                  </a:ext>
+                </a:extLst>
+              </p:cNvPr>
+              <p:cNvSpPr/>
+              <p:nvPr/>
+            </p:nvSpPr>
+            <p:spPr>
+              <a:xfrm>
+                <a:off x="2797204" y="2751407"/>
+                <a:ext cx="1872208" cy="255080"/>
+              </a:xfrm>
+              <a:prstGeom prst="roundRect">
+                <a:avLst>
+                  <a:gd name="adj" fmla="val 19644"/>
+                </a:avLst>
+              </a:prstGeom>
+              <a:solidFill>
+                <a:schemeClr val="accent1"/>
+              </a:solidFill>
+              <a:ln>
+                <a:noFill/>
+              </a:ln>
+              <a:effectLst>
+                <a:outerShdw blurRad="50800" dist="38100" dir="2700000" algn="tl" rotWithShape="0">
+                  <a:prstClr val="black">
+                    <a:alpha val="40000"/>
+                  </a:prstClr>
+                </a:outerShdw>
+              </a:effectLst>
+            </p:spPr>
+            <p:style>
+              <a:lnRef idx="2">
+                <a:schemeClr val="dk1">
+                  <a:shade val="50000"/>
+                </a:schemeClr>
+              </a:lnRef>
+              <a:fillRef idx="1">
+                <a:schemeClr val="dk1"/>
+              </a:fillRef>
+              <a:effectRef idx="0">
+                <a:schemeClr val="dk1"/>
+              </a:effectRef>
+              <a:fontRef idx="minor">
+                <a:schemeClr val="lt1"/>
+              </a:fontRef>
+            </p:style>
+            <p:txBody>
+              <a:bodyPr rtlCol="0" anchor="ctr"/>
+              <a:lstStyle/>
+              <a:p>
+                <a:pPr algn="ctr"/>
+                <a:r>
+                  <a:rPr lang="en-US" sz="1000" dirty="0" err="1">
+                    <a:solidFill>
+                      <a:srgbClr val="FFFFFF"/>
+                    </a:solidFill>
+                    <a:latin typeface="Source Sans Pro" panose="020B0503030403020204" pitchFamily="34" charset="0"/>
+                    <a:ea typeface="Source Sans Pro" panose="020B0503030403020204" pitchFamily="34" charset="0"/>
+                  </a:rPr>
+                  <a:t>MicroEJ</a:t>
+                </a:r>
+                <a:r>
+                  <a:rPr lang="en-US" sz="1000" dirty="0">
+                    <a:solidFill>
+                      <a:srgbClr val="FFFFFF"/>
+                    </a:solidFill>
+                    <a:latin typeface="Source Sans Pro" panose="020B0503030403020204" pitchFamily="34" charset="0"/>
+                    <a:ea typeface="Source Sans Pro" panose="020B0503030403020204" pitchFamily="34" charset="0"/>
+                  </a:rPr>
+                  <a:t> Architecture</a:t>
+                </a:r>
+              </a:p>
+            </p:txBody>
+          </p:sp>
+        </p:grpSp>
+        <p:grpSp>
+          <p:nvGrpSpPr>
+            <p:cNvPr id="32" name="Group 31">
+              <a:extLst>
+                <a:ext uri="{FF2B5EF4-FFF2-40B4-BE49-F238E27FC236}">
+                  <a16:creationId xmlns:a16="http://schemas.microsoft.com/office/drawing/2014/main" id="{84EFF0DA-8276-F6F8-C7A6-168352D4C4AB}"/>
+                </a:ext>
+              </a:extLst>
+            </p:cNvPr>
+            <p:cNvGrpSpPr/>
+            <p:nvPr/>
+          </p:nvGrpSpPr>
+          <p:grpSpPr>
+            <a:xfrm>
+              <a:off x="2750035" y="4700208"/>
+              <a:ext cx="2097265" cy="835565"/>
+              <a:chOff x="2711337" y="4700208"/>
+              <a:chExt cx="2097265" cy="835565"/>
+            </a:xfrm>
+          </p:grpSpPr>
+          <p:sp>
+            <p:nvSpPr>
+              <p:cNvPr id="46" name="Rounded Rectangle 62">
+                <a:extLst>
+                  <a:ext uri="{FF2B5EF4-FFF2-40B4-BE49-F238E27FC236}">
+                    <a16:creationId xmlns:a16="http://schemas.microsoft.com/office/drawing/2014/main" id="{7E5D9481-69B7-8D47-D7E7-AFDEE6590189}"/>
+                  </a:ext>
+                </a:extLst>
+              </p:cNvPr>
+              <p:cNvSpPr/>
+              <p:nvPr/>
+            </p:nvSpPr>
+            <p:spPr>
+              <a:xfrm>
+                <a:off x="2712904" y="4701922"/>
+                <a:ext cx="2095698" cy="833851"/>
+              </a:xfrm>
+              <a:prstGeom prst="roundRect">
+                <a:avLst>
+                  <a:gd name="adj" fmla="val 5059"/>
+                </a:avLst>
+              </a:prstGeom>
+              <a:solidFill>
+                <a:schemeClr val="bg1">
+                  <a:lumMod val="95000"/>
+                </a:schemeClr>
+              </a:solidFill>
+              <a:ln w="19050">
+                <a:noFill/>
+              </a:ln>
+              <a:effectLst>
+                <a:outerShdw blurRad="50800" dist="38100" dir="2700000" algn="tl" rotWithShape="0">
+                  <a:prstClr val="black">
+                    <a:alpha val="40000"/>
+                  </a:prstClr>
+                </a:outerShdw>
+              </a:effectLst>
+            </p:spPr>
+            <p:style>
+              <a:lnRef idx="2">
+                <a:schemeClr val="accent1">
+                  <a:shade val="50000"/>
+                </a:schemeClr>
+              </a:lnRef>
+              <a:fillRef idx="1">
+                <a:schemeClr val="accent1"/>
+              </a:fillRef>
+              <a:effectRef idx="0">
+                <a:schemeClr val="accent1"/>
+              </a:effectRef>
+              <a:fontRef idx="minor">
+                <a:schemeClr val="lt1"/>
+              </a:fontRef>
+            </p:style>
+            <p:txBody>
+              <a:bodyPr wrap="square" lIns="0" tIns="0" rIns="0" bIns="0" rtlCol="0" anchor="ctr"/>
+              <a:lstStyle/>
+              <a:p>
+                <a:pPr algn="ctr"/>
+                <a:endParaRPr lang="en-US" sz="1400" dirty="0">
+                  <a:solidFill>
+                    <a:schemeClr val="bg1">
+                      <a:lumMod val="95000"/>
+                    </a:schemeClr>
+                  </a:solidFill>
+                </a:endParaRPr>
+              </a:p>
+            </p:txBody>
+          </p:sp>
+          <p:sp>
+            <p:nvSpPr>
+              <p:cNvPr id="47" name="TextBox 46">
+                <a:extLst>
+                  <a:ext uri="{FF2B5EF4-FFF2-40B4-BE49-F238E27FC236}">
+                    <a16:creationId xmlns:a16="http://schemas.microsoft.com/office/drawing/2014/main" id="{68B668BA-D584-4A6B-FC8A-08A89BF97430}"/>
+                  </a:ext>
+                </a:extLst>
+              </p:cNvPr>
+              <p:cNvSpPr txBox="1"/>
+              <p:nvPr/>
+            </p:nvSpPr>
+            <p:spPr>
+              <a:xfrm>
+                <a:off x="2711337" y="4700208"/>
+                <a:ext cx="1260637" cy="276999"/>
+              </a:xfrm>
+              <a:prstGeom prst="rect">
+                <a:avLst/>
+              </a:prstGeom>
+              <a:noFill/>
+            </p:spPr>
+            <p:txBody>
+              <a:bodyPr wrap="square" rtlCol="0">
+                <a:spAutoFit/>
+              </a:bodyPr>
+              <a:lstStyle>
+                <a:defPPr>
+                  <a:defRPr lang="en-US"/>
+                </a:defPPr>
+                <a:lvl1pPr>
+                  <a:defRPr sz="1200" b="1">
+                    <a:latin typeface="Source Sans Pro SemiBold" charset="0"/>
+                    <a:ea typeface="Source Sans Pro SemiBold" charset="0"/>
+                    <a:cs typeface="Source Sans Pro SemiBold" charset="0"/>
+                  </a:defRPr>
+                </a:lvl1pPr>
+              </a:lstStyle>
+              <a:p>
+                <a:r>
+                  <a:rPr lang="en-US" dirty="0"/>
+                  <a:t>3rd Party SDK</a:t>
+                </a:r>
+              </a:p>
+            </p:txBody>
+          </p:sp>
+          <p:sp>
+            <p:nvSpPr>
+              <p:cNvPr id="129" name="Rounded Rectangle 114">
+                <a:extLst>
+                  <a:ext uri="{FF2B5EF4-FFF2-40B4-BE49-F238E27FC236}">
+                    <a16:creationId xmlns:a16="http://schemas.microsoft.com/office/drawing/2014/main" id="{86C790C5-092C-46A0-BE5E-8BE15DE5A4F7}"/>
+                  </a:ext>
+                </a:extLst>
+              </p:cNvPr>
+              <p:cNvSpPr/>
+              <p:nvPr/>
+            </p:nvSpPr>
+            <p:spPr>
+              <a:xfrm>
+                <a:off x="2806011" y="5128995"/>
+                <a:ext cx="1909485" cy="255080"/>
+              </a:xfrm>
+              <a:prstGeom prst="roundRect">
+                <a:avLst>
+                  <a:gd name="adj" fmla="val 19644"/>
+                </a:avLst>
+              </a:prstGeom>
+              <a:solidFill>
+                <a:schemeClr val="tx1"/>
+              </a:solidFill>
+              <a:ln>
+                <a:noFill/>
+              </a:ln>
+              <a:effectLst>
+                <a:outerShdw blurRad="50800" dist="38100" dir="2700000" algn="tl" rotWithShape="0">
+                  <a:prstClr val="black">
+                    <a:alpha val="40000"/>
+                  </a:prstClr>
+                </a:outerShdw>
+              </a:effectLst>
+            </p:spPr>
+            <p:style>
+              <a:lnRef idx="2">
+                <a:schemeClr val="dk1">
+                  <a:shade val="50000"/>
+                </a:schemeClr>
+              </a:lnRef>
+              <a:fillRef idx="1">
+                <a:schemeClr val="dk1"/>
+              </a:fillRef>
+              <a:effectRef idx="0">
+                <a:schemeClr val="dk1"/>
+              </a:effectRef>
+              <a:fontRef idx="minor">
+                <a:schemeClr val="lt1"/>
+              </a:fontRef>
+            </p:style>
+            <p:txBody>
+              <a:bodyPr rtlCol="0" anchor="ctr"/>
+              <a:lstStyle/>
+              <a:p>
+                <a:pPr algn="ctr"/>
+                <a:r>
+                  <a:rPr lang="en-US" sz="1000">
+                    <a:solidFill>
+                      <a:srgbClr val="FFFFFF"/>
+                    </a:solidFill>
+                    <a:latin typeface="Source Sans Pro" panose="020B0503030403020204" pitchFamily="34" charset="0"/>
+                    <a:ea typeface="Source Sans Pro" panose="020B0503030403020204" pitchFamily="34" charset="0"/>
+                  </a:rPr>
+                  <a:t>C Toolchain</a:t>
+                </a:r>
+              </a:p>
+            </p:txBody>
+          </p:sp>
+        </p:grpSp>
+      </p:grpSp>
+      <p:cxnSp>
+        <p:nvCxnSpPr>
+          <p:cNvPr id="55" name="Straight Arrow Connector 54">
+            <a:extLst>
+              <a:ext uri="{FF2B5EF4-FFF2-40B4-BE49-F238E27FC236}">
+                <a16:creationId xmlns:a16="http://schemas.microsoft.com/office/drawing/2014/main" id="{887968BA-8178-E44B-C493-45509761E072}"/>
+              </a:ext>
+            </a:extLst>
+          </p:cNvPr>
+          <p:cNvCxnSpPr>
+            <a:cxnSpLocks/>
+            <a:stCxn id="112" idx="2"/>
+          </p:cNvCxnSpPr>
+          <p:nvPr/>
+        </p:nvCxnSpPr>
+        <p:spPr>
+          <a:xfrm>
+            <a:off x="3798667" y="4073396"/>
+            <a:ext cx="0" cy="626812"/>
+          </a:xfrm>
+          <a:prstGeom prst="straightConnector1">
+            <a:avLst/>
+          </a:prstGeom>
+          <a:ln w="25400">
+            <a:solidFill>
+              <a:schemeClr val="bg2">
+                <a:lumMod val="75000"/>
+              </a:schemeClr>
+            </a:solidFill>
+            <a:tailEnd type="triangle"/>
+          </a:ln>
+        </p:spPr>
+        <p:style>
+          <a:lnRef idx="1">
+            <a:schemeClr val="accent1"/>
+          </a:lnRef>
+          <a:fillRef idx="0">
+            <a:schemeClr val="accent1"/>
+          </a:fillRef>
+          <a:effectRef idx="0">
+            <a:schemeClr val="accent1"/>
+          </a:effectRef>
+          <a:fontRef idx="minor">
+            <a:schemeClr val="tx1"/>
+          </a:fontRef>
+        </p:style>
+      </p:cxnSp>
+      <p:sp>
+        <p:nvSpPr>
+          <p:cNvPr id="57" name="TextBox 56">
+            <a:extLst>
+              <a:ext uri="{FF2B5EF4-FFF2-40B4-BE49-F238E27FC236}">
+                <a16:creationId xmlns:a16="http://schemas.microsoft.com/office/drawing/2014/main" id="{129F2CAE-F633-EDFD-94C3-26C8D12A7A25}"/>
+              </a:ext>
+            </a:extLst>
+          </p:cNvPr>
+          <p:cNvSpPr txBox="1"/>
+          <p:nvPr/>
+        </p:nvSpPr>
+        <p:spPr>
+          <a:xfrm>
+            <a:off x="2811820" y="4252415"/>
+            <a:ext cx="1071721" cy="145874"/>
+          </a:xfrm>
+          <a:prstGeom prst="rect">
+            <a:avLst/>
+          </a:prstGeom>
+          <a:noFill/>
+        </p:spPr>
+        <p:txBody>
+          <a:bodyPr vert="horz" wrap="square" lIns="0" tIns="0" rIns="0" bIns="0" numCol="1" spcCol="288000" rtlCol="0" anchor="t" anchorCtr="0">
+            <a:spAutoFit/>
+          </a:bodyPr>
+          <a:lstStyle/>
+          <a:p>
+            <a:pPr algn="ctr">
+              <a:lnSpc>
+                <a:spcPts val="1140"/>
+              </a:lnSpc>
+              <a:spcBef>
+                <a:spcPts val="0"/>
+              </a:spcBef>
+              <a:spcAft>
+                <a:spcPts val="600"/>
+              </a:spcAft>
+            </a:pPr>
+            <a:r>
+              <a:rPr lang="en-US" sz="1100" spc="0" dirty="0">
+                <a:ln>
+                  <a:noFill/>
+                </a:ln>
+                <a:solidFill>
+                  <a:schemeClr val="bg2">
+                    <a:lumMod val="75000"/>
+                  </a:schemeClr>
+                </a:solidFill>
+                <a:latin typeface="Source Sans Pro" panose="020B0503030403020204" pitchFamily="34" charset="0"/>
+                <a:ea typeface="Source Sans Pro" panose="020B0503030403020204" pitchFamily="34" charset="0"/>
+                <a:cs typeface="Source Sans Pro Light" charset="0"/>
+              </a:rPr>
+              <a:t>Compilation</a:t>
+            </a:r>
+          </a:p>
+        </p:txBody>
+      </p:sp>
+      <p:sp>
+        <p:nvSpPr>
+          <p:cNvPr id="58" name="Rounded Rectangle 114">
+            <a:extLst>
+              <a:ext uri="{FF2B5EF4-FFF2-40B4-BE49-F238E27FC236}">
+                <a16:creationId xmlns:a16="http://schemas.microsoft.com/office/drawing/2014/main" id="{61B23D28-46E0-4D50-CBB0-1CB2F60EE660}"/>
+              </a:ext>
+            </a:extLst>
+          </p:cNvPr>
+          <p:cNvSpPr/>
+          <p:nvPr/>
+        </p:nvSpPr>
+        <p:spPr>
+          <a:xfrm>
+            <a:off x="8420051" y="4335306"/>
+            <a:ext cx="1867691" cy="255080"/>
+          </a:xfrm>
+          <a:prstGeom prst="roundRect">
+            <a:avLst>
+              <a:gd name="adj" fmla="val 19644"/>
+            </a:avLst>
+          </a:prstGeom>
+          <a:solidFill>
+            <a:schemeClr val="accent1"/>
+          </a:solidFill>
+          <a:ln>
+            <a:noFill/>
+          </a:ln>
+          <a:effectLst>
+            <a:outerShdw blurRad="50800" dist="38100" dir="2700000" algn="tl" rotWithShape="0">
+              <a:prstClr val="black">
+                <a:alpha val="40000"/>
+              </a:prstClr>
+            </a:outerShdw>
+          </a:effectLst>
+        </p:spPr>
+        <p:style>
+          <a:lnRef idx="2">
+            <a:schemeClr val="dk1">
+              <a:shade val="50000"/>
+            </a:schemeClr>
+          </a:lnRef>
+          <a:fillRef idx="1">
+            <a:schemeClr val="dk1"/>
+          </a:fillRef>
+          <a:effectRef idx="0">
+            <a:schemeClr val="dk1"/>
+          </a:effectRef>
+          <a:fontRef idx="minor">
+            <a:schemeClr val="lt1"/>
+          </a:fontRef>
+        </p:style>
+        <p:txBody>
+          <a:bodyPr rtlCol="0" anchor="ctr"/>
+          <a:lstStyle/>
+          <a:p>
+            <a:pPr algn="ctr"/>
+            <a:r>
+              <a:rPr lang="en-US" sz="1000" dirty="0">
+                <a:solidFill>
+                  <a:srgbClr val="FFFFFF"/>
+                </a:solidFill>
+                <a:latin typeface="Source Sans Pro" panose="020B0503030403020204" pitchFamily="34" charset="0"/>
+                <a:ea typeface="Source Sans Pro" panose="020B0503030403020204" pitchFamily="34" charset="0"/>
+              </a:rPr>
+              <a:t>Central Repository</a:t>
+            </a:r>
+          </a:p>
+        </p:txBody>
+      </p:sp>
+      <p:sp>
+        <p:nvSpPr>
+          <p:cNvPr id="59" name="Rounded Rectangle 114">
+            <a:extLst>
+              <a:ext uri="{FF2B5EF4-FFF2-40B4-BE49-F238E27FC236}">
+                <a16:creationId xmlns:a16="http://schemas.microsoft.com/office/drawing/2014/main" id="{8297540B-AA08-C138-655A-5F1EBB3E8011}"/>
+              </a:ext>
+            </a:extLst>
+          </p:cNvPr>
+          <p:cNvSpPr/>
+          <p:nvPr/>
+        </p:nvSpPr>
+        <p:spPr>
+          <a:xfrm>
+            <a:off x="8420051" y="4636667"/>
+            <a:ext cx="1867691" cy="255080"/>
+          </a:xfrm>
+          <a:prstGeom prst="roundRect">
+            <a:avLst>
+              <a:gd name="adj" fmla="val 19644"/>
+            </a:avLst>
+          </a:prstGeom>
+          <a:solidFill>
+            <a:schemeClr val="accent1"/>
+          </a:solidFill>
+          <a:ln>
+            <a:noFill/>
+          </a:ln>
+          <a:effectLst>
+            <a:outerShdw blurRad="50800" dist="38100" dir="2700000" algn="tl" rotWithShape="0">
+              <a:prstClr val="black">
+                <a:alpha val="40000"/>
+              </a:prstClr>
+            </a:outerShdw>
+          </a:effectLst>
+        </p:spPr>
+        <p:style>
+          <a:lnRef idx="2">
+            <a:schemeClr val="dk1">
+              <a:shade val="50000"/>
+            </a:schemeClr>
+          </a:lnRef>
+          <a:fillRef idx="1">
+            <a:schemeClr val="dk1"/>
+          </a:fillRef>
+          <a:effectRef idx="0">
+            <a:schemeClr val="dk1"/>
+          </a:effectRef>
+          <a:fontRef idx="minor">
+            <a:schemeClr val="lt1"/>
+          </a:fontRef>
+        </p:style>
+        <p:txBody>
+          <a:bodyPr rtlCol="0" anchor="ctr"/>
+          <a:lstStyle/>
+          <a:p>
+            <a:pPr algn="ctr"/>
+            <a:r>
+              <a:rPr lang="en-US" sz="1000" dirty="0">
+                <a:solidFill>
+                  <a:srgbClr val="FFFFFF"/>
+                </a:solidFill>
+                <a:latin typeface="Source Sans Pro" panose="020B0503030403020204" pitchFamily="34" charset="0"/>
+                <a:ea typeface="Source Sans Pro" panose="020B0503030403020204" pitchFamily="34" charset="0"/>
+              </a:rPr>
+              <a:t>Developer Repository</a:t>
+            </a:r>
+          </a:p>
+        </p:txBody>
+      </p:sp>
       <p:grpSp>
         <p:nvGrpSpPr>
           <p:cNvPr id="13" name="Group 12">
@@ -34205,7 +35030,7 @@
         </p:nvGrpSpPr>
         <p:grpSpPr>
           <a:xfrm>
-            <a:off x="10872359" y="4419858"/>
+            <a:off x="10745549" y="3647595"/>
             <a:ext cx="983554" cy="457337"/>
             <a:chOff x="10380024" y="3627343"/>
             <a:chExt cx="983554" cy="457337"/>
@@ -34303,6 +35128,122 @@
       </p:grpSp>
       <p:grpSp>
         <p:nvGrpSpPr>
+          <p:cNvPr id="18" name="Group 17">
+            <a:extLst>
+              <a:ext uri="{FF2B5EF4-FFF2-40B4-BE49-F238E27FC236}">
+                <a16:creationId xmlns:a16="http://schemas.microsoft.com/office/drawing/2014/main" id="{20577EF6-586D-B50A-0B23-9C1B89AC070F}"/>
+              </a:ext>
+            </a:extLst>
+          </p:cNvPr>
+          <p:cNvGrpSpPr/>
+          <p:nvPr/>
+        </p:nvGrpSpPr>
+        <p:grpSpPr>
+          <a:xfrm>
+            <a:off x="10741839" y="4286105"/>
+            <a:ext cx="809742" cy="654044"/>
+            <a:chOff x="10318251" y="4159816"/>
+            <a:chExt cx="809742" cy="654044"/>
+          </a:xfrm>
+        </p:grpSpPr>
+        <p:pic>
+          <p:nvPicPr>
+            <p:cNvPr id="63" name="Picture 62">
+              <a:extLst>
+                <a:ext uri="{FF2B5EF4-FFF2-40B4-BE49-F238E27FC236}">
+                  <a16:creationId xmlns:a16="http://schemas.microsoft.com/office/drawing/2014/main" id="{7586B9B9-199C-2C06-8151-F727B7FD1027}"/>
+                </a:ext>
+              </a:extLst>
+            </p:cNvPr>
+            <p:cNvPicPr>
+              <a:picLocks noChangeAspect="1"/>
+            </p:cNvPicPr>
+            <p:nvPr/>
+          </p:nvPicPr>
+          <p:blipFill>
+            <a:blip r:embed="rId6">
+              <a:grayscl/>
+              <a:extLst>
+                <a:ext uri="{28A0092B-C50C-407E-A947-70E740481C1C}">
+                  <a14:useLocalDpi xmlns:a14="http://schemas.microsoft.com/office/drawing/2010/main" val="0"/>
+                </a:ext>
+              </a:extLst>
+            </a:blip>
+            <a:stretch>
+              <a:fillRect/>
+            </a:stretch>
+          </p:blipFill>
+          <p:spPr>
+            <a:xfrm>
+              <a:off x="10318251" y="4159816"/>
+              <a:ext cx="585416" cy="585416"/>
+            </a:xfrm>
+            <a:prstGeom prst="rect">
+              <a:avLst/>
+            </a:prstGeom>
+          </p:spPr>
+        </p:pic>
+        <p:sp>
+          <p:nvSpPr>
+            <p:cNvPr id="72" name="TextBox 71">
+              <a:extLst>
+                <a:ext uri="{FF2B5EF4-FFF2-40B4-BE49-F238E27FC236}">
+                  <a16:creationId xmlns:a16="http://schemas.microsoft.com/office/drawing/2014/main" id="{F5690783-B49E-64FC-8BD8-36771B4BA202}"/>
+                </a:ext>
+              </a:extLst>
+            </p:cNvPr>
+            <p:cNvSpPr txBox="1"/>
+            <p:nvPr/>
+          </p:nvSpPr>
+          <p:spPr>
+            <a:xfrm>
+              <a:off x="10385802" y="4644583"/>
+              <a:ext cx="742191" cy="169277"/>
+            </a:xfrm>
+            <a:prstGeom prst="rect">
+              <a:avLst/>
+            </a:prstGeom>
+            <a:noFill/>
+          </p:spPr>
+          <p:txBody>
+            <a:bodyPr vert="horz" wrap="none" lIns="0" tIns="0" rIns="0" bIns="0" numCol="1" spcCol="288000" rtlCol="0" anchor="t" anchorCtr="0">
+              <a:spAutoFit/>
+            </a:bodyPr>
+            <a:lstStyle/>
+            <a:p>
+              <a:pPr algn="l">
+                <a:spcBef>
+                  <a:spcPts val="0"/>
+                </a:spcBef>
+                <a:spcAft>
+                  <a:spcPts val="600"/>
+                </a:spcAft>
+              </a:pPr>
+              <a:r>
+                <a:rPr lang="en-US" sz="1100" spc="0" dirty="0" err="1">
+                  <a:ln>
+                    <a:noFill/>
+                  </a:ln>
+                  <a:latin typeface="Source Sans Pro" panose="020B0503030403020204" pitchFamily="34" charset="0"/>
+                  <a:ea typeface="Source Sans Pro" panose="020B0503030403020204" pitchFamily="34" charset="0"/>
+                  <a:cs typeface="Source Sans Pro Light" charset="0"/>
+                </a:rPr>
+                <a:t>microej.com</a:t>
+              </a:r>
+              <a:endParaRPr lang="en-US" sz="1100" spc="0" dirty="0">
+                <a:ln>
+                  <a:noFill/>
+                </a:ln>
+                <a:latin typeface="Source Sans Pro" panose="020B0503030403020204" pitchFamily="34" charset="0"/>
+                <a:ea typeface="Source Sans Pro" panose="020B0503030403020204" pitchFamily="34" charset="0"/>
+                <a:cs typeface="Source Sans Pro Light" charset="0"/>
+              </a:endParaRPr>
+            </a:p>
+          </p:txBody>
+        </p:sp>
+      </p:grpSp>
+      <p:grpSp>
+        <p:nvGrpSpPr>
           <p:cNvPr id="21" name="Group 20">
             <a:extLst>
               <a:ext uri="{FF2B5EF4-FFF2-40B4-BE49-F238E27FC236}">
@@ -34315,10 +35256,10 @@
         </p:nvGrpSpPr>
         <p:grpSpPr>
           <a:xfrm>
-            <a:off x="10737108" y="965465"/>
-            <a:ext cx="1165384" cy="616081"/>
-            <a:chOff x="10631447" y="894544"/>
-            <a:chExt cx="1165384" cy="616081"/>
+            <a:off x="10741839" y="965465"/>
+            <a:ext cx="1210726" cy="616081"/>
+            <a:chOff x="10636178" y="894544"/>
+            <a:chExt cx="1210726" cy="616081"/>
           </a:xfrm>
         </p:grpSpPr>
         <p:pic>
@@ -34372,7 +35313,7 @@
           </p:nvSpPr>
           <p:spPr>
             <a:xfrm>
-              <a:off x="10631447" y="1341348"/>
+              <a:off x="10681520" y="1341348"/>
               <a:ext cx="1165384" cy="169277"/>
             </a:xfrm>
             <a:prstGeom prst="rect">
@@ -34550,7 +35491,7 @@
         </p:nvGrpSpPr>
         <p:grpSpPr>
           <a:xfrm>
-            <a:off x="10930338" y="5028920"/>
+            <a:off x="10786683" y="5166504"/>
             <a:ext cx="1189926" cy="409155"/>
             <a:chOff x="10380024" y="5261013"/>
             <a:chExt cx="1189926" cy="409155"/>
@@ -34645,292 +35586,68 @@
       </p:grpSp>
       <p:sp>
         <p:nvSpPr>
-          <p:cNvPr id="27" name="Rounded Rectangle 26">
+          <p:cNvPr id="93" name="TextBox 92">
             <a:extLst>
               <a:ext uri="{FF2B5EF4-FFF2-40B4-BE49-F238E27FC236}">
-                <a16:creationId xmlns:a16="http://schemas.microsoft.com/office/drawing/2014/main" id="{B4A47375-DCDE-14F6-9C94-F1989FD8E545}"/>
+                <a16:creationId xmlns:a16="http://schemas.microsoft.com/office/drawing/2014/main" id="{BECCBD3C-2DE5-9942-867A-4574CF9D561C}"/>
               </a:ext>
             </a:extLst>
           </p:cNvPr>
-          <p:cNvSpPr/>
+          <p:cNvSpPr txBox="1"/>
           <p:nvPr/>
         </p:nvSpPr>
         <p:spPr>
           <a:xfrm>
-            <a:off x="8122914" y="1183707"/>
-            <a:ext cx="2494660" cy="1138920"/>
-          </a:xfrm>
-          <a:prstGeom prst="roundRect">
-            <a:avLst>
-              <a:gd name="adj" fmla="val 6304"/>
-            </a:avLst>
+            <a:off x="3634181" y="4426236"/>
+            <a:ext cx="900420" cy="145874"/>
+          </a:xfrm>
+          <a:prstGeom prst="rect">
+            <a:avLst/>
           </a:prstGeom>
-          <a:solidFill>
-            <a:schemeClr val="accent1"/>
-          </a:solidFill>
-          <a:ln>
-            <a:noFill/>
-          </a:ln>
-          <a:effectLst>
-            <a:outerShdw blurRad="50800" dist="38100" dir="2700000" algn="tl" rotWithShape="0">
-              <a:prstClr val="black">
-                <a:alpha val="40000"/>
-              </a:prstClr>
-            </a:outerShdw>
-          </a:effectLst>
-        </p:spPr>
-        <p:style>
-          <a:lnRef idx="2">
-            <a:schemeClr val="dk1">
-              <a:shade val="50000"/>
-            </a:schemeClr>
-          </a:lnRef>
-          <a:fillRef idx="1">
-            <a:schemeClr val="dk1"/>
-          </a:fillRef>
-          <a:effectRef idx="0">
-            <a:schemeClr val="dk1"/>
-          </a:effectRef>
-          <a:fontRef idx="minor">
-            <a:schemeClr val="lt1"/>
-          </a:fontRef>
-        </p:style>
+          <a:noFill/>
+        </p:spPr>
         <p:txBody>
-          <a:bodyPr rtlCol="0" anchor="ctr"/>
+          <a:bodyPr vert="horz" wrap="square" lIns="0" tIns="0" rIns="0" bIns="0" numCol="1" spcCol="288000" rtlCol="0" anchor="t" anchorCtr="0">
+            <a:spAutoFit/>
+          </a:bodyPr>
           <a:lstStyle/>
           <a:p>
             <a:pPr algn="ctr">
-              <a:defRPr/>
+              <a:lnSpc>
+                <a:spcPts val="1140"/>
+              </a:lnSpc>
+              <a:spcBef>
+                <a:spcPts val="0"/>
+              </a:spcBef>
+              <a:spcAft>
+                <a:spcPts val="600"/>
+              </a:spcAft>
             </a:pPr>
             <a:r>
-              <a:rPr lang="en-US" sz="1000" dirty="0">
-                <a:solidFill>
-                  <a:srgbClr val="FFFFFF"/>
+              <a:rPr lang="en-US" sz="1100" spc="0" dirty="0">
+                <a:ln>
+                  <a:noFill/>
+                </a:ln>
+                <a:solidFill>
+                  <a:schemeClr val="bg2">
+                    <a:lumMod val="75000"/>
+                  </a:schemeClr>
                 </a:solidFill>
                 <a:latin typeface="Source Sans Pro" panose="020B0503030403020204" pitchFamily="34" charset="0"/>
                 <a:ea typeface="Source Sans Pro" panose="020B0503030403020204" pitchFamily="34" charset="0"/>
-                <a:cs typeface="Arial" panose="020B0604020202020204" pitchFamily="34" charset="0"/>
+                <a:cs typeface="Source Sans Pro Light" charset="0"/>
               </a:rPr>
-              <a:t>Architecture </a:t>
-            </a:r>
-          </a:p>
-          <a:p>
-            <a:pPr algn="ctr">
-              <a:defRPr/>
-            </a:pPr>
-            <a:r>
-              <a:rPr lang="en-US" sz="1000" dirty="0">
-                <a:solidFill>
-                  <a:srgbClr val="FFFFFF"/>
-                </a:solidFill>
-                <a:latin typeface="Source Sans Pro" panose="020B0503030403020204" pitchFamily="34" charset="0"/>
-                <a:ea typeface="Source Sans Pro" panose="020B0503030403020204" pitchFamily="34" charset="0"/>
-                <a:cs typeface="Arial" panose="020B0604020202020204" pitchFamily="34" charset="0"/>
-              </a:rPr>
-              <a:t>(MEJ32 Core + Built-in Foundation Libraries + Simulator + Mockups)</a:t>
-            </a:r>
-          </a:p>
-          <a:p>
-            <a:pPr algn="ctr">
-              <a:defRPr/>
-            </a:pPr>
-            <a:endParaRPr lang="en-US" sz="1000" dirty="0">
-              <a:solidFill>
-                <a:srgbClr val="FFFFFF"/>
-              </a:solidFill>
-              <a:latin typeface="Source Sans Pro" panose="020B0503030403020204" pitchFamily="34" charset="0"/>
-              <a:ea typeface="Source Sans Pro" panose="020B0503030403020204" pitchFamily="34" charset="0"/>
-              <a:cs typeface="Source Sans Pro Light" charset="0"/>
-            </a:endParaRPr>
-          </a:p>
-          <a:p>
-            <a:pPr algn="ctr">
-              <a:defRPr/>
-            </a:pPr>
-            <a:endParaRPr lang="en-US" sz="1000" dirty="0">
-              <a:solidFill>
-                <a:srgbClr val="FFFFFF"/>
-              </a:solidFill>
-              <a:latin typeface="Source Sans Pro" panose="020B0503030403020204" pitchFamily="34" charset="0"/>
-              <a:ea typeface="Source Sans Pro" panose="020B0503030403020204" pitchFamily="34" charset="0"/>
-              <a:cs typeface="Source Sans Pro Light" charset="0"/>
-            </a:endParaRPr>
-          </a:p>
-          <a:p>
-            <a:pPr algn="ctr">
-              <a:defRPr/>
-            </a:pPr>
-            <a:endParaRPr lang="en-US" sz="1000" dirty="0">
-              <a:solidFill>
-                <a:srgbClr val="FFFFFF"/>
-              </a:solidFill>
-              <a:latin typeface="Source Sans Pro" panose="020B0503030403020204" pitchFamily="34" charset="0"/>
-              <a:ea typeface="Source Sans Pro" panose="020B0503030403020204" pitchFamily="34" charset="0"/>
-              <a:cs typeface="Source Sans Pro Light" charset="0"/>
-            </a:endParaRPr>
-          </a:p>
-          <a:p>
-            <a:pPr algn="ctr">
-              <a:defRPr/>
-            </a:pPr>
-            <a:endParaRPr lang="en-US" sz="1000" dirty="0">
-              <a:solidFill>
-                <a:srgbClr val="FFFFFF"/>
-              </a:solidFill>
-              <a:latin typeface="Source Sans Pro" panose="020B0503030403020204" pitchFamily="34" charset="0"/>
-              <a:ea typeface="Source Sans Pro" panose="020B0503030403020204" pitchFamily="34" charset="0"/>
-              <a:cs typeface="Source Sans Pro Light" charset="0"/>
-            </a:endParaRPr>
-          </a:p>
-        </p:txBody>
-      </p:sp>
-      <p:sp>
-        <p:nvSpPr>
-          <p:cNvPr id="36" name="Rounded Rectangle 35">
-            <a:extLst>
-              <a:ext uri="{FF2B5EF4-FFF2-40B4-BE49-F238E27FC236}">
-                <a16:creationId xmlns:a16="http://schemas.microsoft.com/office/drawing/2014/main" id="{1F959762-16C4-185E-956F-19D7A07C1B08}"/>
-              </a:ext>
-            </a:extLst>
-          </p:cNvPr>
-          <p:cNvSpPr/>
-          <p:nvPr/>
-        </p:nvSpPr>
-        <p:spPr>
-          <a:xfrm>
-            <a:off x="8857580" y="1785339"/>
-            <a:ext cx="402556" cy="397707"/>
-          </a:xfrm>
-          <a:prstGeom prst="roundRect">
-            <a:avLst>
-              <a:gd name="adj" fmla="val 7525"/>
-            </a:avLst>
-          </a:prstGeom>
-          <a:solidFill>
-            <a:schemeClr val="accent4"/>
-          </a:solidFill>
-          <a:ln w="9525">
-            <a:noFill/>
-          </a:ln>
-          <a:effectLst>
-            <a:outerShdw blurRad="50800" dist="38100" dir="2700000" algn="tl" rotWithShape="0">
-              <a:prstClr val="black">
-                <a:alpha val="40000"/>
-              </a:prstClr>
-            </a:outerShdw>
-          </a:effectLst>
-        </p:spPr>
-        <p:style>
-          <a:lnRef idx="2">
-            <a:schemeClr val="dk1">
-              <a:shade val="50000"/>
-            </a:schemeClr>
-          </a:lnRef>
-          <a:fillRef idx="1">
-            <a:schemeClr val="dk1"/>
-          </a:fillRef>
-          <a:effectRef idx="0">
-            <a:schemeClr val="dk1"/>
-          </a:effectRef>
-          <a:fontRef idx="minor">
-            <a:schemeClr val="lt1"/>
-          </a:fontRef>
-        </p:style>
-        <p:txBody>
-          <a:bodyPr rtlCol="0" anchor="ctr"/>
-          <a:lstStyle/>
-          <a:p>
-            <a:pPr algn="ctr"/>
-            <a:r>
-              <a:rPr lang="en-US" sz="1000" dirty="0">
-                <a:solidFill>
-                  <a:srgbClr val="FFFFFF"/>
-                </a:solidFill>
-                <a:latin typeface="Source Sans Pro" panose="020B0503030403020204" pitchFamily="34" charset="0"/>
-                <a:ea typeface="Source Sans Pro" panose="020B0503030403020204" pitchFamily="34" charset="0"/>
-              </a:rPr>
-              <a:t>M</a:t>
-            </a:r>
-          </a:p>
-        </p:txBody>
-      </p:sp>
-      <p:sp>
-        <p:nvSpPr>
-          <p:cNvPr id="37" name="Rounded Rectangle 36">
-            <a:extLst>
-              <a:ext uri="{FF2B5EF4-FFF2-40B4-BE49-F238E27FC236}">
-                <a16:creationId xmlns:a16="http://schemas.microsoft.com/office/drawing/2014/main" id="{D8195318-1DF2-24D4-08DC-6BA8152C0A8D}"/>
-              </a:ext>
-            </a:extLst>
-          </p:cNvPr>
-          <p:cNvSpPr/>
-          <p:nvPr/>
-        </p:nvSpPr>
-        <p:spPr>
-          <a:xfrm>
-            <a:off x="9437698" y="1785339"/>
-            <a:ext cx="444460" cy="404394"/>
-          </a:xfrm>
-          <a:prstGeom prst="roundRect">
-            <a:avLst>
-              <a:gd name="adj" fmla="val 7525"/>
-            </a:avLst>
-          </a:prstGeom>
-          <a:solidFill>
-            <a:schemeClr val="accent6"/>
-          </a:solidFill>
-          <a:ln w="9525">
-            <a:noFill/>
-          </a:ln>
-          <a:effectLst>
-            <a:outerShdw blurRad="50800" dist="38100" dir="2700000" algn="tl" rotWithShape="0">
-              <a:prstClr val="black">
-                <a:alpha val="40000"/>
-              </a:prstClr>
-            </a:outerShdw>
-          </a:effectLst>
-        </p:spPr>
-        <p:style>
-          <a:lnRef idx="2">
-            <a:schemeClr val="dk1">
-              <a:shade val="50000"/>
-            </a:schemeClr>
-          </a:lnRef>
-          <a:fillRef idx="1">
-            <a:schemeClr val="dk1"/>
-          </a:fillRef>
-          <a:effectRef idx="0">
-            <a:schemeClr val="dk1"/>
-          </a:effectRef>
-          <a:fontRef idx="minor">
-            <a:schemeClr val="lt1"/>
-          </a:fontRef>
-        </p:style>
-        <p:txBody>
-          <a:bodyPr rtlCol="0" anchor="ctr"/>
-          <a:lstStyle/>
-          <a:p>
-            <a:pPr algn="ctr"/>
-            <a:r>
-              <a:rPr lang="en-US" sz="1000" dirty="0">
-                <a:solidFill>
-                  <a:srgbClr val="FFFFFF"/>
-                </a:solidFill>
-                <a:latin typeface="Source Sans Pro" panose="020B0503030403020204" pitchFamily="34" charset="0"/>
-                <a:ea typeface="Source Sans Pro" panose="020B0503030403020204" pitchFamily="34" charset="0"/>
-                <a:cs typeface="Arial" panose="020B0604020202020204" pitchFamily="34" charset="0"/>
-              </a:rPr>
-              <a:t>N</a:t>
+              <a:t>Link</a:t>
             </a:r>
           </a:p>
         </p:txBody>
       </p:sp>
       <p:grpSp>
         <p:nvGrpSpPr>
-          <p:cNvPr id="38" name="Group 37">
+          <p:cNvPr id="44" name="Group 43">
             <a:extLst>
               <a:ext uri="{FF2B5EF4-FFF2-40B4-BE49-F238E27FC236}">
-                <a16:creationId xmlns:a16="http://schemas.microsoft.com/office/drawing/2014/main" id="{9067F4FF-C162-50E0-CD82-6B304F19742D}"/>
+                <a16:creationId xmlns:a16="http://schemas.microsoft.com/office/drawing/2014/main" id="{CBE4AD14-75D9-14B1-0A85-61E634183071}"/>
               </a:ext>
             </a:extLst>
           </p:cNvPr>
@@ -34939,18 +35656,18 @@
         </p:nvGrpSpPr>
         <p:grpSpPr>
           <a:xfrm>
-            <a:off x="10059721" y="1785339"/>
-            <a:ext cx="402556" cy="397707"/>
-            <a:chOff x="3684571" y="1736084"/>
-            <a:chExt cx="402556" cy="397707"/>
+            <a:off x="8138011" y="1136001"/>
+            <a:ext cx="2494660" cy="1138920"/>
+            <a:chOff x="8138011" y="1136001"/>
+            <a:chExt cx="2494660" cy="1138920"/>
           </a:xfrm>
         </p:grpSpPr>
         <p:sp>
           <p:nvSpPr>
-            <p:cNvPr id="39" name="Rounded Rectangle 38">
+            <p:cNvPr id="27" name="Rounded Rectangle 26">
               <a:extLst>
                 <a:ext uri="{FF2B5EF4-FFF2-40B4-BE49-F238E27FC236}">
-                  <a16:creationId xmlns:a16="http://schemas.microsoft.com/office/drawing/2014/main" id="{35938F13-5BE8-956B-2B6E-62E0DE3DC2B0}"/>
+                  <a16:creationId xmlns:a16="http://schemas.microsoft.com/office/drawing/2014/main" id="{B4A47375-DCDE-14F6-9C94-F1989FD8E545}"/>
                 </a:ext>
               </a:extLst>
             </p:cNvPr>
@@ -34959,7 +35676,142 @@
           </p:nvSpPr>
           <p:spPr>
             <a:xfrm>
-              <a:off x="3684571" y="1736084"/>
+              <a:off x="8138011" y="1136001"/>
+              <a:ext cx="2494660" cy="1138920"/>
+            </a:xfrm>
+            <a:prstGeom prst="roundRect">
+              <a:avLst>
+                <a:gd name="adj" fmla="val 6304"/>
+              </a:avLst>
+            </a:prstGeom>
+            <a:solidFill>
+              <a:schemeClr val="accent1"/>
+            </a:solidFill>
+            <a:ln>
+              <a:noFill/>
+            </a:ln>
+            <a:effectLst/>
+          </p:spPr>
+          <p:style>
+            <a:lnRef idx="2">
+              <a:schemeClr val="dk1">
+                <a:shade val="50000"/>
+              </a:schemeClr>
+            </a:lnRef>
+            <a:fillRef idx="1">
+              <a:schemeClr val="dk1"/>
+            </a:fillRef>
+            <a:effectRef idx="0">
+              <a:schemeClr val="dk1"/>
+            </a:effectRef>
+            <a:fontRef idx="minor">
+              <a:schemeClr val="lt1"/>
+            </a:fontRef>
+          </p:style>
+          <p:txBody>
+            <a:bodyPr rtlCol="0" anchor="ctr"/>
+            <a:lstStyle/>
+            <a:p>
+              <a:pPr algn="ctr">
+                <a:defRPr/>
+              </a:pPr>
+              <a:r>
+                <a:rPr lang="en-US" sz="1000" dirty="0">
+                  <a:solidFill>
+                    <a:srgbClr val="FFFFFF"/>
+                  </a:solidFill>
+                  <a:latin typeface="Source Sans Pro" panose="020B0503030403020204" pitchFamily="34" charset="0"/>
+                  <a:ea typeface="Source Sans Pro" panose="020B0503030403020204" pitchFamily="34" charset="0"/>
+                  <a:cs typeface="Arial" panose="020B0604020202020204" pitchFamily="34" charset="0"/>
+                </a:rPr>
+                <a:t>MICROEJ VEE Architecture </a:t>
+              </a:r>
+            </a:p>
+            <a:p>
+              <a:pPr algn="ctr">
+                <a:defRPr/>
+              </a:pPr>
+              <a:r>
+                <a:rPr lang="en-US" sz="1000" dirty="0">
+                  <a:solidFill>
+                    <a:srgbClr val="FFFFFF"/>
+                  </a:solidFill>
+                  <a:latin typeface="Source Sans Pro" panose="020B0503030403020204" pitchFamily="34" charset="0"/>
+                  <a:ea typeface="Source Sans Pro" panose="020B0503030403020204" pitchFamily="34" charset="0"/>
+                  <a:cs typeface="Arial" panose="020B0604020202020204" pitchFamily="34" charset="0"/>
+                </a:rPr>
+                <a:t>(MEJ32 Core + Built-in Foundation Libraries + Simulator + Mockups)</a:t>
+              </a:r>
+            </a:p>
+            <a:p>
+              <a:pPr algn="ctr">
+                <a:defRPr/>
+              </a:pPr>
+              <a:endParaRPr lang="en-US" sz="1000" dirty="0">
+                <a:solidFill>
+                  <a:srgbClr val="FFFFFF"/>
+                </a:solidFill>
+                <a:latin typeface="Source Sans Pro" panose="020B0503030403020204" pitchFamily="34" charset="0"/>
+                <a:ea typeface="Source Sans Pro" panose="020B0503030403020204" pitchFamily="34" charset="0"/>
+                <a:cs typeface="Source Sans Pro Light" charset="0"/>
+              </a:endParaRPr>
+            </a:p>
+            <a:p>
+              <a:pPr algn="ctr">
+                <a:defRPr/>
+              </a:pPr>
+              <a:endParaRPr lang="en-US" sz="1000" dirty="0">
+                <a:solidFill>
+                  <a:srgbClr val="FFFFFF"/>
+                </a:solidFill>
+                <a:latin typeface="Source Sans Pro" panose="020B0503030403020204" pitchFamily="34" charset="0"/>
+                <a:ea typeface="Source Sans Pro" panose="020B0503030403020204" pitchFamily="34" charset="0"/>
+                <a:cs typeface="Source Sans Pro Light" charset="0"/>
+              </a:endParaRPr>
+            </a:p>
+            <a:p>
+              <a:pPr algn="ctr">
+                <a:defRPr/>
+              </a:pPr>
+              <a:endParaRPr lang="en-US" sz="1000" dirty="0">
+                <a:solidFill>
+                  <a:srgbClr val="FFFFFF"/>
+                </a:solidFill>
+                <a:latin typeface="Source Sans Pro" panose="020B0503030403020204" pitchFamily="34" charset="0"/>
+                <a:ea typeface="Source Sans Pro" panose="020B0503030403020204" pitchFamily="34" charset="0"/>
+                <a:cs typeface="Source Sans Pro Light" charset="0"/>
+              </a:endParaRPr>
+            </a:p>
+            <a:p>
+              <a:pPr algn="ctr">
+                <a:defRPr/>
+              </a:pPr>
+              <a:endParaRPr lang="en-US" sz="1000" dirty="0">
+                <a:solidFill>
+                  <a:srgbClr val="FFFFFF"/>
+                </a:solidFill>
+                <a:latin typeface="Source Sans Pro" panose="020B0503030403020204" pitchFamily="34" charset="0"/>
+                <a:ea typeface="Source Sans Pro" panose="020B0503030403020204" pitchFamily="34" charset="0"/>
+                <a:cs typeface="Source Sans Pro Light" charset="0"/>
+              </a:endParaRPr>
+            </a:p>
+          </p:txBody>
+        </p:sp>
+        <p:sp>
+          <p:nvSpPr>
+            <p:cNvPr id="36" name="Rounded Rectangle 35">
+              <a:extLst>
+                <a:ext uri="{FF2B5EF4-FFF2-40B4-BE49-F238E27FC236}">
+                  <a16:creationId xmlns:a16="http://schemas.microsoft.com/office/drawing/2014/main" id="{1F959762-16C4-185E-956F-19D7A07C1B08}"/>
+                </a:ext>
+              </a:extLst>
+            </p:cNvPr>
+            <p:cNvSpPr/>
+            <p:nvPr/>
+          </p:nvSpPr>
+          <p:spPr>
+            <a:xfrm>
+              <a:off x="8857580" y="1785339"/>
               <a:ext cx="402556" cy="397707"/>
             </a:xfrm>
             <a:prstGeom prst="roundRect">
@@ -34968,7 +35820,7 @@
               </a:avLst>
             </a:prstGeom>
             <a:solidFill>
-              <a:schemeClr val="accent2"/>
+              <a:schemeClr val="accent4"/>
             </a:solidFill>
             <a:ln w="9525">
               <a:noFill/>
@@ -35002,74 +35854,25 @@
             <a:lstStyle/>
             <a:p>
               <a:pPr algn="ctr"/>
-              <a:endParaRPr lang="en-US" sz="1000" dirty="0">
-                <a:solidFill>
-                  <a:srgbClr val="FFFFFF"/>
-                </a:solidFill>
-                <a:latin typeface="Source Sans Pro" panose="020B0503030403020204" pitchFamily="34" charset="0"/>
-                <a:ea typeface="Source Sans Pro" panose="020B0503030403020204" pitchFamily="34" charset="0"/>
-                <a:cs typeface="Arial" panose="020B0604020202020204" pitchFamily="34" charset="0"/>
-              </a:endParaRPr>
+              <a:r>
+                <a:rPr lang="en-US" sz="1000" dirty="0">
+                  <a:solidFill>
+                    <a:srgbClr val="FFFFFF"/>
+                  </a:solidFill>
+                  <a:latin typeface="Source Sans Pro" panose="020B0503030403020204" pitchFamily="34" charset="0"/>
+                  <a:ea typeface="Source Sans Pro" panose="020B0503030403020204" pitchFamily="34" charset="0"/>
+                </a:rPr>
+                <a:t>M</a:t>
+              </a:r>
             </a:p>
           </p:txBody>
         </p:sp>
-        <p:pic>
-          <p:nvPicPr>
-            <p:cNvPr id="40" name="Picture 39">
+        <p:sp>
+          <p:nvSpPr>
+            <p:cNvPr id="37" name="Rounded Rectangle 36">
               <a:extLst>
                 <a:ext uri="{FF2B5EF4-FFF2-40B4-BE49-F238E27FC236}">
-                  <a16:creationId xmlns:a16="http://schemas.microsoft.com/office/drawing/2014/main" id="{6A3EE33D-0EFF-DD21-AF22-05E2BD3E8EEC}"/>
-                </a:ext>
-              </a:extLst>
-            </p:cNvPr>
-            <p:cNvPicPr>
-              <a:picLocks noChangeAspect="1"/>
-            </p:cNvPicPr>
-            <p:nvPr/>
-          </p:nvPicPr>
-          <p:blipFill>
-            <a:blip r:embed="rId9"/>
-            <a:stretch>
-              <a:fillRect/>
-            </a:stretch>
-          </p:blipFill>
-          <p:spPr>
-            <a:xfrm>
-              <a:off x="3727874" y="1796516"/>
-              <a:ext cx="332460" cy="276842"/>
-            </a:xfrm>
-            <a:prstGeom prst="rect">
-              <a:avLst/>
-            </a:prstGeom>
-          </p:spPr>
-        </p:pic>
-      </p:grpSp>
-      <p:grpSp>
-        <p:nvGrpSpPr>
-          <p:cNvPr id="35" name="Group 34">
-            <a:extLst>
-              <a:ext uri="{FF2B5EF4-FFF2-40B4-BE49-F238E27FC236}">
-                <a16:creationId xmlns:a16="http://schemas.microsoft.com/office/drawing/2014/main" id="{D21453AB-403C-B0F1-4968-C5F9FB55EA86}"/>
-              </a:ext>
-            </a:extLst>
-          </p:cNvPr>
-          <p:cNvGrpSpPr/>
-          <p:nvPr/>
-        </p:nvGrpSpPr>
-        <p:grpSpPr>
-          <a:xfrm>
-            <a:off x="8277462" y="1785339"/>
-            <a:ext cx="402556" cy="397707"/>
-            <a:chOff x="8209128" y="1796911"/>
-            <a:chExt cx="402556" cy="397707"/>
-          </a:xfrm>
-        </p:grpSpPr>
-        <p:sp>
-          <p:nvSpPr>
-            <p:cNvPr id="34" name="Rounded Rectangle 33">
-              <a:extLst>
-                <a:ext uri="{FF2B5EF4-FFF2-40B4-BE49-F238E27FC236}">
-                  <a16:creationId xmlns:a16="http://schemas.microsoft.com/office/drawing/2014/main" id="{86A361AB-0AF4-11C4-9DE9-913AE924566F}"/>
+                  <a16:creationId xmlns:a16="http://schemas.microsoft.com/office/drawing/2014/main" id="{D8195318-1DF2-24D4-08DC-6BA8152C0A8D}"/>
                 </a:ext>
               </a:extLst>
             </p:cNvPr>
@@ -35078,8 +35881,8 @@
           </p:nvSpPr>
           <p:spPr>
             <a:xfrm>
-              <a:off x="8209128" y="1796911"/>
-              <a:ext cx="402556" cy="397707"/>
+              <a:off x="9437698" y="1785339"/>
+              <a:ext cx="444460" cy="404394"/>
             </a:xfrm>
             <a:prstGeom prst="roundRect">
               <a:avLst>
@@ -35087,9 +35890,9 @@
               </a:avLst>
             </a:prstGeom>
             <a:solidFill>
-              <a:schemeClr val="bg1"/>
+              <a:schemeClr val="accent6"/>
             </a:solidFill>
-            <a:ln>
+            <a:ln w="9525">
               <a:noFill/>
             </a:ln>
             <a:effectLst>
@@ -35120,57 +35923,368 @@
             <a:bodyPr rtlCol="0" anchor="ctr"/>
             <a:lstStyle/>
             <a:p>
-              <a:pPr algn="ctr">
-                <a:defRPr/>
-              </a:pPr>
-              <a:endParaRPr lang="en-US" sz="1000" dirty="0">
-                <a:solidFill>
-                  <a:srgbClr val="FFFFFF"/>
-                </a:solidFill>
-                <a:latin typeface="Source Sans Pro Light" charset="0"/>
-                <a:ea typeface="Source Sans Pro Light" charset="0"/>
-                <a:cs typeface="Source Sans Pro Light" charset="0"/>
-              </a:endParaRPr>
+              <a:pPr algn="ctr"/>
+              <a:r>
+                <a:rPr lang="en-US" sz="1000" dirty="0">
+                  <a:solidFill>
+                    <a:srgbClr val="FFFFFF"/>
+                  </a:solidFill>
+                  <a:latin typeface="Source Sans Pro" panose="020B0503030403020204" pitchFamily="34" charset="0"/>
+                  <a:ea typeface="Source Sans Pro" panose="020B0503030403020204" pitchFamily="34" charset="0"/>
+                  <a:cs typeface="Arial" panose="020B0604020202020204" pitchFamily="34" charset="0"/>
+                </a:rPr>
+                <a:t>N</a:t>
+              </a:r>
             </a:p>
           </p:txBody>
         </p:sp>
-        <p:pic>
-          <p:nvPicPr>
-            <p:cNvPr id="94" name="Picture 93">
+        <p:grpSp>
+          <p:nvGrpSpPr>
+            <p:cNvPr id="38" name="Group 37">
               <a:extLst>
                 <a:ext uri="{FF2B5EF4-FFF2-40B4-BE49-F238E27FC236}">
-                  <a16:creationId xmlns:a16="http://schemas.microsoft.com/office/drawing/2014/main" id="{38B4B7AC-D94A-0CE8-8760-3C367A475B74}"/>
+                  <a16:creationId xmlns:a16="http://schemas.microsoft.com/office/drawing/2014/main" id="{9067F4FF-C162-50E0-CD82-6B304F19742D}"/>
                 </a:ext>
               </a:extLst>
             </p:cNvPr>
-            <p:cNvPicPr>
-              <a:picLocks noChangeAspect="1"/>
-            </p:cNvPicPr>
+            <p:cNvGrpSpPr/>
             <p:nvPr/>
-          </p:nvPicPr>
-          <p:blipFill>
-            <a:blip r:embed="rId10">
+          </p:nvGrpSpPr>
+          <p:grpSpPr>
+            <a:xfrm>
+              <a:off x="10059721" y="1785339"/>
+              <a:ext cx="402556" cy="397707"/>
+              <a:chOff x="3684571" y="1736084"/>
+              <a:chExt cx="402556" cy="397707"/>
+            </a:xfrm>
+          </p:grpSpPr>
+          <p:sp>
+            <p:nvSpPr>
+              <p:cNvPr id="39" name="Rounded Rectangle 38">
+                <a:extLst>
+                  <a:ext uri="{FF2B5EF4-FFF2-40B4-BE49-F238E27FC236}">
+                    <a16:creationId xmlns:a16="http://schemas.microsoft.com/office/drawing/2014/main" id="{35938F13-5BE8-956B-2B6E-62E0DE3DC2B0}"/>
+                  </a:ext>
+                </a:extLst>
+              </p:cNvPr>
+              <p:cNvSpPr/>
+              <p:nvPr/>
+            </p:nvSpPr>
+            <p:spPr>
+              <a:xfrm>
+                <a:off x="3684571" y="1736084"/>
+                <a:ext cx="402556" cy="397707"/>
+              </a:xfrm>
+              <a:prstGeom prst="roundRect">
+                <a:avLst>
+                  <a:gd name="adj" fmla="val 7525"/>
+                </a:avLst>
+              </a:prstGeom>
+              <a:solidFill>
+                <a:schemeClr val="accent2"/>
+              </a:solidFill>
+              <a:ln w="9525">
+                <a:noFill/>
+              </a:ln>
+              <a:effectLst>
+                <a:outerShdw blurRad="50800" dist="38100" dir="2700000" algn="tl" rotWithShape="0">
+                  <a:prstClr val="black">
+                    <a:alpha val="40000"/>
+                  </a:prstClr>
+                </a:outerShdw>
+              </a:effectLst>
+            </p:spPr>
+            <p:style>
+              <a:lnRef idx="2">
+                <a:schemeClr val="dk1">
+                  <a:shade val="50000"/>
+                </a:schemeClr>
+              </a:lnRef>
+              <a:fillRef idx="1">
+                <a:schemeClr val="dk1"/>
+              </a:fillRef>
+              <a:effectRef idx="0">
+                <a:schemeClr val="dk1"/>
+              </a:effectRef>
+              <a:fontRef idx="minor">
+                <a:schemeClr val="lt1"/>
+              </a:fontRef>
+            </p:style>
+            <p:txBody>
+              <a:bodyPr rtlCol="0" anchor="ctr"/>
+              <a:lstStyle/>
+              <a:p>
+                <a:pPr algn="ctr"/>
+                <a:endParaRPr lang="en-US" sz="1000" dirty="0">
+                  <a:solidFill>
+                    <a:srgbClr val="FFFFFF"/>
+                  </a:solidFill>
+                  <a:latin typeface="Source Sans Pro" panose="020B0503030403020204" pitchFamily="34" charset="0"/>
+                  <a:ea typeface="Source Sans Pro" panose="020B0503030403020204" pitchFamily="34" charset="0"/>
+                  <a:cs typeface="Arial" panose="020B0604020202020204" pitchFamily="34" charset="0"/>
+                </a:endParaRPr>
+              </a:p>
+            </p:txBody>
+          </p:sp>
+          <p:pic>
+            <p:nvPicPr>
+              <p:cNvPr id="40" name="Picture 39">
+                <a:extLst>
+                  <a:ext uri="{FF2B5EF4-FFF2-40B4-BE49-F238E27FC236}">
+                    <a16:creationId xmlns:a16="http://schemas.microsoft.com/office/drawing/2014/main" id="{6A3EE33D-0EFF-DD21-AF22-05E2BD3E8EEC}"/>
+                  </a:ext>
+                </a:extLst>
+              </p:cNvPr>
+              <p:cNvPicPr>
+                <a:picLocks noChangeAspect="1"/>
+              </p:cNvPicPr>
+              <p:nvPr/>
+            </p:nvPicPr>
+            <p:blipFill>
+              <a:blip r:embed="rId9"/>
+              <a:stretch>
+                <a:fillRect/>
+              </a:stretch>
+            </p:blipFill>
+            <p:spPr>
+              <a:xfrm>
+                <a:off x="3727874" y="1796516"/>
+                <a:ext cx="332460" cy="276842"/>
+              </a:xfrm>
+              <a:prstGeom prst="rect">
+                <a:avLst/>
+              </a:prstGeom>
+            </p:spPr>
+          </p:pic>
+        </p:grpSp>
+        <p:grpSp>
+          <p:nvGrpSpPr>
+            <p:cNvPr id="35" name="Group 34">
               <a:extLst>
-                <a:ext uri="{28A0092B-C50C-407E-A947-70E740481C1C}">
-                  <a14:useLocalDpi xmlns:a14="http://schemas.microsoft.com/office/drawing/2010/main" val="0"/>
+                <a:ext uri="{FF2B5EF4-FFF2-40B4-BE49-F238E27FC236}">
+                  <a16:creationId xmlns:a16="http://schemas.microsoft.com/office/drawing/2014/main" id="{D21453AB-403C-B0F1-4968-C5F9FB55EA86}"/>
                 </a:ext>
               </a:extLst>
-            </a:blip>
-            <a:stretch>
-              <a:fillRect/>
-            </a:stretch>
-          </p:blipFill>
-          <p:spPr>
+            </p:cNvPr>
+            <p:cNvGrpSpPr/>
+            <p:nvPr/>
+          </p:nvGrpSpPr>
+          <p:grpSpPr>
             <a:xfrm>
-              <a:off x="8256240" y="1840725"/>
-              <a:ext cx="293677" cy="296036"/>
+              <a:off x="8277462" y="1785339"/>
+              <a:ext cx="402556" cy="397707"/>
+              <a:chOff x="8209128" y="1796911"/>
+              <a:chExt cx="402556" cy="397707"/>
             </a:xfrm>
-            <a:prstGeom prst="rect">
-              <a:avLst/>
-            </a:prstGeom>
-          </p:spPr>
-        </p:pic>
+          </p:grpSpPr>
+          <p:sp>
+            <p:nvSpPr>
+              <p:cNvPr id="34" name="Rounded Rectangle 33">
+                <a:extLst>
+                  <a:ext uri="{FF2B5EF4-FFF2-40B4-BE49-F238E27FC236}">
+                    <a16:creationId xmlns:a16="http://schemas.microsoft.com/office/drawing/2014/main" id="{86A361AB-0AF4-11C4-9DE9-913AE924566F}"/>
+                  </a:ext>
+                </a:extLst>
+              </p:cNvPr>
+              <p:cNvSpPr/>
+              <p:nvPr/>
+            </p:nvSpPr>
+            <p:spPr>
+              <a:xfrm>
+                <a:off x="8209128" y="1796911"/>
+                <a:ext cx="402556" cy="397707"/>
+              </a:xfrm>
+              <a:prstGeom prst="roundRect">
+                <a:avLst>
+                  <a:gd name="adj" fmla="val 7525"/>
+                </a:avLst>
+              </a:prstGeom>
+              <a:solidFill>
+                <a:schemeClr val="bg1"/>
+              </a:solidFill>
+              <a:ln>
+                <a:noFill/>
+              </a:ln>
+              <a:effectLst>
+                <a:outerShdw blurRad="50800" dist="38100" dir="2700000" algn="tl" rotWithShape="0">
+                  <a:prstClr val="black">
+                    <a:alpha val="40000"/>
+                  </a:prstClr>
+                </a:outerShdw>
+              </a:effectLst>
+            </p:spPr>
+            <p:style>
+              <a:lnRef idx="2">
+                <a:schemeClr val="dk1">
+                  <a:shade val="50000"/>
+                </a:schemeClr>
+              </a:lnRef>
+              <a:fillRef idx="1">
+                <a:schemeClr val="dk1"/>
+              </a:fillRef>
+              <a:effectRef idx="0">
+                <a:schemeClr val="dk1"/>
+              </a:effectRef>
+              <a:fontRef idx="minor">
+                <a:schemeClr val="lt1"/>
+              </a:fontRef>
+            </p:style>
+            <p:txBody>
+              <a:bodyPr rtlCol="0" anchor="ctr"/>
+              <a:lstStyle/>
+              <a:p>
+                <a:pPr algn="ctr">
+                  <a:defRPr/>
+                </a:pPr>
+                <a:endParaRPr lang="en-US" sz="1000" dirty="0">
+                  <a:solidFill>
+                    <a:srgbClr val="FFFFFF"/>
+                  </a:solidFill>
+                  <a:latin typeface="Source Sans Pro Light" charset="0"/>
+                  <a:ea typeface="Source Sans Pro Light" charset="0"/>
+                  <a:cs typeface="Source Sans Pro Light" charset="0"/>
+                </a:endParaRPr>
+              </a:p>
+            </p:txBody>
+          </p:sp>
+          <p:pic>
+            <p:nvPicPr>
+              <p:cNvPr id="94" name="Picture 93">
+                <a:extLst>
+                  <a:ext uri="{FF2B5EF4-FFF2-40B4-BE49-F238E27FC236}">
+                    <a16:creationId xmlns:a16="http://schemas.microsoft.com/office/drawing/2014/main" id="{38B4B7AC-D94A-0CE8-8760-3C367A475B74}"/>
+                  </a:ext>
+                </a:extLst>
+              </p:cNvPr>
+              <p:cNvPicPr>
+                <a:picLocks noChangeAspect="1"/>
+              </p:cNvPicPr>
+              <p:nvPr/>
+            </p:nvPicPr>
+            <p:blipFill>
+              <a:blip r:embed="rId10">
+                <a:extLst>
+                  <a:ext uri="{28A0092B-C50C-407E-A947-70E740481C1C}">
+                    <a14:useLocalDpi xmlns:a14="http://schemas.microsoft.com/office/drawing/2010/main" val="0"/>
+                  </a:ext>
+                </a:extLst>
+              </a:blip>
+              <a:stretch>
+                <a:fillRect/>
+              </a:stretch>
+            </p:blipFill>
+            <p:spPr>
+              <a:xfrm>
+                <a:off x="8256240" y="1840725"/>
+                <a:ext cx="293677" cy="296036"/>
+              </a:xfrm>
+              <a:prstGeom prst="rect">
+                <a:avLst/>
+              </a:prstGeom>
+            </p:spPr>
+          </p:pic>
+        </p:grpSp>
       </p:grpSp>
+      <p:cxnSp>
+        <p:nvCxnSpPr>
+          <p:cNvPr id="103" name="Elbow Connector 102">
+            <a:extLst>
+              <a:ext uri="{FF2B5EF4-FFF2-40B4-BE49-F238E27FC236}">
+                <a16:creationId xmlns:a16="http://schemas.microsoft.com/office/drawing/2014/main" id="{2ED75F96-42C2-370D-3599-26D7FC179D86}"/>
+              </a:ext>
+            </a:extLst>
+          </p:cNvPr>
+          <p:cNvCxnSpPr>
+            <a:cxnSpLocks/>
+            <a:stCxn id="27" idx="1"/>
+            <a:endCxn id="127" idx="3"/>
+          </p:cNvCxnSpPr>
+          <p:nvPr/>
+        </p:nvCxnSpPr>
+        <p:spPr>
+          <a:xfrm rot="10800000" flipV="1">
+            <a:off x="4707327" y="1705461"/>
+            <a:ext cx="3430685" cy="1173486"/>
+          </a:xfrm>
+          <a:prstGeom prst="bentConnector3">
+            <a:avLst>
+              <a:gd name="adj1" fmla="val 83742"/>
+            </a:avLst>
+          </a:prstGeom>
+          <a:ln w="25400">
+            <a:solidFill>
+              <a:schemeClr val="bg2">
+                <a:lumMod val="75000"/>
+              </a:schemeClr>
+            </a:solidFill>
+            <a:tailEnd type="triangle"/>
+          </a:ln>
+        </p:spPr>
+        <p:style>
+          <a:lnRef idx="1">
+            <a:schemeClr val="accent1"/>
+          </a:lnRef>
+          <a:fillRef idx="0">
+            <a:schemeClr val="accent1"/>
+          </a:fillRef>
+          <a:effectRef idx="0">
+            <a:schemeClr val="accent1"/>
+          </a:effectRef>
+          <a:fontRef idx="minor">
+            <a:schemeClr val="tx1"/>
+          </a:fontRef>
+        </p:style>
+      </p:cxnSp>
+      <p:cxnSp>
+        <p:nvCxnSpPr>
+          <p:cNvPr id="109" name="Elbow Connector 108">
+            <a:extLst>
+              <a:ext uri="{FF2B5EF4-FFF2-40B4-BE49-F238E27FC236}">
+                <a16:creationId xmlns:a16="http://schemas.microsoft.com/office/drawing/2014/main" id="{2A0BB27E-32AC-23E3-4C67-80DEE3D372FC}"/>
+              </a:ext>
+            </a:extLst>
+          </p:cNvPr>
+          <p:cNvCxnSpPr>
+            <a:cxnSpLocks/>
+            <a:stCxn id="42" idx="1"/>
+            <a:endCxn id="121" idx="3"/>
+          </p:cNvCxnSpPr>
+          <p:nvPr/>
+        </p:nvCxnSpPr>
+        <p:spPr>
+          <a:xfrm rot="10800000" flipV="1">
+            <a:off x="4723656" y="2957166"/>
+            <a:ext cx="3407470" cy="347965"/>
+          </a:xfrm>
+          <a:prstGeom prst="bentConnector3">
+            <a:avLst>
+              <a:gd name="adj1" fmla="val 84258"/>
+            </a:avLst>
+          </a:prstGeom>
+          <a:ln w="25400">
+            <a:solidFill>
+              <a:schemeClr val="bg2">
+                <a:lumMod val="75000"/>
+              </a:schemeClr>
+            </a:solidFill>
+            <a:tailEnd type="triangle"/>
+          </a:ln>
+        </p:spPr>
+        <p:style>
+          <a:lnRef idx="1">
+            <a:schemeClr val="accent1"/>
+          </a:lnRef>
+          <a:fillRef idx="0">
+            <a:schemeClr val="accent1"/>
+          </a:fillRef>
+          <a:effectRef idx="0">
+            <a:schemeClr val="accent1"/>
+          </a:effectRef>
+          <a:fontRef idx="minor">
+            <a:schemeClr val="tx1"/>
+          </a:fontRef>
+        </p:style>
+      </p:cxnSp>
       <p:cxnSp>
         <p:nvCxnSpPr>
           <p:cNvPr id="114" name="Elbow Connector 113">
@@ -35189,12 +36303,111 @@
         </p:nvCxnSpPr>
         <p:spPr>
           <a:xfrm rot="10800000">
-            <a:off x="4716275" y="3013428"/>
-            <a:ext cx="3793506" cy="1767248"/>
+            <a:off x="4723657" y="3729833"/>
+            <a:ext cx="3696395" cy="175531"/>
           </a:xfrm>
           <a:prstGeom prst="bentConnector3">
             <a:avLst>
-              <a:gd name="adj1" fmla="val 83511"/>
+              <a:gd name="adj1" fmla="val 85264"/>
+            </a:avLst>
+          </a:prstGeom>
+          <a:ln w="25400">
+            <a:solidFill>
+              <a:schemeClr val="bg2">
+                <a:lumMod val="75000"/>
+              </a:schemeClr>
+            </a:solidFill>
+            <a:tailEnd type="triangle"/>
+          </a:ln>
+        </p:spPr>
+        <p:style>
+          <a:lnRef idx="1">
+            <a:schemeClr val="accent1"/>
+          </a:lnRef>
+          <a:fillRef idx="0">
+            <a:schemeClr val="accent1"/>
+          </a:fillRef>
+          <a:effectRef idx="0">
+            <a:schemeClr val="accent1"/>
+          </a:effectRef>
+          <a:fontRef idx="minor">
+            <a:schemeClr val="tx1"/>
+          </a:fontRef>
+        </p:style>
+      </p:cxnSp>
+      <p:cxnSp>
+        <p:nvCxnSpPr>
+          <p:cNvPr id="120" name="Elbow Connector 119">
+            <a:extLst>
+              <a:ext uri="{FF2B5EF4-FFF2-40B4-BE49-F238E27FC236}">
+                <a16:creationId xmlns:a16="http://schemas.microsoft.com/office/drawing/2014/main" id="{AFF7CD7D-37EA-527B-1E94-C59B3DDE17DA}"/>
+              </a:ext>
+            </a:extLst>
+          </p:cNvPr>
+          <p:cNvCxnSpPr>
+            <a:cxnSpLocks/>
+            <a:endCxn id="85" idx="3"/>
+          </p:cNvCxnSpPr>
+          <p:nvPr/>
+        </p:nvCxnSpPr>
+        <p:spPr>
+          <a:xfrm rot="10800000">
+            <a:off x="4723656" y="3729832"/>
+            <a:ext cx="3696394" cy="894616"/>
+          </a:xfrm>
+          <a:prstGeom prst="bentConnector3">
+            <a:avLst>
+              <a:gd name="adj1" fmla="val 85264"/>
+            </a:avLst>
+          </a:prstGeom>
+          <a:ln w="25400">
+            <a:solidFill>
+              <a:schemeClr val="bg2">
+                <a:lumMod val="75000"/>
+              </a:schemeClr>
+            </a:solidFill>
+            <a:tailEnd type="triangle"/>
+          </a:ln>
+        </p:spPr>
+        <p:style>
+          <a:lnRef idx="1">
+            <a:schemeClr val="accent1"/>
+          </a:lnRef>
+          <a:fillRef idx="0">
+            <a:schemeClr val="accent1"/>
+          </a:fillRef>
+          <a:effectRef idx="0">
+            <a:schemeClr val="accent1"/>
+          </a:effectRef>
+          <a:fontRef idx="minor">
+            <a:schemeClr val="tx1"/>
+          </a:fontRef>
+        </p:style>
+      </p:cxnSp>
+      <p:cxnSp>
+        <p:nvCxnSpPr>
+          <p:cNvPr id="132" name="Elbow Connector 131">
+            <a:extLst>
+              <a:ext uri="{FF2B5EF4-FFF2-40B4-BE49-F238E27FC236}">
+                <a16:creationId xmlns:a16="http://schemas.microsoft.com/office/drawing/2014/main" id="{919D78A0-A582-630C-05F1-A6B20FB007DB}"/>
+              </a:ext>
+            </a:extLst>
+          </p:cNvPr>
+          <p:cNvCxnSpPr>
+            <a:cxnSpLocks/>
+            <a:stCxn id="25" idx="1"/>
+            <a:endCxn id="85" idx="3"/>
+          </p:cNvCxnSpPr>
+          <p:nvPr/>
+        </p:nvCxnSpPr>
+        <p:spPr>
+          <a:xfrm rot="10800000">
+            <a:off x="4723657" y="3729833"/>
+            <a:ext cx="3696395" cy="1704817"/>
+          </a:xfrm>
+          <a:prstGeom prst="bentConnector3">
+            <a:avLst>
+              <a:gd name="adj1" fmla="val 85264"/>
             </a:avLst>
           </a:prstGeom>
           <a:ln w="25400">
@@ -35235,7 +36448,7 @@
         </p:nvGrpSpPr>
         <p:grpSpPr>
           <a:xfrm>
-            <a:off x="10851114" y="3556705"/>
+            <a:off x="10745549" y="2698954"/>
             <a:ext cx="983554" cy="457337"/>
             <a:chOff x="10380024" y="3627343"/>
             <a:chExt cx="983554" cy="457337"/>
@@ -35333,10 +36546,10 @@
       </p:grpSp>
       <p:grpSp>
         <p:nvGrpSpPr>
-          <p:cNvPr id="141" name="Group 140">
+          <p:cNvPr id="52" name="Group 51">
             <a:extLst>
               <a:ext uri="{FF2B5EF4-FFF2-40B4-BE49-F238E27FC236}">
-                <a16:creationId xmlns:a16="http://schemas.microsoft.com/office/drawing/2014/main" id="{40AC81FD-3F2D-99D3-BB0C-BEC11C6D3531}"/>
+                <a16:creationId xmlns:a16="http://schemas.microsoft.com/office/drawing/2014/main" id="{DCEEE24F-9CBD-DF6B-64A5-18B7671B1DB5}"/>
               </a:ext>
             </a:extLst>
           </p:cNvPr>
@@ -35345,198 +36558,158 @@
         </p:nvGrpSpPr>
         <p:grpSpPr>
           <a:xfrm>
-            <a:off x="10737108" y="2474637"/>
-            <a:ext cx="1396038" cy="585416"/>
-            <a:chOff x="10578961" y="4819952"/>
-            <a:chExt cx="1396038" cy="585416"/>
+            <a:off x="224681" y="1671312"/>
+            <a:ext cx="1963733" cy="4002682"/>
+            <a:chOff x="463307" y="938487"/>
+            <a:chExt cx="1963733" cy="4002682"/>
           </a:xfrm>
         </p:grpSpPr>
-        <p:pic>
-          <p:nvPicPr>
-            <p:cNvPr id="63" name="Picture 62">
+        <p:grpSp>
+          <p:nvGrpSpPr>
+            <p:cNvPr id="53" name="Group 52">
               <a:extLst>
                 <a:ext uri="{FF2B5EF4-FFF2-40B4-BE49-F238E27FC236}">
-                  <a16:creationId xmlns:a16="http://schemas.microsoft.com/office/drawing/2014/main" id="{7586B9B9-199C-2C06-8151-F727B7FD1027}"/>
+                  <a16:creationId xmlns:a16="http://schemas.microsoft.com/office/drawing/2014/main" id="{966846A1-BAB3-666B-33F2-6384C69AF326}"/>
                 </a:ext>
               </a:extLst>
             </p:cNvPr>
-            <p:cNvPicPr>
-              <a:picLocks noChangeAspect="1"/>
-            </p:cNvPicPr>
+            <p:cNvGrpSpPr/>
             <p:nvPr/>
-          </p:nvPicPr>
-          <p:blipFill>
-            <a:blip r:embed="rId6">
-              <a:grayscl/>
-              <a:alphaModFix amt="20000"/>
-              <a:extLst>
-                <a:ext uri="{28A0092B-C50C-407E-A947-70E740481C1C}">
-                  <a14:useLocalDpi xmlns:a14="http://schemas.microsoft.com/office/drawing/2010/main" val="0"/>
-                </a:ext>
-              </a:extLst>
-            </a:blip>
-            <a:stretch>
-              <a:fillRect/>
-            </a:stretch>
-          </p:blipFill>
-          <p:spPr>
+          </p:nvGrpSpPr>
+          <p:grpSpPr>
             <a:xfrm>
-              <a:off x="10707593" y="4819952"/>
-              <a:ext cx="585416" cy="585416"/>
+              <a:off x="463307" y="938487"/>
+              <a:ext cx="1963733" cy="4002682"/>
+              <a:chOff x="132846" y="1228233"/>
+              <a:chExt cx="1963733" cy="4002682"/>
             </a:xfrm>
-            <a:prstGeom prst="rect">
-              <a:avLst/>
-            </a:prstGeom>
-          </p:spPr>
-        </p:pic>
+          </p:grpSpPr>
+          <p:sp>
+            <p:nvSpPr>
+              <p:cNvPr id="78" name="Rounded Rectangle 174">
+                <a:extLst>
+                  <a:ext uri="{FF2B5EF4-FFF2-40B4-BE49-F238E27FC236}">
+                    <a16:creationId xmlns:a16="http://schemas.microsoft.com/office/drawing/2014/main" id="{CBBDF3ED-4F53-8860-451D-D5930FD7D506}"/>
+                  </a:ext>
+                </a:extLst>
+              </p:cNvPr>
+              <p:cNvSpPr/>
+              <p:nvPr/>
+            </p:nvSpPr>
+            <p:spPr>
+              <a:xfrm>
+                <a:off x="132846" y="1377419"/>
+                <a:ext cx="1963733" cy="3853496"/>
+              </a:xfrm>
+              <a:prstGeom prst="roundRect">
+                <a:avLst>
+                  <a:gd name="adj" fmla="val 8585"/>
+                </a:avLst>
+              </a:prstGeom>
+              <a:solidFill>
+                <a:schemeClr val="bg1"/>
+              </a:solidFill>
+              <a:ln w="12700">
+                <a:solidFill>
+                  <a:schemeClr val="bg2"/>
+                </a:solidFill>
+              </a:ln>
+            </p:spPr>
+            <p:style>
+              <a:lnRef idx="2">
+                <a:schemeClr val="dk1"/>
+              </a:lnRef>
+              <a:fillRef idx="1">
+                <a:schemeClr val="lt1"/>
+              </a:fillRef>
+              <a:effectRef idx="0">
+                <a:schemeClr val="dk1"/>
+              </a:effectRef>
+              <a:fontRef idx="minor">
+                <a:schemeClr val="dk1"/>
+              </a:fontRef>
+            </p:style>
+            <p:txBody>
+              <a:bodyPr rtlCol="0" anchor="ctr"/>
+              <a:lstStyle/>
+              <a:p>
+                <a:pPr algn="ctr"/>
+                <a:endParaRPr lang="en-US" sz="1600" dirty="0">
+                  <a:ln w="0">
+                    <a:solidFill>
+                      <a:sysClr val="windowText" lastClr="000000"/>
+                    </a:solidFill>
+                  </a:ln>
+                  <a:solidFill>
+                    <a:schemeClr val="tx1"/>
+                  </a:solidFill>
+                  <a:effectLst>
+                    <a:outerShdw blurRad="38100" dist="19050" dir="2700000" algn="tl" rotWithShape="0">
+                      <a:schemeClr val="dk1">
+                        <a:alpha val="40000"/>
+                      </a:schemeClr>
+                    </a:outerShdw>
+                  </a:effectLst>
+                </a:endParaRPr>
+              </a:p>
+            </p:txBody>
+          </p:sp>
+          <p:sp>
+            <p:nvSpPr>
+              <p:cNvPr id="79" name="TextBox 78">
+                <a:extLst>
+                  <a:ext uri="{FF2B5EF4-FFF2-40B4-BE49-F238E27FC236}">
+                    <a16:creationId xmlns:a16="http://schemas.microsoft.com/office/drawing/2014/main" id="{E0365935-774F-F710-F884-45D0A12203C1}"/>
+                  </a:ext>
+                </a:extLst>
+              </p:cNvPr>
+              <p:cNvSpPr txBox="1"/>
+              <p:nvPr/>
+            </p:nvSpPr>
+            <p:spPr>
+              <a:xfrm>
+                <a:off x="738212" y="1228233"/>
+                <a:ext cx="848012" cy="303536"/>
+              </a:xfrm>
+              <a:prstGeom prst="rect">
+                <a:avLst/>
+              </a:prstGeom>
+              <a:solidFill>
+                <a:schemeClr val="bg1"/>
+              </a:solidFill>
+            </p:spPr>
+            <p:txBody>
+              <a:bodyPr wrap="square" tIns="36000" bIns="36000" rtlCol="0">
+                <a:spAutoFit/>
+              </a:bodyPr>
+              <a:lstStyle/>
+              <a:p>
+                <a:pPr defTabSz="685783">
+                  <a:buClrTx/>
+                </a:pPr>
+                <a:r>
+                  <a:rPr lang="en-US" sz="1500" dirty="0">
+                    <a:solidFill>
+                      <a:schemeClr val="tx1">
+                        <a:lumMod val="75000"/>
+                      </a:schemeClr>
+                    </a:solidFill>
+                    <a:latin typeface="Source Sans Pro" panose="020B0503030403020204" pitchFamily="34" charset="0"/>
+                    <a:ea typeface="Source Sans Pro" panose="020B0503030403020204" pitchFamily="34" charset="0"/>
+                    <a:cs typeface="Source Sans Pro Light" charset="0"/>
+                  </a:rPr>
+                  <a:t>Legend</a:t>
+                </a:r>
+              </a:p>
+            </p:txBody>
+          </p:sp>
+        </p:grpSp>
         <p:sp>
           <p:nvSpPr>
-            <p:cNvPr id="72" name="TextBox 71">
+            <p:cNvPr id="54" name="Rounded Rectangle 53">
               <a:extLst>
                 <a:ext uri="{FF2B5EF4-FFF2-40B4-BE49-F238E27FC236}">
-                  <a16:creationId xmlns:a16="http://schemas.microsoft.com/office/drawing/2014/main" id="{F5690783-B49E-64FC-8BD8-36771B4BA202}"/>
-                </a:ext>
-              </a:extLst>
-            </p:cNvPr>
-            <p:cNvSpPr txBox="1"/>
-            <p:nvPr/>
-          </p:nvSpPr>
-          <p:spPr>
-            <a:xfrm>
-              <a:off x="10586798" y="4854200"/>
-              <a:ext cx="1388201" cy="169277"/>
-            </a:xfrm>
-            <a:prstGeom prst="rect">
-              <a:avLst/>
-            </a:prstGeom>
-            <a:noFill/>
-          </p:spPr>
-          <p:txBody>
-            <a:bodyPr vert="horz" wrap="none" lIns="0" tIns="0" rIns="0" bIns="0" numCol="1" spcCol="288000" rtlCol="0" anchor="t" anchorCtr="0">
-              <a:spAutoFit/>
-            </a:bodyPr>
-            <a:lstStyle/>
-            <a:p>
-              <a:pPr algn="ctr">
-                <a:spcBef>
-                  <a:spcPts val="0"/>
-                </a:spcBef>
-                <a:spcAft>
-                  <a:spcPts val="600"/>
-                </a:spcAft>
-              </a:pPr>
-              <a:r>
-                <a:rPr lang="en-US" sz="1100" dirty="0" err="1">
-                  <a:latin typeface="Source Sans Pro" panose="020B0503030403020204" pitchFamily="34" charset="0"/>
-                  <a:ea typeface="Source Sans Pro" panose="020B0503030403020204" pitchFamily="34" charset="0"/>
-                  <a:cs typeface="Source Sans Pro Light" charset="0"/>
-                </a:rPr>
-                <a:t>r</a:t>
-              </a:r>
-              <a:r>
-                <a:rPr lang="en-US" sz="1100" spc="0" dirty="0" err="1">
-                  <a:ln>
-                    <a:noFill/>
-                  </a:ln>
-                  <a:latin typeface="Source Sans Pro" panose="020B0503030403020204" pitchFamily="34" charset="0"/>
-                  <a:ea typeface="Source Sans Pro" panose="020B0503030403020204" pitchFamily="34" charset="0"/>
-                  <a:cs typeface="Source Sans Pro Light" charset="0"/>
-                </a:rPr>
-                <a:t>epository.microej.com</a:t>
-              </a:r>
-              <a:endParaRPr lang="en-US" sz="1100" spc="0" dirty="0">
-                <a:ln>
-                  <a:noFill/>
-                </a:ln>
-                <a:latin typeface="Source Sans Pro" panose="020B0503030403020204" pitchFamily="34" charset="0"/>
-                <a:ea typeface="Source Sans Pro" panose="020B0503030403020204" pitchFamily="34" charset="0"/>
-                <a:cs typeface="Source Sans Pro Light" charset="0"/>
-              </a:endParaRPr>
-            </a:p>
-          </p:txBody>
-        </p:sp>
-        <p:sp>
-          <p:nvSpPr>
-            <p:cNvPr id="2" name="TextBox 1">
-              <a:extLst>
-                <a:ext uri="{FF2B5EF4-FFF2-40B4-BE49-F238E27FC236}">
-                  <a16:creationId xmlns:a16="http://schemas.microsoft.com/office/drawing/2014/main" id="{F65EDAEF-F0E9-FD7F-2392-CCC1C62A95AE}"/>
-                </a:ext>
-              </a:extLst>
-            </p:cNvPr>
-            <p:cNvSpPr txBox="1"/>
-            <p:nvPr/>
-          </p:nvSpPr>
-          <p:spPr>
-            <a:xfrm>
-              <a:off x="10578961" y="5145423"/>
-              <a:ext cx="1086836" cy="169277"/>
-            </a:xfrm>
-            <a:prstGeom prst="rect">
-              <a:avLst/>
-            </a:prstGeom>
-            <a:noFill/>
-          </p:spPr>
-          <p:txBody>
-            <a:bodyPr vert="horz" wrap="none" lIns="0" tIns="0" rIns="0" bIns="0" numCol="1" spcCol="288000" rtlCol="0" anchor="t" anchorCtr="0">
-              <a:spAutoFit/>
-            </a:bodyPr>
-            <a:lstStyle/>
-            <a:p>
-              <a:pPr algn="ctr">
-                <a:spcBef>
-                  <a:spcPts val="0"/>
-                </a:spcBef>
-                <a:spcAft>
-                  <a:spcPts val="600"/>
-                </a:spcAft>
-              </a:pPr>
-              <a:r>
-                <a:rPr lang="en-US" sz="1100" dirty="0" err="1">
-                  <a:latin typeface="Source Sans Pro" panose="020B0503030403020204" pitchFamily="34" charset="0"/>
-                  <a:ea typeface="Source Sans Pro" panose="020B0503030403020204" pitchFamily="34" charset="0"/>
-                  <a:cs typeface="Source Sans Pro Light" charset="0"/>
-                </a:rPr>
-                <a:t>forge.microej.com</a:t>
-              </a:r>
-              <a:endParaRPr lang="en-US" sz="1100" spc="0" dirty="0">
-                <a:ln>
-                  <a:noFill/>
-                </a:ln>
-                <a:latin typeface="Source Sans Pro" panose="020B0503030403020204" pitchFamily="34" charset="0"/>
-                <a:ea typeface="Source Sans Pro" panose="020B0503030403020204" pitchFamily="34" charset="0"/>
-                <a:cs typeface="Source Sans Pro Light" charset="0"/>
-              </a:endParaRPr>
-            </a:p>
-          </p:txBody>
-        </p:sp>
-      </p:grpSp>
-      <p:grpSp>
-        <p:nvGrpSpPr>
-          <p:cNvPr id="4" name="Group 3">
-            <a:extLst>
-              <a:ext uri="{FF2B5EF4-FFF2-40B4-BE49-F238E27FC236}">
-                <a16:creationId xmlns:a16="http://schemas.microsoft.com/office/drawing/2014/main" id="{F91B6BA5-4751-2439-E6DA-1DB043BF04BC}"/>
-              </a:ext>
-            </a:extLst>
-          </p:cNvPr>
-          <p:cNvGrpSpPr/>
-          <p:nvPr/>
-        </p:nvGrpSpPr>
-        <p:grpSpPr>
-          <a:xfrm>
-            <a:off x="368497" y="2048961"/>
-            <a:ext cx="1963733" cy="2203454"/>
-            <a:chOff x="132846" y="1228233"/>
-            <a:chExt cx="1963733" cy="4002682"/>
-          </a:xfrm>
-        </p:grpSpPr>
-        <p:sp>
-          <p:nvSpPr>
-            <p:cNvPr id="26" name="Rounded Rectangle 174">
-              <a:extLst>
-                <a:ext uri="{FF2B5EF4-FFF2-40B4-BE49-F238E27FC236}">
-                  <a16:creationId xmlns:a16="http://schemas.microsoft.com/office/drawing/2014/main" id="{969EF9E8-9AA2-4D05-D0D6-F1A35C52CA45}"/>
+                  <a16:creationId xmlns:a16="http://schemas.microsoft.com/office/drawing/2014/main" id="{9137AD90-29BE-1DA3-FF41-C6D75D33ADC4}"/>
                 </a:ext>
               </a:extLst>
             </p:cNvPr>
@@ -35545,307 +36718,16 @@
           </p:nvSpPr>
           <p:spPr>
             <a:xfrm>
-              <a:off x="132846" y="1377419"/>
-              <a:ext cx="1963733" cy="3853496"/>
+              <a:off x="635174" y="1399398"/>
+              <a:ext cx="1620000" cy="385200"/>
             </a:xfrm>
             <a:prstGeom prst="roundRect">
               <a:avLst>
-                <a:gd name="adj" fmla="val 8585"/>
+                <a:gd name="adj" fmla="val 6304"/>
               </a:avLst>
             </a:prstGeom>
             <a:solidFill>
-              <a:schemeClr val="bg1"/>
-            </a:solidFill>
-            <a:ln w="12700">
-              <a:solidFill>
-                <a:schemeClr val="bg2"/>
-              </a:solidFill>
-            </a:ln>
-          </p:spPr>
-          <p:style>
-            <a:lnRef idx="2">
-              <a:schemeClr val="dk1"/>
-            </a:lnRef>
-            <a:fillRef idx="1">
-              <a:schemeClr val="lt1"/>
-            </a:fillRef>
-            <a:effectRef idx="0">
-              <a:schemeClr val="dk1"/>
-            </a:effectRef>
-            <a:fontRef idx="minor">
-              <a:schemeClr val="dk1"/>
-            </a:fontRef>
-          </p:style>
-          <p:txBody>
-            <a:bodyPr rtlCol="0" anchor="ctr"/>
-            <a:lstStyle/>
-            <a:p>
-              <a:pPr algn="ctr"/>
-              <a:endParaRPr lang="en-US" sz="1600" dirty="0">
-                <a:ln w="0">
-                  <a:solidFill>
-                    <a:sysClr val="windowText" lastClr="000000"/>
-                  </a:solidFill>
-                </a:ln>
-                <a:solidFill>
-                  <a:schemeClr val="tx1"/>
-                </a:solidFill>
-                <a:effectLst>
-                  <a:outerShdw blurRad="38100" dist="19050" dir="2700000" algn="tl" rotWithShape="0">
-                    <a:schemeClr val="dk1">
-                      <a:alpha val="40000"/>
-                    </a:schemeClr>
-                  </a:outerShdw>
-                </a:effectLst>
-              </a:endParaRPr>
-            </a:p>
-          </p:txBody>
-        </p:sp>
-        <p:sp>
-          <p:nvSpPr>
-            <p:cNvPr id="28" name="TextBox 27">
-              <a:extLst>
-                <a:ext uri="{FF2B5EF4-FFF2-40B4-BE49-F238E27FC236}">
-                  <a16:creationId xmlns:a16="http://schemas.microsoft.com/office/drawing/2014/main" id="{E8BA9231-8F80-03D2-0E15-A9428F29292E}"/>
-                </a:ext>
-              </a:extLst>
-            </p:cNvPr>
-            <p:cNvSpPr txBox="1"/>
-            <p:nvPr/>
-          </p:nvSpPr>
-          <p:spPr>
-            <a:xfrm>
-              <a:off x="738212" y="1228233"/>
-              <a:ext cx="848012" cy="303536"/>
-            </a:xfrm>
-            <a:prstGeom prst="rect">
-              <a:avLst/>
-            </a:prstGeom>
-            <a:solidFill>
-              <a:schemeClr val="bg1"/>
-            </a:solidFill>
-          </p:spPr>
-          <p:txBody>
-            <a:bodyPr wrap="square" tIns="36000" bIns="36000" rtlCol="0">
-              <a:spAutoFit/>
-            </a:bodyPr>
-            <a:lstStyle/>
-            <a:p>
-              <a:pPr defTabSz="685783">
-                <a:buClrTx/>
-              </a:pPr>
-              <a:r>
-                <a:rPr lang="en-US" sz="1500" dirty="0">
-                  <a:solidFill>
-                    <a:schemeClr val="tx1">
-                      <a:lumMod val="75000"/>
-                    </a:schemeClr>
-                  </a:solidFill>
-                  <a:latin typeface="Source Sans Pro" panose="020B0503030403020204" pitchFamily="34" charset="0"/>
-                  <a:ea typeface="Source Sans Pro" panose="020B0503030403020204" pitchFamily="34" charset="0"/>
-                  <a:cs typeface="Source Sans Pro Light" charset="0"/>
-                </a:rPr>
-                <a:t>Legend</a:t>
-              </a:r>
-            </a:p>
-          </p:txBody>
-        </p:sp>
-      </p:grpSp>
-      <p:sp>
-        <p:nvSpPr>
-          <p:cNvPr id="5" name="Rounded Rectangle 4">
-            <a:extLst>
-              <a:ext uri="{FF2B5EF4-FFF2-40B4-BE49-F238E27FC236}">
-                <a16:creationId xmlns:a16="http://schemas.microsoft.com/office/drawing/2014/main" id="{BE75EF25-534A-C3FA-3145-1D875321C5BE}"/>
-              </a:ext>
-            </a:extLst>
-          </p:cNvPr>
-          <p:cNvSpPr/>
-          <p:nvPr/>
-        </p:nvSpPr>
-        <p:spPr>
-          <a:xfrm>
-            <a:off x="540364" y="2509872"/>
-            <a:ext cx="1620000" cy="385200"/>
-          </a:xfrm>
-          <a:prstGeom prst="roundRect">
-            <a:avLst>
-              <a:gd name="adj" fmla="val 6304"/>
-            </a:avLst>
-          </a:prstGeom>
-          <a:solidFill>
-            <a:schemeClr val="accent1"/>
-          </a:solidFill>
-          <a:ln>
-            <a:noFill/>
-          </a:ln>
-          <a:effectLst/>
-        </p:spPr>
-        <p:style>
-          <a:lnRef idx="2">
-            <a:schemeClr val="dk1">
-              <a:shade val="50000"/>
-            </a:schemeClr>
-          </a:lnRef>
-          <a:fillRef idx="1">
-            <a:schemeClr val="dk1"/>
-          </a:fillRef>
-          <a:effectRef idx="0">
-            <a:schemeClr val="dk1"/>
-          </a:effectRef>
-          <a:fontRef idx="minor">
-            <a:schemeClr val="lt1"/>
-          </a:fontRef>
-        </p:style>
-        <p:txBody>
-          <a:bodyPr rtlCol="0" anchor="ctr"/>
-          <a:lstStyle/>
-          <a:p>
-            <a:pPr algn="ctr">
-              <a:defRPr/>
-            </a:pPr>
-            <a:r>
-              <a:rPr lang="en-US" sz="1000" dirty="0" err="1">
-                <a:solidFill>
-                  <a:srgbClr val="FFFFFF"/>
-                </a:solidFill>
-                <a:latin typeface="Source Sans Pro" panose="020B0503030403020204" pitchFamily="34" charset="0"/>
-                <a:ea typeface="Source Sans Pro" panose="020B0503030403020204" pitchFamily="34" charset="0"/>
-                <a:cs typeface="Source Sans Pro Light" charset="0"/>
-              </a:rPr>
-              <a:t>MicroEJ</a:t>
-            </a:r>
-            <a:r>
-              <a:rPr lang="en-US" sz="1000" dirty="0">
-                <a:solidFill>
-                  <a:srgbClr val="FFFFFF"/>
-                </a:solidFill>
-                <a:latin typeface="Source Sans Pro" panose="020B0503030403020204" pitchFamily="34" charset="0"/>
-                <a:ea typeface="Source Sans Pro" panose="020B0503030403020204" pitchFamily="34" charset="0"/>
-                <a:cs typeface="Source Sans Pro Light" charset="0"/>
-              </a:rPr>
-              <a:t> Products</a:t>
-            </a:r>
-          </a:p>
-        </p:txBody>
-      </p:sp>
-      <p:grpSp>
-        <p:nvGrpSpPr>
-          <p:cNvPr id="7" name="Group 6">
-            <a:extLst>
-              <a:ext uri="{FF2B5EF4-FFF2-40B4-BE49-F238E27FC236}">
-                <a16:creationId xmlns:a16="http://schemas.microsoft.com/office/drawing/2014/main" id="{3BF9E808-1D92-DB2C-EE4C-B0D17DEB3490}"/>
-              </a:ext>
-            </a:extLst>
-          </p:cNvPr>
-          <p:cNvGrpSpPr/>
-          <p:nvPr/>
-        </p:nvGrpSpPr>
-        <p:grpSpPr>
-          <a:xfrm>
-            <a:off x="540364" y="3068960"/>
-            <a:ext cx="1620000" cy="936104"/>
-            <a:chOff x="174460" y="2907336"/>
-            <a:chExt cx="1620000" cy="936104"/>
-          </a:xfrm>
-        </p:grpSpPr>
-        <p:sp>
-          <p:nvSpPr>
-            <p:cNvPr id="8" name="Rounded Rectangle 7">
-              <a:extLst>
-                <a:ext uri="{FF2B5EF4-FFF2-40B4-BE49-F238E27FC236}">
-                  <a16:creationId xmlns:a16="http://schemas.microsoft.com/office/drawing/2014/main" id="{5CF80D7F-100D-6895-CFCD-725FAEA7D917}"/>
-                </a:ext>
-              </a:extLst>
-            </p:cNvPr>
-            <p:cNvSpPr/>
-            <p:nvPr/>
-          </p:nvSpPr>
-          <p:spPr>
-            <a:xfrm>
-              <a:off x="175443" y="2907336"/>
-              <a:ext cx="1619017" cy="385200"/>
-            </a:xfrm>
-            <a:prstGeom prst="roundRect">
-              <a:avLst>
-                <a:gd name="adj" fmla="val 7525"/>
-              </a:avLst>
-            </a:prstGeom>
-            <a:solidFill>
-              <a:schemeClr val="bg1">
-                <a:lumMod val="50000"/>
-              </a:schemeClr>
-            </a:solidFill>
-            <a:ln w="12700">
-              <a:noFill/>
-            </a:ln>
-            <a:effectLst/>
-          </p:spPr>
-          <p:style>
-            <a:lnRef idx="2">
-              <a:schemeClr val="dk1"/>
-            </a:lnRef>
-            <a:fillRef idx="1">
-              <a:schemeClr val="lt1"/>
-            </a:fillRef>
-            <a:effectRef idx="0">
-              <a:schemeClr val="dk1"/>
-            </a:effectRef>
-            <a:fontRef idx="minor">
-              <a:schemeClr val="dk1"/>
-            </a:fontRef>
-          </p:style>
-          <p:txBody>
-            <a:bodyPr wrap="square" tIns="36000" bIns="36000" rtlCol="0" anchor="ctr" anchorCtr="1">
-              <a:noAutofit/>
-            </a:bodyPr>
-            <a:lstStyle/>
-            <a:p>
-              <a:pPr algn="ctr"/>
-              <a:r>
-                <a:rPr lang="en-US" sz="1000" dirty="0">
-                  <a:solidFill>
-                    <a:schemeClr val="bg1"/>
-                  </a:solidFill>
-                  <a:latin typeface="Source Sans Pro" panose="020B0503030403020204" pitchFamily="34" charset="0"/>
-                  <a:ea typeface="Source Sans Pro" panose="020B0503030403020204" pitchFamily="34" charset="0"/>
-                  <a:cs typeface="Source Sans Pro Light" charset="0"/>
-                </a:rPr>
-                <a:t>Examples</a:t>
-              </a:r>
-              <a:endParaRPr lang="en-GB" sz="1000" dirty="0">
-                <a:solidFill>
-                  <a:schemeClr val="bg1"/>
-                </a:solidFill>
-                <a:latin typeface="Source Sans Pro" panose="020B0503030403020204" pitchFamily="34" charset="0"/>
-                <a:ea typeface="Source Sans Pro" panose="020B0503030403020204" pitchFamily="34" charset="0"/>
-                <a:cs typeface="Source Sans Pro Light" charset="0"/>
-              </a:endParaRPr>
-            </a:p>
-          </p:txBody>
-        </p:sp>
-        <p:sp>
-          <p:nvSpPr>
-            <p:cNvPr id="9" name="Rounded Rectangle 7">
-              <a:extLst>
-                <a:ext uri="{FF2B5EF4-FFF2-40B4-BE49-F238E27FC236}">
-                  <a16:creationId xmlns:a16="http://schemas.microsoft.com/office/drawing/2014/main" id="{24FE47DC-EDC1-6C9C-87A4-080C2AEFF6C9}"/>
-                </a:ext>
-              </a:extLst>
-            </p:cNvPr>
-            <p:cNvSpPr/>
-            <p:nvPr/>
-          </p:nvSpPr>
-          <p:spPr>
-            <a:xfrm>
-              <a:off x="174460" y="3457551"/>
-              <a:ext cx="1620000" cy="385889"/>
-            </a:xfrm>
-            <a:prstGeom prst="roundRect">
-              <a:avLst/>
-            </a:prstGeom>
-            <a:solidFill>
-              <a:schemeClr val="tx1"/>
+              <a:schemeClr val="accent1"/>
             </a:solidFill>
             <a:ln>
               <a:noFill/>
@@ -35872,7 +36754,9 @@
             <a:bodyPr rtlCol="0" anchor="ctr"/>
             <a:lstStyle/>
             <a:p>
-              <a:pPr algn="ctr"/>
+              <a:pPr algn="ctr">
+                <a:defRPr/>
+              </a:pPr>
               <a:r>
                 <a:rPr lang="en-US" sz="1000" dirty="0">
                   <a:solidFill>
@@ -35882,1144 +36766,389 @@
                   <a:ea typeface="Source Sans Pro" panose="020B0503030403020204" pitchFamily="34" charset="0"/>
                   <a:cs typeface="Source Sans Pro Light" charset="0"/>
                 </a:rPr>
-                <a:t>Third Party</a:t>
+                <a:t>Major Input or Output</a:t>
               </a:r>
             </a:p>
           </p:txBody>
         </p:sp>
-      </p:grpSp>
-      <p:grpSp>
-        <p:nvGrpSpPr>
-          <p:cNvPr id="122" name="Group 121">
-            <a:extLst>
-              <a:ext uri="{FF2B5EF4-FFF2-40B4-BE49-F238E27FC236}">
-                <a16:creationId xmlns:a16="http://schemas.microsoft.com/office/drawing/2014/main" id="{DA72066B-B4EB-2603-EC76-396C7C13F478}"/>
-              </a:ext>
-            </a:extLst>
-          </p:cNvPr>
-          <p:cNvGrpSpPr/>
-          <p:nvPr/>
-        </p:nvGrpSpPr>
-        <p:grpSpPr>
-          <a:xfrm>
-            <a:off x="2751602" y="1133726"/>
-            <a:ext cx="2095698" cy="2224586"/>
-            <a:chOff x="2750818" y="2276872"/>
-            <a:chExt cx="2095698" cy="2224586"/>
-          </a:xfrm>
-        </p:grpSpPr>
-        <p:sp>
-          <p:nvSpPr>
-            <p:cNvPr id="112" name="Rounded Rectangle 62">
+        <p:grpSp>
+          <p:nvGrpSpPr>
+            <p:cNvPr id="56" name="Group 55">
               <a:extLst>
                 <a:ext uri="{FF2B5EF4-FFF2-40B4-BE49-F238E27FC236}">
-                  <a16:creationId xmlns:a16="http://schemas.microsoft.com/office/drawing/2014/main" id="{532D9E35-28E9-4BFA-8137-0AE48A627B0F}"/>
+                  <a16:creationId xmlns:a16="http://schemas.microsoft.com/office/drawing/2014/main" id="{A45F78F3-0D20-E0D5-3E15-DBA42140DDFB}"/>
                 </a:ext>
               </a:extLst>
             </p:cNvPr>
-            <p:cNvSpPr/>
+            <p:cNvGrpSpPr/>
             <p:nvPr/>
-          </p:nvSpPr>
-          <p:spPr>
+          </p:nvGrpSpPr>
+          <p:grpSpPr>
             <a:xfrm>
-              <a:off x="2750818" y="2276872"/>
-              <a:ext cx="2095698" cy="2224586"/>
+              <a:off x="635174" y="2206842"/>
+              <a:ext cx="1620405" cy="848740"/>
+              <a:chOff x="1823395" y="4820221"/>
+              <a:chExt cx="1620405" cy="848740"/>
             </a:xfrm>
-            <a:prstGeom prst="roundRect">
-              <a:avLst>
-                <a:gd name="adj" fmla="val 5059"/>
-              </a:avLst>
-            </a:prstGeom>
-            <a:solidFill>
-              <a:schemeClr val="bg1">
-                <a:lumMod val="95000"/>
-              </a:schemeClr>
-            </a:solidFill>
-            <a:ln w="19050">
-              <a:noFill/>
-            </a:ln>
-            <a:effectLst>
-              <a:outerShdw blurRad="50800" dist="38100" dir="2700000" algn="tl" rotWithShape="0">
-                <a:prstClr val="black">
-                  <a:alpha val="40000"/>
-                </a:prstClr>
-              </a:outerShdw>
-            </a:effectLst>
-          </p:spPr>
-          <p:style>
-            <a:lnRef idx="2">
-              <a:schemeClr val="accent1">
-                <a:shade val="50000"/>
-              </a:schemeClr>
-            </a:lnRef>
-            <a:fillRef idx="1">
-              <a:schemeClr val="accent1"/>
-            </a:fillRef>
-            <a:effectRef idx="0">
-              <a:schemeClr val="accent1"/>
-            </a:effectRef>
-            <a:fontRef idx="minor">
-              <a:schemeClr val="lt1"/>
-            </a:fontRef>
-          </p:style>
-          <p:txBody>
-            <a:bodyPr wrap="square" lIns="0" tIns="0" rIns="0" bIns="0" rtlCol="0" anchor="ctr"/>
-            <a:lstStyle/>
-            <a:p>
-              <a:pPr algn="ctr"/>
-              <a:endParaRPr lang="en-US" sz="1400" dirty="0">
-                <a:solidFill>
-                  <a:schemeClr val="bg1">
-                    <a:lumMod val="95000"/>
-                  </a:schemeClr>
-                </a:solidFill>
-              </a:endParaRPr>
-            </a:p>
-          </p:txBody>
-        </p:sp>
-        <p:sp>
-          <p:nvSpPr>
-            <p:cNvPr id="85" name="Rounded Rectangle 114">
+          </p:grpSpPr>
+          <p:sp>
+            <p:nvSpPr>
+              <p:cNvPr id="68" name="Rounded Rectangle 67">
+                <a:extLst>
+                  <a:ext uri="{FF2B5EF4-FFF2-40B4-BE49-F238E27FC236}">
+                    <a16:creationId xmlns:a16="http://schemas.microsoft.com/office/drawing/2014/main" id="{54A05D87-D0AD-AFEF-FC35-983112684C18}"/>
+                  </a:ext>
+                </a:extLst>
+              </p:cNvPr>
+              <p:cNvSpPr/>
+              <p:nvPr/>
+            </p:nvSpPr>
+            <p:spPr>
+              <a:xfrm>
+                <a:off x="1823800" y="4820221"/>
+                <a:ext cx="1620000" cy="385200"/>
+              </a:xfrm>
+              <a:prstGeom prst="roundRect">
+                <a:avLst>
+                  <a:gd name="adj" fmla="val 11196"/>
+                </a:avLst>
+              </a:prstGeom>
+              <a:solidFill>
+                <a:schemeClr val="accent4"/>
+              </a:solidFill>
+              <a:ln>
+                <a:noFill/>
+              </a:ln>
+              <a:effectLst/>
+            </p:spPr>
+            <p:style>
+              <a:lnRef idx="2">
+                <a:schemeClr val="dk1">
+                  <a:shade val="50000"/>
+                </a:schemeClr>
+              </a:lnRef>
+              <a:fillRef idx="1">
+                <a:schemeClr val="dk1"/>
+              </a:fillRef>
+              <a:effectRef idx="0">
+                <a:schemeClr val="dk1"/>
+              </a:effectRef>
+              <a:fontRef idx="minor">
+                <a:schemeClr val="lt1"/>
+              </a:fontRef>
+            </p:style>
+            <p:txBody>
+              <a:bodyPr rtlCol="0" anchor="ctr"/>
+              <a:lstStyle/>
+              <a:p>
+                <a:pPr algn="ctr">
+                  <a:defRPr/>
+                </a:pPr>
+                <a:r>
+                  <a:rPr lang="en-US" sz="1000" dirty="0">
+                    <a:solidFill>
+                      <a:srgbClr val="FFFFFF"/>
+                    </a:solidFill>
+                    <a:latin typeface="Source Sans Pro" panose="020B0503030403020204" pitchFamily="34" charset="0"/>
+                    <a:ea typeface="Source Sans Pro" panose="020B0503030403020204" pitchFamily="34" charset="0"/>
+                    <a:cs typeface="Arial" panose="020B0604020202020204" pitchFamily="34" charset="0"/>
+                  </a:rPr>
+                  <a:t>Managed Code</a:t>
+                </a:r>
+              </a:p>
+            </p:txBody>
+          </p:sp>
+          <p:sp>
+            <p:nvSpPr>
+              <p:cNvPr id="70" name="Rounded Rectangle 69">
+                <a:extLst>
+                  <a:ext uri="{FF2B5EF4-FFF2-40B4-BE49-F238E27FC236}">
+                    <a16:creationId xmlns:a16="http://schemas.microsoft.com/office/drawing/2014/main" id="{26DDB83C-8259-4FFF-E1FF-ECDD2EE0EAB1}"/>
+                  </a:ext>
+                </a:extLst>
+              </p:cNvPr>
+              <p:cNvSpPr/>
+              <p:nvPr/>
+            </p:nvSpPr>
+            <p:spPr>
+              <a:xfrm>
+                <a:off x="1823395" y="5283761"/>
+                <a:ext cx="1620000" cy="385200"/>
+              </a:xfrm>
+              <a:prstGeom prst="roundRect">
+                <a:avLst>
+                  <a:gd name="adj" fmla="val 11196"/>
+                </a:avLst>
+              </a:prstGeom>
+              <a:solidFill>
+                <a:schemeClr val="accent6"/>
+              </a:solidFill>
+              <a:ln>
+                <a:noFill/>
+              </a:ln>
+              <a:effectLst/>
+            </p:spPr>
+            <p:style>
+              <a:lnRef idx="2">
+                <a:schemeClr val="dk1">
+                  <a:shade val="50000"/>
+                </a:schemeClr>
+              </a:lnRef>
+              <a:fillRef idx="1">
+                <a:schemeClr val="dk1"/>
+              </a:fillRef>
+              <a:effectRef idx="0">
+                <a:schemeClr val="dk1"/>
+              </a:effectRef>
+              <a:fontRef idx="minor">
+                <a:schemeClr val="lt1"/>
+              </a:fontRef>
+            </p:style>
+            <p:txBody>
+              <a:bodyPr rtlCol="0" anchor="ctr"/>
+              <a:lstStyle/>
+              <a:p>
+                <a:pPr algn="ctr">
+                  <a:defRPr/>
+                </a:pPr>
+                <a:r>
+                  <a:rPr lang="en-US" sz="1000" dirty="0">
+                    <a:solidFill>
+                      <a:srgbClr val="FFFFFF"/>
+                    </a:solidFill>
+                    <a:latin typeface="Source Sans Pro" panose="020B0503030403020204" pitchFamily="34" charset="0"/>
+                    <a:ea typeface="Source Sans Pro" panose="020B0503030403020204" pitchFamily="34" charset="0"/>
+                    <a:cs typeface="Arial" panose="020B0604020202020204" pitchFamily="34" charset="0"/>
+                  </a:rPr>
+                  <a:t>Native Code</a:t>
+                </a:r>
+              </a:p>
+            </p:txBody>
+          </p:sp>
+        </p:grpSp>
+        <p:grpSp>
+          <p:nvGrpSpPr>
+            <p:cNvPr id="60" name="Group 59">
               <a:extLst>
                 <a:ext uri="{FF2B5EF4-FFF2-40B4-BE49-F238E27FC236}">
-                  <a16:creationId xmlns:a16="http://schemas.microsoft.com/office/drawing/2014/main" id="{23B6A628-FCCC-4E65-8963-19973CA2E7D7}"/>
+                  <a16:creationId xmlns:a16="http://schemas.microsoft.com/office/drawing/2014/main" id="{43523007-7948-E771-6077-4B3959BC63A6}"/>
                 </a:ext>
               </a:extLst>
             </p:cNvPr>
-            <p:cNvSpPr/>
+            <p:cNvGrpSpPr/>
             <p:nvPr/>
-          </p:nvSpPr>
-          <p:spPr>
+          </p:nvGrpSpPr>
+          <p:grpSpPr>
             <a:xfrm>
-              <a:off x="2843283" y="4029034"/>
-              <a:ext cx="1872208" cy="255080"/>
+              <a:off x="635174" y="3392280"/>
+              <a:ext cx="1620000" cy="1332864"/>
+              <a:chOff x="174460" y="4341130"/>
+              <a:chExt cx="1620000" cy="1332864"/>
             </a:xfrm>
-            <a:prstGeom prst="roundRect">
-              <a:avLst>
-                <a:gd name="adj" fmla="val 19644"/>
-              </a:avLst>
-            </a:prstGeom>
-            <a:solidFill>
-              <a:schemeClr val="tx1"/>
-            </a:solidFill>
-            <a:ln>
-              <a:noFill/>
-            </a:ln>
-            <a:effectLst>
-              <a:outerShdw blurRad="50800" dist="38100" dir="2700000" algn="tl" rotWithShape="0">
-                <a:prstClr val="black">
-                  <a:alpha val="40000"/>
-                </a:prstClr>
-              </a:outerShdw>
-            </a:effectLst>
-          </p:spPr>
-          <p:style>
-            <a:lnRef idx="2">
-              <a:schemeClr val="dk1">
-                <a:shade val="50000"/>
-              </a:schemeClr>
-            </a:lnRef>
-            <a:fillRef idx="1">
-              <a:schemeClr val="dk1"/>
-            </a:fillRef>
-            <a:effectRef idx="0">
-              <a:schemeClr val="dk1"/>
-            </a:effectRef>
-            <a:fontRef idx="minor">
-              <a:schemeClr val="lt1"/>
-            </a:fontRef>
-          </p:style>
-          <p:txBody>
-            <a:bodyPr rtlCol="0" anchor="ctr"/>
-            <a:lstStyle/>
-            <a:p>
-              <a:pPr algn="ctr"/>
-              <a:r>
-                <a:rPr lang="en-US" sz="1000" dirty="0">
+          </p:grpSpPr>
+          <p:sp>
+            <p:nvSpPr>
+              <p:cNvPr id="61" name="Rounded Rectangle 60">
+                <a:extLst>
+                  <a:ext uri="{FF2B5EF4-FFF2-40B4-BE49-F238E27FC236}">
+                    <a16:creationId xmlns:a16="http://schemas.microsoft.com/office/drawing/2014/main" id="{5E296DB7-1254-940C-147D-455D1E722534}"/>
+                  </a:ext>
+                </a:extLst>
+              </p:cNvPr>
+              <p:cNvSpPr/>
+              <p:nvPr/>
+            </p:nvSpPr>
+            <p:spPr>
+              <a:xfrm>
+                <a:off x="175443" y="4341130"/>
+                <a:ext cx="1619017" cy="385200"/>
+              </a:xfrm>
+              <a:prstGeom prst="roundRect">
+                <a:avLst>
+                  <a:gd name="adj" fmla="val 7525"/>
+                </a:avLst>
+              </a:prstGeom>
+              <a:solidFill>
+                <a:schemeClr val="bg1">
+                  <a:lumMod val="50000"/>
+                </a:schemeClr>
+              </a:solidFill>
+              <a:ln w="12700">
+                <a:noFill/>
+              </a:ln>
+              <a:effectLst/>
+            </p:spPr>
+            <p:style>
+              <a:lnRef idx="2">
+                <a:schemeClr val="dk1"/>
+              </a:lnRef>
+              <a:fillRef idx="1">
+                <a:schemeClr val="lt1"/>
+              </a:fillRef>
+              <a:effectRef idx="0">
+                <a:schemeClr val="dk1"/>
+              </a:effectRef>
+              <a:fontRef idx="minor">
+                <a:schemeClr val="dk1"/>
+              </a:fontRef>
+            </p:style>
+            <p:txBody>
+              <a:bodyPr wrap="square" tIns="36000" bIns="36000" rtlCol="0" anchor="ctr" anchorCtr="1">
+                <a:noAutofit/>
+              </a:bodyPr>
+              <a:lstStyle/>
+              <a:p>
+                <a:pPr algn="ctr"/>
+                <a:r>
+                  <a:rPr lang="en-US" sz="1000" dirty="0">
+                    <a:solidFill>
+                      <a:schemeClr val="bg1"/>
+                    </a:solidFill>
+                    <a:latin typeface="Source Sans Pro" panose="020B0503030403020204" pitchFamily="34" charset="0"/>
+                    <a:ea typeface="Source Sans Pro" panose="020B0503030403020204" pitchFamily="34" charset="0"/>
+                    <a:cs typeface="Source Sans Pro Light" charset="0"/>
+                  </a:rPr>
+                  <a:t>Configuration</a:t>
+                </a:r>
+                <a:endParaRPr lang="en-GB" sz="1000" dirty="0">
                   <a:solidFill>
-                    <a:srgbClr val="FFFFFF"/>
+                    <a:schemeClr val="bg1"/>
                   </a:solidFill>
                   <a:latin typeface="Source Sans Pro" panose="020B0503030403020204" pitchFamily="34" charset="0"/>
                   <a:ea typeface="Source Sans Pro" panose="020B0503030403020204" pitchFamily="34" charset="0"/>
-                  <a:cs typeface="Arial" panose="020B0604020202020204" pitchFamily="34" charset="0"/>
-                </a:rPr>
-                <a:t>Managed Code Applications</a:t>
-              </a:r>
-            </a:p>
-          </p:txBody>
-        </p:sp>
-        <p:sp>
-          <p:nvSpPr>
-            <p:cNvPr id="117" name="TextBox 116">
-              <a:extLst>
-                <a:ext uri="{FF2B5EF4-FFF2-40B4-BE49-F238E27FC236}">
-                  <a16:creationId xmlns:a16="http://schemas.microsoft.com/office/drawing/2014/main" id="{7919CBE3-81C7-4DD0-94ED-87CCA9F5D8E8}"/>
-                </a:ext>
-              </a:extLst>
-            </p:cNvPr>
-            <p:cNvSpPr txBox="1"/>
-            <p:nvPr/>
-          </p:nvSpPr>
-          <p:spPr>
-            <a:xfrm>
-              <a:off x="2795708" y="2311872"/>
-              <a:ext cx="1850359" cy="276999"/>
-            </a:xfrm>
-            <a:prstGeom prst="rect">
-              <a:avLst/>
-            </a:prstGeom>
-            <a:noFill/>
-          </p:spPr>
-          <p:txBody>
-            <a:bodyPr wrap="square" rtlCol="0">
-              <a:spAutoFit/>
-            </a:bodyPr>
-            <a:lstStyle>
-              <a:defPPr>
-                <a:defRPr lang="en-US"/>
-              </a:defPPr>
-              <a:lvl1pPr>
-                <a:defRPr sz="1200" b="1">
-                  <a:latin typeface="Source Sans Pro SemiBold" charset="0"/>
-                  <a:ea typeface="Source Sans Pro SemiBold" charset="0"/>
-                  <a:cs typeface="Source Sans Pro SemiBold" charset="0"/>
-                </a:defRPr>
-              </a:lvl1pPr>
-            </a:lstStyle>
-            <a:p>
-              <a:r>
-                <a:rPr lang="en-US" dirty="0"/>
-                <a:t>MICROEJ SDK Workspace</a:t>
-              </a:r>
-            </a:p>
-          </p:txBody>
-        </p:sp>
-        <p:sp>
-          <p:nvSpPr>
-            <p:cNvPr id="121" name="Rounded Rectangle 114">
-              <a:extLst>
-                <a:ext uri="{FF2B5EF4-FFF2-40B4-BE49-F238E27FC236}">
-                  <a16:creationId xmlns:a16="http://schemas.microsoft.com/office/drawing/2014/main" id="{C3BC971D-01A8-4300-B6EE-560EA7C7D394}"/>
-                </a:ext>
-              </a:extLst>
-            </p:cNvPr>
-            <p:cNvSpPr/>
-            <p:nvPr/>
-          </p:nvSpPr>
-          <p:spPr>
-            <a:xfrm>
-              <a:off x="2843283" y="3603159"/>
-              <a:ext cx="1872208" cy="255080"/>
-            </a:xfrm>
-            <a:prstGeom prst="roundRect">
-              <a:avLst>
-                <a:gd name="adj" fmla="val 19644"/>
-              </a:avLst>
-            </a:prstGeom>
-            <a:solidFill>
-              <a:schemeClr val="tx1"/>
-            </a:solidFill>
-            <a:ln>
-              <a:noFill/>
-            </a:ln>
-            <a:effectLst>
-              <a:outerShdw blurRad="50800" dist="38100" dir="2700000" algn="tl" rotWithShape="0">
-                <a:prstClr val="black">
-                  <a:alpha val="40000"/>
-                </a:prstClr>
-              </a:outerShdw>
-            </a:effectLst>
-          </p:spPr>
-          <p:style>
-            <a:lnRef idx="2">
-              <a:schemeClr val="dk1">
-                <a:shade val="50000"/>
-              </a:schemeClr>
-            </a:lnRef>
-            <a:fillRef idx="1">
-              <a:schemeClr val="dk1"/>
-            </a:fillRef>
-            <a:effectRef idx="0">
-              <a:schemeClr val="dk1"/>
-            </a:effectRef>
-            <a:fontRef idx="minor">
-              <a:schemeClr val="lt1"/>
-            </a:fontRef>
-          </p:style>
-          <p:txBody>
-            <a:bodyPr rtlCol="0" anchor="ctr"/>
-            <a:lstStyle/>
-            <a:p>
-              <a:pPr algn="ctr"/>
-              <a:r>
-                <a:rPr lang="en-US" sz="1000" dirty="0">
-                  <a:solidFill>
-                    <a:srgbClr val="FFFFFF"/>
-                  </a:solidFill>
-                  <a:latin typeface="Source Sans Pro" panose="020B0503030403020204" pitchFamily="34" charset="0"/>
-                  <a:ea typeface="Source Sans Pro" panose="020B0503030403020204" pitchFamily="34" charset="0"/>
-                </a:rPr>
-                <a:t>VEE Ports</a:t>
-              </a:r>
-            </a:p>
-          </p:txBody>
-        </p:sp>
-        <p:sp>
-          <p:nvSpPr>
-            <p:cNvPr id="127" name="Rounded Rectangle 114">
-              <a:extLst>
-                <a:ext uri="{FF2B5EF4-FFF2-40B4-BE49-F238E27FC236}">
-                  <a16:creationId xmlns:a16="http://schemas.microsoft.com/office/drawing/2014/main" id="{B2F17F48-047C-4B94-8A7C-566FCDAB4FFC}"/>
-                </a:ext>
-              </a:extLst>
-            </p:cNvPr>
-            <p:cNvSpPr/>
-            <p:nvPr/>
-          </p:nvSpPr>
-          <p:spPr>
-            <a:xfrm>
-              <a:off x="2843283" y="2751407"/>
-              <a:ext cx="1872208" cy="255080"/>
-            </a:xfrm>
-            <a:prstGeom prst="roundRect">
-              <a:avLst>
-                <a:gd name="adj" fmla="val 19644"/>
-              </a:avLst>
-            </a:prstGeom>
-            <a:solidFill>
-              <a:schemeClr val="accent1"/>
-            </a:solidFill>
-            <a:ln>
-              <a:noFill/>
-            </a:ln>
-            <a:effectLst>
-              <a:outerShdw blurRad="50800" dist="38100" dir="2700000" algn="tl" rotWithShape="0">
-                <a:prstClr val="black">
-                  <a:alpha val="40000"/>
-                </a:prstClr>
-              </a:outerShdw>
-            </a:effectLst>
-          </p:spPr>
-          <p:style>
-            <a:lnRef idx="2">
-              <a:schemeClr val="dk1">
-                <a:shade val="50000"/>
-              </a:schemeClr>
-            </a:lnRef>
-            <a:fillRef idx="1">
-              <a:schemeClr val="dk1"/>
-            </a:fillRef>
-            <a:effectRef idx="0">
-              <a:schemeClr val="dk1"/>
-            </a:effectRef>
-            <a:fontRef idx="minor">
-              <a:schemeClr val="lt1"/>
-            </a:fontRef>
-          </p:style>
-          <p:txBody>
-            <a:bodyPr rtlCol="0" anchor="ctr"/>
-            <a:lstStyle/>
-            <a:p>
-              <a:pPr algn="ctr"/>
-              <a:r>
-                <a:rPr lang="en-US" sz="1000" dirty="0">
-                  <a:solidFill>
-                    <a:srgbClr val="FFFFFF"/>
-                  </a:solidFill>
-                  <a:latin typeface="Source Sans Pro" panose="020B0503030403020204" pitchFamily="34" charset="0"/>
-                  <a:ea typeface="Source Sans Pro" panose="020B0503030403020204" pitchFamily="34" charset="0"/>
-                </a:rPr>
-                <a:t>Architecture</a:t>
-              </a:r>
-            </a:p>
-          </p:txBody>
-        </p:sp>
-        <p:sp>
-          <p:nvSpPr>
-            <p:cNvPr id="48" name="Rounded Rectangle 114">
-              <a:extLst>
-                <a:ext uri="{FF2B5EF4-FFF2-40B4-BE49-F238E27FC236}">
-                  <a16:creationId xmlns:a16="http://schemas.microsoft.com/office/drawing/2014/main" id="{E0836930-B007-BC53-863B-0B2A36BAFC6A}"/>
-                </a:ext>
-              </a:extLst>
-            </p:cNvPr>
-            <p:cNvSpPr/>
-            <p:nvPr/>
-          </p:nvSpPr>
-          <p:spPr>
-            <a:xfrm>
-              <a:off x="2843283" y="3177283"/>
-              <a:ext cx="1872208" cy="255080"/>
-            </a:xfrm>
-            <a:prstGeom prst="roundRect">
-              <a:avLst>
-                <a:gd name="adj" fmla="val 19644"/>
-              </a:avLst>
-            </a:prstGeom>
-            <a:solidFill>
-              <a:schemeClr val="accent1"/>
-            </a:solidFill>
-            <a:ln>
-              <a:noFill/>
-            </a:ln>
-            <a:effectLst>
-              <a:outerShdw blurRad="50800" dist="38100" dir="2700000" algn="tl" rotWithShape="0">
-                <a:prstClr val="black">
-                  <a:alpha val="40000"/>
-                </a:prstClr>
-              </a:outerShdw>
-            </a:effectLst>
-          </p:spPr>
-          <p:style>
-            <a:lnRef idx="2">
-              <a:schemeClr val="dk1">
-                <a:shade val="50000"/>
-              </a:schemeClr>
-            </a:lnRef>
-            <a:fillRef idx="1">
-              <a:schemeClr val="dk1"/>
-            </a:fillRef>
-            <a:effectRef idx="0">
-              <a:schemeClr val="dk1"/>
-            </a:effectRef>
-            <a:fontRef idx="minor">
-              <a:schemeClr val="lt1"/>
-            </a:fontRef>
-          </p:style>
-          <p:txBody>
-            <a:bodyPr rtlCol="0" anchor="ctr"/>
-            <a:lstStyle/>
-            <a:p>
-              <a:pPr algn="ctr"/>
-              <a:r>
-                <a:rPr lang="en-US" sz="1000" dirty="0">
-                  <a:solidFill>
-                    <a:srgbClr val="FFFFFF"/>
-                  </a:solidFill>
-                  <a:latin typeface="Source Sans Pro" panose="020B0503030403020204" pitchFamily="34" charset="0"/>
-                  <a:ea typeface="Source Sans Pro" panose="020B0503030403020204" pitchFamily="34" charset="0"/>
-                </a:rPr>
-                <a:t>Libraries</a:t>
-              </a:r>
-            </a:p>
-          </p:txBody>
-        </p:sp>
-      </p:grpSp>
-      <p:cxnSp>
-        <p:nvCxnSpPr>
-          <p:cNvPr id="55" name="Straight Arrow Connector 54">
-            <a:extLst>
-              <a:ext uri="{FF2B5EF4-FFF2-40B4-BE49-F238E27FC236}">
-                <a16:creationId xmlns:a16="http://schemas.microsoft.com/office/drawing/2014/main" id="{887968BA-8178-E44B-C493-45509761E072}"/>
-              </a:ext>
-            </a:extLst>
-          </p:cNvPr>
-          <p:cNvCxnSpPr>
-            <a:cxnSpLocks/>
-            <a:stCxn id="112" idx="2"/>
-            <a:endCxn id="129" idx="0"/>
-          </p:cNvCxnSpPr>
-          <p:nvPr/>
-        </p:nvCxnSpPr>
-        <p:spPr>
-          <a:xfrm>
-            <a:off x="3799451" y="3358312"/>
-            <a:ext cx="568132" cy="1770683"/>
-          </a:xfrm>
-          <a:prstGeom prst="straightConnector1">
-            <a:avLst/>
-          </a:prstGeom>
-          <a:ln w="25400">
-            <a:solidFill>
-              <a:schemeClr val="bg2">
-                <a:lumMod val="75000"/>
-              </a:schemeClr>
-            </a:solidFill>
-            <a:tailEnd type="triangle"/>
-          </a:ln>
-        </p:spPr>
-        <p:style>
-          <a:lnRef idx="1">
-            <a:schemeClr val="accent1"/>
-          </a:lnRef>
-          <a:fillRef idx="0">
-            <a:schemeClr val="accent1"/>
-          </a:fillRef>
-          <a:effectRef idx="0">
-            <a:schemeClr val="accent1"/>
-          </a:effectRef>
-          <a:fontRef idx="minor">
-            <a:schemeClr val="tx1"/>
-          </a:fontRef>
-        </p:style>
-      </p:cxnSp>
-      <p:cxnSp>
-        <p:nvCxnSpPr>
-          <p:cNvPr id="103" name="Elbow Connector 102">
-            <a:extLst>
-              <a:ext uri="{FF2B5EF4-FFF2-40B4-BE49-F238E27FC236}">
-                <a16:creationId xmlns:a16="http://schemas.microsoft.com/office/drawing/2014/main" id="{2ED75F96-42C2-370D-3599-26D7FC179D86}"/>
-              </a:ext>
-            </a:extLst>
-          </p:cNvPr>
-          <p:cNvCxnSpPr>
-            <a:cxnSpLocks/>
-            <a:stCxn id="27" idx="1"/>
-            <a:endCxn id="127" idx="3"/>
-          </p:cNvCxnSpPr>
-          <p:nvPr/>
-        </p:nvCxnSpPr>
-        <p:spPr>
-          <a:xfrm flipH="1" flipV="1">
-            <a:off x="4716275" y="1735801"/>
-            <a:ext cx="3406639" cy="17366"/>
-          </a:xfrm>
-          <a:prstGeom prst="straightConnector1">
-            <a:avLst/>
-          </a:prstGeom>
-          <a:ln w="25400">
-            <a:solidFill>
-              <a:schemeClr val="accent1"/>
-            </a:solidFill>
-            <a:tailEnd type="triangle"/>
-          </a:ln>
-        </p:spPr>
-        <p:style>
-          <a:lnRef idx="1">
-            <a:schemeClr val="accent1"/>
-          </a:lnRef>
-          <a:fillRef idx="0">
-            <a:schemeClr val="accent1"/>
-          </a:fillRef>
-          <a:effectRef idx="0">
-            <a:schemeClr val="accent1"/>
-          </a:effectRef>
-          <a:fontRef idx="minor">
-            <a:schemeClr val="tx1"/>
-          </a:fontRef>
-        </p:style>
-      </p:cxnSp>
-      <p:cxnSp>
-        <p:nvCxnSpPr>
-          <p:cNvPr id="120" name="Elbow Connector 119">
-            <a:extLst>
-              <a:ext uri="{FF2B5EF4-FFF2-40B4-BE49-F238E27FC236}">
-                <a16:creationId xmlns:a16="http://schemas.microsoft.com/office/drawing/2014/main" id="{AFF7CD7D-37EA-527B-1E94-C59B3DDE17DA}"/>
-              </a:ext>
-            </a:extLst>
-          </p:cNvPr>
-          <p:cNvCxnSpPr>
-            <a:cxnSpLocks/>
-            <a:endCxn id="48" idx="3"/>
-          </p:cNvCxnSpPr>
-          <p:nvPr/>
-        </p:nvCxnSpPr>
-        <p:spPr>
-          <a:xfrm rot="10800000">
-            <a:off x="4716276" y="2161678"/>
-            <a:ext cx="3674129" cy="623685"/>
-          </a:xfrm>
-          <a:prstGeom prst="bentConnector3">
-            <a:avLst>
-              <a:gd name="adj1" fmla="val 78227"/>
-            </a:avLst>
-          </a:prstGeom>
-          <a:ln w="25400">
-            <a:solidFill>
-              <a:schemeClr val="accent1"/>
-            </a:solidFill>
-            <a:tailEnd type="triangle"/>
-          </a:ln>
-        </p:spPr>
-        <p:style>
-          <a:lnRef idx="1">
-            <a:schemeClr val="accent1"/>
-          </a:lnRef>
-          <a:fillRef idx="0">
-            <a:schemeClr val="accent1"/>
-          </a:fillRef>
-          <a:effectRef idx="0">
-            <a:schemeClr val="accent1"/>
-          </a:effectRef>
-          <a:fontRef idx="minor">
-            <a:schemeClr val="tx1"/>
-          </a:fontRef>
-        </p:style>
-      </p:cxnSp>
-      <p:cxnSp>
-        <p:nvCxnSpPr>
-          <p:cNvPr id="109" name="Elbow Connector 108">
-            <a:extLst>
-              <a:ext uri="{FF2B5EF4-FFF2-40B4-BE49-F238E27FC236}">
-                <a16:creationId xmlns:a16="http://schemas.microsoft.com/office/drawing/2014/main" id="{2A0BB27E-32AC-23E3-4C67-80DEE3D372FC}"/>
-              </a:ext>
-            </a:extLst>
-          </p:cNvPr>
-          <p:cNvCxnSpPr>
-            <a:cxnSpLocks/>
-            <a:stCxn id="42" idx="1"/>
-            <a:endCxn id="121" idx="3"/>
-          </p:cNvCxnSpPr>
-          <p:nvPr/>
-        </p:nvCxnSpPr>
-        <p:spPr>
-          <a:xfrm rot="10800000">
-            <a:off x="4716276" y="2587553"/>
-            <a:ext cx="3504581" cy="1218392"/>
-          </a:xfrm>
-          <a:prstGeom prst="bentConnector3">
-            <a:avLst>
-              <a:gd name="adj1" fmla="val 79592"/>
-            </a:avLst>
-          </a:prstGeom>
-          <a:ln w="25400">
-            <a:solidFill>
-              <a:schemeClr val="bg2">
-                <a:lumMod val="75000"/>
-              </a:schemeClr>
-            </a:solidFill>
-            <a:tailEnd type="triangle"/>
-          </a:ln>
-        </p:spPr>
-        <p:style>
-          <a:lnRef idx="1">
-            <a:schemeClr val="accent1"/>
-          </a:lnRef>
-          <a:fillRef idx="0">
-            <a:schemeClr val="accent1"/>
-          </a:fillRef>
-          <a:effectRef idx="0">
-            <a:schemeClr val="accent1"/>
-          </a:effectRef>
-          <a:fontRef idx="minor">
-            <a:schemeClr val="tx1"/>
-          </a:fontRef>
-        </p:style>
-      </p:cxnSp>
-      <p:cxnSp>
-        <p:nvCxnSpPr>
-          <p:cNvPr id="132" name="Elbow Connector 131">
-            <a:extLst>
-              <a:ext uri="{FF2B5EF4-FFF2-40B4-BE49-F238E27FC236}">
-                <a16:creationId xmlns:a16="http://schemas.microsoft.com/office/drawing/2014/main" id="{919D78A0-A582-630C-05F1-A6B20FB007DB}"/>
-              </a:ext>
-            </a:extLst>
-          </p:cNvPr>
-          <p:cNvCxnSpPr>
-            <a:cxnSpLocks/>
-            <a:stCxn id="25" idx="1"/>
-            <a:endCxn id="85" idx="3"/>
-          </p:cNvCxnSpPr>
-          <p:nvPr/>
-        </p:nvCxnSpPr>
-        <p:spPr>
-          <a:xfrm rot="10800000">
-            <a:off x="4716275" y="3013429"/>
-            <a:ext cx="3793506" cy="2242549"/>
-          </a:xfrm>
-          <a:prstGeom prst="bentConnector3">
-            <a:avLst>
-              <a:gd name="adj1" fmla="val 85863"/>
-            </a:avLst>
-          </a:prstGeom>
-          <a:ln w="25400">
-            <a:solidFill>
-              <a:schemeClr val="bg2">
-                <a:lumMod val="75000"/>
-              </a:schemeClr>
-            </a:solidFill>
-            <a:tailEnd type="triangle"/>
-          </a:ln>
-        </p:spPr>
-        <p:style>
-          <a:lnRef idx="1">
-            <a:schemeClr val="accent1"/>
-          </a:lnRef>
-          <a:fillRef idx="0">
-            <a:schemeClr val="accent1"/>
-          </a:fillRef>
-          <a:effectRef idx="0">
-            <a:schemeClr val="accent1"/>
-          </a:effectRef>
-          <a:fontRef idx="minor">
-            <a:schemeClr val="tx1"/>
-          </a:fontRef>
-        </p:style>
-      </p:cxnSp>
-      <p:pic>
-        <p:nvPicPr>
-          <p:cNvPr id="144" name="Picture 143">
-            <a:extLst>
-              <a:ext uri="{FF2B5EF4-FFF2-40B4-BE49-F238E27FC236}">
-                <a16:creationId xmlns:a16="http://schemas.microsoft.com/office/drawing/2014/main" id="{93C96E4E-051D-3351-DD1A-A28CD750CA4E}"/>
-              </a:ext>
-            </a:extLst>
-          </p:cNvPr>
-          <p:cNvPicPr>
-            <a:picLocks noChangeAspect="1"/>
-          </p:cNvPicPr>
-          <p:nvPr/>
-        </p:nvPicPr>
-        <p:blipFill>
-          <a:blip r:embed="rId11">
-            <a:extLst>
-              <a:ext uri="{28A0092B-C50C-407E-A947-70E740481C1C}">
-                <a14:useLocalDpi xmlns:a14="http://schemas.microsoft.com/office/drawing/2010/main" val="0"/>
-              </a:ext>
-            </a:extLst>
-          </a:blip>
-          <a:stretch>
-            <a:fillRect/>
-          </a:stretch>
-        </p:blipFill>
-        <p:spPr>
-          <a:xfrm>
-            <a:off x="4487336" y="6045658"/>
-            <a:ext cx="1176616" cy="640824"/>
-          </a:xfrm>
-          <a:prstGeom prst="rect">
-            <a:avLst/>
-          </a:prstGeom>
-        </p:spPr>
-      </p:pic>
-      <p:sp>
-        <p:nvSpPr>
-          <p:cNvPr id="155" name="Rounded Rectangle 114">
-            <a:extLst>
-              <a:ext uri="{FF2B5EF4-FFF2-40B4-BE49-F238E27FC236}">
-                <a16:creationId xmlns:a16="http://schemas.microsoft.com/office/drawing/2014/main" id="{8CCA8FDD-DEA2-8C5B-4356-4072810EEC85}"/>
-              </a:ext>
-            </a:extLst>
-          </p:cNvPr>
-          <p:cNvSpPr/>
-          <p:nvPr/>
-        </p:nvSpPr>
-        <p:spPr>
-          <a:xfrm>
-            <a:off x="2356198" y="5882230"/>
-            <a:ext cx="1290406" cy="430296"/>
-          </a:xfrm>
-          <a:prstGeom prst="roundRect">
-            <a:avLst>
-              <a:gd name="adj" fmla="val 50000"/>
-            </a:avLst>
-          </a:prstGeom>
-          <a:solidFill>
-            <a:schemeClr val="tx1"/>
-          </a:solidFill>
-          <a:ln>
-            <a:noFill/>
-          </a:ln>
-          <a:effectLst>
-            <a:outerShdw blurRad="50800" dist="38100" dir="2700000" algn="tl" rotWithShape="0">
-              <a:prstClr val="black">
-                <a:alpha val="40000"/>
-              </a:prstClr>
-            </a:outerShdw>
-          </a:effectLst>
-        </p:spPr>
-        <p:style>
-          <a:lnRef idx="2">
-            <a:schemeClr val="dk1">
-              <a:shade val="50000"/>
-            </a:schemeClr>
-          </a:lnRef>
-          <a:fillRef idx="1">
-            <a:schemeClr val="dk1"/>
-          </a:fillRef>
-          <a:effectRef idx="0">
-            <a:schemeClr val="dk1"/>
-          </a:effectRef>
-          <a:fontRef idx="minor">
-            <a:schemeClr val="lt1"/>
-          </a:fontRef>
-        </p:style>
-        <p:txBody>
-          <a:bodyPr rtlCol="0" anchor="ctr"/>
-          <a:lstStyle/>
-          <a:p>
-            <a:pPr algn="ctr"/>
-            <a:r>
-              <a:rPr lang="en-US" sz="1000" dirty="0">
-                <a:solidFill>
-                  <a:srgbClr val="FFFFFF"/>
-                </a:solidFill>
-                <a:latin typeface="Source Sans Pro" panose="020B0503030403020204" pitchFamily="34" charset="0"/>
-                <a:ea typeface="Source Sans Pro" panose="020B0503030403020204" pitchFamily="34" charset="0"/>
-              </a:rPr>
-              <a:t> Simulated</a:t>
-            </a:r>
-          </a:p>
-          <a:p>
-            <a:pPr algn="ctr"/>
-            <a:r>
-              <a:rPr lang="en-US" sz="1000" dirty="0">
-                <a:solidFill>
-                  <a:srgbClr val="FFFFFF"/>
-                </a:solidFill>
-                <a:latin typeface="Source Sans Pro" panose="020B0503030403020204" pitchFamily="34" charset="0"/>
-                <a:ea typeface="Source Sans Pro" panose="020B0503030403020204" pitchFamily="34" charset="0"/>
-              </a:rPr>
-              <a:t>Execution</a:t>
-            </a:r>
-          </a:p>
-        </p:txBody>
-      </p:sp>
-      <p:grpSp>
-        <p:nvGrpSpPr>
-          <p:cNvPr id="150" name="Group 149">
-            <a:extLst>
-              <a:ext uri="{FF2B5EF4-FFF2-40B4-BE49-F238E27FC236}">
-                <a16:creationId xmlns:a16="http://schemas.microsoft.com/office/drawing/2014/main" id="{0DFF95D2-0E76-EC19-D474-3B649A6F4F1D}"/>
-              </a:ext>
-            </a:extLst>
-          </p:cNvPr>
-          <p:cNvGrpSpPr/>
-          <p:nvPr/>
-        </p:nvGrpSpPr>
-        <p:grpSpPr>
-          <a:xfrm>
-            <a:off x="1922537" y="5854257"/>
-            <a:ext cx="997918" cy="851754"/>
-            <a:chOff x="5002529" y="4506426"/>
-            <a:chExt cx="1523309" cy="1425888"/>
-          </a:xfrm>
-        </p:grpSpPr>
-        <p:pic>
-          <p:nvPicPr>
-            <p:cNvPr id="151" name="Picture 150">
-              <a:extLst>
-                <a:ext uri="{FF2B5EF4-FFF2-40B4-BE49-F238E27FC236}">
-                  <a16:creationId xmlns:a16="http://schemas.microsoft.com/office/drawing/2014/main" id="{0231E831-7B02-AF7C-3F29-EF82BCE7DA5F}"/>
-                </a:ext>
-              </a:extLst>
-            </p:cNvPr>
-            <p:cNvPicPr>
-              <a:picLocks noChangeAspect="1"/>
-            </p:cNvPicPr>
-            <p:nvPr/>
-          </p:nvPicPr>
-          <p:blipFill>
-            <a:blip r:embed="rId12">
-              <a:extLst>
-                <a:ext uri="{28A0092B-C50C-407E-A947-70E740481C1C}">
-                  <a14:useLocalDpi xmlns:a14="http://schemas.microsoft.com/office/drawing/2010/main" val="0"/>
-                </a:ext>
-              </a:extLst>
-            </a:blip>
-            <a:stretch>
-              <a:fillRect/>
-            </a:stretch>
-          </p:blipFill>
-          <p:spPr>
-            <a:xfrm>
-              <a:off x="5002529" y="4506426"/>
-              <a:ext cx="1523309" cy="1425888"/>
-            </a:xfrm>
-            <a:prstGeom prst="rect">
-              <a:avLst/>
-            </a:prstGeom>
-          </p:spPr>
-        </p:pic>
-        <p:pic>
-          <p:nvPicPr>
-            <p:cNvPr id="152" name="Picture 151">
-              <a:extLst>
-                <a:ext uri="{FF2B5EF4-FFF2-40B4-BE49-F238E27FC236}">
-                  <a16:creationId xmlns:a16="http://schemas.microsoft.com/office/drawing/2014/main" id="{6A522F23-13AD-2456-A12B-0ADD95C3B260}"/>
-                </a:ext>
-              </a:extLst>
-            </p:cNvPr>
-            <p:cNvPicPr>
-              <a:picLocks noChangeAspect="1"/>
-            </p:cNvPicPr>
-            <p:nvPr/>
-          </p:nvPicPr>
-          <p:blipFill>
-            <a:blip r:embed="rId13">
-              <a:extLst>
-                <a:ext uri="{28A0092B-C50C-407E-A947-70E740481C1C}">
-                  <a14:useLocalDpi xmlns:a14="http://schemas.microsoft.com/office/drawing/2010/main" val="0"/>
-                </a:ext>
-              </a:extLst>
-            </a:blip>
-            <a:stretch>
-              <a:fillRect/>
-            </a:stretch>
-          </p:blipFill>
-          <p:spPr>
-            <a:xfrm>
-              <a:off x="5430858" y="4714109"/>
-              <a:ext cx="505261" cy="505261"/>
-            </a:xfrm>
-            <a:prstGeom prst="rect">
-              <a:avLst/>
-            </a:prstGeom>
-            <a:scene3d>
-              <a:camera prst="isometricRightUp">
-                <a:rot lat="2100000" lon="19200000" rev="300000"/>
-              </a:camera>
-              <a:lightRig rig="threePt" dir="t"/>
-            </a:scene3d>
-          </p:spPr>
-        </p:pic>
-      </p:grpSp>
-      <p:cxnSp>
-        <p:nvCxnSpPr>
-          <p:cNvPr id="157" name="Straight Arrow Connector 156">
-            <a:extLst>
-              <a:ext uri="{FF2B5EF4-FFF2-40B4-BE49-F238E27FC236}">
-                <a16:creationId xmlns:a16="http://schemas.microsoft.com/office/drawing/2014/main" id="{F5C838E3-BEC4-07D1-EBBC-729DBC62C1A2}"/>
-              </a:ext>
-            </a:extLst>
-          </p:cNvPr>
-          <p:cNvCxnSpPr>
-            <a:cxnSpLocks/>
-            <a:stCxn id="112" idx="2"/>
-          </p:cNvCxnSpPr>
-          <p:nvPr/>
-        </p:nvCxnSpPr>
-        <p:spPr>
-          <a:xfrm flipH="1">
-            <a:off x="3033092" y="3358312"/>
-            <a:ext cx="766359" cy="2121352"/>
-          </a:xfrm>
-          <a:prstGeom prst="straightConnector1">
-            <a:avLst/>
-          </a:prstGeom>
-          <a:ln w="25400">
-            <a:solidFill>
-              <a:schemeClr val="bg2">
-                <a:lumMod val="75000"/>
-              </a:schemeClr>
-            </a:solidFill>
-            <a:tailEnd type="triangle"/>
-          </a:ln>
-        </p:spPr>
-        <p:style>
-          <a:lnRef idx="1">
-            <a:schemeClr val="accent1"/>
-          </a:lnRef>
-          <a:fillRef idx="0">
-            <a:schemeClr val="accent1"/>
-          </a:fillRef>
-          <a:effectRef idx="0">
-            <a:schemeClr val="accent1"/>
-          </a:effectRef>
-          <a:fontRef idx="minor">
-            <a:schemeClr val="tx1"/>
-          </a:fontRef>
-        </p:style>
-      </p:cxnSp>
-      <p:sp>
-        <p:nvSpPr>
-          <p:cNvPr id="108" name="Rounded Rectangle 62">
-            <a:extLst>
-              <a:ext uri="{FF2B5EF4-FFF2-40B4-BE49-F238E27FC236}">
-                <a16:creationId xmlns:a16="http://schemas.microsoft.com/office/drawing/2014/main" id="{594485E9-9FDD-42D9-A895-515379347D47}"/>
-              </a:ext>
-            </a:extLst>
-          </p:cNvPr>
-          <p:cNvSpPr/>
-          <p:nvPr/>
-        </p:nvSpPr>
-        <p:spPr>
-          <a:xfrm>
-            <a:off x="2755999" y="3823147"/>
-            <a:ext cx="2091301" cy="829989"/>
-          </a:xfrm>
-          <a:prstGeom prst="roundRect">
-            <a:avLst>
-              <a:gd name="adj" fmla="val 5059"/>
-            </a:avLst>
-          </a:prstGeom>
-          <a:solidFill>
-            <a:schemeClr val="accent1"/>
-          </a:solidFill>
-          <a:ln>
-            <a:noFill/>
-          </a:ln>
-          <a:effectLst>
-            <a:outerShdw blurRad="50800" dist="38100" dir="2700000" algn="tl" rotWithShape="0">
-              <a:prstClr val="black">
-                <a:alpha val="40000"/>
-              </a:prstClr>
-            </a:outerShdw>
-          </a:effectLst>
-        </p:spPr>
-        <p:style>
-          <a:lnRef idx="2">
-            <a:schemeClr val="dk1">
-              <a:shade val="50000"/>
-            </a:schemeClr>
-          </a:lnRef>
-          <a:fillRef idx="1">
-            <a:schemeClr val="dk1"/>
-          </a:fillRef>
-          <a:effectRef idx="0">
-            <a:schemeClr val="dk1"/>
-          </a:effectRef>
-          <a:fontRef idx="minor">
-            <a:schemeClr val="lt1"/>
-          </a:fontRef>
-        </p:style>
-        <p:txBody>
-          <a:bodyPr rtlCol="0" anchor="ctr"/>
-          <a:lstStyle/>
-          <a:p>
-            <a:pPr algn="ctr"/>
-            <a:r>
-              <a:rPr lang="en-US" sz="1200" dirty="0" err="1">
-                <a:solidFill>
-                  <a:srgbClr val="FFFFFF"/>
-                </a:solidFill>
-                <a:latin typeface="Source Sans Pro" panose="020B0503030403020204" pitchFamily="34" charset="0"/>
-                <a:ea typeface="Source Sans Pro" panose="020B0503030403020204" pitchFamily="34" charset="0"/>
-                <a:cs typeface="Arial" panose="020B0604020202020204" pitchFamily="34" charset="0"/>
-              </a:rPr>
-              <a:t>MicroEJ</a:t>
-            </a:r>
-            <a:r>
-              <a:rPr lang="en-US" sz="1200" dirty="0">
-                <a:solidFill>
-                  <a:srgbClr val="FFFFFF"/>
-                </a:solidFill>
-                <a:latin typeface="Source Sans Pro" panose="020B0503030403020204" pitchFamily="34" charset="0"/>
-                <a:ea typeface="Source Sans Pro" panose="020B0503030403020204" pitchFamily="34" charset="0"/>
-                <a:cs typeface="Arial" panose="020B0604020202020204" pitchFamily="34" charset="0"/>
-              </a:rPr>
-              <a:t> SDK</a:t>
-            </a:r>
-          </a:p>
-        </p:txBody>
-      </p:sp>
-      <p:sp>
-        <p:nvSpPr>
-          <p:cNvPr id="161" name="TextBox 160">
-            <a:extLst>
-              <a:ext uri="{FF2B5EF4-FFF2-40B4-BE49-F238E27FC236}">
-                <a16:creationId xmlns:a16="http://schemas.microsoft.com/office/drawing/2014/main" id="{CE21FD37-5C89-CE54-E56F-21CA3D1CAC4E}"/>
-              </a:ext>
-            </a:extLst>
-          </p:cNvPr>
-          <p:cNvSpPr txBox="1"/>
-          <p:nvPr/>
-        </p:nvSpPr>
-        <p:spPr>
-          <a:xfrm>
-            <a:off x="5512782" y="4848867"/>
-            <a:ext cx="2575263" cy="338554"/>
-          </a:xfrm>
-          <a:prstGeom prst="rect">
-            <a:avLst/>
-          </a:prstGeom>
-          <a:noFill/>
-        </p:spPr>
-        <p:txBody>
-          <a:bodyPr vert="horz" wrap="square" lIns="0" tIns="0" rIns="0" bIns="0" numCol="1" spcCol="288000" rtlCol="0" anchor="t" anchorCtr="0">
-            <a:spAutoFit/>
-          </a:bodyPr>
-          <a:lstStyle/>
-          <a:p>
-            <a:pPr algn="ctr">
-              <a:spcBef>
-                <a:spcPts val="0"/>
-              </a:spcBef>
-              <a:spcAft>
-                <a:spcPts val="600"/>
-              </a:spcAft>
-            </a:pPr>
-            <a:r>
-              <a:rPr lang="en-US" sz="1100" spc="0" dirty="0">
-                <a:ln>
-                  <a:noFill/>
-                </a:ln>
-                <a:solidFill>
-                  <a:schemeClr val="bg2">
-                    <a:lumMod val="75000"/>
-                  </a:schemeClr>
-                </a:solidFill>
-                <a:latin typeface="Source Sans Pro" panose="020B0503030403020204" pitchFamily="34" charset="0"/>
-                <a:ea typeface="Source Sans Pro" panose="020B0503030403020204" pitchFamily="34" charset="0"/>
-                <a:cs typeface="Source Sans Pro Light" charset="0"/>
-              </a:rPr>
-              <a:t>Resolve Dependencies through </a:t>
-            </a:r>
-            <a:r>
-              <a:rPr lang="en-US" sz="1100" dirty="0">
-                <a:solidFill>
-                  <a:schemeClr val="bg2">
-                    <a:lumMod val="75000"/>
-                  </a:schemeClr>
-                </a:solidFill>
-                <a:latin typeface="Source Sans Pro" panose="020B0503030403020204" pitchFamily="34" charset="0"/>
-                <a:ea typeface="Source Sans Pro" panose="020B0503030403020204" pitchFamily="34" charset="0"/>
-                <a:cs typeface="Source Sans Pro Light" charset="0"/>
-              </a:rPr>
-              <a:t>G</a:t>
-            </a:r>
-            <a:r>
-              <a:rPr lang="en-US" sz="1100" spc="0" dirty="0">
-                <a:ln>
-                  <a:noFill/>
-                </a:ln>
-                <a:solidFill>
-                  <a:schemeClr val="bg2">
-                    <a:lumMod val="75000"/>
-                  </a:schemeClr>
-                </a:solidFill>
-                <a:latin typeface="Source Sans Pro" panose="020B0503030403020204" pitchFamily="34" charset="0"/>
-                <a:ea typeface="Source Sans Pro" panose="020B0503030403020204" pitchFamily="34" charset="0"/>
-                <a:cs typeface="Source Sans Pro Light" charset="0"/>
-              </a:rPr>
-              <a:t>radle </a:t>
-            </a:r>
-            <a:r>
-              <a:rPr lang="en-US" sz="1100" spc="0" dirty="0">
-                <a:ln>
-                  <a:noFill/>
-                </a:ln>
-                <a:latin typeface="Source Sans Pro" panose="020B0503030403020204" pitchFamily="34" charset="0"/>
-                <a:ea typeface="Source Sans Pro" panose="020B0503030403020204" pitchFamily="34" charset="0"/>
-                <a:cs typeface="Source Sans Pro Light" charset="0"/>
-              </a:rPr>
-              <a:t>Offline </a:t>
-            </a:r>
-            <a:r>
-              <a:rPr lang="en-US" sz="1100" dirty="0">
-                <a:latin typeface="Source Sans Pro" panose="020B0503030403020204" pitchFamily="34" charset="0"/>
-                <a:ea typeface="Source Sans Pro" panose="020B0503030403020204" pitchFamily="34" charset="0"/>
-                <a:cs typeface="Source Sans Pro Light" charset="0"/>
-              </a:rPr>
-              <a:t>R</a:t>
-            </a:r>
-            <a:r>
-              <a:rPr lang="en-US" sz="1100" spc="0" dirty="0">
-                <a:ln>
-                  <a:noFill/>
-                </a:ln>
-                <a:latin typeface="Source Sans Pro" panose="020B0503030403020204" pitchFamily="34" charset="0"/>
-                <a:ea typeface="Source Sans Pro" panose="020B0503030403020204" pitchFamily="34" charset="0"/>
-                <a:cs typeface="Source Sans Pro Light" charset="0"/>
-              </a:rPr>
-              <a:t>epository</a:t>
-            </a:r>
-            <a:endParaRPr lang="en-US" sz="1100" spc="0" dirty="0">
+                  <a:cs typeface="Source Sans Pro Light" charset="0"/>
+                </a:endParaRPr>
+              </a:p>
+            </p:txBody>
+          </p:sp>
+          <p:sp>
+            <p:nvSpPr>
+              <p:cNvPr id="62" name="Rounded Rectangle 7">
+                <a:extLst>
+                  <a:ext uri="{FF2B5EF4-FFF2-40B4-BE49-F238E27FC236}">
+                    <a16:creationId xmlns:a16="http://schemas.microsoft.com/office/drawing/2014/main" id="{1CBCC5F3-4C08-DA22-3DDF-E20813A3D7E3}"/>
+                  </a:ext>
+                </a:extLst>
+              </p:cNvPr>
+              <p:cNvSpPr/>
+              <p:nvPr/>
+            </p:nvSpPr>
+            <p:spPr>
+              <a:xfrm>
+                <a:off x="174460" y="4814273"/>
+                <a:ext cx="1620000" cy="385889"/>
+              </a:xfrm>
+              <a:prstGeom prst="roundRect">
+                <a:avLst/>
+              </a:prstGeom>
+              <a:solidFill>
+                <a:schemeClr val="tx1"/>
+              </a:solidFill>
               <a:ln>
                 <a:noFill/>
               </a:ln>
+              <a:effectLst/>
+            </p:spPr>
+            <p:style>
+              <a:lnRef idx="2">
+                <a:schemeClr val="dk1">
+                  <a:shade val="50000"/>
+                </a:schemeClr>
+              </a:lnRef>
+              <a:fillRef idx="1">
+                <a:schemeClr val="dk1"/>
+              </a:fillRef>
+              <a:effectRef idx="0">
+                <a:schemeClr val="dk1"/>
+              </a:effectRef>
+              <a:fontRef idx="minor">
+                <a:schemeClr val="lt1"/>
+              </a:fontRef>
+            </p:style>
+            <p:txBody>
+              <a:bodyPr rtlCol="0" anchor="ctr"/>
+              <a:lstStyle/>
+              <a:p>
+                <a:pPr algn="ctr"/>
+                <a:r>
+                  <a:rPr lang="en-US" sz="1000" dirty="0">
+                    <a:solidFill>
+                      <a:srgbClr val="FFFFFF"/>
+                    </a:solidFill>
+                    <a:latin typeface="Source Sans Pro" panose="020B0503030403020204" pitchFamily="34" charset="0"/>
+                    <a:ea typeface="Source Sans Pro" panose="020B0503030403020204" pitchFamily="34" charset="0"/>
+                    <a:cs typeface="Source Sans Pro Light" charset="0"/>
+                  </a:rPr>
+                  <a:t>Build Tool</a:t>
+                </a:r>
+              </a:p>
+            </p:txBody>
+          </p:sp>
+          <p:sp>
+            <p:nvSpPr>
+              <p:cNvPr id="65" name="Rounded Rectangle 7">
+                <a:extLst>
+                  <a:ext uri="{FF2B5EF4-FFF2-40B4-BE49-F238E27FC236}">
+                    <a16:creationId xmlns:a16="http://schemas.microsoft.com/office/drawing/2014/main" id="{55697C9F-BEC2-EED6-84AA-48660D48A67D}"/>
+                  </a:ext>
+                </a:extLst>
+              </p:cNvPr>
+              <p:cNvSpPr/>
+              <p:nvPr/>
+            </p:nvSpPr>
+            <p:spPr>
+              <a:xfrm>
+                <a:off x="174460" y="5288105"/>
+                <a:ext cx="1620000" cy="385889"/>
+              </a:xfrm>
+              <a:prstGeom prst="roundRect">
+                <a:avLst/>
+              </a:prstGeom>
               <a:solidFill>
-                <a:schemeClr val="bg2">
-                  <a:lumMod val="75000"/>
+                <a:schemeClr val="accent2"/>
+              </a:solidFill>
+              <a:ln w="9525">
+                <a:noFill/>
+              </a:ln>
+              <a:effectLst/>
+            </p:spPr>
+            <p:style>
+              <a:lnRef idx="2">
+                <a:schemeClr val="dk1">
+                  <a:shade val="50000"/>
                 </a:schemeClr>
-              </a:solidFill>
-              <a:latin typeface="Source Sans Pro" panose="020B0503030403020204" pitchFamily="34" charset="0"/>
-              <a:ea typeface="Source Sans Pro" panose="020B0503030403020204" pitchFamily="34" charset="0"/>
-              <a:cs typeface="Source Sans Pro Light" charset="0"/>
-            </a:endParaRPr>
-          </a:p>
-        </p:txBody>
-      </p:sp>
+              </a:lnRef>
+              <a:fillRef idx="1">
+                <a:schemeClr val="dk1"/>
+              </a:fillRef>
+              <a:effectRef idx="0">
+                <a:schemeClr val="dk1"/>
+              </a:effectRef>
+              <a:fontRef idx="minor">
+                <a:schemeClr val="lt1"/>
+              </a:fontRef>
+            </p:style>
+            <p:txBody>
+              <a:bodyPr rtlCol="0" anchor="ctr"/>
+              <a:lstStyle/>
+              <a:p>
+                <a:pPr algn="ctr"/>
+                <a:r>
+                  <a:rPr lang="en-US" sz="1000" dirty="0">
+                    <a:solidFill>
+                      <a:srgbClr val="FFFFFF"/>
+                    </a:solidFill>
+                    <a:latin typeface="Source Sans Pro" panose="020B0503030403020204" pitchFamily="34" charset="0"/>
+                    <a:ea typeface="Source Sans Pro" panose="020B0503030403020204" pitchFamily="34" charset="0"/>
+                    <a:cs typeface="Arial" panose="020B0604020202020204" pitchFamily="34" charset="0"/>
+                  </a:rPr>
+                  <a:t>Sim Tool</a:t>
+                </a:r>
+              </a:p>
+            </p:txBody>
+          </p:sp>
+        </p:grpSp>
+      </p:grpSp>
     </p:spTree>
     <p:extLst>
       <p:ext uri="{BB962C8B-B14F-4D97-AF65-F5344CB8AC3E}">
@@ -39890,7 +40019,7 @@
                     <a:ea typeface="Source Sans Pro" panose="020B0503030403020204" pitchFamily="34" charset="0"/>
                     <a:cs typeface="Source Sans Pro Light" charset="0"/>
                   </a:rPr>
-                  <a:t>VEE Port</a:t>
+                  <a:t>MICROEJ VEE Port</a:t>
                 </a:r>
               </a:p>
             </p:txBody>
@@ -40725,7 +40854,7 @@
                   <a:ea typeface="Source Sans Pro" panose="020B0503030403020204" pitchFamily="34" charset="0"/>
                   <a:cs typeface="Source Sans Pro Light" charset="0"/>
                 </a:rPr>
-                <a:t>Core Modules</a:t>
+                <a:t>Major Input or Output</a:t>
               </a:r>
             </a:p>
           </p:txBody>
@@ -41170,7 +41299,7 @@
                 <a:ea typeface="Source Sans Pro" panose="020B0503030403020204" pitchFamily="34" charset="0"/>
                 <a:cs typeface="Arial" panose="020B0604020202020204" pitchFamily="34" charset="0"/>
               </a:rPr>
-              <a:t>Architecture </a:t>
+              <a:t>MICROEJ VEE Architecture </a:t>
             </a:r>
           </a:p>
           <a:p>
@@ -43539,7 +43668,7 @@
         <p:spPr>
           <a:xfrm>
             <a:off x="4454145" y="2954432"/>
-            <a:ext cx="2108269" cy="246221"/>
+            <a:ext cx="1702710" cy="246221"/>
           </a:xfrm>
           <a:prstGeom prst="rect">
             <a:avLst/>
@@ -43667,7 +43796,7 @@
                 <a:latin typeface="Source Sans Pro" panose="020B0503030403020204" pitchFamily="34" charset="0"/>
                 <a:ea typeface="Source Sans Pro" panose="020B0503030403020204" pitchFamily="34" charset="0"/>
               </a:rPr>
-              <a:t>microejruntime.a</a:t>
+              <a:t>runtime.a</a:t>
             </a:r>
             <a:r>
               <a:rPr lang="en-US" sz="1000" dirty="0">
@@ -44622,7 +44751,7 @@
                     <a:ea typeface="Source Sans Pro" panose="020B0503030403020204" pitchFamily="34" charset="0"/>
                     <a:cs typeface="Arial" panose="020B0604020202020204" pitchFamily="34" charset="0"/>
                   </a:rPr>
-                  <a:t>VEE Port</a:t>
+                  <a:t>MICROEJ VEE Port</a:t>
                 </a:r>
                 <a:endParaRPr lang="en-US" sz="1000" dirty="0">
                   <a:solidFill>
@@ -47150,7 +47279,7 @@
                   <a:ea typeface="Source Sans Pro" panose="020B0503030403020204" pitchFamily="34" charset="0"/>
                   <a:cs typeface="Source Sans Pro Light" charset="0"/>
                 </a:rPr>
-                <a:t>Core Modules</a:t>
+                <a:t>Major Input or Output</a:t>
               </a:r>
             </a:p>
           </p:txBody>
@@ -49045,7 +49174,7 @@
                   <a:ea typeface="Source Sans Pro" panose="020B0503030403020204" pitchFamily="34" charset="0"/>
                   <a:cs typeface="Arial" panose="020B0604020202020204" pitchFamily="34" charset="0"/>
                 </a:rPr>
-                <a:t>VEE Port</a:t>
+                <a:t>MICROEJ VEE Port</a:t>
               </a:r>
               <a:endParaRPr lang="en-US" sz="1000" dirty="0">
                 <a:solidFill>
@@ -52233,7 +52362,7 @@
                   <a:ea typeface="Source Sans Pro" panose="020B0503030403020204" pitchFamily="34" charset="0"/>
                   <a:cs typeface="Source Sans Pro Light" charset="0"/>
                 </a:rPr>
-                <a:t>Core Modules</a:t>
+                <a:t>Major Input or Output</a:t>
               </a:r>
             </a:p>
           </p:txBody>

--- a/overview/images/qa_resources-v4.pptx
+++ b/overview/images/qa_resources-v4.pptx
@@ -32979,7 +32979,7 @@
           <a:p>
             <a:pPr algn="ctr"/>
             <a:r>
-              <a:rPr lang="en-US" sz="1000" dirty="0" err="1">
+              <a:rPr lang="en-US" sz="1000" dirty="0">
                 <a:solidFill>
                   <a:srgbClr val="FFFFFF"/>
                 </a:solidFill>
@@ -32987,18 +32987,7 @@
                 <a:ea typeface="Source Sans Pro" panose="020B0503030403020204" pitchFamily="34" charset="0"/>
                 <a:cs typeface="Arial" panose="020B0604020202020204" pitchFamily="34" charset="0"/>
               </a:rPr>
-              <a:t>MicroEJ</a:t>
-            </a:r>
-            <a:r>
-              <a:rPr lang="en-US" sz="1000" dirty="0">
-                <a:solidFill>
-                  <a:srgbClr val="FFFFFF"/>
-                </a:solidFill>
-                <a:latin typeface="Source Sans Pro" panose="020B0503030403020204" pitchFamily="34" charset="0"/>
-                <a:ea typeface="Source Sans Pro" panose="020B0503030403020204" pitchFamily="34" charset="0"/>
-                <a:cs typeface="Arial" panose="020B0604020202020204" pitchFamily="34" charset="0"/>
-              </a:rPr>
-              <a:t> Example Applications</a:t>
+              <a:t>Example Applications</a:t>
             </a:r>
           </a:p>
         </p:txBody>
@@ -33689,26 +33678,7 @@
                 <a:latin typeface="Source Sans Pro" panose="020B0503030403020204" pitchFamily="34" charset="0"/>
                 <a:ea typeface="Source Sans Pro" panose="020B0503030403020204" pitchFamily="34" charset="0"/>
               </a:rPr>
-              <a:t>MicroEJ </a:t>
-            </a:r>
-            <a:br>
-              <a:rPr lang="en-US" sz="1000" dirty="0">
-                <a:solidFill>
-                  <a:srgbClr val="FFFFFF"/>
-                </a:solidFill>
-                <a:latin typeface="Source Sans Pro" panose="020B0503030403020204" pitchFamily="34" charset="0"/>
-                <a:ea typeface="Source Sans Pro" panose="020B0503030403020204" pitchFamily="34" charset="0"/>
-              </a:rPr>
-            </a:br>
-            <a:r>
-              <a:rPr lang="en-US" sz="1000" dirty="0">
-                <a:solidFill>
-                  <a:srgbClr val="FFFFFF"/>
-                </a:solidFill>
-                <a:latin typeface="Source Sans Pro" panose="020B0503030403020204" pitchFamily="34" charset="0"/>
-                <a:ea typeface="Source Sans Pro" panose="020B0503030403020204" pitchFamily="34" charset="0"/>
-              </a:rPr>
-              <a:t>Executable</a:t>
+              <a:t> Executable</a:t>
             </a:r>
           </a:p>
         </p:txBody>
@@ -34541,16 +34511,6 @@
               <a:p>
                 <a:pPr algn="ctr"/>
                 <a:r>
-                  <a:rPr lang="en-US" sz="1000" dirty="0" err="1">
-                    <a:solidFill>
-                      <a:srgbClr val="FFFFFF"/>
-                    </a:solidFill>
-                    <a:latin typeface="Source Sans Pro" panose="020B0503030403020204" pitchFamily="34" charset="0"/>
-                    <a:ea typeface="Source Sans Pro" panose="020B0503030403020204" pitchFamily="34" charset="0"/>
-                  </a:rPr>
-                  <a:t>MicroEJ</a:t>
-                </a:r>
-                <a:r>
                   <a:rPr lang="en-US" sz="1000" dirty="0">
                     <a:solidFill>
                       <a:srgbClr val="FFFFFF"/>
@@ -34558,7 +34518,7 @@
                     <a:latin typeface="Source Sans Pro" panose="020B0503030403020204" pitchFamily="34" charset="0"/>
                     <a:ea typeface="Source Sans Pro" panose="020B0503030403020204" pitchFamily="34" charset="0"/>
                   </a:rPr>
-                  <a:t> Architecture</a:t>
+                  <a:t>Architecture</a:t>
                 </a:r>
               </a:p>
             </p:txBody>
@@ -35724,7 +35684,7 @@
                   <a:ea typeface="Source Sans Pro" panose="020B0503030403020204" pitchFamily="34" charset="0"/>
                   <a:cs typeface="Arial" panose="020B0604020202020204" pitchFamily="34" charset="0"/>
                 </a:rPr>
-                <a:t>MICROEJ VEE Architecture </a:t>
+                <a:t>Architecture </a:t>
               </a:r>
             </a:p>
             <a:p>
@@ -36766,7 +36726,7 @@
                   <a:ea typeface="Source Sans Pro" panose="020B0503030403020204" pitchFamily="34" charset="0"/>
                   <a:cs typeface="Source Sans Pro Light" charset="0"/>
                 </a:rPr>
-                <a:t>Major Input or Output</a:t>
+                <a:t>Core Modules</a:t>
               </a:r>
             </a:p>
           </p:txBody>
@@ -40019,7 +39979,7 @@
                     <a:ea typeface="Source Sans Pro" panose="020B0503030403020204" pitchFamily="34" charset="0"/>
                     <a:cs typeface="Source Sans Pro Light" charset="0"/>
                   </a:rPr>
-                  <a:t>MICROEJ VEE Port</a:t>
+                  <a:t>VEE Port</a:t>
                 </a:r>
               </a:p>
             </p:txBody>
@@ -40854,7 +40814,7 @@
                   <a:ea typeface="Source Sans Pro" panose="020B0503030403020204" pitchFamily="34" charset="0"/>
                   <a:cs typeface="Source Sans Pro Light" charset="0"/>
                 </a:rPr>
-                <a:t>Major Input or Output</a:t>
+                <a:t>Core Modules</a:t>
               </a:r>
             </a:p>
           </p:txBody>
@@ -41299,7 +41259,7 @@
                 <a:ea typeface="Source Sans Pro" panose="020B0503030403020204" pitchFamily="34" charset="0"/>
                 <a:cs typeface="Arial" panose="020B0604020202020204" pitchFamily="34" charset="0"/>
               </a:rPr>
-              <a:t>MICROEJ VEE Architecture </a:t>
+              <a:t>Architecture </a:t>
             </a:r>
           </a:p>
           <a:p>
@@ -43668,7 +43628,7 @@
         <p:spPr>
           <a:xfrm>
             <a:off x="4454145" y="2954432"/>
-            <a:ext cx="1702710" cy="246221"/>
+            <a:ext cx="2108269" cy="246221"/>
           </a:xfrm>
           <a:prstGeom prst="rect">
             <a:avLst/>
@@ -43796,7 +43756,7 @@
                 <a:latin typeface="Source Sans Pro" panose="020B0503030403020204" pitchFamily="34" charset="0"/>
                 <a:ea typeface="Source Sans Pro" panose="020B0503030403020204" pitchFamily="34" charset="0"/>
               </a:rPr>
-              <a:t>runtime.a</a:t>
+              <a:t>microejruntime.a</a:t>
             </a:r>
             <a:r>
               <a:rPr lang="en-US" sz="1000" dirty="0">
@@ -44751,7 +44711,7 @@
                     <a:ea typeface="Source Sans Pro" panose="020B0503030403020204" pitchFamily="34" charset="0"/>
                     <a:cs typeface="Arial" panose="020B0604020202020204" pitchFamily="34" charset="0"/>
                   </a:rPr>
-                  <a:t>MICROEJ VEE Port</a:t>
+                  <a:t>VEE Port</a:t>
                 </a:r>
                 <a:endParaRPr lang="en-US" sz="1000" dirty="0">
                   <a:solidFill>
@@ -47279,7 +47239,7 @@
                   <a:ea typeface="Source Sans Pro" panose="020B0503030403020204" pitchFamily="34" charset="0"/>
                   <a:cs typeface="Source Sans Pro Light" charset="0"/>
                 </a:rPr>
-                <a:t>Major Input or Output</a:t>
+                <a:t>Core Modules</a:t>
               </a:r>
             </a:p>
           </p:txBody>
@@ -49174,7 +49134,7 @@
                   <a:ea typeface="Source Sans Pro" panose="020B0503030403020204" pitchFamily="34" charset="0"/>
                   <a:cs typeface="Arial" panose="020B0604020202020204" pitchFamily="34" charset="0"/>
                 </a:rPr>
-                <a:t>MICROEJ VEE Port</a:t>
+                <a:t>VEE Port</a:t>
               </a:r>
               <a:endParaRPr lang="en-US" sz="1000" dirty="0">
                 <a:solidFill>
@@ -52362,7 +52322,7 @@
                   <a:ea typeface="Source Sans Pro" panose="020B0503030403020204" pitchFamily="34" charset="0"/>
                   <a:cs typeface="Source Sans Pro Light" charset="0"/>
                 </a:rPr>
-                <a:t>Major Input or Output</a:t>
+                <a:t>Core Modules</a:t>
               </a:r>
             </a:p>
           </p:txBody>

--- a/overview/images/qa_resources-v4.pptx
+++ b/overview/images/qa_resources-v4.pptx
@@ -237,7 +237,7 @@
               <a:rPr lang="fr-FR" smtClean="0">
                 <a:latin typeface="Calibri Regular" charset="0"/>
               </a:rPr>
-              <a:t>09/07/2025</a:t>
+              <a:t>08/08/2025</a:t>
             </a:fld>
             <a:endParaRPr lang="en-US" dirty="0">
               <a:latin typeface="Calibri Regular" charset="0"/>
@@ -425,7 +425,7 @@
           <a:p>
             <a:fld id="{D125E8DA-58CB-F841-A404-E11EC1E2C988}" type="datetime1">
               <a:rPr lang="fr-FR" smtClean="0"/>
-              <a:t>09/07/2025</a:t>
+              <a:t>08/08/2025</a:t>
             </a:fld>
             <a:endParaRPr lang="en-US" dirty="0"/>
           </a:p>
@@ -4498,7 +4498,7 @@
           <a:p>
             <a:fld id="{198ED07F-DFCB-4ABE-A311-845A3D30E5DB}" type="datetime7">
               <a:rPr lang="en-US" smtClean="0"/>
-              <a:t>Jul-25</a:t>
+              <a:t>Aug-25</a:t>
             </a:fld>
             <a:endParaRPr lang="en-US" dirty="0"/>
           </a:p>
@@ -32647,6 +32647,67 @@
       </p:grpSpPr>
       <p:sp>
         <p:nvSpPr>
+          <p:cNvPr id="156" name="Arrow: Down 230">
+            <a:extLst>
+              <a:ext uri="{FF2B5EF4-FFF2-40B4-BE49-F238E27FC236}">
+                <a16:creationId xmlns:a16="http://schemas.microsoft.com/office/drawing/2014/main" id="{427BB446-FE0F-5DD7-2658-C262AF142A51}"/>
+              </a:ext>
+            </a:extLst>
+          </p:cNvPr>
+          <p:cNvSpPr/>
+          <p:nvPr/>
+        </p:nvSpPr>
+        <p:spPr>
+          <a:xfrm>
+            <a:off x="2796492" y="5301828"/>
+            <a:ext cx="498476" cy="573520"/>
+          </a:xfrm>
+          <a:prstGeom prst="downArrow">
+            <a:avLst>
+              <a:gd name="adj1" fmla="val 100000"/>
+              <a:gd name="adj2" fmla="val 32401"/>
+            </a:avLst>
+          </a:prstGeom>
+          <a:solidFill>
+            <a:schemeClr val="tx1"/>
+          </a:solidFill>
+          <a:ln>
+            <a:solidFill>
+              <a:schemeClr val="tx1"/>
+            </a:solidFill>
+          </a:ln>
+        </p:spPr>
+        <p:style>
+          <a:lnRef idx="2">
+            <a:schemeClr val="accent1">
+              <a:shade val="50000"/>
+            </a:schemeClr>
+          </a:lnRef>
+          <a:fillRef idx="1">
+            <a:schemeClr val="accent1"/>
+          </a:fillRef>
+          <a:effectRef idx="0">
+            <a:schemeClr val="accent1"/>
+          </a:effectRef>
+          <a:fontRef idx="minor">
+            <a:schemeClr val="lt1"/>
+          </a:fontRef>
+        </p:style>
+        <p:txBody>
+          <a:bodyPr rtlCol="0" anchor="ctr"/>
+          <a:lstStyle/>
+          <a:p>
+            <a:pPr algn="ctr"/>
+            <a:endParaRPr lang="en-US">
+              <a:solidFill>
+                <a:srgbClr val="71B84D"/>
+              </a:solidFill>
+            </a:endParaRPr>
+          </a:p>
+        </p:txBody>
+      </p:sp>
+      <p:sp>
+        <p:nvSpPr>
           <p:cNvPr id="231" name="Arrow: Down 230">
             <a:extLst>
               <a:ext uri="{FF2B5EF4-FFF2-40B4-BE49-F238E27FC236}">
@@ -32659,8 +32720,8 @@
         </p:nvSpPr>
         <p:spPr>
           <a:xfrm>
-            <a:off x="2855641" y="5303752"/>
-            <a:ext cx="1872206" cy="573520"/>
+            <a:off x="4295805" y="5314898"/>
+            <a:ext cx="498476" cy="573520"/>
           </a:xfrm>
           <a:prstGeom prst="downArrow">
             <a:avLst>
@@ -32669,11 +32730,11 @@
             </a:avLst>
           </a:prstGeom>
           <a:solidFill>
-            <a:srgbClr val="71B84D"/>
+            <a:schemeClr val="tx1"/>
           </a:solidFill>
           <a:ln>
             <a:solidFill>
-              <a:srgbClr val="71B84D"/>
+              <a:schemeClr val="tx1"/>
             </a:solidFill>
           </a:ln>
         </p:spPr>
@@ -32721,7 +32782,7 @@
         <p:spPr>
           <a:xfrm>
             <a:off x="7949813" y="790159"/>
-            <a:ext cx="4124593" cy="4880920"/>
+            <a:ext cx="4183333" cy="4880920"/>
           </a:xfrm>
           <a:prstGeom prst="roundRect">
             <a:avLst>
@@ -32935,7 +32996,7 @@
         </p:nvSpPr>
         <p:spPr>
           <a:xfrm>
-            <a:off x="8420051" y="3777823"/>
+            <a:off x="8509781" y="4653136"/>
             <a:ext cx="1867691" cy="255080"/>
           </a:xfrm>
           <a:prstGeom prst="roundRect">
@@ -32944,7 +33005,79 @@
             </a:avLst>
           </a:prstGeom>
           <a:solidFill>
-            <a:schemeClr val="accent4"/>
+            <a:schemeClr val="bg1">
+              <a:lumMod val="50000"/>
+            </a:schemeClr>
+          </a:solidFill>
+          <a:ln w="12700">
+            <a:noFill/>
+          </a:ln>
+          <a:effectLst>
+            <a:outerShdw blurRad="50800" dist="38100" dir="2700000" algn="tl" rotWithShape="0">
+              <a:prstClr val="black">
+                <a:alpha val="40000"/>
+              </a:prstClr>
+            </a:outerShdw>
+          </a:effectLst>
+        </p:spPr>
+        <p:style>
+          <a:lnRef idx="2">
+            <a:schemeClr val="dk1"/>
+          </a:lnRef>
+          <a:fillRef idx="1">
+            <a:schemeClr val="lt1"/>
+          </a:fillRef>
+          <a:effectRef idx="0">
+            <a:schemeClr val="dk1"/>
+          </a:effectRef>
+          <a:fontRef idx="minor">
+            <a:schemeClr val="dk1"/>
+          </a:fontRef>
+        </p:style>
+        <p:txBody>
+          <a:bodyPr wrap="square" tIns="36000" bIns="36000" rtlCol="0" anchor="ctr" anchorCtr="1">
+            <a:noAutofit/>
+          </a:bodyPr>
+          <a:lstStyle/>
+          <a:p>
+            <a:pPr algn="ctr"/>
+            <a:r>
+              <a:rPr lang="en-US" sz="1000" dirty="0">
+                <a:solidFill>
+                  <a:schemeClr val="bg1"/>
+                </a:solidFill>
+                <a:latin typeface="Source Sans Pro" panose="020B0503030403020204" pitchFamily="34" charset="0"/>
+                <a:ea typeface="Source Sans Pro" panose="020B0503030403020204" pitchFamily="34" charset="0"/>
+              </a:rPr>
+              <a:t>Example Applications</a:t>
+            </a:r>
+          </a:p>
+        </p:txBody>
+      </p:sp>
+      <p:sp>
+        <p:nvSpPr>
+          <p:cNvPr id="25" name="Rounded Rectangle 114">
+            <a:extLst>
+              <a:ext uri="{FF2B5EF4-FFF2-40B4-BE49-F238E27FC236}">
+                <a16:creationId xmlns:a16="http://schemas.microsoft.com/office/drawing/2014/main" id="{B65E21A1-B2EE-4D1F-9D6D-37123904C747}"/>
+              </a:ext>
+            </a:extLst>
+          </p:cNvPr>
+          <p:cNvSpPr/>
+          <p:nvPr/>
+        </p:nvSpPr>
+        <p:spPr>
+          <a:xfrm>
+            <a:off x="8509781" y="5128437"/>
+            <a:ext cx="1867691" cy="255080"/>
+          </a:xfrm>
+          <a:prstGeom prst="roundRect">
+            <a:avLst>
+              <a:gd name="adj" fmla="val 19644"/>
+            </a:avLst>
+          </a:prstGeom>
+          <a:solidFill>
+            <a:schemeClr val="tx1"/>
           </a:solidFill>
           <a:ln>
             <a:noFill/>
@@ -32979,77 +33112,6 @@
           <a:p>
             <a:pPr algn="ctr"/>
             <a:r>
-              <a:rPr lang="en-US" sz="1000" dirty="0">
-                <a:solidFill>
-                  <a:srgbClr val="FFFFFF"/>
-                </a:solidFill>
-                <a:latin typeface="Source Sans Pro" panose="020B0503030403020204" pitchFamily="34" charset="0"/>
-                <a:ea typeface="Source Sans Pro" panose="020B0503030403020204" pitchFamily="34" charset="0"/>
-                <a:cs typeface="Arial" panose="020B0604020202020204" pitchFamily="34" charset="0"/>
-              </a:rPr>
-              <a:t>Example Applications</a:t>
-            </a:r>
-          </a:p>
-        </p:txBody>
-      </p:sp>
-      <p:sp>
-        <p:nvSpPr>
-          <p:cNvPr id="25" name="Rounded Rectangle 114">
-            <a:extLst>
-              <a:ext uri="{FF2B5EF4-FFF2-40B4-BE49-F238E27FC236}">
-                <a16:creationId xmlns:a16="http://schemas.microsoft.com/office/drawing/2014/main" id="{B65E21A1-B2EE-4D1F-9D6D-37123904C747}"/>
-              </a:ext>
-            </a:extLst>
-          </p:cNvPr>
-          <p:cNvSpPr/>
-          <p:nvPr/>
-        </p:nvSpPr>
-        <p:spPr>
-          <a:xfrm>
-            <a:off x="8420051" y="5307109"/>
-            <a:ext cx="1867691" cy="255080"/>
-          </a:xfrm>
-          <a:prstGeom prst="roundRect">
-            <a:avLst>
-              <a:gd name="adj" fmla="val 19644"/>
-            </a:avLst>
-          </a:prstGeom>
-          <a:solidFill>
-            <a:schemeClr val="accent1"/>
-          </a:solidFill>
-          <a:ln>
-            <a:noFill/>
-          </a:ln>
-          <a:effectLst>
-            <a:outerShdw blurRad="50800" dist="38100" dir="2700000" algn="tl" rotWithShape="0">
-              <a:prstClr val="black">
-                <a:alpha val="40000"/>
-              </a:prstClr>
-            </a:outerShdw>
-          </a:effectLst>
-        </p:spPr>
-        <p:style>
-          <a:lnRef idx="2">
-            <a:schemeClr val="dk1">
-              <a:shade val="50000"/>
-            </a:schemeClr>
-          </a:lnRef>
-          <a:fillRef idx="1">
-            <a:schemeClr val="dk1"/>
-          </a:fillRef>
-          <a:effectRef idx="0">
-            <a:schemeClr val="dk1"/>
-          </a:effectRef>
-          <a:fontRef idx="minor">
-            <a:schemeClr val="lt1"/>
-          </a:fontRef>
-        </p:style>
-        <p:txBody>
-          <a:bodyPr rtlCol="0" anchor="ctr"/>
-          <a:lstStyle/>
-          <a:p>
-            <a:pPr algn="ctr"/>
-            <a:r>
               <a:rPr lang="en-US" sz="1000">
                 <a:solidFill>
                   <a:srgbClr val="FFFFFF"/>
@@ -33057,18 +33119,15 @@
                 <a:latin typeface="Source Sans Pro" panose="020B0503030403020204" pitchFamily="34" charset="0"/>
                 <a:ea typeface="Source Sans Pro" panose="020B0503030403020204" pitchFamily="34" charset="0"/>
               </a:rPr>
-              <a:t>Offline </a:t>
-            </a:r>
-            <a:r>
-              <a:rPr lang="en-US" sz="1000" dirty="0">
-                <a:solidFill>
-                  <a:srgbClr val="FFFFFF"/>
-                </a:solidFill>
-                <a:latin typeface="Source Sans Pro" panose="020B0503030403020204" pitchFamily="34" charset="0"/>
-                <a:ea typeface="Source Sans Pro" panose="020B0503030403020204" pitchFamily="34" charset="0"/>
-              </a:rPr>
-              <a:t>Repository</a:t>
-            </a:r>
+              <a:t>Offline Repository</a:t>
+            </a:r>
+            <a:endParaRPr lang="en-US" sz="1000" dirty="0">
+              <a:solidFill>
+                <a:srgbClr val="FFFFFF"/>
+              </a:solidFill>
+              <a:latin typeface="Source Sans Pro" panose="020B0503030403020204" pitchFamily="34" charset="0"/>
+              <a:ea typeface="Source Sans Pro" panose="020B0503030403020204" pitchFamily="34" charset="0"/>
+            </a:endParaRPr>
           </a:p>
         </p:txBody>
       </p:sp>
@@ -33207,7 +33266,7 @@
         </p:nvSpPr>
         <p:spPr>
           <a:xfrm>
-            <a:off x="5692080" y="2712627"/>
+            <a:off x="5836277" y="3574510"/>
             <a:ext cx="1969074" cy="169277"/>
           </a:xfrm>
           <a:prstGeom prst="rect">
@@ -33262,7 +33321,7 @@
         </p:nvSpPr>
         <p:spPr>
           <a:xfrm>
-            <a:off x="5371205" y="3688069"/>
+            <a:off x="5587235" y="4480453"/>
             <a:ext cx="2600969" cy="126638"/>
           </a:xfrm>
           <a:prstGeom prst="rect">
@@ -33320,7 +33379,7 @@
         </p:nvSpPr>
         <p:spPr>
           <a:xfrm>
-            <a:off x="5333411" y="4827726"/>
+            <a:off x="5512782" y="2307953"/>
             <a:ext cx="2575263" cy="338554"/>
           </a:xfrm>
           <a:prstGeom prst="rect">
@@ -33385,20 +33444,21 @@
                 <a:ea typeface="Source Sans Pro" panose="020B0503030403020204" pitchFamily="34" charset="0"/>
                 <a:cs typeface="Source Sans Pro Light" charset="0"/>
               </a:rPr>
-              <a:t>radle or from an Offline </a:t>
-            </a:r>
-            <a:r>
-              <a:rPr lang="en-US" sz="1100" dirty="0">
-                <a:solidFill>
-                  <a:schemeClr val="bg2">
-                    <a:lumMod val="75000"/>
-                  </a:schemeClr>
+              <a:t>radle </a:t>
+            </a:r>
+            <a:r>
+              <a:rPr lang="en-US" sz="1100" spc="0" dirty="0" err="1">
+                <a:ln>
+                  <a:noFill/>
+                </a:ln>
+                <a:solidFill>
+                  <a:schemeClr val="accent1"/>
                 </a:solidFill>
                 <a:latin typeface="Source Sans Pro" panose="020B0503030403020204" pitchFamily="34" charset="0"/>
                 <a:ea typeface="Source Sans Pro" panose="020B0503030403020204" pitchFamily="34" charset="0"/>
                 <a:cs typeface="Source Sans Pro Light" charset="0"/>
               </a:rPr>
-              <a:t>R</a:t>
+              <a:t>MicroEJ</a:t>
             </a:r>
             <a:r>
               <a:rPr lang="en-US" sz="1100" spc="0" dirty="0">
@@ -33406,28 +33466,13 @@
                   <a:noFill/>
                 </a:ln>
                 <a:solidFill>
-                  <a:schemeClr val="bg2">
-                    <a:lumMod val="75000"/>
-                  </a:schemeClr>
+                  <a:schemeClr val="accent1"/>
                 </a:solidFill>
                 <a:latin typeface="Source Sans Pro" panose="020B0503030403020204" pitchFamily="34" charset="0"/>
                 <a:ea typeface="Source Sans Pro" panose="020B0503030403020204" pitchFamily="34" charset="0"/>
                 <a:cs typeface="Source Sans Pro Light" charset="0"/>
               </a:rPr>
-              <a:t>epository </a:t>
-            </a:r>
-            <a:r>
-              <a:rPr lang="en-US" sz="1100" dirty="0">
-                <a:solidFill>
-                  <a:schemeClr val="bg2">
-                    <a:lumMod val="75000"/>
-                  </a:schemeClr>
-                </a:solidFill>
-                <a:latin typeface="Source Sans Pro" panose="020B0503030403020204" pitchFamily="34" charset="0"/>
-                <a:ea typeface="Source Sans Pro" panose="020B0503030403020204" pitchFamily="34" charset="0"/>
-                <a:cs typeface="Source Sans Pro Light" charset="0"/>
-              </a:rPr>
-              <a:t>(optional)</a:t>
+              <a:t> Repositories</a:t>
             </a:r>
             <a:endParaRPr lang="en-US" sz="1100" spc="0" dirty="0">
               <a:ln>
@@ -33459,7 +33504,7 @@
         </p:nvSpPr>
         <p:spPr>
           <a:xfrm>
-            <a:off x="5262721" y="1263360"/>
+            <a:off x="5395790" y="1298141"/>
             <a:ext cx="2635574" cy="363882"/>
           </a:xfrm>
           <a:prstGeom prst="rect">
@@ -33578,7 +33623,7 @@
         </p:nvSpPr>
         <p:spPr>
           <a:xfrm>
-            <a:off x="2838021" y="6032128"/>
+            <a:off x="3316181" y="6032128"/>
             <a:ext cx="1945170" cy="205184"/>
           </a:xfrm>
           <a:prstGeom prst="rect">
@@ -33627,8 +33672,8 @@
         </p:nvSpPr>
         <p:spPr>
           <a:xfrm>
-            <a:off x="2838020" y="5897680"/>
-            <a:ext cx="1909485" cy="555656"/>
+            <a:off x="3871814" y="5897680"/>
+            <a:ext cx="1290406" cy="430296"/>
           </a:xfrm>
           <a:prstGeom prst="roundRect">
             <a:avLst>
@@ -33636,7 +33681,7 @@
             </a:avLst>
           </a:prstGeom>
           <a:solidFill>
-            <a:schemeClr val="accent1"/>
+            <a:schemeClr val="tx1"/>
           </a:solidFill>
           <a:ln>
             <a:noFill/>
@@ -33697,7 +33742,7 @@
         </p:nvSpPr>
         <p:spPr>
           <a:xfrm>
-            <a:off x="8131126" y="2387707"/>
+            <a:off x="8220856" y="3236485"/>
             <a:ext cx="2494660" cy="1138920"/>
           </a:xfrm>
           <a:prstGeom prst="roundRect">
@@ -33706,7 +33751,9 @@
             </a:avLst>
           </a:prstGeom>
           <a:solidFill>
-            <a:schemeClr val="accent1"/>
+            <a:schemeClr val="bg1">
+              <a:lumMod val="50000"/>
+            </a:schemeClr>
           </a:solidFill>
           <a:ln>
             <a:noFill/>
@@ -33743,7 +33790,7 @@
               <a:defRPr/>
             </a:pPr>
             <a:r>
-              <a:rPr lang="en-US" sz="1000" dirty="0">
+              <a:rPr lang="en-US" sz="1000">
                 <a:solidFill>
                   <a:srgbClr val="FFFFFF"/>
                 </a:solidFill>
@@ -33753,15 +33800,242 @@
               </a:rPr>
               <a:t>VEE Port Example Projects</a:t>
             </a:r>
+            <a:endParaRPr lang="en-US" sz="1000" dirty="0">
+              <a:solidFill>
+                <a:srgbClr val="FFFFFF"/>
+              </a:solidFill>
+              <a:latin typeface="Source Sans Pro" panose="020B0503030403020204" pitchFamily="34" charset="0"/>
+              <a:ea typeface="Source Sans Pro" panose="020B0503030403020204" pitchFamily="34" charset="0"/>
+              <a:cs typeface="Source Sans Pro Light" charset="0"/>
+            </a:endParaRPr>
+          </a:p>
+        </p:txBody>
+      </p:sp>
+      <p:sp>
+        <p:nvSpPr>
+          <p:cNvPr id="123" name="Rounded Rectangle 114">
+            <a:extLst>
+              <a:ext uri="{FF2B5EF4-FFF2-40B4-BE49-F238E27FC236}">
+                <a16:creationId xmlns:a16="http://schemas.microsoft.com/office/drawing/2014/main" id="{3C22549C-E7EC-4E20-8401-ADC527F14B89}"/>
+              </a:ext>
+            </a:extLst>
+          </p:cNvPr>
+          <p:cNvSpPr/>
+          <p:nvPr/>
+        </p:nvSpPr>
+        <p:spPr>
+          <a:xfrm>
+            <a:off x="8509781" y="3966973"/>
+            <a:ext cx="1867691" cy="255080"/>
+          </a:xfrm>
+          <a:prstGeom prst="roundRect">
+            <a:avLst>
+              <a:gd name="adj" fmla="val 19644"/>
+            </a:avLst>
+          </a:prstGeom>
+          <a:solidFill>
+            <a:schemeClr val="bg1">
+              <a:lumMod val="50000"/>
+            </a:schemeClr>
+          </a:solidFill>
+          <a:ln w="12700">
+            <a:noFill/>
+          </a:ln>
+          <a:effectLst>
+            <a:outerShdw blurRad="50800" dist="38100" dir="2700000" algn="tl" rotWithShape="0">
+              <a:prstClr val="black">
+                <a:alpha val="40000"/>
+              </a:prstClr>
+            </a:outerShdw>
+          </a:effectLst>
+        </p:spPr>
+        <p:style>
+          <a:lnRef idx="2">
+            <a:schemeClr val="dk1"/>
+          </a:lnRef>
+          <a:fillRef idx="1">
+            <a:schemeClr val="lt1"/>
+          </a:fillRef>
+          <a:effectRef idx="0">
+            <a:schemeClr val="dk1"/>
+          </a:effectRef>
+          <a:fontRef idx="minor">
+            <a:schemeClr val="dk1"/>
+          </a:fontRef>
+        </p:style>
+        <p:txBody>
+          <a:bodyPr wrap="square" tIns="36000" bIns="36000" rtlCol="0" anchor="ctr" anchorCtr="1">
+            <a:noAutofit/>
+          </a:bodyPr>
+          <a:lstStyle/>
+          <a:p>
+            <a:pPr algn="ctr"/>
+            <a:r>
+              <a:rPr lang="en-US" sz="1000">
+                <a:solidFill>
+                  <a:schemeClr val="bg1"/>
+                </a:solidFill>
+                <a:latin typeface="Source Sans Pro" panose="020B0503030403020204" pitchFamily="34" charset="0"/>
+                <a:ea typeface="Source Sans Pro" panose="020B0503030403020204" pitchFamily="34" charset="0"/>
+              </a:rPr>
+              <a:t>VEE Port Configuration</a:t>
+            </a:r>
+            <a:endParaRPr lang="en-US" sz="1000" dirty="0">
+              <a:solidFill>
+                <a:schemeClr val="bg1"/>
+              </a:solidFill>
+              <a:latin typeface="Source Sans Pro" panose="020B0503030403020204" pitchFamily="34" charset="0"/>
+              <a:ea typeface="Source Sans Pro" panose="020B0503030403020204" pitchFamily="34" charset="0"/>
+            </a:endParaRPr>
+          </a:p>
+        </p:txBody>
+      </p:sp>
+      <p:sp>
+        <p:nvSpPr>
+          <p:cNvPr id="125" name="Rounded Rectangle 114">
+            <a:extLst>
+              <a:ext uri="{FF2B5EF4-FFF2-40B4-BE49-F238E27FC236}">
+                <a16:creationId xmlns:a16="http://schemas.microsoft.com/office/drawing/2014/main" id="{4C068209-3EA3-428A-94F5-8C979958A54D}"/>
+              </a:ext>
+            </a:extLst>
+          </p:cNvPr>
+          <p:cNvSpPr/>
+          <p:nvPr/>
+        </p:nvSpPr>
+        <p:spPr>
+          <a:xfrm>
+            <a:off x="8509781" y="3616294"/>
+            <a:ext cx="1867691" cy="255080"/>
+          </a:xfrm>
+          <a:prstGeom prst="roundRect">
+            <a:avLst>
+              <a:gd name="adj" fmla="val 19644"/>
+            </a:avLst>
+          </a:prstGeom>
+          <a:solidFill>
+            <a:schemeClr val="tx1"/>
+          </a:solidFill>
+          <a:ln>
+            <a:noFill/>
+          </a:ln>
+          <a:effectLst>
+            <a:outerShdw blurRad="50800" dist="38100" dir="2700000" algn="tl" rotWithShape="0">
+              <a:prstClr val="black">
+                <a:alpha val="40000"/>
+              </a:prstClr>
+            </a:outerShdw>
+          </a:effectLst>
+        </p:spPr>
+        <p:style>
+          <a:lnRef idx="2">
+            <a:schemeClr val="dk1">
+              <a:shade val="50000"/>
+            </a:schemeClr>
+          </a:lnRef>
+          <a:fillRef idx="1">
+            <a:schemeClr val="dk1"/>
+          </a:fillRef>
+          <a:effectRef idx="0">
+            <a:schemeClr val="dk1"/>
+          </a:effectRef>
+          <a:fontRef idx="minor">
+            <a:schemeClr val="lt1"/>
+          </a:fontRef>
+        </p:style>
+        <p:txBody>
+          <a:bodyPr rtlCol="0" anchor="ctr"/>
+          <a:lstStyle/>
+          <a:p>
+            <a:pPr algn="ctr"/>
+            <a:r>
+              <a:rPr lang="en-US" sz="1000">
+                <a:solidFill>
+                  <a:srgbClr val="FFFFFF"/>
+                </a:solidFill>
+                <a:latin typeface="Source Sans Pro" panose="020B0503030403020204" pitchFamily="34" charset="0"/>
+                <a:ea typeface="Source Sans Pro" panose="020B0503030403020204" pitchFamily="34" charset="0"/>
+              </a:rPr>
+              <a:t>BSP C Drivers</a:t>
+            </a:r>
+          </a:p>
+        </p:txBody>
+      </p:sp>
+      <p:sp>
+        <p:nvSpPr>
+          <p:cNvPr id="129" name="Rounded Rectangle 114">
+            <a:extLst>
+              <a:ext uri="{FF2B5EF4-FFF2-40B4-BE49-F238E27FC236}">
+                <a16:creationId xmlns:a16="http://schemas.microsoft.com/office/drawing/2014/main" id="{86C790C5-092C-46A0-BE5E-8BE15DE5A4F7}"/>
+              </a:ext>
+            </a:extLst>
+          </p:cNvPr>
+          <p:cNvSpPr/>
+          <p:nvPr/>
+        </p:nvSpPr>
+        <p:spPr>
+          <a:xfrm>
+            <a:off x="3719286" y="5128995"/>
+            <a:ext cx="1296594" cy="300804"/>
+          </a:xfrm>
+          <a:prstGeom prst="roundRect">
+            <a:avLst>
+              <a:gd name="adj" fmla="val 19644"/>
+            </a:avLst>
+          </a:prstGeom>
+          <a:solidFill>
+            <a:schemeClr val="tx1"/>
+          </a:solidFill>
+          <a:ln>
+            <a:noFill/>
+          </a:ln>
+          <a:effectLst>
+            <a:outerShdw blurRad="50800" dist="38100" dir="2700000" algn="tl" rotWithShape="0">
+              <a:prstClr val="black">
+                <a:alpha val="40000"/>
+              </a:prstClr>
+            </a:outerShdw>
+          </a:effectLst>
+        </p:spPr>
+        <p:style>
+          <a:lnRef idx="2">
+            <a:schemeClr val="dk1">
+              <a:shade val="50000"/>
+            </a:schemeClr>
+          </a:lnRef>
+          <a:fillRef idx="1">
+            <a:schemeClr val="dk1"/>
+          </a:fillRef>
+          <a:effectRef idx="0">
+            <a:schemeClr val="dk1"/>
+          </a:effectRef>
+          <a:fontRef idx="minor">
+            <a:schemeClr val="lt1"/>
+          </a:fontRef>
+        </p:style>
+        <p:txBody>
+          <a:bodyPr rtlCol="0" anchor="ctr"/>
+          <a:lstStyle/>
+          <a:p>
+            <a:pPr algn="ctr"/>
+            <a:r>
+              <a:rPr lang="en-US" sz="1000" dirty="0">
+                <a:solidFill>
+                  <a:srgbClr val="FFFFFF"/>
+                </a:solidFill>
+                <a:latin typeface="Source Sans Pro" panose="020B0503030403020204" pitchFamily="34" charset="0"/>
+                <a:ea typeface="Source Sans Pro" panose="020B0503030403020204" pitchFamily="34" charset="0"/>
+              </a:rPr>
+              <a:t>Native (C) Toolchain</a:t>
+            </a:r>
           </a:p>
         </p:txBody>
       </p:sp>
       <p:grpSp>
         <p:nvGrpSpPr>
-          <p:cNvPr id="12" name="Group 11">
+          <p:cNvPr id="138" name="Group 137">
             <a:extLst>
               <a:ext uri="{FF2B5EF4-FFF2-40B4-BE49-F238E27FC236}">
-                <a16:creationId xmlns:a16="http://schemas.microsoft.com/office/drawing/2014/main" id="{42D45183-B7FA-2AFC-A4D8-39BD188B3BA1}"/>
+                <a16:creationId xmlns:a16="http://schemas.microsoft.com/office/drawing/2014/main" id="{C25CA13D-8845-E4C9-9B71-79830E0AF5E7}"/>
               </a:ext>
             </a:extLst>
           </p:cNvPr>
@@ -33770,18 +34044,18 @@
         </p:nvGrpSpPr>
         <p:grpSpPr>
           <a:xfrm>
-            <a:off x="8420051" y="2767516"/>
-            <a:ext cx="1867691" cy="605759"/>
-            <a:chOff x="8414233" y="2767516"/>
-            <a:chExt cx="1867691" cy="605759"/>
+            <a:off x="8436399" y="2512519"/>
+            <a:ext cx="1867691" cy="556441"/>
+            <a:chOff x="8433743" y="4811299"/>
+            <a:chExt cx="1867691" cy="556441"/>
           </a:xfrm>
         </p:grpSpPr>
         <p:sp>
           <p:nvSpPr>
-            <p:cNvPr id="123" name="Rounded Rectangle 114">
+            <p:cNvPr id="58" name="Rounded Rectangle 114">
               <a:extLst>
                 <a:ext uri="{FF2B5EF4-FFF2-40B4-BE49-F238E27FC236}">
-                  <a16:creationId xmlns:a16="http://schemas.microsoft.com/office/drawing/2014/main" id="{3C22549C-E7EC-4E20-8401-ADC527F14B89}"/>
+                  <a16:creationId xmlns:a16="http://schemas.microsoft.com/office/drawing/2014/main" id="{61B23D28-46E0-4D50-CBB0-1CB2F60EE660}"/>
                 </a:ext>
               </a:extLst>
             </p:cNvPr>
@@ -33790,7 +34064,7 @@
           </p:nvSpPr>
           <p:spPr>
             <a:xfrm>
-              <a:off x="8414233" y="3118195"/>
+              <a:off x="8433743" y="4811299"/>
               <a:ext cx="1867691" cy="255080"/>
             </a:xfrm>
             <a:prstGeom prst="roundRect">
@@ -33799,96 +34073,7 @@
               </a:avLst>
             </a:prstGeom>
             <a:solidFill>
-              <a:schemeClr val="bg1">
-                <a:lumMod val="50000"/>
-              </a:schemeClr>
-            </a:solidFill>
-            <a:ln w="12700">
-              <a:noFill/>
-            </a:ln>
-            <a:effectLst>
-              <a:outerShdw blurRad="50800" dist="38100" dir="2700000" algn="tl" rotWithShape="0">
-                <a:prstClr val="black">
-                  <a:alpha val="40000"/>
-                </a:prstClr>
-              </a:outerShdw>
-            </a:effectLst>
-          </p:spPr>
-          <p:style>
-            <a:lnRef idx="2">
-              <a:schemeClr val="dk1"/>
-            </a:lnRef>
-            <a:fillRef idx="1">
-              <a:schemeClr val="lt1"/>
-            </a:fillRef>
-            <a:effectRef idx="0">
-              <a:schemeClr val="dk1"/>
-            </a:effectRef>
-            <a:fontRef idx="minor">
-              <a:schemeClr val="dk1"/>
-            </a:fontRef>
-          </p:style>
-          <p:txBody>
-            <a:bodyPr wrap="square" tIns="36000" bIns="36000" rtlCol="0" anchor="ctr" anchorCtr="1">
-              <a:noAutofit/>
-            </a:bodyPr>
-            <a:lstStyle/>
-            <a:p>
-              <a:pPr algn="ctr"/>
-              <a:r>
-                <a:rPr lang="en-US" sz="1000" dirty="0">
-                  <a:solidFill>
-                    <a:schemeClr val="bg1"/>
-                  </a:solidFill>
-                  <a:latin typeface="Source Sans Pro" panose="020B0503030403020204" pitchFamily="34" charset="0"/>
-                  <a:ea typeface="Source Sans Pro" panose="020B0503030403020204" pitchFamily="34" charset="0"/>
-                </a:rPr>
-                <a:t>VEE </a:t>
-              </a:r>
-              <a:r>
-                <a:rPr lang="en-US" sz="1000">
-                  <a:solidFill>
-                    <a:schemeClr val="bg1"/>
-                  </a:solidFill>
-                  <a:latin typeface="Source Sans Pro" panose="020B0503030403020204" pitchFamily="34" charset="0"/>
-                  <a:ea typeface="Source Sans Pro" panose="020B0503030403020204" pitchFamily="34" charset="0"/>
-                </a:rPr>
-                <a:t>Port Configuration</a:t>
-              </a:r>
-              <a:endParaRPr lang="en-US" sz="1000" dirty="0">
-                <a:solidFill>
-                  <a:schemeClr val="bg1"/>
-                </a:solidFill>
-                <a:latin typeface="Source Sans Pro" panose="020B0503030403020204" pitchFamily="34" charset="0"/>
-                <a:ea typeface="Source Sans Pro" panose="020B0503030403020204" pitchFamily="34" charset="0"/>
-              </a:endParaRPr>
-            </a:p>
-          </p:txBody>
-        </p:sp>
-        <p:sp>
-          <p:nvSpPr>
-            <p:cNvPr id="125" name="Rounded Rectangle 114">
-              <a:extLst>
-                <a:ext uri="{FF2B5EF4-FFF2-40B4-BE49-F238E27FC236}">
-                  <a16:creationId xmlns:a16="http://schemas.microsoft.com/office/drawing/2014/main" id="{4C068209-3EA3-428A-94F5-8C979958A54D}"/>
-                </a:ext>
-              </a:extLst>
-            </p:cNvPr>
-            <p:cNvSpPr/>
-            <p:nvPr/>
-          </p:nvSpPr>
-          <p:spPr>
-            <a:xfrm>
-              <a:off x="8414233" y="2767516"/>
-              <a:ext cx="1867691" cy="255080"/>
-            </a:xfrm>
-            <a:prstGeom prst="roundRect">
-              <a:avLst>
-                <a:gd name="adj" fmla="val 19644"/>
-              </a:avLst>
-            </a:prstGeom>
-            <a:solidFill>
-              <a:schemeClr val="accent6"/>
+              <a:schemeClr val="accent1"/>
             </a:solidFill>
             <a:ln>
               <a:noFill/>
@@ -33923,1059 +34108,89 @@
             <a:p>
               <a:pPr algn="ctr"/>
               <a:r>
-                <a:rPr lang="en-US" sz="1000">
+                <a:rPr lang="en-US" sz="1000" dirty="0">
                   <a:solidFill>
                     <a:srgbClr val="FFFFFF"/>
                   </a:solidFill>
                   <a:latin typeface="Source Sans Pro" panose="020B0503030403020204" pitchFamily="34" charset="0"/>
                   <a:ea typeface="Source Sans Pro" panose="020B0503030403020204" pitchFamily="34" charset="0"/>
-                  <a:cs typeface="Arial" panose="020B0604020202020204" pitchFamily="34" charset="0"/>
                 </a:rPr>
-                <a:t>BSP C Drivers</a:t>
+                <a:t>Central Repository</a:t>
+              </a:r>
+            </a:p>
+          </p:txBody>
+        </p:sp>
+        <p:sp>
+          <p:nvSpPr>
+            <p:cNvPr id="59" name="Rounded Rectangle 114">
+              <a:extLst>
+                <a:ext uri="{FF2B5EF4-FFF2-40B4-BE49-F238E27FC236}">
+                  <a16:creationId xmlns:a16="http://schemas.microsoft.com/office/drawing/2014/main" id="{8297540B-AA08-C138-655A-5F1EBB3E8011}"/>
+                </a:ext>
+              </a:extLst>
+            </p:cNvPr>
+            <p:cNvSpPr/>
+            <p:nvPr/>
+          </p:nvSpPr>
+          <p:spPr>
+            <a:xfrm>
+              <a:off x="8433743" y="5112660"/>
+              <a:ext cx="1867691" cy="255080"/>
+            </a:xfrm>
+            <a:prstGeom prst="roundRect">
+              <a:avLst>
+                <a:gd name="adj" fmla="val 19644"/>
+              </a:avLst>
+            </a:prstGeom>
+            <a:solidFill>
+              <a:schemeClr val="accent1"/>
+            </a:solidFill>
+            <a:ln>
+              <a:noFill/>
+            </a:ln>
+            <a:effectLst>
+              <a:outerShdw blurRad="50800" dist="38100" dir="2700000" algn="tl" rotWithShape="0">
+                <a:prstClr val="black">
+                  <a:alpha val="40000"/>
+                </a:prstClr>
+              </a:outerShdw>
+            </a:effectLst>
+          </p:spPr>
+          <p:style>
+            <a:lnRef idx="2">
+              <a:schemeClr val="dk1">
+                <a:shade val="50000"/>
+              </a:schemeClr>
+            </a:lnRef>
+            <a:fillRef idx="1">
+              <a:schemeClr val="dk1"/>
+            </a:fillRef>
+            <a:effectRef idx="0">
+              <a:schemeClr val="dk1"/>
+            </a:effectRef>
+            <a:fontRef idx="minor">
+              <a:schemeClr val="lt1"/>
+            </a:fontRef>
+          </p:style>
+          <p:txBody>
+            <a:bodyPr rtlCol="0" anchor="ctr"/>
+            <a:lstStyle/>
+            <a:p>
+              <a:pPr algn="ctr"/>
+              <a:r>
+                <a:rPr lang="en-US" sz="1000" dirty="0">
+                  <a:solidFill>
+                    <a:srgbClr val="FFFFFF"/>
+                  </a:solidFill>
+                  <a:latin typeface="Source Sans Pro" panose="020B0503030403020204" pitchFamily="34" charset="0"/>
+                  <a:ea typeface="Source Sans Pro" panose="020B0503030403020204" pitchFamily="34" charset="0"/>
+                </a:rPr>
+                <a:t>Developer Repository</a:t>
               </a:r>
             </a:p>
           </p:txBody>
         </p:sp>
       </p:grpSp>
-      <p:grpSp>
-        <p:nvGrpSpPr>
-          <p:cNvPr id="33" name="Group 32">
-            <a:extLst>
-              <a:ext uri="{FF2B5EF4-FFF2-40B4-BE49-F238E27FC236}">
-                <a16:creationId xmlns:a16="http://schemas.microsoft.com/office/drawing/2014/main" id="{F5785293-C47B-6DD5-BEEF-CD54FA7D5AF3}"/>
-              </a:ext>
-            </a:extLst>
-          </p:cNvPr>
-          <p:cNvGrpSpPr/>
-          <p:nvPr/>
-        </p:nvGrpSpPr>
-        <p:grpSpPr>
-          <a:xfrm>
-            <a:off x="2630304" y="990526"/>
-            <a:ext cx="2336726" cy="4545247"/>
-            <a:chOff x="2630304" y="990526"/>
-            <a:chExt cx="2336726" cy="4545247"/>
-          </a:xfrm>
-        </p:grpSpPr>
-        <p:grpSp>
-          <p:nvGrpSpPr>
-            <p:cNvPr id="30" name="Group 29">
-              <a:extLst>
-                <a:ext uri="{FF2B5EF4-FFF2-40B4-BE49-F238E27FC236}">
-                  <a16:creationId xmlns:a16="http://schemas.microsoft.com/office/drawing/2014/main" id="{FC094812-C81D-CC50-6890-1F7A1118696B}"/>
-                </a:ext>
-              </a:extLst>
-            </p:cNvPr>
-            <p:cNvGrpSpPr/>
-            <p:nvPr/>
-          </p:nvGrpSpPr>
-          <p:grpSpPr>
-            <a:xfrm>
-              <a:off x="2630304" y="990526"/>
-              <a:ext cx="2336726" cy="1103177"/>
-              <a:chOff x="2630304" y="990526"/>
-              <a:chExt cx="2336726" cy="1103177"/>
-            </a:xfrm>
-          </p:grpSpPr>
-          <p:sp>
-            <p:nvSpPr>
-              <p:cNvPr id="108" name="Rounded Rectangle 62">
-                <a:extLst>
-                  <a:ext uri="{FF2B5EF4-FFF2-40B4-BE49-F238E27FC236}">
-                    <a16:creationId xmlns:a16="http://schemas.microsoft.com/office/drawing/2014/main" id="{594485E9-9FDD-42D9-A895-515379347D47}"/>
-                  </a:ext>
-                </a:extLst>
-              </p:cNvPr>
-              <p:cNvSpPr/>
-              <p:nvPr/>
-            </p:nvSpPr>
-            <p:spPr>
-              <a:xfrm>
-                <a:off x="2630304" y="990526"/>
-                <a:ext cx="2336726" cy="1103177"/>
-              </a:xfrm>
-              <a:prstGeom prst="roundRect">
-                <a:avLst>
-                  <a:gd name="adj" fmla="val 5059"/>
-                </a:avLst>
-              </a:prstGeom>
-              <a:solidFill>
-                <a:schemeClr val="bg1">
-                  <a:lumMod val="95000"/>
-                </a:schemeClr>
-              </a:solidFill>
-              <a:ln w="19050">
-                <a:noFill/>
-              </a:ln>
-              <a:effectLst>
-                <a:outerShdw blurRad="50800" dist="38100" dir="2700000" algn="tl" rotWithShape="0">
-                  <a:prstClr val="black">
-                    <a:alpha val="40000"/>
-                  </a:prstClr>
-                </a:outerShdw>
-              </a:effectLst>
-            </p:spPr>
-            <p:style>
-              <a:lnRef idx="2">
-                <a:schemeClr val="accent1">
-                  <a:shade val="50000"/>
-                </a:schemeClr>
-              </a:lnRef>
-              <a:fillRef idx="1">
-                <a:schemeClr val="accent1"/>
-              </a:fillRef>
-              <a:effectRef idx="0">
-                <a:schemeClr val="accent1"/>
-              </a:effectRef>
-              <a:fontRef idx="minor">
-                <a:schemeClr val="lt1"/>
-              </a:fontRef>
-            </p:style>
-            <p:txBody>
-              <a:bodyPr wrap="square" lIns="0" tIns="0" rIns="0" bIns="0" rtlCol="0" anchor="ctr"/>
-              <a:lstStyle/>
-              <a:p>
-                <a:pPr algn="ctr"/>
-                <a:endParaRPr lang="en-US" sz="1400" dirty="0">
-                  <a:solidFill>
-                    <a:schemeClr val="bg1">
-                      <a:lumMod val="95000"/>
-                    </a:schemeClr>
-                  </a:solidFill>
-                </a:endParaRPr>
-              </a:p>
-            </p:txBody>
-          </p:sp>
-          <p:sp>
-            <p:nvSpPr>
-              <p:cNvPr id="87" name="Rounded Rectangle 114">
-                <a:extLst>
-                  <a:ext uri="{FF2B5EF4-FFF2-40B4-BE49-F238E27FC236}">
-                    <a16:creationId xmlns:a16="http://schemas.microsoft.com/office/drawing/2014/main" id="{AB1FDF19-F29D-4188-9A76-717A2E2D4076}"/>
-                  </a:ext>
-                </a:extLst>
-              </p:cNvPr>
-              <p:cNvSpPr/>
-              <p:nvPr/>
-            </p:nvSpPr>
-            <p:spPr>
-              <a:xfrm>
-                <a:off x="2862563" y="1369657"/>
-                <a:ext cx="1872209" cy="555040"/>
-              </a:xfrm>
-              <a:prstGeom prst="roundRect">
-                <a:avLst>
-                  <a:gd name="adj" fmla="val 7230"/>
-                </a:avLst>
-              </a:prstGeom>
-              <a:solidFill>
-                <a:schemeClr val="tx1"/>
-              </a:solidFill>
-              <a:ln>
-                <a:noFill/>
-              </a:ln>
-              <a:effectLst>
-                <a:outerShdw blurRad="50800" dist="38100" dir="2700000" algn="tl" rotWithShape="0">
-                  <a:prstClr val="black">
-                    <a:alpha val="40000"/>
-                  </a:prstClr>
-                </a:outerShdw>
-              </a:effectLst>
-            </p:spPr>
-            <p:style>
-              <a:lnRef idx="2">
-                <a:schemeClr val="dk1">
-                  <a:shade val="50000"/>
-                </a:schemeClr>
-              </a:lnRef>
-              <a:fillRef idx="1">
-                <a:schemeClr val="dk1"/>
-              </a:fillRef>
-              <a:effectRef idx="0">
-                <a:schemeClr val="dk1"/>
-              </a:effectRef>
-              <a:fontRef idx="minor">
-                <a:schemeClr val="lt1"/>
-              </a:fontRef>
-            </p:style>
-            <p:txBody>
-              <a:bodyPr rtlCol="0" anchor="ctr"/>
-              <a:lstStyle/>
-              <a:p>
-                <a:pPr algn="ctr"/>
-                <a:r>
-                  <a:rPr lang="en-US" sz="1000" dirty="0">
-                    <a:solidFill>
-                      <a:srgbClr val="FFFFFF"/>
-                    </a:solidFill>
-                    <a:latin typeface="Source Sans Pro" panose="020B0503030403020204" pitchFamily="34" charset="0"/>
-                    <a:ea typeface="Source Sans Pro" panose="020B0503030403020204" pitchFamily="34" charset="0"/>
-                  </a:rPr>
-                  <a:t>Gradle Plugin</a:t>
-                </a:r>
-              </a:p>
-              <a:p>
-                <a:pPr algn="ctr"/>
-                <a:r>
-                  <a:rPr lang="en-US" sz="1000" dirty="0">
-                    <a:solidFill>
-                      <a:srgbClr val="FFFFFF"/>
-                    </a:solidFill>
-                    <a:latin typeface="Source Sans Pro" panose="020B0503030403020204" pitchFamily="34" charset="0"/>
-                    <a:ea typeface="Source Sans Pro" panose="020B0503030403020204" pitchFamily="34" charset="0"/>
-                  </a:rPr>
-                  <a:t>(Dependency Management and Build)</a:t>
-                </a:r>
-              </a:p>
-            </p:txBody>
-          </p:sp>
-          <p:sp>
-            <p:nvSpPr>
-              <p:cNvPr id="119" name="TextBox 118">
-                <a:extLst>
-                  <a:ext uri="{FF2B5EF4-FFF2-40B4-BE49-F238E27FC236}">
-                    <a16:creationId xmlns:a16="http://schemas.microsoft.com/office/drawing/2014/main" id="{75380A88-4537-46CC-BEB6-83BD464DA85A}"/>
-                  </a:ext>
-                </a:extLst>
-              </p:cNvPr>
-              <p:cNvSpPr txBox="1"/>
-              <p:nvPr/>
-            </p:nvSpPr>
-            <p:spPr>
-              <a:xfrm>
-                <a:off x="2654595" y="1043543"/>
-                <a:ext cx="1495718" cy="276999"/>
-              </a:xfrm>
-              <a:prstGeom prst="rect">
-                <a:avLst/>
-              </a:prstGeom>
-              <a:noFill/>
-            </p:spPr>
-            <p:txBody>
-              <a:bodyPr wrap="square" rtlCol="0">
-                <a:spAutoFit/>
-              </a:bodyPr>
-              <a:lstStyle/>
-              <a:p>
-                <a:r>
-                  <a:rPr lang="en-US" sz="1200" b="1" dirty="0">
-                    <a:latin typeface="Source Sans Pro SemiBold" charset="0"/>
-                    <a:ea typeface="Source Sans Pro SemiBold" charset="0"/>
-                    <a:cs typeface="Source Sans Pro SemiBold" charset="0"/>
-                  </a:rPr>
-                  <a:t>MICROEJ SDK</a:t>
-                </a:r>
-              </a:p>
-            </p:txBody>
-          </p:sp>
-        </p:grpSp>
-        <p:grpSp>
-          <p:nvGrpSpPr>
-            <p:cNvPr id="31" name="Group 30">
-              <a:extLst>
-                <a:ext uri="{FF2B5EF4-FFF2-40B4-BE49-F238E27FC236}">
-                  <a16:creationId xmlns:a16="http://schemas.microsoft.com/office/drawing/2014/main" id="{4C884401-36BA-D1DC-6079-A4DA21306382}"/>
-                </a:ext>
-              </a:extLst>
-            </p:cNvPr>
-            <p:cNvGrpSpPr/>
-            <p:nvPr/>
-          </p:nvGrpSpPr>
-          <p:grpSpPr>
-            <a:xfrm>
-              <a:off x="2750818" y="2276872"/>
-              <a:ext cx="2095698" cy="1796524"/>
-              <a:chOff x="2712904" y="2276872"/>
-              <a:chExt cx="2095698" cy="1796524"/>
-            </a:xfrm>
-          </p:grpSpPr>
-          <p:sp>
-            <p:nvSpPr>
-              <p:cNvPr id="112" name="Rounded Rectangle 62">
-                <a:extLst>
-                  <a:ext uri="{FF2B5EF4-FFF2-40B4-BE49-F238E27FC236}">
-                    <a16:creationId xmlns:a16="http://schemas.microsoft.com/office/drawing/2014/main" id="{532D9E35-28E9-4BFA-8137-0AE48A627B0F}"/>
-                  </a:ext>
-                </a:extLst>
-              </p:cNvPr>
-              <p:cNvSpPr/>
-              <p:nvPr/>
-            </p:nvSpPr>
-            <p:spPr>
-              <a:xfrm>
-                <a:off x="2712904" y="2276872"/>
-                <a:ext cx="2095698" cy="1796524"/>
-              </a:xfrm>
-              <a:prstGeom prst="roundRect">
-                <a:avLst>
-                  <a:gd name="adj" fmla="val 5059"/>
-                </a:avLst>
-              </a:prstGeom>
-              <a:solidFill>
-                <a:schemeClr val="bg1">
-                  <a:lumMod val="95000"/>
-                </a:schemeClr>
-              </a:solidFill>
-              <a:ln w="19050">
-                <a:noFill/>
-              </a:ln>
-              <a:effectLst>
-                <a:outerShdw blurRad="50800" dist="38100" dir="2700000" algn="tl" rotWithShape="0">
-                  <a:prstClr val="black">
-                    <a:alpha val="40000"/>
-                  </a:prstClr>
-                </a:outerShdw>
-              </a:effectLst>
-            </p:spPr>
-            <p:style>
-              <a:lnRef idx="2">
-                <a:schemeClr val="accent1">
-                  <a:shade val="50000"/>
-                </a:schemeClr>
-              </a:lnRef>
-              <a:fillRef idx="1">
-                <a:schemeClr val="accent1"/>
-              </a:fillRef>
-              <a:effectRef idx="0">
-                <a:schemeClr val="accent1"/>
-              </a:effectRef>
-              <a:fontRef idx="minor">
-                <a:schemeClr val="lt1"/>
-              </a:fontRef>
-            </p:style>
-            <p:txBody>
-              <a:bodyPr wrap="square" lIns="0" tIns="0" rIns="0" bIns="0" rtlCol="0" anchor="ctr"/>
-              <a:lstStyle/>
-              <a:p>
-                <a:pPr algn="ctr"/>
-                <a:endParaRPr lang="en-US" sz="1400" dirty="0">
-                  <a:solidFill>
-                    <a:schemeClr val="bg1">
-                      <a:lumMod val="95000"/>
-                    </a:schemeClr>
-                  </a:solidFill>
-                </a:endParaRPr>
-              </a:p>
-            </p:txBody>
-          </p:sp>
-          <p:sp>
-            <p:nvSpPr>
-              <p:cNvPr id="85" name="Rounded Rectangle 114">
-                <a:extLst>
-                  <a:ext uri="{FF2B5EF4-FFF2-40B4-BE49-F238E27FC236}">
-                    <a16:creationId xmlns:a16="http://schemas.microsoft.com/office/drawing/2014/main" id="{23B6A628-FCCC-4E65-8963-19973CA2E7D7}"/>
-                  </a:ext>
-                </a:extLst>
-              </p:cNvPr>
-              <p:cNvSpPr/>
-              <p:nvPr/>
-            </p:nvSpPr>
-            <p:spPr>
-              <a:xfrm>
-                <a:off x="2813534" y="3602292"/>
-                <a:ext cx="1872208" cy="255080"/>
-              </a:xfrm>
-              <a:prstGeom prst="roundRect">
-                <a:avLst>
-                  <a:gd name="adj" fmla="val 19644"/>
-                </a:avLst>
-              </a:prstGeom>
-              <a:gradFill>
-                <a:gsLst>
-                  <a:gs pos="42000">
-                    <a:schemeClr val="accent4"/>
-                  </a:gs>
-                  <a:gs pos="60000">
-                    <a:schemeClr val="accent6"/>
-                  </a:gs>
-                </a:gsLst>
-                <a:lin ang="2700000" scaled="1"/>
-              </a:gradFill>
-              <a:ln>
-                <a:noFill/>
-              </a:ln>
-              <a:effectLst>
-                <a:outerShdw blurRad="50800" dist="38100" dir="2700000" algn="tl" rotWithShape="0">
-                  <a:prstClr val="black">
-                    <a:alpha val="40000"/>
-                  </a:prstClr>
-                </a:outerShdw>
-              </a:effectLst>
-            </p:spPr>
-            <p:style>
-              <a:lnRef idx="2">
-                <a:schemeClr val="dk1">
-                  <a:shade val="50000"/>
-                </a:schemeClr>
-              </a:lnRef>
-              <a:fillRef idx="1">
-                <a:schemeClr val="dk1"/>
-              </a:fillRef>
-              <a:effectRef idx="0">
-                <a:schemeClr val="dk1"/>
-              </a:effectRef>
-              <a:fontRef idx="minor">
-                <a:schemeClr val="lt1"/>
-              </a:fontRef>
-            </p:style>
-            <p:txBody>
-              <a:bodyPr rtlCol="0" anchor="ctr"/>
-              <a:lstStyle/>
-              <a:p>
-                <a:pPr algn="ctr"/>
-                <a:r>
-                  <a:rPr lang="en-US" sz="1000" dirty="0">
-                    <a:solidFill>
-                      <a:srgbClr val="FFFFFF"/>
-                    </a:solidFill>
-                    <a:latin typeface="Source Sans Pro" panose="020B0503030403020204" pitchFamily="34" charset="0"/>
-                    <a:ea typeface="Source Sans Pro" panose="020B0503030403020204" pitchFamily="34" charset="0"/>
-                    <a:cs typeface="Arial" panose="020B0604020202020204" pitchFamily="34" charset="0"/>
-                  </a:rPr>
-                  <a:t>Application Projects</a:t>
-                </a:r>
-              </a:p>
-            </p:txBody>
-          </p:sp>
-          <p:sp>
-            <p:nvSpPr>
-              <p:cNvPr id="117" name="TextBox 116">
-                <a:extLst>
-                  <a:ext uri="{FF2B5EF4-FFF2-40B4-BE49-F238E27FC236}">
-                    <a16:creationId xmlns:a16="http://schemas.microsoft.com/office/drawing/2014/main" id="{7919CBE3-81C7-4DD0-94ED-87CCA9F5D8E8}"/>
-                  </a:ext>
-                </a:extLst>
-              </p:cNvPr>
-              <p:cNvSpPr txBox="1"/>
-              <p:nvPr/>
-            </p:nvSpPr>
-            <p:spPr>
-              <a:xfrm>
-                <a:off x="2757794" y="2311872"/>
-                <a:ext cx="1850359" cy="276999"/>
-              </a:xfrm>
-              <a:prstGeom prst="rect">
-                <a:avLst/>
-              </a:prstGeom>
-              <a:noFill/>
-            </p:spPr>
-            <p:txBody>
-              <a:bodyPr wrap="square" rtlCol="0">
-                <a:spAutoFit/>
-              </a:bodyPr>
-              <a:lstStyle>
-                <a:defPPr>
-                  <a:defRPr lang="en-US"/>
-                </a:defPPr>
-                <a:lvl1pPr>
-                  <a:defRPr sz="1200" b="1">
-                    <a:latin typeface="Source Sans Pro SemiBold" charset="0"/>
-                    <a:ea typeface="Source Sans Pro SemiBold" charset="0"/>
-                    <a:cs typeface="Source Sans Pro SemiBold" charset="0"/>
-                  </a:defRPr>
-                </a:lvl1pPr>
-              </a:lstStyle>
-              <a:p>
-                <a:r>
-                  <a:rPr lang="en-US" dirty="0"/>
-                  <a:t>MICROEJ SDK Workspace</a:t>
-                </a:r>
-              </a:p>
-            </p:txBody>
-          </p:sp>
-          <p:sp>
-            <p:nvSpPr>
-              <p:cNvPr id="121" name="Rounded Rectangle 114">
-                <a:extLst>
-                  <a:ext uri="{FF2B5EF4-FFF2-40B4-BE49-F238E27FC236}">
-                    <a16:creationId xmlns:a16="http://schemas.microsoft.com/office/drawing/2014/main" id="{C3BC971D-01A8-4300-B6EE-560EA7C7D394}"/>
-                  </a:ext>
-                </a:extLst>
-              </p:cNvPr>
-              <p:cNvSpPr/>
-              <p:nvPr/>
-            </p:nvSpPr>
-            <p:spPr>
-              <a:xfrm>
-                <a:off x="2813534" y="3177592"/>
-                <a:ext cx="1872208" cy="255080"/>
-              </a:xfrm>
-              <a:prstGeom prst="roundRect">
-                <a:avLst>
-                  <a:gd name="adj" fmla="val 19644"/>
-                </a:avLst>
-              </a:prstGeom>
-              <a:solidFill>
-                <a:schemeClr val="accent1"/>
-              </a:solidFill>
-              <a:ln>
-                <a:noFill/>
-              </a:ln>
-              <a:effectLst>
-                <a:outerShdw blurRad="50800" dist="38100" dir="2700000" algn="tl" rotWithShape="0">
-                  <a:prstClr val="black">
-                    <a:alpha val="40000"/>
-                  </a:prstClr>
-                </a:outerShdw>
-              </a:effectLst>
-            </p:spPr>
-            <p:style>
-              <a:lnRef idx="2">
-                <a:schemeClr val="dk1">
-                  <a:shade val="50000"/>
-                </a:schemeClr>
-              </a:lnRef>
-              <a:fillRef idx="1">
-                <a:schemeClr val="dk1"/>
-              </a:fillRef>
-              <a:effectRef idx="0">
-                <a:schemeClr val="dk1"/>
-              </a:effectRef>
-              <a:fontRef idx="minor">
-                <a:schemeClr val="lt1"/>
-              </a:fontRef>
-            </p:style>
-            <p:txBody>
-              <a:bodyPr rtlCol="0" anchor="ctr"/>
-              <a:lstStyle/>
-              <a:p>
-                <a:pPr algn="ctr"/>
-                <a:r>
-                  <a:rPr lang="en-US" sz="1000" dirty="0">
-                    <a:solidFill>
-                      <a:srgbClr val="FFFFFF"/>
-                    </a:solidFill>
-                    <a:latin typeface="Source Sans Pro" panose="020B0503030403020204" pitchFamily="34" charset="0"/>
-                    <a:ea typeface="Source Sans Pro" panose="020B0503030403020204" pitchFamily="34" charset="0"/>
-                  </a:rPr>
-                  <a:t>VEE Port Project</a:t>
-                </a:r>
-              </a:p>
-            </p:txBody>
-          </p:sp>
-          <p:sp>
-            <p:nvSpPr>
-              <p:cNvPr id="127" name="Rounded Rectangle 114">
-                <a:extLst>
-                  <a:ext uri="{FF2B5EF4-FFF2-40B4-BE49-F238E27FC236}">
-                    <a16:creationId xmlns:a16="http://schemas.microsoft.com/office/drawing/2014/main" id="{B2F17F48-047C-4B94-8A7C-566FCDAB4FFC}"/>
-                  </a:ext>
-                </a:extLst>
-              </p:cNvPr>
-              <p:cNvSpPr/>
-              <p:nvPr/>
-            </p:nvSpPr>
-            <p:spPr>
-              <a:xfrm>
-                <a:off x="2797204" y="2751407"/>
-                <a:ext cx="1872208" cy="255080"/>
-              </a:xfrm>
-              <a:prstGeom prst="roundRect">
-                <a:avLst>
-                  <a:gd name="adj" fmla="val 19644"/>
-                </a:avLst>
-              </a:prstGeom>
-              <a:solidFill>
-                <a:schemeClr val="accent1"/>
-              </a:solidFill>
-              <a:ln>
-                <a:noFill/>
-              </a:ln>
-              <a:effectLst>
-                <a:outerShdw blurRad="50800" dist="38100" dir="2700000" algn="tl" rotWithShape="0">
-                  <a:prstClr val="black">
-                    <a:alpha val="40000"/>
-                  </a:prstClr>
-                </a:outerShdw>
-              </a:effectLst>
-            </p:spPr>
-            <p:style>
-              <a:lnRef idx="2">
-                <a:schemeClr val="dk1">
-                  <a:shade val="50000"/>
-                </a:schemeClr>
-              </a:lnRef>
-              <a:fillRef idx="1">
-                <a:schemeClr val="dk1"/>
-              </a:fillRef>
-              <a:effectRef idx="0">
-                <a:schemeClr val="dk1"/>
-              </a:effectRef>
-              <a:fontRef idx="minor">
-                <a:schemeClr val="lt1"/>
-              </a:fontRef>
-            </p:style>
-            <p:txBody>
-              <a:bodyPr rtlCol="0" anchor="ctr"/>
-              <a:lstStyle/>
-              <a:p>
-                <a:pPr algn="ctr"/>
-                <a:r>
-                  <a:rPr lang="en-US" sz="1000" dirty="0">
-                    <a:solidFill>
-                      <a:srgbClr val="FFFFFF"/>
-                    </a:solidFill>
-                    <a:latin typeface="Source Sans Pro" panose="020B0503030403020204" pitchFamily="34" charset="0"/>
-                    <a:ea typeface="Source Sans Pro" panose="020B0503030403020204" pitchFamily="34" charset="0"/>
-                  </a:rPr>
-                  <a:t>Architecture</a:t>
-                </a:r>
-              </a:p>
-            </p:txBody>
-          </p:sp>
-        </p:grpSp>
-        <p:grpSp>
-          <p:nvGrpSpPr>
-            <p:cNvPr id="32" name="Group 31">
-              <a:extLst>
-                <a:ext uri="{FF2B5EF4-FFF2-40B4-BE49-F238E27FC236}">
-                  <a16:creationId xmlns:a16="http://schemas.microsoft.com/office/drawing/2014/main" id="{84EFF0DA-8276-F6F8-C7A6-168352D4C4AB}"/>
-                </a:ext>
-              </a:extLst>
-            </p:cNvPr>
-            <p:cNvGrpSpPr/>
-            <p:nvPr/>
-          </p:nvGrpSpPr>
-          <p:grpSpPr>
-            <a:xfrm>
-              <a:off x="2750035" y="4700208"/>
-              <a:ext cx="2097265" cy="835565"/>
-              <a:chOff x="2711337" y="4700208"/>
-              <a:chExt cx="2097265" cy="835565"/>
-            </a:xfrm>
-          </p:grpSpPr>
-          <p:sp>
-            <p:nvSpPr>
-              <p:cNvPr id="46" name="Rounded Rectangle 62">
-                <a:extLst>
-                  <a:ext uri="{FF2B5EF4-FFF2-40B4-BE49-F238E27FC236}">
-                    <a16:creationId xmlns:a16="http://schemas.microsoft.com/office/drawing/2014/main" id="{7E5D9481-69B7-8D47-D7E7-AFDEE6590189}"/>
-                  </a:ext>
-                </a:extLst>
-              </p:cNvPr>
-              <p:cNvSpPr/>
-              <p:nvPr/>
-            </p:nvSpPr>
-            <p:spPr>
-              <a:xfrm>
-                <a:off x="2712904" y="4701922"/>
-                <a:ext cx="2095698" cy="833851"/>
-              </a:xfrm>
-              <a:prstGeom prst="roundRect">
-                <a:avLst>
-                  <a:gd name="adj" fmla="val 5059"/>
-                </a:avLst>
-              </a:prstGeom>
-              <a:solidFill>
-                <a:schemeClr val="bg1">
-                  <a:lumMod val="95000"/>
-                </a:schemeClr>
-              </a:solidFill>
-              <a:ln w="19050">
-                <a:noFill/>
-              </a:ln>
-              <a:effectLst>
-                <a:outerShdw blurRad="50800" dist="38100" dir="2700000" algn="tl" rotWithShape="0">
-                  <a:prstClr val="black">
-                    <a:alpha val="40000"/>
-                  </a:prstClr>
-                </a:outerShdw>
-              </a:effectLst>
-            </p:spPr>
-            <p:style>
-              <a:lnRef idx="2">
-                <a:schemeClr val="accent1">
-                  <a:shade val="50000"/>
-                </a:schemeClr>
-              </a:lnRef>
-              <a:fillRef idx="1">
-                <a:schemeClr val="accent1"/>
-              </a:fillRef>
-              <a:effectRef idx="0">
-                <a:schemeClr val="accent1"/>
-              </a:effectRef>
-              <a:fontRef idx="minor">
-                <a:schemeClr val="lt1"/>
-              </a:fontRef>
-            </p:style>
-            <p:txBody>
-              <a:bodyPr wrap="square" lIns="0" tIns="0" rIns="0" bIns="0" rtlCol="0" anchor="ctr"/>
-              <a:lstStyle/>
-              <a:p>
-                <a:pPr algn="ctr"/>
-                <a:endParaRPr lang="en-US" sz="1400" dirty="0">
-                  <a:solidFill>
-                    <a:schemeClr val="bg1">
-                      <a:lumMod val="95000"/>
-                    </a:schemeClr>
-                  </a:solidFill>
-                </a:endParaRPr>
-              </a:p>
-            </p:txBody>
-          </p:sp>
-          <p:sp>
-            <p:nvSpPr>
-              <p:cNvPr id="47" name="TextBox 46">
-                <a:extLst>
-                  <a:ext uri="{FF2B5EF4-FFF2-40B4-BE49-F238E27FC236}">
-                    <a16:creationId xmlns:a16="http://schemas.microsoft.com/office/drawing/2014/main" id="{68B668BA-D584-4A6B-FC8A-08A89BF97430}"/>
-                  </a:ext>
-                </a:extLst>
-              </p:cNvPr>
-              <p:cNvSpPr txBox="1"/>
-              <p:nvPr/>
-            </p:nvSpPr>
-            <p:spPr>
-              <a:xfrm>
-                <a:off x="2711337" y="4700208"/>
-                <a:ext cx="1260637" cy="276999"/>
-              </a:xfrm>
-              <a:prstGeom prst="rect">
-                <a:avLst/>
-              </a:prstGeom>
-              <a:noFill/>
-            </p:spPr>
-            <p:txBody>
-              <a:bodyPr wrap="square" rtlCol="0">
-                <a:spAutoFit/>
-              </a:bodyPr>
-              <a:lstStyle>
-                <a:defPPr>
-                  <a:defRPr lang="en-US"/>
-                </a:defPPr>
-                <a:lvl1pPr>
-                  <a:defRPr sz="1200" b="1">
-                    <a:latin typeface="Source Sans Pro SemiBold" charset="0"/>
-                    <a:ea typeface="Source Sans Pro SemiBold" charset="0"/>
-                    <a:cs typeface="Source Sans Pro SemiBold" charset="0"/>
-                  </a:defRPr>
-                </a:lvl1pPr>
-              </a:lstStyle>
-              <a:p>
-                <a:r>
-                  <a:rPr lang="en-US" dirty="0"/>
-                  <a:t>3rd Party SDK</a:t>
-                </a:r>
-              </a:p>
-            </p:txBody>
-          </p:sp>
-          <p:sp>
-            <p:nvSpPr>
-              <p:cNvPr id="129" name="Rounded Rectangle 114">
-                <a:extLst>
-                  <a:ext uri="{FF2B5EF4-FFF2-40B4-BE49-F238E27FC236}">
-                    <a16:creationId xmlns:a16="http://schemas.microsoft.com/office/drawing/2014/main" id="{86C790C5-092C-46A0-BE5E-8BE15DE5A4F7}"/>
-                  </a:ext>
-                </a:extLst>
-              </p:cNvPr>
-              <p:cNvSpPr/>
-              <p:nvPr/>
-            </p:nvSpPr>
-            <p:spPr>
-              <a:xfrm>
-                <a:off x="2806011" y="5128995"/>
-                <a:ext cx="1909485" cy="255080"/>
-              </a:xfrm>
-              <a:prstGeom prst="roundRect">
-                <a:avLst>
-                  <a:gd name="adj" fmla="val 19644"/>
-                </a:avLst>
-              </a:prstGeom>
-              <a:solidFill>
-                <a:schemeClr val="tx1"/>
-              </a:solidFill>
-              <a:ln>
-                <a:noFill/>
-              </a:ln>
-              <a:effectLst>
-                <a:outerShdw blurRad="50800" dist="38100" dir="2700000" algn="tl" rotWithShape="0">
-                  <a:prstClr val="black">
-                    <a:alpha val="40000"/>
-                  </a:prstClr>
-                </a:outerShdw>
-              </a:effectLst>
-            </p:spPr>
-            <p:style>
-              <a:lnRef idx="2">
-                <a:schemeClr val="dk1">
-                  <a:shade val="50000"/>
-                </a:schemeClr>
-              </a:lnRef>
-              <a:fillRef idx="1">
-                <a:schemeClr val="dk1"/>
-              </a:fillRef>
-              <a:effectRef idx="0">
-                <a:schemeClr val="dk1"/>
-              </a:effectRef>
-              <a:fontRef idx="minor">
-                <a:schemeClr val="lt1"/>
-              </a:fontRef>
-            </p:style>
-            <p:txBody>
-              <a:bodyPr rtlCol="0" anchor="ctr"/>
-              <a:lstStyle/>
-              <a:p>
-                <a:pPr algn="ctr"/>
-                <a:r>
-                  <a:rPr lang="en-US" sz="1000">
-                    <a:solidFill>
-                      <a:srgbClr val="FFFFFF"/>
-                    </a:solidFill>
-                    <a:latin typeface="Source Sans Pro" panose="020B0503030403020204" pitchFamily="34" charset="0"/>
-                    <a:ea typeface="Source Sans Pro" panose="020B0503030403020204" pitchFamily="34" charset="0"/>
-                  </a:rPr>
-                  <a:t>C Toolchain</a:t>
-                </a:r>
-              </a:p>
-            </p:txBody>
-          </p:sp>
-        </p:grpSp>
-      </p:grpSp>
-      <p:cxnSp>
-        <p:nvCxnSpPr>
-          <p:cNvPr id="55" name="Straight Arrow Connector 54">
-            <a:extLst>
-              <a:ext uri="{FF2B5EF4-FFF2-40B4-BE49-F238E27FC236}">
-                <a16:creationId xmlns:a16="http://schemas.microsoft.com/office/drawing/2014/main" id="{887968BA-8178-E44B-C493-45509761E072}"/>
-              </a:ext>
-            </a:extLst>
-          </p:cNvPr>
-          <p:cNvCxnSpPr>
-            <a:cxnSpLocks/>
-            <a:stCxn id="112" idx="2"/>
-          </p:cNvCxnSpPr>
-          <p:nvPr/>
-        </p:nvCxnSpPr>
-        <p:spPr>
-          <a:xfrm>
-            <a:off x="3798667" y="4073396"/>
-            <a:ext cx="0" cy="626812"/>
-          </a:xfrm>
-          <a:prstGeom prst="straightConnector1">
-            <a:avLst/>
-          </a:prstGeom>
-          <a:ln w="25400">
-            <a:solidFill>
-              <a:schemeClr val="bg2">
-                <a:lumMod val="75000"/>
-              </a:schemeClr>
-            </a:solidFill>
-            <a:tailEnd type="triangle"/>
-          </a:ln>
-        </p:spPr>
-        <p:style>
-          <a:lnRef idx="1">
-            <a:schemeClr val="accent1"/>
-          </a:lnRef>
-          <a:fillRef idx="0">
-            <a:schemeClr val="accent1"/>
-          </a:fillRef>
-          <a:effectRef idx="0">
-            <a:schemeClr val="accent1"/>
-          </a:effectRef>
-          <a:fontRef idx="minor">
-            <a:schemeClr val="tx1"/>
-          </a:fontRef>
-        </p:style>
-      </p:cxnSp>
-      <p:sp>
-        <p:nvSpPr>
-          <p:cNvPr id="57" name="TextBox 56">
-            <a:extLst>
-              <a:ext uri="{FF2B5EF4-FFF2-40B4-BE49-F238E27FC236}">
-                <a16:creationId xmlns:a16="http://schemas.microsoft.com/office/drawing/2014/main" id="{129F2CAE-F633-EDFD-94C3-26C8D12A7A25}"/>
-              </a:ext>
-            </a:extLst>
-          </p:cNvPr>
-          <p:cNvSpPr txBox="1"/>
-          <p:nvPr/>
-        </p:nvSpPr>
-        <p:spPr>
-          <a:xfrm>
-            <a:off x="2811820" y="4252415"/>
-            <a:ext cx="1071721" cy="145874"/>
-          </a:xfrm>
-          <a:prstGeom prst="rect">
-            <a:avLst/>
-          </a:prstGeom>
-          <a:noFill/>
-        </p:spPr>
-        <p:txBody>
-          <a:bodyPr vert="horz" wrap="square" lIns="0" tIns="0" rIns="0" bIns="0" numCol="1" spcCol="288000" rtlCol="0" anchor="t" anchorCtr="0">
-            <a:spAutoFit/>
-          </a:bodyPr>
-          <a:lstStyle/>
-          <a:p>
-            <a:pPr algn="ctr">
-              <a:lnSpc>
-                <a:spcPts val="1140"/>
-              </a:lnSpc>
-              <a:spcBef>
-                <a:spcPts val="0"/>
-              </a:spcBef>
-              <a:spcAft>
-                <a:spcPts val="600"/>
-              </a:spcAft>
-            </a:pPr>
-            <a:r>
-              <a:rPr lang="en-US" sz="1100" spc="0" dirty="0">
-                <a:ln>
-                  <a:noFill/>
-                </a:ln>
-                <a:solidFill>
-                  <a:schemeClr val="bg2">
-                    <a:lumMod val="75000"/>
-                  </a:schemeClr>
-                </a:solidFill>
-                <a:latin typeface="Source Sans Pro" panose="020B0503030403020204" pitchFamily="34" charset="0"/>
-                <a:ea typeface="Source Sans Pro" panose="020B0503030403020204" pitchFamily="34" charset="0"/>
-                <a:cs typeface="Source Sans Pro Light" charset="0"/>
-              </a:rPr>
-              <a:t>Compilation</a:t>
-            </a:r>
-          </a:p>
-        </p:txBody>
-      </p:sp>
-      <p:sp>
-        <p:nvSpPr>
-          <p:cNvPr id="58" name="Rounded Rectangle 114">
-            <a:extLst>
-              <a:ext uri="{FF2B5EF4-FFF2-40B4-BE49-F238E27FC236}">
-                <a16:creationId xmlns:a16="http://schemas.microsoft.com/office/drawing/2014/main" id="{61B23D28-46E0-4D50-CBB0-1CB2F60EE660}"/>
-              </a:ext>
-            </a:extLst>
-          </p:cNvPr>
-          <p:cNvSpPr/>
-          <p:nvPr/>
-        </p:nvSpPr>
-        <p:spPr>
-          <a:xfrm>
-            <a:off x="8420051" y="4335306"/>
-            <a:ext cx="1867691" cy="255080"/>
-          </a:xfrm>
-          <a:prstGeom prst="roundRect">
-            <a:avLst>
-              <a:gd name="adj" fmla="val 19644"/>
-            </a:avLst>
-          </a:prstGeom>
-          <a:solidFill>
-            <a:schemeClr val="accent1"/>
-          </a:solidFill>
-          <a:ln>
-            <a:noFill/>
-          </a:ln>
-          <a:effectLst>
-            <a:outerShdw blurRad="50800" dist="38100" dir="2700000" algn="tl" rotWithShape="0">
-              <a:prstClr val="black">
-                <a:alpha val="40000"/>
-              </a:prstClr>
-            </a:outerShdw>
-          </a:effectLst>
-        </p:spPr>
-        <p:style>
-          <a:lnRef idx="2">
-            <a:schemeClr val="dk1">
-              <a:shade val="50000"/>
-            </a:schemeClr>
-          </a:lnRef>
-          <a:fillRef idx="1">
-            <a:schemeClr val="dk1"/>
-          </a:fillRef>
-          <a:effectRef idx="0">
-            <a:schemeClr val="dk1"/>
-          </a:effectRef>
-          <a:fontRef idx="minor">
-            <a:schemeClr val="lt1"/>
-          </a:fontRef>
-        </p:style>
-        <p:txBody>
-          <a:bodyPr rtlCol="0" anchor="ctr"/>
-          <a:lstStyle/>
-          <a:p>
-            <a:pPr algn="ctr"/>
-            <a:r>
-              <a:rPr lang="en-US" sz="1000" dirty="0">
-                <a:solidFill>
-                  <a:srgbClr val="FFFFFF"/>
-                </a:solidFill>
-                <a:latin typeface="Source Sans Pro" panose="020B0503030403020204" pitchFamily="34" charset="0"/>
-                <a:ea typeface="Source Sans Pro" panose="020B0503030403020204" pitchFamily="34" charset="0"/>
-              </a:rPr>
-              <a:t>Central Repository</a:t>
-            </a:r>
-          </a:p>
-        </p:txBody>
-      </p:sp>
-      <p:sp>
-        <p:nvSpPr>
-          <p:cNvPr id="59" name="Rounded Rectangle 114">
-            <a:extLst>
-              <a:ext uri="{FF2B5EF4-FFF2-40B4-BE49-F238E27FC236}">
-                <a16:creationId xmlns:a16="http://schemas.microsoft.com/office/drawing/2014/main" id="{8297540B-AA08-C138-655A-5F1EBB3E8011}"/>
-              </a:ext>
-            </a:extLst>
-          </p:cNvPr>
-          <p:cNvSpPr/>
-          <p:nvPr/>
-        </p:nvSpPr>
-        <p:spPr>
-          <a:xfrm>
-            <a:off x="8420051" y="4636667"/>
-            <a:ext cx="1867691" cy="255080"/>
-          </a:xfrm>
-          <a:prstGeom prst="roundRect">
-            <a:avLst>
-              <a:gd name="adj" fmla="val 19644"/>
-            </a:avLst>
-          </a:prstGeom>
-          <a:solidFill>
-            <a:schemeClr val="accent1"/>
-          </a:solidFill>
-          <a:ln>
-            <a:noFill/>
-          </a:ln>
-          <a:effectLst>
-            <a:outerShdw blurRad="50800" dist="38100" dir="2700000" algn="tl" rotWithShape="0">
-              <a:prstClr val="black">
-                <a:alpha val="40000"/>
-              </a:prstClr>
-            </a:outerShdw>
-          </a:effectLst>
-        </p:spPr>
-        <p:style>
-          <a:lnRef idx="2">
-            <a:schemeClr val="dk1">
-              <a:shade val="50000"/>
-            </a:schemeClr>
-          </a:lnRef>
-          <a:fillRef idx="1">
-            <a:schemeClr val="dk1"/>
-          </a:fillRef>
-          <a:effectRef idx="0">
-            <a:schemeClr val="dk1"/>
-          </a:effectRef>
-          <a:fontRef idx="minor">
-            <a:schemeClr val="lt1"/>
-          </a:fontRef>
-        </p:style>
-        <p:txBody>
-          <a:bodyPr rtlCol="0" anchor="ctr"/>
-          <a:lstStyle/>
-          <a:p>
-            <a:pPr algn="ctr"/>
-            <a:r>
-              <a:rPr lang="en-US" sz="1000" dirty="0">
-                <a:solidFill>
-                  <a:srgbClr val="FFFFFF"/>
-                </a:solidFill>
-                <a:latin typeface="Source Sans Pro" panose="020B0503030403020204" pitchFamily="34" charset="0"/>
-                <a:ea typeface="Source Sans Pro" panose="020B0503030403020204" pitchFamily="34" charset="0"/>
-              </a:rPr>
-              <a:t>Developer Repository</a:t>
-            </a:r>
-          </a:p>
-        </p:txBody>
-      </p:sp>
       <p:grpSp>
         <p:nvGrpSpPr>
           <p:cNvPr id="13" name="Group 12">
@@ -34990,7 +34205,7 @@
         </p:nvGrpSpPr>
         <p:grpSpPr>
           <a:xfrm>
-            <a:off x="10745549" y="3647595"/>
+            <a:off x="10872359" y="4419858"/>
             <a:ext cx="983554" cy="457337"/>
             <a:chOff x="10380024" y="3627343"/>
             <a:chExt cx="983554" cy="457337"/>
@@ -35088,122 +34303,6 @@
       </p:grpSp>
       <p:grpSp>
         <p:nvGrpSpPr>
-          <p:cNvPr id="18" name="Group 17">
-            <a:extLst>
-              <a:ext uri="{FF2B5EF4-FFF2-40B4-BE49-F238E27FC236}">
-                <a16:creationId xmlns:a16="http://schemas.microsoft.com/office/drawing/2014/main" id="{20577EF6-586D-B50A-0B23-9C1B89AC070F}"/>
-              </a:ext>
-            </a:extLst>
-          </p:cNvPr>
-          <p:cNvGrpSpPr/>
-          <p:nvPr/>
-        </p:nvGrpSpPr>
-        <p:grpSpPr>
-          <a:xfrm>
-            <a:off x="10741839" y="4286105"/>
-            <a:ext cx="809742" cy="654044"/>
-            <a:chOff x="10318251" y="4159816"/>
-            <a:chExt cx="809742" cy="654044"/>
-          </a:xfrm>
-        </p:grpSpPr>
-        <p:pic>
-          <p:nvPicPr>
-            <p:cNvPr id="63" name="Picture 62">
-              <a:extLst>
-                <a:ext uri="{FF2B5EF4-FFF2-40B4-BE49-F238E27FC236}">
-                  <a16:creationId xmlns:a16="http://schemas.microsoft.com/office/drawing/2014/main" id="{7586B9B9-199C-2C06-8151-F727B7FD1027}"/>
-                </a:ext>
-              </a:extLst>
-            </p:cNvPr>
-            <p:cNvPicPr>
-              <a:picLocks noChangeAspect="1"/>
-            </p:cNvPicPr>
-            <p:nvPr/>
-          </p:nvPicPr>
-          <p:blipFill>
-            <a:blip r:embed="rId6">
-              <a:grayscl/>
-              <a:extLst>
-                <a:ext uri="{28A0092B-C50C-407E-A947-70E740481C1C}">
-                  <a14:useLocalDpi xmlns:a14="http://schemas.microsoft.com/office/drawing/2010/main" val="0"/>
-                </a:ext>
-              </a:extLst>
-            </a:blip>
-            <a:stretch>
-              <a:fillRect/>
-            </a:stretch>
-          </p:blipFill>
-          <p:spPr>
-            <a:xfrm>
-              <a:off x="10318251" y="4159816"/>
-              <a:ext cx="585416" cy="585416"/>
-            </a:xfrm>
-            <a:prstGeom prst="rect">
-              <a:avLst/>
-            </a:prstGeom>
-          </p:spPr>
-        </p:pic>
-        <p:sp>
-          <p:nvSpPr>
-            <p:cNvPr id="72" name="TextBox 71">
-              <a:extLst>
-                <a:ext uri="{FF2B5EF4-FFF2-40B4-BE49-F238E27FC236}">
-                  <a16:creationId xmlns:a16="http://schemas.microsoft.com/office/drawing/2014/main" id="{F5690783-B49E-64FC-8BD8-36771B4BA202}"/>
-                </a:ext>
-              </a:extLst>
-            </p:cNvPr>
-            <p:cNvSpPr txBox="1"/>
-            <p:nvPr/>
-          </p:nvSpPr>
-          <p:spPr>
-            <a:xfrm>
-              <a:off x="10385802" y="4644583"/>
-              <a:ext cx="742191" cy="169277"/>
-            </a:xfrm>
-            <a:prstGeom prst="rect">
-              <a:avLst/>
-            </a:prstGeom>
-            <a:noFill/>
-          </p:spPr>
-          <p:txBody>
-            <a:bodyPr vert="horz" wrap="none" lIns="0" tIns="0" rIns="0" bIns="0" numCol="1" spcCol="288000" rtlCol="0" anchor="t" anchorCtr="0">
-              <a:spAutoFit/>
-            </a:bodyPr>
-            <a:lstStyle/>
-            <a:p>
-              <a:pPr algn="l">
-                <a:spcBef>
-                  <a:spcPts val="0"/>
-                </a:spcBef>
-                <a:spcAft>
-                  <a:spcPts val="600"/>
-                </a:spcAft>
-              </a:pPr>
-              <a:r>
-                <a:rPr lang="en-US" sz="1100" spc="0" dirty="0" err="1">
-                  <a:ln>
-                    <a:noFill/>
-                  </a:ln>
-                  <a:latin typeface="Source Sans Pro" panose="020B0503030403020204" pitchFamily="34" charset="0"/>
-                  <a:ea typeface="Source Sans Pro" panose="020B0503030403020204" pitchFamily="34" charset="0"/>
-                  <a:cs typeface="Source Sans Pro Light" charset="0"/>
-                </a:rPr>
-                <a:t>microej.com</a:t>
-              </a:r>
-              <a:endParaRPr lang="en-US" sz="1100" spc="0" dirty="0">
-                <a:ln>
-                  <a:noFill/>
-                </a:ln>
-                <a:latin typeface="Source Sans Pro" panose="020B0503030403020204" pitchFamily="34" charset="0"/>
-                <a:ea typeface="Source Sans Pro" panose="020B0503030403020204" pitchFamily="34" charset="0"/>
-                <a:cs typeface="Source Sans Pro Light" charset="0"/>
-              </a:endParaRPr>
-            </a:p>
-          </p:txBody>
-        </p:sp>
-      </p:grpSp>
-      <p:grpSp>
-        <p:nvGrpSpPr>
           <p:cNvPr id="21" name="Group 20">
             <a:extLst>
               <a:ext uri="{FF2B5EF4-FFF2-40B4-BE49-F238E27FC236}">
@@ -35216,10 +34315,10 @@
         </p:nvGrpSpPr>
         <p:grpSpPr>
           <a:xfrm>
-            <a:off x="10741839" y="965465"/>
-            <a:ext cx="1210726" cy="616081"/>
-            <a:chOff x="10636178" y="894544"/>
-            <a:chExt cx="1210726" cy="616081"/>
+            <a:off x="10737108" y="965465"/>
+            <a:ext cx="1165384" cy="616081"/>
+            <a:chOff x="10631447" y="894544"/>
+            <a:chExt cx="1165384" cy="616081"/>
           </a:xfrm>
         </p:grpSpPr>
         <p:pic>
@@ -35273,7 +34372,7 @@
           </p:nvSpPr>
           <p:spPr>
             <a:xfrm>
-              <a:off x="10681520" y="1341348"/>
+              <a:off x="10631447" y="1341348"/>
               <a:ext cx="1165384" cy="169277"/>
             </a:xfrm>
             <a:prstGeom prst="rect">
@@ -35451,7 +34550,7 @@
         </p:nvGrpSpPr>
         <p:grpSpPr>
           <a:xfrm>
-            <a:off x="10786683" y="5166504"/>
+            <a:off x="10930338" y="5028920"/>
             <a:ext cx="1189926" cy="409155"/>
             <a:chOff x="10380024" y="5261013"/>
             <a:chExt cx="1189926" cy="409155"/>
@@ -35546,68 +34645,292 @@
       </p:grpSp>
       <p:sp>
         <p:nvSpPr>
-          <p:cNvPr id="93" name="TextBox 92">
+          <p:cNvPr id="27" name="Rounded Rectangle 26">
             <a:extLst>
               <a:ext uri="{FF2B5EF4-FFF2-40B4-BE49-F238E27FC236}">
-                <a16:creationId xmlns:a16="http://schemas.microsoft.com/office/drawing/2014/main" id="{BECCBD3C-2DE5-9942-867A-4574CF9D561C}"/>
+                <a16:creationId xmlns:a16="http://schemas.microsoft.com/office/drawing/2014/main" id="{B4A47375-DCDE-14F6-9C94-F1989FD8E545}"/>
               </a:ext>
             </a:extLst>
           </p:cNvPr>
-          <p:cNvSpPr txBox="1"/>
+          <p:cNvSpPr/>
           <p:nvPr/>
         </p:nvSpPr>
         <p:spPr>
           <a:xfrm>
-            <a:off x="3634181" y="4426236"/>
-            <a:ext cx="900420" cy="145874"/>
-          </a:xfrm>
-          <a:prstGeom prst="rect">
-            <a:avLst/>
+            <a:off x="8122914" y="1183707"/>
+            <a:ext cx="2494660" cy="1138920"/>
+          </a:xfrm>
+          <a:prstGeom prst="roundRect">
+            <a:avLst>
+              <a:gd name="adj" fmla="val 6304"/>
+            </a:avLst>
           </a:prstGeom>
-          <a:noFill/>
-        </p:spPr>
+          <a:solidFill>
+            <a:schemeClr val="accent1"/>
+          </a:solidFill>
+          <a:ln>
+            <a:noFill/>
+          </a:ln>
+          <a:effectLst>
+            <a:outerShdw blurRad="50800" dist="38100" dir="2700000" algn="tl" rotWithShape="0">
+              <a:prstClr val="black">
+                <a:alpha val="40000"/>
+              </a:prstClr>
+            </a:outerShdw>
+          </a:effectLst>
+        </p:spPr>
+        <p:style>
+          <a:lnRef idx="2">
+            <a:schemeClr val="dk1">
+              <a:shade val="50000"/>
+            </a:schemeClr>
+          </a:lnRef>
+          <a:fillRef idx="1">
+            <a:schemeClr val="dk1"/>
+          </a:fillRef>
+          <a:effectRef idx="0">
+            <a:schemeClr val="dk1"/>
+          </a:effectRef>
+          <a:fontRef idx="minor">
+            <a:schemeClr val="lt1"/>
+          </a:fontRef>
+        </p:style>
         <p:txBody>
-          <a:bodyPr vert="horz" wrap="square" lIns="0" tIns="0" rIns="0" bIns="0" numCol="1" spcCol="288000" rtlCol="0" anchor="t" anchorCtr="0">
-            <a:spAutoFit/>
-          </a:bodyPr>
+          <a:bodyPr rtlCol="0" anchor="ctr"/>
           <a:lstStyle/>
           <a:p>
             <a:pPr algn="ctr">
-              <a:lnSpc>
-                <a:spcPts val="1140"/>
-              </a:lnSpc>
-              <a:spcBef>
-                <a:spcPts val="0"/>
-              </a:spcBef>
-              <a:spcAft>
-                <a:spcPts val="600"/>
-              </a:spcAft>
+              <a:defRPr/>
             </a:pPr>
             <a:r>
-              <a:rPr lang="en-US" sz="1100" spc="0" dirty="0">
-                <a:ln>
-                  <a:noFill/>
-                </a:ln>
-                <a:solidFill>
-                  <a:schemeClr val="bg2">
-                    <a:lumMod val="75000"/>
-                  </a:schemeClr>
+              <a:rPr lang="en-US" sz="1000" dirty="0">
+                <a:solidFill>
+                  <a:srgbClr val="FFFFFF"/>
                 </a:solidFill>
                 <a:latin typeface="Source Sans Pro" panose="020B0503030403020204" pitchFamily="34" charset="0"/>
                 <a:ea typeface="Source Sans Pro" panose="020B0503030403020204" pitchFamily="34" charset="0"/>
-                <a:cs typeface="Source Sans Pro Light" charset="0"/>
+                <a:cs typeface="Arial" panose="020B0604020202020204" pitchFamily="34" charset="0"/>
               </a:rPr>
-              <a:t>Link</a:t>
+              <a:t>Architecture </a:t>
+            </a:r>
+          </a:p>
+          <a:p>
+            <a:pPr algn="ctr">
+              <a:defRPr/>
+            </a:pPr>
+            <a:r>
+              <a:rPr lang="en-US" sz="1000" dirty="0">
+                <a:solidFill>
+                  <a:srgbClr val="FFFFFF"/>
+                </a:solidFill>
+                <a:latin typeface="Source Sans Pro" panose="020B0503030403020204" pitchFamily="34" charset="0"/>
+                <a:ea typeface="Source Sans Pro" panose="020B0503030403020204" pitchFamily="34" charset="0"/>
+                <a:cs typeface="Arial" panose="020B0604020202020204" pitchFamily="34" charset="0"/>
+              </a:rPr>
+              <a:t>(MEJ32 Core + Built-in Foundation Libraries + Simulator + Mockups)</a:t>
+            </a:r>
+          </a:p>
+          <a:p>
+            <a:pPr algn="ctr">
+              <a:defRPr/>
+            </a:pPr>
+            <a:endParaRPr lang="en-US" sz="1000" dirty="0">
+              <a:solidFill>
+                <a:srgbClr val="FFFFFF"/>
+              </a:solidFill>
+              <a:latin typeface="Source Sans Pro" panose="020B0503030403020204" pitchFamily="34" charset="0"/>
+              <a:ea typeface="Source Sans Pro" panose="020B0503030403020204" pitchFamily="34" charset="0"/>
+              <a:cs typeface="Source Sans Pro Light" charset="0"/>
+            </a:endParaRPr>
+          </a:p>
+          <a:p>
+            <a:pPr algn="ctr">
+              <a:defRPr/>
+            </a:pPr>
+            <a:endParaRPr lang="en-US" sz="1000" dirty="0">
+              <a:solidFill>
+                <a:srgbClr val="FFFFFF"/>
+              </a:solidFill>
+              <a:latin typeface="Source Sans Pro" panose="020B0503030403020204" pitchFamily="34" charset="0"/>
+              <a:ea typeface="Source Sans Pro" panose="020B0503030403020204" pitchFamily="34" charset="0"/>
+              <a:cs typeface="Source Sans Pro Light" charset="0"/>
+            </a:endParaRPr>
+          </a:p>
+          <a:p>
+            <a:pPr algn="ctr">
+              <a:defRPr/>
+            </a:pPr>
+            <a:endParaRPr lang="en-US" sz="1000" dirty="0">
+              <a:solidFill>
+                <a:srgbClr val="FFFFFF"/>
+              </a:solidFill>
+              <a:latin typeface="Source Sans Pro" panose="020B0503030403020204" pitchFamily="34" charset="0"/>
+              <a:ea typeface="Source Sans Pro" panose="020B0503030403020204" pitchFamily="34" charset="0"/>
+              <a:cs typeface="Source Sans Pro Light" charset="0"/>
+            </a:endParaRPr>
+          </a:p>
+          <a:p>
+            <a:pPr algn="ctr">
+              <a:defRPr/>
+            </a:pPr>
+            <a:endParaRPr lang="en-US" sz="1000" dirty="0">
+              <a:solidFill>
+                <a:srgbClr val="FFFFFF"/>
+              </a:solidFill>
+              <a:latin typeface="Source Sans Pro" panose="020B0503030403020204" pitchFamily="34" charset="0"/>
+              <a:ea typeface="Source Sans Pro" panose="020B0503030403020204" pitchFamily="34" charset="0"/>
+              <a:cs typeface="Source Sans Pro Light" charset="0"/>
+            </a:endParaRPr>
+          </a:p>
+        </p:txBody>
+      </p:sp>
+      <p:sp>
+        <p:nvSpPr>
+          <p:cNvPr id="36" name="Rounded Rectangle 35">
+            <a:extLst>
+              <a:ext uri="{FF2B5EF4-FFF2-40B4-BE49-F238E27FC236}">
+                <a16:creationId xmlns:a16="http://schemas.microsoft.com/office/drawing/2014/main" id="{1F959762-16C4-185E-956F-19D7A07C1B08}"/>
+              </a:ext>
+            </a:extLst>
+          </p:cNvPr>
+          <p:cNvSpPr/>
+          <p:nvPr/>
+        </p:nvSpPr>
+        <p:spPr>
+          <a:xfrm>
+            <a:off x="8857580" y="1785339"/>
+            <a:ext cx="402556" cy="397707"/>
+          </a:xfrm>
+          <a:prstGeom prst="roundRect">
+            <a:avLst>
+              <a:gd name="adj" fmla="val 7525"/>
+            </a:avLst>
+          </a:prstGeom>
+          <a:solidFill>
+            <a:schemeClr val="accent4"/>
+          </a:solidFill>
+          <a:ln w="9525">
+            <a:noFill/>
+          </a:ln>
+          <a:effectLst>
+            <a:outerShdw blurRad="50800" dist="38100" dir="2700000" algn="tl" rotWithShape="0">
+              <a:prstClr val="black">
+                <a:alpha val="40000"/>
+              </a:prstClr>
+            </a:outerShdw>
+          </a:effectLst>
+        </p:spPr>
+        <p:style>
+          <a:lnRef idx="2">
+            <a:schemeClr val="dk1">
+              <a:shade val="50000"/>
+            </a:schemeClr>
+          </a:lnRef>
+          <a:fillRef idx="1">
+            <a:schemeClr val="dk1"/>
+          </a:fillRef>
+          <a:effectRef idx="0">
+            <a:schemeClr val="dk1"/>
+          </a:effectRef>
+          <a:fontRef idx="minor">
+            <a:schemeClr val="lt1"/>
+          </a:fontRef>
+        </p:style>
+        <p:txBody>
+          <a:bodyPr rtlCol="0" anchor="ctr"/>
+          <a:lstStyle/>
+          <a:p>
+            <a:pPr algn="ctr"/>
+            <a:r>
+              <a:rPr lang="en-US" sz="1000" dirty="0">
+                <a:solidFill>
+                  <a:srgbClr val="FFFFFF"/>
+                </a:solidFill>
+                <a:latin typeface="Source Sans Pro" panose="020B0503030403020204" pitchFamily="34" charset="0"/>
+                <a:ea typeface="Source Sans Pro" panose="020B0503030403020204" pitchFamily="34" charset="0"/>
+              </a:rPr>
+              <a:t>M</a:t>
+            </a:r>
+          </a:p>
+        </p:txBody>
+      </p:sp>
+      <p:sp>
+        <p:nvSpPr>
+          <p:cNvPr id="37" name="Rounded Rectangle 36">
+            <a:extLst>
+              <a:ext uri="{FF2B5EF4-FFF2-40B4-BE49-F238E27FC236}">
+                <a16:creationId xmlns:a16="http://schemas.microsoft.com/office/drawing/2014/main" id="{D8195318-1DF2-24D4-08DC-6BA8152C0A8D}"/>
+              </a:ext>
+            </a:extLst>
+          </p:cNvPr>
+          <p:cNvSpPr/>
+          <p:nvPr/>
+        </p:nvSpPr>
+        <p:spPr>
+          <a:xfrm>
+            <a:off x="9437698" y="1785339"/>
+            <a:ext cx="444460" cy="404394"/>
+          </a:xfrm>
+          <a:prstGeom prst="roundRect">
+            <a:avLst>
+              <a:gd name="adj" fmla="val 7525"/>
+            </a:avLst>
+          </a:prstGeom>
+          <a:solidFill>
+            <a:schemeClr val="accent6"/>
+          </a:solidFill>
+          <a:ln w="9525">
+            <a:noFill/>
+          </a:ln>
+          <a:effectLst>
+            <a:outerShdw blurRad="50800" dist="38100" dir="2700000" algn="tl" rotWithShape="0">
+              <a:prstClr val="black">
+                <a:alpha val="40000"/>
+              </a:prstClr>
+            </a:outerShdw>
+          </a:effectLst>
+        </p:spPr>
+        <p:style>
+          <a:lnRef idx="2">
+            <a:schemeClr val="dk1">
+              <a:shade val="50000"/>
+            </a:schemeClr>
+          </a:lnRef>
+          <a:fillRef idx="1">
+            <a:schemeClr val="dk1"/>
+          </a:fillRef>
+          <a:effectRef idx="0">
+            <a:schemeClr val="dk1"/>
+          </a:effectRef>
+          <a:fontRef idx="minor">
+            <a:schemeClr val="lt1"/>
+          </a:fontRef>
+        </p:style>
+        <p:txBody>
+          <a:bodyPr rtlCol="0" anchor="ctr"/>
+          <a:lstStyle/>
+          <a:p>
+            <a:pPr algn="ctr"/>
+            <a:r>
+              <a:rPr lang="en-US" sz="1000" dirty="0">
+                <a:solidFill>
+                  <a:srgbClr val="FFFFFF"/>
+                </a:solidFill>
+                <a:latin typeface="Source Sans Pro" panose="020B0503030403020204" pitchFamily="34" charset="0"/>
+                <a:ea typeface="Source Sans Pro" panose="020B0503030403020204" pitchFamily="34" charset="0"/>
+                <a:cs typeface="Arial" panose="020B0604020202020204" pitchFamily="34" charset="0"/>
+              </a:rPr>
+              <a:t>N</a:t>
             </a:r>
           </a:p>
         </p:txBody>
       </p:sp>
       <p:grpSp>
         <p:nvGrpSpPr>
-          <p:cNvPr id="44" name="Group 43">
+          <p:cNvPr id="38" name="Group 37">
             <a:extLst>
               <a:ext uri="{FF2B5EF4-FFF2-40B4-BE49-F238E27FC236}">
-                <a16:creationId xmlns:a16="http://schemas.microsoft.com/office/drawing/2014/main" id="{CBE4AD14-75D9-14B1-0A85-61E634183071}"/>
+                <a16:creationId xmlns:a16="http://schemas.microsoft.com/office/drawing/2014/main" id="{9067F4FF-C162-50E0-CD82-6B304F19742D}"/>
               </a:ext>
             </a:extLst>
           </p:cNvPr>
@@ -35616,18 +34939,18 @@
         </p:nvGrpSpPr>
         <p:grpSpPr>
           <a:xfrm>
-            <a:off x="8138011" y="1136001"/>
-            <a:ext cx="2494660" cy="1138920"/>
-            <a:chOff x="8138011" y="1136001"/>
-            <a:chExt cx="2494660" cy="1138920"/>
+            <a:off x="10059721" y="1785339"/>
+            <a:ext cx="402556" cy="397707"/>
+            <a:chOff x="3684571" y="1736084"/>
+            <a:chExt cx="402556" cy="397707"/>
           </a:xfrm>
         </p:grpSpPr>
         <p:sp>
           <p:nvSpPr>
-            <p:cNvPr id="27" name="Rounded Rectangle 26">
+            <p:cNvPr id="39" name="Rounded Rectangle 38">
               <a:extLst>
                 <a:ext uri="{FF2B5EF4-FFF2-40B4-BE49-F238E27FC236}">
-                  <a16:creationId xmlns:a16="http://schemas.microsoft.com/office/drawing/2014/main" id="{B4A47375-DCDE-14F6-9C94-F1989FD8E545}"/>
+                  <a16:creationId xmlns:a16="http://schemas.microsoft.com/office/drawing/2014/main" id="{35938F13-5BE8-956B-2B6E-62E0DE3DC2B0}"/>
                 </a:ext>
               </a:extLst>
             </p:cNvPr>
@@ -35636,142 +34959,7 @@
           </p:nvSpPr>
           <p:spPr>
             <a:xfrm>
-              <a:off x="8138011" y="1136001"/>
-              <a:ext cx="2494660" cy="1138920"/>
-            </a:xfrm>
-            <a:prstGeom prst="roundRect">
-              <a:avLst>
-                <a:gd name="adj" fmla="val 6304"/>
-              </a:avLst>
-            </a:prstGeom>
-            <a:solidFill>
-              <a:schemeClr val="accent1"/>
-            </a:solidFill>
-            <a:ln>
-              <a:noFill/>
-            </a:ln>
-            <a:effectLst/>
-          </p:spPr>
-          <p:style>
-            <a:lnRef idx="2">
-              <a:schemeClr val="dk1">
-                <a:shade val="50000"/>
-              </a:schemeClr>
-            </a:lnRef>
-            <a:fillRef idx="1">
-              <a:schemeClr val="dk1"/>
-            </a:fillRef>
-            <a:effectRef idx="0">
-              <a:schemeClr val="dk1"/>
-            </a:effectRef>
-            <a:fontRef idx="minor">
-              <a:schemeClr val="lt1"/>
-            </a:fontRef>
-          </p:style>
-          <p:txBody>
-            <a:bodyPr rtlCol="0" anchor="ctr"/>
-            <a:lstStyle/>
-            <a:p>
-              <a:pPr algn="ctr">
-                <a:defRPr/>
-              </a:pPr>
-              <a:r>
-                <a:rPr lang="en-US" sz="1000" dirty="0">
-                  <a:solidFill>
-                    <a:srgbClr val="FFFFFF"/>
-                  </a:solidFill>
-                  <a:latin typeface="Source Sans Pro" panose="020B0503030403020204" pitchFamily="34" charset="0"/>
-                  <a:ea typeface="Source Sans Pro" panose="020B0503030403020204" pitchFamily="34" charset="0"/>
-                  <a:cs typeface="Arial" panose="020B0604020202020204" pitchFamily="34" charset="0"/>
-                </a:rPr>
-                <a:t>Architecture </a:t>
-              </a:r>
-            </a:p>
-            <a:p>
-              <a:pPr algn="ctr">
-                <a:defRPr/>
-              </a:pPr>
-              <a:r>
-                <a:rPr lang="en-US" sz="1000" dirty="0">
-                  <a:solidFill>
-                    <a:srgbClr val="FFFFFF"/>
-                  </a:solidFill>
-                  <a:latin typeface="Source Sans Pro" panose="020B0503030403020204" pitchFamily="34" charset="0"/>
-                  <a:ea typeface="Source Sans Pro" panose="020B0503030403020204" pitchFamily="34" charset="0"/>
-                  <a:cs typeface="Arial" panose="020B0604020202020204" pitchFamily="34" charset="0"/>
-                </a:rPr>
-                <a:t>(MEJ32 Core + Built-in Foundation Libraries + Simulator + Mockups)</a:t>
-              </a:r>
-            </a:p>
-            <a:p>
-              <a:pPr algn="ctr">
-                <a:defRPr/>
-              </a:pPr>
-              <a:endParaRPr lang="en-US" sz="1000" dirty="0">
-                <a:solidFill>
-                  <a:srgbClr val="FFFFFF"/>
-                </a:solidFill>
-                <a:latin typeface="Source Sans Pro" panose="020B0503030403020204" pitchFamily="34" charset="0"/>
-                <a:ea typeface="Source Sans Pro" panose="020B0503030403020204" pitchFamily="34" charset="0"/>
-                <a:cs typeface="Source Sans Pro Light" charset="0"/>
-              </a:endParaRPr>
-            </a:p>
-            <a:p>
-              <a:pPr algn="ctr">
-                <a:defRPr/>
-              </a:pPr>
-              <a:endParaRPr lang="en-US" sz="1000" dirty="0">
-                <a:solidFill>
-                  <a:srgbClr val="FFFFFF"/>
-                </a:solidFill>
-                <a:latin typeface="Source Sans Pro" panose="020B0503030403020204" pitchFamily="34" charset="0"/>
-                <a:ea typeface="Source Sans Pro" panose="020B0503030403020204" pitchFamily="34" charset="0"/>
-                <a:cs typeface="Source Sans Pro Light" charset="0"/>
-              </a:endParaRPr>
-            </a:p>
-            <a:p>
-              <a:pPr algn="ctr">
-                <a:defRPr/>
-              </a:pPr>
-              <a:endParaRPr lang="en-US" sz="1000" dirty="0">
-                <a:solidFill>
-                  <a:srgbClr val="FFFFFF"/>
-                </a:solidFill>
-                <a:latin typeface="Source Sans Pro" panose="020B0503030403020204" pitchFamily="34" charset="0"/>
-                <a:ea typeface="Source Sans Pro" panose="020B0503030403020204" pitchFamily="34" charset="0"/>
-                <a:cs typeface="Source Sans Pro Light" charset="0"/>
-              </a:endParaRPr>
-            </a:p>
-            <a:p>
-              <a:pPr algn="ctr">
-                <a:defRPr/>
-              </a:pPr>
-              <a:endParaRPr lang="en-US" sz="1000" dirty="0">
-                <a:solidFill>
-                  <a:srgbClr val="FFFFFF"/>
-                </a:solidFill>
-                <a:latin typeface="Source Sans Pro" panose="020B0503030403020204" pitchFamily="34" charset="0"/>
-                <a:ea typeface="Source Sans Pro" panose="020B0503030403020204" pitchFamily="34" charset="0"/>
-                <a:cs typeface="Source Sans Pro Light" charset="0"/>
-              </a:endParaRPr>
-            </a:p>
-          </p:txBody>
-        </p:sp>
-        <p:sp>
-          <p:nvSpPr>
-            <p:cNvPr id="36" name="Rounded Rectangle 35">
-              <a:extLst>
-                <a:ext uri="{FF2B5EF4-FFF2-40B4-BE49-F238E27FC236}">
-                  <a16:creationId xmlns:a16="http://schemas.microsoft.com/office/drawing/2014/main" id="{1F959762-16C4-185E-956F-19D7A07C1B08}"/>
-                </a:ext>
-              </a:extLst>
-            </p:cNvPr>
-            <p:cNvSpPr/>
-            <p:nvPr/>
-          </p:nvSpPr>
-          <p:spPr>
-            <a:xfrm>
-              <a:off x="8857580" y="1785339"/>
+              <a:off x="3684571" y="1736084"/>
               <a:ext cx="402556" cy="397707"/>
             </a:xfrm>
             <a:prstGeom prst="roundRect">
@@ -35780,7 +34968,7 @@
               </a:avLst>
             </a:prstGeom>
             <a:solidFill>
-              <a:schemeClr val="accent4"/>
+              <a:schemeClr val="accent2"/>
             </a:solidFill>
             <a:ln w="9525">
               <a:noFill/>
@@ -35814,25 +35002,74 @@
             <a:lstStyle/>
             <a:p>
               <a:pPr algn="ctr"/>
-              <a:r>
-                <a:rPr lang="en-US" sz="1000" dirty="0">
-                  <a:solidFill>
-                    <a:srgbClr val="FFFFFF"/>
-                  </a:solidFill>
-                  <a:latin typeface="Source Sans Pro" panose="020B0503030403020204" pitchFamily="34" charset="0"/>
-                  <a:ea typeface="Source Sans Pro" panose="020B0503030403020204" pitchFamily="34" charset="0"/>
-                </a:rPr>
-                <a:t>M</a:t>
-              </a:r>
+              <a:endParaRPr lang="en-US" sz="1000" dirty="0">
+                <a:solidFill>
+                  <a:srgbClr val="FFFFFF"/>
+                </a:solidFill>
+                <a:latin typeface="Source Sans Pro" panose="020B0503030403020204" pitchFamily="34" charset="0"/>
+                <a:ea typeface="Source Sans Pro" panose="020B0503030403020204" pitchFamily="34" charset="0"/>
+                <a:cs typeface="Arial" panose="020B0604020202020204" pitchFamily="34" charset="0"/>
+              </a:endParaRPr>
             </a:p>
           </p:txBody>
         </p:sp>
+        <p:pic>
+          <p:nvPicPr>
+            <p:cNvPr id="40" name="Picture 39">
+              <a:extLst>
+                <a:ext uri="{FF2B5EF4-FFF2-40B4-BE49-F238E27FC236}">
+                  <a16:creationId xmlns:a16="http://schemas.microsoft.com/office/drawing/2014/main" id="{6A3EE33D-0EFF-DD21-AF22-05E2BD3E8EEC}"/>
+                </a:ext>
+              </a:extLst>
+            </p:cNvPr>
+            <p:cNvPicPr>
+              <a:picLocks noChangeAspect="1"/>
+            </p:cNvPicPr>
+            <p:nvPr/>
+          </p:nvPicPr>
+          <p:blipFill>
+            <a:blip r:embed="rId9"/>
+            <a:stretch>
+              <a:fillRect/>
+            </a:stretch>
+          </p:blipFill>
+          <p:spPr>
+            <a:xfrm>
+              <a:off x="3727874" y="1796516"/>
+              <a:ext cx="332460" cy="276842"/>
+            </a:xfrm>
+            <a:prstGeom prst="rect">
+              <a:avLst/>
+            </a:prstGeom>
+          </p:spPr>
+        </p:pic>
+      </p:grpSp>
+      <p:grpSp>
+        <p:nvGrpSpPr>
+          <p:cNvPr id="35" name="Group 34">
+            <a:extLst>
+              <a:ext uri="{FF2B5EF4-FFF2-40B4-BE49-F238E27FC236}">
+                <a16:creationId xmlns:a16="http://schemas.microsoft.com/office/drawing/2014/main" id="{D21453AB-403C-B0F1-4968-C5F9FB55EA86}"/>
+              </a:ext>
+            </a:extLst>
+          </p:cNvPr>
+          <p:cNvGrpSpPr/>
+          <p:nvPr/>
+        </p:nvGrpSpPr>
+        <p:grpSpPr>
+          <a:xfrm>
+            <a:off x="8277462" y="1785339"/>
+            <a:ext cx="402556" cy="397707"/>
+            <a:chOff x="8209128" y="1796911"/>
+            <a:chExt cx="402556" cy="397707"/>
+          </a:xfrm>
+        </p:grpSpPr>
         <p:sp>
           <p:nvSpPr>
-            <p:cNvPr id="37" name="Rounded Rectangle 36">
+            <p:cNvPr id="34" name="Rounded Rectangle 33">
               <a:extLst>
                 <a:ext uri="{FF2B5EF4-FFF2-40B4-BE49-F238E27FC236}">
-                  <a16:creationId xmlns:a16="http://schemas.microsoft.com/office/drawing/2014/main" id="{D8195318-1DF2-24D4-08DC-6BA8152C0A8D}"/>
+                  <a16:creationId xmlns:a16="http://schemas.microsoft.com/office/drawing/2014/main" id="{86A361AB-0AF4-11C4-9DE9-913AE924566F}"/>
                 </a:ext>
               </a:extLst>
             </p:cNvPr>
@@ -35841,8 +35078,8 @@
           </p:nvSpPr>
           <p:spPr>
             <a:xfrm>
-              <a:off x="9437698" y="1785339"/>
-              <a:ext cx="444460" cy="404394"/>
+              <a:off x="8209128" y="1796911"/>
+              <a:ext cx="402556" cy="397707"/>
             </a:xfrm>
             <a:prstGeom prst="roundRect">
               <a:avLst>
@@ -35850,9 +35087,9 @@
               </a:avLst>
             </a:prstGeom>
             <a:solidFill>
-              <a:schemeClr val="accent6"/>
+              <a:schemeClr val="bg1"/>
             </a:solidFill>
-            <a:ln w="9525">
+            <a:ln>
               <a:noFill/>
             </a:ln>
             <a:effectLst>
@@ -35883,368 +35120,57 @@
             <a:bodyPr rtlCol="0" anchor="ctr"/>
             <a:lstStyle/>
             <a:p>
-              <a:pPr algn="ctr"/>
-              <a:r>
-                <a:rPr lang="en-US" sz="1000" dirty="0">
-                  <a:solidFill>
-                    <a:srgbClr val="FFFFFF"/>
-                  </a:solidFill>
-                  <a:latin typeface="Source Sans Pro" panose="020B0503030403020204" pitchFamily="34" charset="0"/>
-                  <a:ea typeface="Source Sans Pro" panose="020B0503030403020204" pitchFamily="34" charset="0"/>
-                  <a:cs typeface="Arial" panose="020B0604020202020204" pitchFamily="34" charset="0"/>
-                </a:rPr>
-                <a:t>N</a:t>
-              </a:r>
+              <a:pPr algn="ctr">
+                <a:defRPr/>
+              </a:pPr>
+              <a:endParaRPr lang="en-US" sz="1000" dirty="0">
+                <a:solidFill>
+                  <a:srgbClr val="FFFFFF"/>
+                </a:solidFill>
+                <a:latin typeface="Source Sans Pro Light" charset="0"/>
+                <a:ea typeface="Source Sans Pro Light" charset="0"/>
+                <a:cs typeface="Source Sans Pro Light" charset="0"/>
+              </a:endParaRPr>
             </a:p>
           </p:txBody>
         </p:sp>
-        <p:grpSp>
-          <p:nvGrpSpPr>
-            <p:cNvPr id="38" name="Group 37">
+        <p:pic>
+          <p:nvPicPr>
+            <p:cNvPr id="94" name="Picture 93">
               <a:extLst>
                 <a:ext uri="{FF2B5EF4-FFF2-40B4-BE49-F238E27FC236}">
-                  <a16:creationId xmlns:a16="http://schemas.microsoft.com/office/drawing/2014/main" id="{9067F4FF-C162-50E0-CD82-6B304F19742D}"/>
+                  <a16:creationId xmlns:a16="http://schemas.microsoft.com/office/drawing/2014/main" id="{38B4B7AC-D94A-0CE8-8760-3C367A475B74}"/>
                 </a:ext>
               </a:extLst>
             </p:cNvPr>
-            <p:cNvGrpSpPr/>
+            <p:cNvPicPr>
+              <a:picLocks noChangeAspect="1"/>
+            </p:cNvPicPr>
             <p:nvPr/>
-          </p:nvGrpSpPr>
-          <p:grpSpPr>
-            <a:xfrm>
-              <a:off x="10059721" y="1785339"/>
-              <a:ext cx="402556" cy="397707"/>
-              <a:chOff x="3684571" y="1736084"/>
-              <a:chExt cx="402556" cy="397707"/>
-            </a:xfrm>
-          </p:grpSpPr>
-          <p:sp>
-            <p:nvSpPr>
-              <p:cNvPr id="39" name="Rounded Rectangle 38">
-                <a:extLst>
-                  <a:ext uri="{FF2B5EF4-FFF2-40B4-BE49-F238E27FC236}">
-                    <a16:creationId xmlns:a16="http://schemas.microsoft.com/office/drawing/2014/main" id="{35938F13-5BE8-956B-2B6E-62E0DE3DC2B0}"/>
-                  </a:ext>
-                </a:extLst>
-              </p:cNvPr>
-              <p:cNvSpPr/>
-              <p:nvPr/>
-            </p:nvSpPr>
-            <p:spPr>
-              <a:xfrm>
-                <a:off x="3684571" y="1736084"/>
-                <a:ext cx="402556" cy="397707"/>
-              </a:xfrm>
-              <a:prstGeom prst="roundRect">
-                <a:avLst>
-                  <a:gd name="adj" fmla="val 7525"/>
-                </a:avLst>
-              </a:prstGeom>
-              <a:solidFill>
-                <a:schemeClr val="accent2"/>
-              </a:solidFill>
-              <a:ln w="9525">
-                <a:noFill/>
-              </a:ln>
-              <a:effectLst>
-                <a:outerShdw blurRad="50800" dist="38100" dir="2700000" algn="tl" rotWithShape="0">
-                  <a:prstClr val="black">
-                    <a:alpha val="40000"/>
-                  </a:prstClr>
-                </a:outerShdw>
-              </a:effectLst>
-            </p:spPr>
-            <p:style>
-              <a:lnRef idx="2">
-                <a:schemeClr val="dk1">
-                  <a:shade val="50000"/>
-                </a:schemeClr>
-              </a:lnRef>
-              <a:fillRef idx="1">
-                <a:schemeClr val="dk1"/>
-              </a:fillRef>
-              <a:effectRef idx="0">
-                <a:schemeClr val="dk1"/>
-              </a:effectRef>
-              <a:fontRef idx="minor">
-                <a:schemeClr val="lt1"/>
-              </a:fontRef>
-            </p:style>
-            <p:txBody>
-              <a:bodyPr rtlCol="0" anchor="ctr"/>
-              <a:lstStyle/>
-              <a:p>
-                <a:pPr algn="ctr"/>
-                <a:endParaRPr lang="en-US" sz="1000" dirty="0">
-                  <a:solidFill>
-                    <a:srgbClr val="FFFFFF"/>
-                  </a:solidFill>
-                  <a:latin typeface="Source Sans Pro" panose="020B0503030403020204" pitchFamily="34" charset="0"/>
-                  <a:ea typeface="Source Sans Pro" panose="020B0503030403020204" pitchFamily="34" charset="0"/>
-                  <a:cs typeface="Arial" panose="020B0604020202020204" pitchFamily="34" charset="0"/>
-                </a:endParaRPr>
-              </a:p>
-            </p:txBody>
-          </p:sp>
-          <p:pic>
-            <p:nvPicPr>
-              <p:cNvPr id="40" name="Picture 39">
-                <a:extLst>
-                  <a:ext uri="{FF2B5EF4-FFF2-40B4-BE49-F238E27FC236}">
-                    <a16:creationId xmlns:a16="http://schemas.microsoft.com/office/drawing/2014/main" id="{6A3EE33D-0EFF-DD21-AF22-05E2BD3E8EEC}"/>
-                  </a:ext>
-                </a:extLst>
-              </p:cNvPr>
-              <p:cNvPicPr>
-                <a:picLocks noChangeAspect="1"/>
-              </p:cNvPicPr>
-              <p:nvPr/>
-            </p:nvPicPr>
-            <p:blipFill>
-              <a:blip r:embed="rId9"/>
-              <a:stretch>
-                <a:fillRect/>
-              </a:stretch>
-            </p:blipFill>
-            <p:spPr>
-              <a:xfrm>
-                <a:off x="3727874" y="1796516"/>
-                <a:ext cx="332460" cy="276842"/>
-              </a:xfrm>
-              <a:prstGeom prst="rect">
-                <a:avLst/>
-              </a:prstGeom>
-            </p:spPr>
-          </p:pic>
-        </p:grpSp>
-        <p:grpSp>
-          <p:nvGrpSpPr>
-            <p:cNvPr id="35" name="Group 34">
+          </p:nvPicPr>
+          <p:blipFill>
+            <a:blip r:embed="rId10">
               <a:extLst>
-                <a:ext uri="{FF2B5EF4-FFF2-40B4-BE49-F238E27FC236}">
-                  <a16:creationId xmlns:a16="http://schemas.microsoft.com/office/drawing/2014/main" id="{D21453AB-403C-B0F1-4968-C5F9FB55EA86}"/>
+                <a:ext uri="{28A0092B-C50C-407E-A947-70E740481C1C}">
+                  <a14:useLocalDpi xmlns:a14="http://schemas.microsoft.com/office/drawing/2010/main" val="0"/>
                 </a:ext>
               </a:extLst>
-            </p:cNvPr>
-            <p:cNvGrpSpPr/>
-            <p:nvPr/>
-          </p:nvGrpSpPr>
-          <p:grpSpPr>
+            </a:blip>
+            <a:stretch>
+              <a:fillRect/>
+            </a:stretch>
+          </p:blipFill>
+          <p:spPr>
             <a:xfrm>
-              <a:off x="8277462" y="1785339"/>
-              <a:ext cx="402556" cy="397707"/>
-              <a:chOff x="8209128" y="1796911"/>
-              <a:chExt cx="402556" cy="397707"/>
+              <a:off x="8256240" y="1840725"/>
+              <a:ext cx="293677" cy="296036"/>
             </a:xfrm>
-          </p:grpSpPr>
-          <p:sp>
-            <p:nvSpPr>
-              <p:cNvPr id="34" name="Rounded Rectangle 33">
-                <a:extLst>
-                  <a:ext uri="{FF2B5EF4-FFF2-40B4-BE49-F238E27FC236}">
-                    <a16:creationId xmlns:a16="http://schemas.microsoft.com/office/drawing/2014/main" id="{86A361AB-0AF4-11C4-9DE9-913AE924566F}"/>
-                  </a:ext>
-                </a:extLst>
-              </p:cNvPr>
-              <p:cNvSpPr/>
-              <p:nvPr/>
-            </p:nvSpPr>
-            <p:spPr>
-              <a:xfrm>
-                <a:off x="8209128" y="1796911"/>
-                <a:ext cx="402556" cy="397707"/>
-              </a:xfrm>
-              <a:prstGeom prst="roundRect">
-                <a:avLst>
-                  <a:gd name="adj" fmla="val 7525"/>
-                </a:avLst>
-              </a:prstGeom>
-              <a:solidFill>
-                <a:schemeClr val="bg1"/>
-              </a:solidFill>
-              <a:ln>
-                <a:noFill/>
-              </a:ln>
-              <a:effectLst>
-                <a:outerShdw blurRad="50800" dist="38100" dir="2700000" algn="tl" rotWithShape="0">
-                  <a:prstClr val="black">
-                    <a:alpha val="40000"/>
-                  </a:prstClr>
-                </a:outerShdw>
-              </a:effectLst>
-            </p:spPr>
-            <p:style>
-              <a:lnRef idx="2">
-                <a:schemeClr val="dk1">
-                  <a:shade val="50000"/>
-                </a:schemeClr>
-              </a:lnRef>
-              <a:fillRef idx="1">
-                <a:schemeClr val="dk1"/>
-              </a:fillRef>
-              <a:effectRef idx="0">
-                <a:schemeClr val="dk1"/>
-              </a:effectRef>
-              <a:fontRef idx="minor">
-                <a:schemeClr val="lt1"/>
-              </a:fontRef>
-            </p:style>
-            <p:txBody>
-              <a:bodyPr rtlCol="0" anchor="ctr"/>
-              <a:lstStyle/>
-              <a:p>
-                <a:pPr algn="ctr">
-                  <a:defRPr/>
-                </a:pPr>
-                <a:endParaRPr lang="en-US" sz="1000" dirty="0">
-                  <a:solidFill>
-                    <a:srgbClr val="FFFFFF"/>
-                  </a:solidFill>
-                  <a:latin typeface="Source Sans Pro Light" charset="0"/>
-                  <a:ea typeface="Source Sans Pro Light" charset="0"/>
-                  <a:cs typeface="Source Sans Pro Light" charset="0"/>
-                </a:endParaRPr>
-              </a:p>
-            </p:txBody>
-          </p:sp>
-          <p:pic>
-            <p:nvPicPr>
-              <p:cNvPr id="94" name="Picture 93">
-                <a:extLst>
-                  <a:ext uri="{FF2B5EF4-FFF2-40B4-BE49-F238E27FC236}">
-                    <a16:creationId xmlns:a16="http://schemas.microsoft.com/office/drawing/2014/main" id="{38B4B7AC-D94A-0CE8-8760-3C367A475B74}"/>
-                  </a:ext>
-                </a:extLst>
-              </p:cNvPr>
-              <p:cNvPicPr>
-                <a:picLocks noChangeAspect="1"/>
-              </p:cNvPicPr>
-              <p:nvPr/>
-            </p:nvPicPr>
-            <p:blipFill>
-              <a:blip r:embed="rId10">
-                <a:extLst>
-                  <a:ext uri="{28A0092B-C50C-407E-A947-70E740481C1C}">
-                    <a14:useLocalDpi xmlns:a14="http://schemas.microsoft.com/office/drawing/2010/main" val="0"/>
-                  </a:ext>
-                </a:extLst>
-              </a:blip>
-              <a:stretch>
-                <a:fillRect/>
-              </a:stretch>
-            </p:blipFill>
-            <p:spPr>
-              <a:xfrm>
-                <a:off x="8256240" y="1840725"/>
-                <a:ext cx="293677" cy="296036"/>
-              </a:xfrm>
-              <a:prstGeom prst="rect">
-                <a:avLst/>
-              </a:prstGeom>
-            </p:spPr>
-          </p:pic>
-        </p:grpSp>
+            <a:prstGeom prst="rect">
+              <a:avLst/>
+            </a:prstGeom>
+          </p:spPr>
+        </p:pic>
       </p:grpSp>
-      <p:cxnSp>
-        <p:nvCxnSpPr>
-          <p:cNvPr id="103" name="Elbow Connector 102">
-            <a:extLst>
-              <a:ext uri="{FF2B5EF4-FFF2-40B4-BE49-F238E27FC236}">
-                <a16:creationId xmlns:a16="http://schemas.microsoft.com/office/drawing/2014/main" id="{2ED75F96-42C2-370D-3599-26D7FC179D86}"/>
-              </a:ext>
-            </a:extLst>
-          </p:cNvPr>
-          <p:cNvCxnSpPr>
-            <a:cxnSpLocks/>
-            <a:stCxn id="27" idx="1"/>
-            <a:endCxn id="127" idx="3"/>
-          </p:cNvCxnSpPr>
-          <p:nvPr/>
-        </p:nvCxnSpPr>
-        <p:spPr>
-          <a:xfrm rot="10800000" flipV="1">
-            <a:off x="4707327" y="1705461"/>
-            <a:ext cx="3430685" cy="1173486"/>
-          </a:xfrm>
-          <a:prstGeom prst="bentConnector3">
-            <a:avLst>
-              <a:gd name="adj1" fmla="val 83742"/>
-            </a:avLst>
-          </a:prstGeom>
-          <a:ln w="25400">
-            <a:solidFill>
-              <a:schemeClr val="bg2">
-                <a:lumMod val="75000"/>
-              </a:schemeClr>
-            </a:solidFill>
-            <a:tailEnd type="triangle"/>
-          </a:ln>
-        </p:spPr>
-        <p:style>
-          <a:lnRef idx="1">
-            <a:schemeClr val="accent1"/>
-          </a:lnRef>
-          <a:fillRef idx="0">
-            <a:schemeClr val="accent1"/>
-          </a:fillRef>
-          <a:effectRef idx="0">
-            <a:schemeClr val="accent1"/>
-          </a:effectRef>
-          <a:fontRef idx="minor">
-            <a:schemeClr val="tx1"/>
-          </a:fontRef>
-        </p:style>
-      </p:cxnSp>
-      <p:cxnSp>
-        <p:nvCxnSpPr>
-          <p:cNvPr id="109" name="Elbow Connector 108">
-            <a:extLst>
-              <a:ext uri="{FF2B5EF4-FFF2-40B4-BE49-F238E27FC236}">
-                <a16:creationId xmlns:a16="http://schemas.microsoft.com/office/drawing/2014/main" id="{2A0BB27E-32AC-23E3-4C67-80DEE3D372FC}"/>
-              </a:ext>
-            </a:extLst>
-          </p:cNvPr>
-          <p:cNvCxnSpPr>
-            <a:cxnSpLocks/>
-            <a:stCxn id="42" idx="1"/>
-            <a:endCxn id="121" idx="3"/>
-          </p:cNvCxnSpPr>
-          <p:nvPr/>
-        </p:nvCxnSpPr>
-        <p:spPr>
-          <a:xfrm rot="10800000" flipV="1">
-            <a:off x="4723656" y="2957166"/>
-            <a:ext cx="3407470" cy="347965"/>
-          </a:xfrm>
-          <a:prstGeom prst="bentConnector3">
-            <a:avLst>
-              <a:gd name="adj1" fmla="val 84258"/>
-            </a:avLst>
-          </a:prstGeom>
-          <a:ln w="25400">
-            <a:solidFill>
-              <a:schemeClr val="bg2">
-                <a:lumMod val="75000"/>
-              </a:schemeClr>
-            </a:solidFill>
-            <a:tailEnd type="triangle"/>
-          </a:ln>
-        </p:spPr>
-        <p:style>
-          <a:lnRef idx="1">
-            <a:schemeClr val="accent1"/>
-          </a:lnRef>
-          <a:fillRef idx="0">
-            <a:schemeClr val="accent1"/>
-          </a:fillRef>
-          <a:effectRef idx="0">
-            <a:schemeClr val="accent1"/>
-          </a:effectRef>
-          <a:fontRef idx="minor">
-            <a:schemeClr val="tx1"/>
-          </a:fontRef>
-        </p:style>
-      </p:cxnSp>
       <p:cxnSp>
         <p:nvCxnSpPr>
           <p:cNvPr id="114" name="Elbow Connector 113">
@@ -36263,111 +35189,12 @@
         </p:nvCxnSpPr>
         <p:spPr>
           <a:xfrm rot="10800000">
-            <a:off x="4723657" y="3729833"/>
-            <a:ext cx="3696395" cy="175531"/>
+            <a:off x="4716275" y="3013428"/>
+            <a:ext cx="3793506" cy="1767248"/>
           </a:xfrm>
           <a:prstGeom prst="bentConnector3">
             <a:avLst>
-              <a:gd name="adj1" fmla="val 85264"/>
-            </a:avLst>
-          </a:prstGeom>
-          <a:ln w="25400">
-            <a:solidFill>
-              <a:schemeClr val="bg2">
-                <a:lumMod val="75000"/>
-              </a:schemeClr>
-            </a:solidFill>
-            <a:tailEnd type="triangle"/>
-          </a:ln>
-        </p:spPr>
-        <p:style>
-          <a:lnRef idx="1">
-            <a:schemeClr val="accent1"/>
-          </a:lnRef>
-          <a:fillRef idx="0">
-            <a:schemeClr val="accent1"/>
-          </a:fillRef>
-          <a:effectRef idx="0">
-            <a:schemeClr val="accent1"/>
-          </a:effectRef>
-          <a:fontRef idx="minor">
-            <a:schemeClr val="tx1"/>
-          </a:fontRef>
-        </p:style>
-      </p:cxnSp>
-      <p:cxnSp>
-        <p:nvCxnSpPr>
-          <p:cNvPr id="120" name="Elbow Connector 119">
-            <a:extLst>
-              <a:ext uri="{FF2B5EF4-FFF2-40B4-BE49-F238E27FC236}">
-                <a16:creationId xmlns:a16="http://schemas.microsoft.com/office/drawing/2014/main" id="{AFF7CD7D-37EA-527B-1E94-C59B3DDE17DA}"/>
-              </a:ext>
-            </a:extLst>
-          </p:cNvPr>
-          <p:cNvCxnSpPr>
-            <a:cxnSpLocks/>
-            <a:endCxn id="85" idx="3"/>
-          </p:cNvCxnSpPr>
-          <p:nvPr/>
-        </p:nvCxnSpPr>
-        <p:spPr>
-          <a:xfrm rot="10800000">
-            <a:off x="4723656" y="3729832"/>
-            <a:ext cx="3696394" cy="894616"/>
-          </a:xfrm>
-          <a:prstGeom prst="bentConnector3">
-            <a:avLst>
-              <a:gd name="adj1" fmla="val 85264"/>
-            </a:avLst>
-          </a:prstGeom>
-          <a:ln w="25400">
-            <a:solidFill>
-              <a:schemeClr val="bg2">
-                <a:lumMod val="75000"/>
-              </a:schemeClr>
-            </a:solidFill>
-            <a:tailEnd type="triangle"/>
-          </a:ln>
-        </p:spPr>
-        <p:style>
-          <a:lnRef idx="1">
-            <a:schemeClr val="accent1"/>
-          </a:lnRef>
-          <a:fillRef idx="0">
-            <a:schemeClr val="accent1"/>
-          </a:fillRef>
-          <a:effectRef idx="0">
-            <a:schemeClr val="accent1"/>
-          </a:effectRef>
-          <a:fontRef idx="minor">
-            <a:schemeClr val="tx1"/>
-          </a:fontRef>
-        </p:style>
-      </p:cxnSp>
-      <p:cxnSp>
-        <p:nvCxnSpPr>
-          <p:cNvPr id="132" name="Elbow Connector 131">
-            <a:extLst>
-              <a:ext uri="{FF2B5EF4-FFF2-40B4-BE49-F238E27FC236}">
-                <a16:creationId xmlns:a16="http://schemas.microsoft.com/office/drawing/2014/main" id="{919D78A0-A582-630C-05F1-A6B20FB007DB}"/>
-              </a:ext>
-            </a:extLst>
-          </p:cNvPr>
-          <p:cNvCxnSpPr>
-            <a:cxnSpLocks/>
-            <a:stCxn id="25" idx="1"/>
-            <a:endCxn id="85" idx="3"/>
-          </p:cNvCxnSpPr>
-          <p:nvPr/>
-        </p:nvCxnSpPr>
-        <p:spPr>
-          <a:xfrm rot="10800000">
-            <a:off x="4723657" y="3729833"/>
-            <a:ext cx="3696395" cy="1704817"/>
-          </a:xfrm>
-          <a:prstGeom prst="bentConnector3">
-            <a:avLst>
-              <a:gd name="adj1" fmla="val 85264"/>
+              <a:gd name="adj1" fmla="val 83511"/>
             </a:avLst>
           </a:prstGeom>
           <a:ln w="25400">
@@ -36408,7 +35235,7 @@
         </p:nvGrpSpPr>
         <p:grpSpPr>
           <a:xfrm>
-            <a:off x="10745549" y="2698954"/>
+            <a:off x="10851114" y="3556705"/>
             <a:ext cx="983554" cy="457337"/>
             <a:chOff x="10380024" y="3627343"/>
             <a:chExt cx="983554" cy="457337"/>
@@ -36506,10 +35333,10 @@
       </p:grpSp>
       <p:grpSp>
         <p:nvGrpSpPr>
-          <p:cNvPr id="52" name="Group 51">
+          <p:cNvPr id="141" name="Group 140">
             <a:extLst>
               <a:ext uri="{FF2B5EF4-FFF2-40B4-BE49-F238E27FC236}">
-                <a16:creationId xmlns:a16="http://schemas.microsoft.com/office/drawing/2014/main" id="{DCEEE24F-9CBD-DF6B-64A5-18B7671B1DB5}"/>
+                <a16:creationId xmlns:a16="http://schemas.microsoft.com/office/drawing/2014/main" id="{40AC81FD-3F2D-99D3-BB0C-BEC11C6D3531}"/>
               </a:ext>
             </a:extLst>
           </p:cNvPr>
@@ -36518,158 +35345,198 @@
         </p:nvGrpSpPr>
         <p:grpSpPr>
           <a:xfrm>
-            <a:off x="224681" y="1671312"/>
-            <a:ext cx="1963733" cy="4002682"/>
-            <a:chOff x="463307" y="938487"/>
-            <a:chExt cx="1963733" cy="4002682"/>
+            <a:off x="10737108" y="2474637"/>
+            <a:ext cx="1396038" cy="585416"/>
+            <a:chOff x="10578961" y="4819952"/>
+            <a:chExt cx="1396038" cy="585416"/>
           </a:xfrm>
         </p:grpSpPr>
-        <p:grpSp>
-          <p:nvGrpSpPr>
-            <p:cNvPr id="53" name="Group 52">
+        <p:pic>
+          <p:nvPicPr>
+            <p:cNvPr id="63" name="Picture 62">
               <a:extLst>
                 <a:ext uri="{FF2B5EF4-FFF2-40B4-BE49-F238E27FC236}">
-                  <a16:creationId xmlns:a16="http://schemas.microsoft.com/office/drawing/2014/main" id="{966846A1-BAB3-666B-33F2-6384C69AF326}"/>
+                  <a16:creationId xmlns:a16="http://schemas.microsoft.com/office/drawing/2014/main" id="{7586B9B9-199C-2C06-8151-F727B7FD1027}"/>
                 </a:ext>
               </a:extLst>
             </p:cNvPr>
-            <p:cNvGrpSpPr/>
+            <p:cNvPicPr>
+              <a:picLocks noChangeAspect="1"/>
+            </p:cNvPicPr>
             <p:nvPr/>
-          </p:nvGrpSpPr>
-          <p:grpSpPr>
+          </p:nvPicPr>
+          <p:blipFill>
+            <a:blip r:embed="rId6">
+              <a:grayscl/>
+              <a:alphaModFix amt="20000"/>
+              <a:extLst>
+                <a:ext uri="{28A0092B-C50C-407E-A947-70E740481C1C}">
+                  <a14:useLocalDpi xmlns:a14="http://schemas.microsoft.com/office/drawing/2010/main" val="0"/>
+                </a:ext>
+              </a:extLst>
+            </a:blip>
+            <a:stretch>
+              <a:fillRect/>
+            </a:stretch>
+          </p:blipFill>
+          <p:spPr>
             <a:xfrm>
-              <a:off x="463307" y="938487"/>
-              <a:ext cx="1963733" cy="4002682"/>
-              <a:chOff x="132846" y="1228233"/>
-              <a:chExt cx="1963733" cy="4002682"/>
+              <a:off x="10707593" y="4819952"/>
+              <a:ext cx="585416" cy="585416"/>
             </a:xfrm>
-          </p:grpSpPr>
-          <p:sp>
-            <p:nvSpPr>
-              <p:cNvPr id="78" name="Rounded Rectangle 174">
-                <a:extLst>
-                  <a:ext uri="{FF2B5EF4-FFF2-40B4-BE49-F238E27FC236}">
-                    <a16:creationId xmlns:a16="http://schemas.microsoft.com/office/drawing/2014/main" id="{CBBDF3ED-4F53-8860-451D-D5930FD7D506}"/>
-                  </a:ext>
-                </a:extLst>
-              </p:cNvPr>
-              <p:cNvSpPr/>
-              <p:nvPr/>
-            </p:nvSpPr>
-            <p:spPr>
-              <a:xfrm>
-                <a:off x="132846" y="1377419"/>
-                <a:ext cx="1963733" cy="3853496"/>
-              </a:xfrm>
-              <a:prstGeom prst="roundRect">
-                <a:avLst>
-                  <a:gd name="adj" fmla="val 8585"/>
-                </a:avLst>
-              </a:prstGeom>
-              <a:solidFill>
-                <a:schemeClr val="bg1"/>
-              </a:solidFill>
-              <a:ln w="12700">
-                <a:solidFill>
-                  <a:schemeClr val="bg2"/>
-                </a:solidFill>
-              </a:ln>
-            </p:spPr>
-            <p:style>
-              <a:lnRef idx="2">
-                <a:schemeClr val="dk1"/>
-              </a:lnRef>
-              <a:fillRef idx="1">
-                <a:schemeClr val="lt1"/>
-              </a:fillRef>
-              <a:effectRef idx="0">
-                <a:schemeClr val="dk1"/>
-              </a:effectRef>
-              <a:fontRef idx="minor">
-                <a:schemeClr val="dk1"/>
-              </a:fontRef>
-            </p:style>
-            <p:txBody>
-              <a:bodyPr rtlCol="0" anchor="ctr"/>
-              <a:lstStyle/>
-              <a:p>
-                <a:pPr algn="ctr"/>
-                <a:endParaRPr lang="en-US" sz="1600" dirty="0">
-                  <a:ln w="0">
-                    <a:solidFill>
-                      <a:sysClr val="windowText" lastClr="000000"/>
-                    </a:solidFill>
-                  </a:ln>
-                  <a:solidFill>
-                    <a:schemeClr val="tx1"/>
-                  </a:solidFill>
-                  <a:effectLst>
-                    <a:outerShdw blurRad="38100" dist="19050" dir="2700000" algn="tl" rotWithShape="0">
-                      <a:schemeClr val="dk1">
-                        <a:alpha val="40000"/>
-                      </a:schemeClr>
-                    </a:outerShdw>
-                  </a:effectLst>
-                </a:endParaRPr>
-              </a:p>
-            </p:txBody>
-          </p:sp>
-          <p:sp>
-            <p:nvSpPr>
-              <p:cNvPr id="79" name="TextBox 78">
-                <a:extLst>
-                  <a:ext uri="{FF2B5EF4-FFF2-40B4-BE49-F238E27FC236}">
-                    <a16:creationId xmlns:a16="http://schemas.microsoft.com/office/drawing/2014/main" id="{E0365935-774F-F710-F884-45D0A12203C1}"/>
-                  </a:ext>
-                </a:extLst>
-              </p:cNvPr>
-              <p:cNvSpPr txBox="1"/>
-              <p:nvPr/>
-            </p:nvSpPr>
-            <p:spPr>
-              <a:xfrm>
-                <a:off x="738212" y="1228233"/>
-                <a:ext cx="848012" cy="303536"/>
-              </a:xfrm>
-              <a:prstGeom prst="rect">
-                <a:avLst/>
-              </a:prstGeom>
-              <a:solidFill>
-                <a:schemeClr val="bg1"/>
-              </a:solidFill>
-            </p:spPr>
-            <p:txBody>
-              <a:bodyPr wrap="square" tIns="36000" bIns="36000" rtlCol="0">
-                <a:spAutoFit/>
-              </a:bodyPr>
-              <a:lstStyle/>
-              <a:p>
-                <a:pPr defTabSz="685783">
-                  <a:buClrTx/>
-                </a:pPr>
-                <a:r>
-                  <a:rPr lang="en-US" sz="1500" dirty="0">
-                    <a:solidFill>
-                      <a:schemeClr val="tx1">
-                        <a:lumMod val="75000"/>
-                      </a:schemeClr>
-                    </a:solidFill>
-                    <a:latin typeface="Source Sans Pro" panose="020B0503030403020204" pitchFamily="34" charset="0"/>
-                    <a:ea typeface="Source Sans Pro" panose="020B0503030403020204" pitchFamily="34" charset="0"/>
-                    <a:cs typeface="Source Sans Pro Light" charset="0"/>
-                  </a:rPr>
-                  <a:t>Legend</a:t>
-                </a:r>
-              </a:p>
-            </p:txBody>
-          </p:sp>
-        </p:grpSp>
+            <a:prstGeom prst="rect">
+              <a:avLst/>
+            </a:prstGeom>
+          </p:spPr>
+        </p:pic>
         <p:sp>
           <p:nvSpPr>
-            <p:cNvPr id="54" name="Rounded Rectangle 53">
+            <p:cNvPr id="72" name="TextBox 71">
               <a:extLst>
                 <a:ext uri="{FF2B5EF4-FFF2-40B4-BE49-F238E27FC236}">
-                  <a16:creationId xmlns:a16="http://schemas.microsoft.com/office/drawing/2014/main" id="{9137AD90-29BE-1DA3-FF41-C6D75D33ADC4}"/>
+                  <a16:creationId xmlns:a16="http://schemas.microsoft.com/office/drawing/2014/main" id="{F5690783-B49E-64FC-8BD8-36771B4BA202}"/>
+                </a:ext>
+              </a:extLst>
+            </p:cNvPr>
+            <p:cNvSpPr txBox="1"/>
+            <p:nvPr/>
+          </p:nvSpPr>
+          <p:spPr>
+            <a:xfrm>
+              <a:off x="10586798" y="4854200"/>
+              <a:ext cx="1388201" cy="169277"/>
+            </a:xfrm>
+            <a:prstGeom prst="rect">
+              <a:avLst/>
+            </a:prstGeom>
+            <a:noFill/>
+          </p:spPr>
+          <p:txBody>
+            <a:bodyPr vert="horz" wrap="none" lIns="0" tIns="0" rIns="0" bIns="0" numCol="1" spcCol="288000" rtlCol="0" anchor="t" anchorCtr="0">
+              <a:spAutoFit/>
+            </a:bodyPr>
+            <a:lstStyle/>
+            <a:p>
+              <a:pPr algn="ctr">
+                <a:spcBef>
+                  <a:spcPts val="0"/>
+                </a:spcBef>
+                <a:spcAft>
+                  <a:spcPts val="600"/>
+                </a:spcAft>
+              </a:pPr>
+              <a:r>
+                <a:rPr lang="en-US" sz="1100" dirty="0" err="1">
+                  <a:latin typeface="Source Sans Pro" panose="020B0503030403020204" pitchFamily="34" charset="0"/>
+                  <a:ea typeface="Source Sans Pro" panose="020B0503030403020204" pitchFamily="34" charset="0"/>
+                  <a:cs typeface="Source Sans Pro Light" charset="0"/>
+                </a:rPr>
+                <a:t>r</a:t>
+              </a:r>
+              <a:r>
+                <a:rPr lang="en-US" sz="1100" spc="0" dirty="0" err="1">
+                  <a:ln>
+                    <a:noFill/>
+                  </a:ln>
+                  <a:latin typeface="Source Sans Pro" panose="020B0503030403020204" pitchFamily="34" charset="0"/>
+                  <a:ea typeface="Source Sans Pro" panose="020B0503030403020204" pitchFamily="34" charset="0"/>
+                  <a:cs typeface="Source Sans Pro Light" charset="0"/>
+                </a:rPr>
+                <a:t>epository.microej.com</a:t>
+              </a:r>
+              <a:endParaRPr lang="en-US" sz="1100" spc="0" dirty="0">
+                <a:ln>
+                  <a:noFill/>
+                </a:ln>
+                <a:latin typeface="Source Sans Pro" panose="020B0503030403020204" pitchFamily="34" charset="0"/>
+                <a:ea typeface="Source Sans Pro" panose="020B0503030403020204" pitchFamily="34" charset="0"/>
+                <a:cs typeface="Source Sans Pro Light" charset="0"/>
+              </a:endParaRPr>
+            </a:p>
+          </p:txBody>
+        </p:sp>
+        <p:sp>
+          <p:nvSpPr>
+            <p:cNvPr id="2" name="TextBox 1">
+              <a:extLst>
+                <a:ext uri="{FF2B5EF4-FFF2-40B4-BE49-F238E27FC236}">
+                  <a16:creationId xmlns:a16="http://schemas.microsoft.com/office/drawing/2014/main" id="{F65EDAEF-F0E9-FD7F-2392-CCC1C62A95AE}"/>
+                </a:ext>
+              </a:extLst>
+            </p:cNvPr>
+            <p:cNvSpPr txBox="1"/>
+            <p:nvPr/>
+          </p:nvSpPr>
+          <p:spPr>
+            <a:xfrm>
+              <a:off x="10578961" y="5145423"/>
+              <a:ext cx="1086836" cy="169277"/>
+            </a:xfrm>
+            <a:prstGeom prst="rect">
+              <a:avLst/>
+            </a:prstGeom>
+            <a:noFill/>
+          </p:spPr>
+          <p:txBody>
+            <a:bodyPr vert="horz" wrap="none" lIns="0" tIns="0" rIns="0" bIns="0" numCol="1" spcCol="288000" rtlCol="0" anchor="t" anchorCtr="0">
+              <a:spAutoFit/>
+            </a:bodyPr>
+            <a:lstStyle/>
+            <a:p>
+              <a:pPr algn="ctr">
+                <a:spcBef>
+                  <a:spcPts val="0"/>
+                </a:spcBef>
+                <a:spcAft>
+                  <a:spcPts val="600"/>
+                </a:spcAft>
+              </a:pPr>
+              <a:r>
+                <a:rPr lang="en-US" sz="1100" dirty="0" err="1">
+                  <a:latin typeface="Source Sans Pro" panose="020B0503030403020204" pitchFamily="34" charset="0"/>
+                  <a:ea typeface="Source Sans Pro" panose="020B0503030403020204" pitchFamily="34" charset="0"/>
+                  <a:cs typeface="Source Sans Pro Light" charset="0"/>
+                </a:rPr>
+                <a:t>forge.microej.com</a:t>
+              </a:r>
+              <a:endParaRPr lang="en-US" sz="1100" spc="0" dirty="0">
+                <a:ln>
+                  <a:noFill/>
+                </a:ln>
+                <a:latin typeface="Source Sans Pro" panose="020B0503030403020204" pitchFamily="34" charset="0"/>
+                <a:ea typeface="Source Sans Pro" panose="020B0503030403020204" pitchFamily="34" charset="0"/>
+                <a:cs typeface="Source Sans Pro Light" charset="0"/>
+              </a:endParaRPr>
+            </a:p>
+          </p:txBody>
+        </p:sp>
+      </p:grpSp>
+      <p:grpSp>
+        <p:nvGrpSpPr>
+          <p:cNvPr id="4" name="Group 3">
+            <a:extLst>
+              <a:ext uri="{FF2B5EF4-FFF2-40B4-BE49-F238E27FC236}">
+                <a16:creationId xmlns:a16="http://schemas.microsoft.com/office/drawing/2014/main" id="{F91B6BA5-4751-2439-E6DA-1DB043BF04BC}"/>
+              </a:ext>
+            </a:extLst>
+          </p:cNvPr>
+          <p:cNvGrpSpPr/>
+          <p:nvPr/>
+        </p:nvGrpSpPr>
+        <p:grpSpPr>
+          <a:xfrm>
+            <a:off x="368497" y="2048961"/>
+            <a:ext cx="1963733" cy="2203454"/>
+            <a:chOff x="132846" y="1228233"/>
+            <a:chExt cx="1963733" cy="4002682"/>
+          </a:xfrm>
+        </p:grpSpPr>
+        <p:sp>
+          <p:nvSpPr>
+            <p:cNvPr id="26" name="Rounded Rectangle 174">
+              <a:extLst>
+                <a:ext uri="{FF2B5EF4-FFF2-40B4-BE49-F238E27FC236}">
+                  <a16:creationId xmlns:a16="http://schemas.microsoft.com/office/drawing/2014/main" id="{969EF9E8-9AA2-4D05-D0D6-F1A35C52CA45}"/>
                 </a:ext>
               </a:extLst>
             </p:cNvPr>
@@ -36678,16 +35545,307 @@
           </p:nvSpPr>
           <p:spPr>
             <a:xfrm>
-              <a:off x="635174" y="1399398"/>
-              <a:ext cx="1620000" cy="385200"/>
+              <a:off x="132846" y="1377419"/>
+              <a:ext cx="1963733" cy="3853496"/>
             </a:xfrm>
             <a:prstGeom prst="roundRect">
               <a:avLst>
-                <a:gd name="adj" fmla="val 6304"/>
+                <a:gd name="adj" fmla="val 8585"/>
               </a:avLst>
             </a:prstGeom>
             <a:solidFill>
-              <a:schemeClr val="accent1"/>
+              <a:schemeClr val="bg1"/>
+            </a:solidFill>
+            <a:ln w="12700">
+              <a:solidFill>
+                <a:schemeClr val="bg2"/>
+              </a:solidFill>
+            </a:ln>
+          </p:spPr>
+          <p:style>
+            <a:lnRef idx="2">
+              <a:schemeClr val="dk1"/>
+            </a:lnRef>
+            <a:fillRef idx="1">
+              <a:schemeClr val="lt1"/>
+            </a:fillRef>
+            <a:effectRef idx="0">
+              <a:schemeClr val="dk1"/>
+            </a:effectRef>
+            <a:fontRef idx="minor">
+              <a:schemeClr val="dk1"/>
+            </a:fontRef>
+          </p:style>
+          <p:txBody>
+            <a:bodyPr rtlCol="0" anchor="ctr"/>
+            <a:lstStyle/>
+            <a:p>
+              <a:pPr algn="ctr"/>
+              <a:endParaRPr lang="en-US" sz="1600" dirty="0">
+                <a:ln w="0">
+                  <a:solidFill>
+                    <a:sysClr val="windowText" lastClr="000000"/>
+                  </a:solidFill>
+                </a:ln>
+                <a:solidFill>
+                  <a:schemeClr val="tx1"/>
+                </a:solidFill>
+                <a:effectLst>
+                  <a:outerShdw blurRad="38100" dist="19050" dir="2700000" algn="tl" rotWithShape="0">
+                    <a:schemeClr val="dk1">
+                      <a:alpha val="40000"/>
+                    </a:schemeClr>
+                  </a:outerShdw>
+                </a:effectLst>
+              </a:endParaRPr>
+            </a:p>
+          </p:txBody>
+        </p:sp>
+        <p:sp>
+          <p:nvSpPr>
+            <p:cNvPr id="28" name="TextBox 27">
+              <a:extLst>
+                <a:ext uri="{FF2B5EF4-FFF2-40B4-BE49-F238E27FC236}">
+                  <a16:creationId xmlns:a16="http://schemas.microsoft.com/office/drawing/2014/main" id="{E8BA9231-8F80-03D2-0E15-A9428F29292E}"/>
+                </a:ext>
+              </a:extLst>
+            </p:cNvPr>
+            <p:cNvSpPr txBox="1"/>
+            <p:nvPr/>
+          </p:nvSpPr>
+          <p:spPr>
+            <a:xfrm>
+              <a:off x="738212" y="1228233"/>
+              <a:ext cx="848012" cy="303536"/>
+            </a:xfrm>
+            <a:prstGeom prst="rect">
+              <a:avLst/>
+            </a:prstGeom>
+            <a:solidFill>
+              <a:schemeClr val="bg1"/>
+            </a:solidFill>
+          </p:spPr>
+          <p:txBody>
+            <a:bodyPr wrap="square" tIns="36000" bIns="36000" rtlCol="0">
+              <a:spAutoFit/>
+            </a:bodyPr>
+            <a:lstStyle/>
+            <a:p>
+              <a:pPr defTabSz="685783">
+                <a:buClrTx/>
+              </a:pPr>
+              <a:r>
+                <a:rPr lang="en-US" sz="1500" dirty="0">
+                  <a:solidFill>
+                    <a:schemeClr val="tx1">
+                      <a:lumMod val="75000"/>
+                    </a:schemeClr>
+                  </a:solidFill>
+                  <a:latin typeface="Source Sans Pro" panose="020B0503030403020204" pitchFamily="34" charset="0"/>
+                  <a:ea typeface="Source Sans Pro" panose="020B0503030403020204" pitchFamily="34" charset="0"/>
+                  <a:cs typeface="Source Sans Pro Light" charset="0"/>
+                </a:rPr>
+                <a:t>Legend</a:t>
+              </a:r>
+            </a:p>
+          </p:txBody>
+        </p:sp>
+      </p:grpSp>
+      <p:sp>
+        <p:nvSpPr>
+          <p:cNvPr id="5" name="Rounded Rectangle 4">
+            <a:extLst>
+              <a:ext uri="{FF2B5EF4-FFF2-40B4-BE49-F238E27FC236}">
+                <a16:creationId xmlns:a16="http://schemas.microsoft.com/office/drawing/2014/main" id="{BE75EF25-534A-C3FA-3145-1D875321C5BE}"/>
+              </a:ext>
+            </a:extLst>
+          </p:cNvPr>
+          <p:cNvSpPr/>
+          <p:nvPr/>
+        </p:nvSpPr>
+        <p:spPr>
+          <a:xfrm>
+            <a:off x="540364" y="2509872"/>
+            <a:ext cx="1620000" cy="385200"/>
+          </a:xfrm>
+          <a:prstGeom prst="roundRect">
+            <a:avLst>
+              <a:gd name="adj" fmla="val 6304"/>
+            </a:avLst>
+          </a:prstGeom>
+          <a:solidFill>
+            <a:schemeClr val="accent1"/>
+          </a:solidFill>
+          <a:ln>
+            <a:noFill/>
+          </a:ln>
+          <a:effectLst/>
+        </p:spPr>
+        <p:style>
+          <a:lnRef idx="2">
+            <a:schemeClr val="dk1">
+              <a:shade val="50000"/>
+            </a:schemeClr>
+          </a:lnRef>
+          <a:fillRef idx="1">
+            <a:schemeClr val="dk1"/>
+          </a:fillRef>
+          <a:effectRef idx="0">
+            <a:schemeClr val="dk1"/>
+          </a:effectRef>
+          <a:fontRef idx="minor">
+            <a:schemeClr val="lt1"/>
+          </a:fontRef>
+        </p:style>
+        <p:txBody>
+          <a:bodyPr rtlCol="0" anchor="ctr"/>
+          <a:lstStyle/>
+          <a:p>
+            <a:pPr algn="ctr">
+              <a:defRPr/>
+            </a:pPr>
+            <a:r>
+              <a:rPr lang="en-US" sz="1000" dirty="0" err="1">
+                <a:solidFill>
+                  <a:srgbClr val="FFFFFF"/>
+                </a:solidFill>
+                <a:latin typeface="Source Sans Pro" panose="020B0503030403020204" pitchFamily="34" charset="0"/>
+                <a:ea typeface="Source Sans Pro" panose="020B0503030403020204" pitchFamily="34" charset="0"/>
+                <a:cs typeface="Source Sans Pro Light" charset="0"/>
+              </a:rPr>
+              <a:t>MicroEJ</a:t>
+            </a:r>
+            <a:r>
+              <a:rPr lang="en-US" sz="1000" dirty="0">
+                <a:solidFill>
+                  <a:srgbClr val="FFFFFF"/>
+                </a:solidFill>
+                <a:latin typeface="Source Sans Pro" panose="020B0503030403020204" pitchFamily="34" charset="0"/>
+                <a:ea typeface="Source Sans Pro" panose="020B0503030403020204" pitchFamily="34" charset="0"/>
+                <a:cs typeface="Source Sans Pro Light" charset="0"/>
+              </a:rPr>
+              <a:t> Products</a:t>
+            </a:r>
+          </a:p>
+        </p:txBody>
+      </p:sp>
+      <p:grpSp>
+        <p:nvGrpSpPr>
+          <p:cNvPr id="7" name="Group 6">
+            <a:extLst>
+              <a:ext uri="{FF2B5EF4-FFF2-40B4-BE49-F238E27FC236}">
+                <a16:creationId xmlns:a16="http://schemas.microsoft.com/office/drawing/2014/main" id="{3BF9E808-1D92-DB2C-EE4C-B0D17DEB3490}"/>
+              </a:ext>
+            </a:extLst>
+          </p:cNvPr>
+          <p:cNvGrpSpPr/>
+          <p:nvPr/>
+        </p:nvGrpSpPr>
+        <p:grpSpPr>
+          <a:xfrm>
+            <a:off x="540364" y="3068960"/>
+            <a:ext cx="1620000" cy="936104"/>
+            <a:chOff x="174460" y="2907336"/>
+            <a:chExt cx="1620000" cy="936104"/>
+          </a:xfrm>
+        </p:grpSpPr>
+        <p:sp>
+          <p:nvSpPr>
+            <p:cNvPr id="8" name="Rounded Rectangle 7">
+              <a:extLst>
+                <a:ext uri="{FF2B5EF4-FFF2-40B4-BE49-F238E27FC236}">
+                  <a16:creationId xmlns:a16="http://schemas.microsoft.com/office/drawing/2014/main" id="{5CF80D7F-100D-6895-CFCD-725FAEA7D917}"/>
+                </a:ext>
+              </a:extLst>
+            </p:cNvPr>
+            <p:cNvSpPr/>
+            <p:nvPr/>
+          </p:nvSpPr>
+          <p:spPr>
+            <a:xfrm>
+              <a:off x="175443" y="2907336"/>
+              <a:ext cx="1619017" cy="385200"/>
+            </a:xfrm>
+            <a:prstGeom prst="roundRect">
+              <a:avLst>
+                <a:gd name="adj" fmla="val 7525"/>
+              </a:avLst>
+            </a:prstGeom>
+            <a:solidFill>
+              <a:schemeClr val="bg1">
+                <a:lumMod val="50000"/>
+              </a:schemeClr>
+            </a:solidFill>
+            <a:ln w="12700">
+              <a:noFill/>
+            </a:ln>
+            <a:effectLst/>
+          </p:spPr>
+          <p:style>
+            <a:lnRef idx="2">
+              <a:schemeClr val="dk1"/>
+            </a:lnRef>
+            <a:fillRef idx="1">
+              <a:schemeClr val="lt1"/>
+            </a:fillRef>
+            <a:effectRef idx="0">
+              <a:schemeClr val="dk1"/>
+            </a:effectRef>
+            <a:fontRef idx="minor">
+              <a:schemeClr val="dk1"/>
+            </a:fontRef>
+          </p:style>
+          <p:txBody>
+            <a:bodyPr wrap="square" tIns="36000" bIns="36000" rtlCol="0" anchor="ctr" anchorCtr="1">
+              <a:noAutofit/>
+            </a:bodyPr>
+            <a:lstStyle/>
+            <a:p>
+              <a:pPr algn="ctr"/>
+              <a:r>
+                <a:rPr lang="en-US" sz="1000" dirty="0">
+                  <a:solidFill>
+                    <a:schemeClr val="bg1"/>
+                  </a:solidFill>
+                  <a:latin typeface="Source Sans Pro" panose="020B0503030403020204" pitchFamily="34" charset="0"/>
+                  <a:ea typeface="Source Sans Pro" panose="020B0503030403020204" pitchFamily="34" charset="0"/>
+                  <a:cs typeface="Source Sans Pro Light" charset="0"/>
+                </a:rPr>
+                <a:t>Examples</a:t>
+              </a:r>
+              <a:endParaRPr lang="en-GB" sz="1000" dirty="0">
+                <a:solidFill>
+                  <a:schemeClr val="bg1"/>
+                </a:solidFill>
+                <a:latin typeface="Source Sans Pro" panose="020B0503030403020204" pitchFamily="34" charset="0"/>
+                <a:ea typeface="Source Sans Pro" panose="020B0503030403020204" pitchFamily="34" charset="0"/>
+                <a:cs typeface="Source Sans Pro Light" charset="0"/>
+              </a:endParaRPr>
+            </a:p>
+          </p:txBody>
+        </p:sp>
+        <p:sp>
+          <p:nvSpPr>
+            <p:cNvPr id="9" name="Rounded Rectangle 7">
+              <a:extLst>
+                <a:ext uri="{FF2B5EF4-FFF2-40B4-BE49-F238E27FC236}">
+                  <a16:creationId xmlns:a16="http://schemas.microsoft.com/office/drawing/2014/main" id="{24FE47DC-EDC1-6C9C-87A4-080C2AEFF6C9}"/>
+                </a:ext>
+              </a:extLst>
+            </p:cNvPr>
+            <p:cNvSpPr/>
+            <p:nvPr/>
+          </p:nvSpPr>
+          <p:spPr>
+            <a:xfrm>
+              <a:off x="174460" y="3457551"/>
+              <a:ext cx="1620000" cy="385889"/>
+            </a:xfrm>
+            <a:prstGeom prst="roundRect">
+              <a:avLst/>
+            </a:prstGeom>
+            <a:solidFill>
+              <a:schemeClr val="tx1"/>
             </a:solidFill>
             <a:ln>
               <a:noFill/>
@@ -36714,9 +35872,7 @@
             <a:bodyPr rtlCol="0" anchor="ctr"/>
             <a:lstStyle/>
             <a:p>
-              <a:pPr algn="ctr">
-                <a:defRPr/>
-              </a:pPr>
+              <a:pPr algn="ctr"/>
               <a:r>
                 <a:rPr lang="en-US" sz="1000" dirty="0">
                   <a:solidFill>
@@ -36726,389 +35882,1144 @@
                   <a:ea typeface="Source Sans Pro" panose="020B0503030403020204" pitchFamily="34" charset="0"/>
                   <a:cs typeface="Source Sans Pro Light" charset="0"/>
                 </a:rPr>
-                <a:t>Core Modules</a:t>
+                <a:t>Third Party</a:t>
               </a:r>
             </a:p>
           </p:txBody>
         </p:sp>
-        <p:grpSp>
-          <p:nvGrpSpPr>
-            <p:cNvPr id="56" name="Group 55">
+      </p:grpSp>
+      <p:grpSp>
+        <p:nvGrpSpPr>
+          <p:cNvPr id="122" name="Group 121">
+            <a:extLst>
+              <a:ext uri="{FF2B5EF4-FFF2-40B4-BE49-F238E27FC236}">
+                <a16:creationId xmlns:a16="http://schemas.microsoft.com/office/drawing/2014/main" id="{DA72066B-B4EB-2603-EC76-396C7C13F478}"/>
+              </a:ext>
+            </a:extLst>
+          </p:cNvPr>
+          <p:cNvGrpSpPr/>
+          <p:nvPr/>
+        </p:nvGrpSpPr>
+        <p:grpSpPr>
+          <a:xfrm>
+            <a:off x="2751602" y="1133726"/>
+            <a:ext cx="2095698" cy="2224586"/>
+            <a:chOff x="2750818" y="2276872"/>
+            <a:chExt cx="2095698" cy="2224586"/>
+          </a:xfrm>
+        </p:grpSpPr>
+        <p:sp>
+          <p:nvSpPr>
+            <p:cNvPr id="112" name="Rounded Rectangle 62">
               <a:extLst>
                 <a:ext uri="{FF2B5EF4-FFF2-40B4-BE49-F238E27FC236}">
-                  <a16:creationId xmlns:a16="http://schemas.microsoft.com/office/drawing/2014/main" id="{A45F78F3-0D20-E0D5-3E15-DBA42140DDFB}"/>
+                  <a16:creationId xmlns:a16="http://schemas.microsoft.com/office/drawing/2014/main" id="{532D9E35-28E9-4BFA-8137-0AE48A627B0F}"/>
                 </a:ext>
               </a:extLst>
             </p:cNvPr>
-            <p:cNvGrpSpPr/>
+            <p:cNvSpPr/>
             <p:nvPr/>
-          </p:nvGrpSpPr>
-          <p:grpSpPr>
+          </p:nvSpPr>
+          <p:spPr>
             <a:xfrm>
-              <a:off x="635174" y="2206842"/>
-              <a:ext cx="1620405" cy="848740"/>
-              <a:chOff x="1823395" y="4820221"/>
-              <a:chExt cx="1620405" cy="848740"/>
+              <a:off x="2750818" y="2276872"/>
+              <a:ext cx="2095698" cy="2224586"/>
             </a:xfrm>
-          </p:grpSpPr>
-          <p:sp>
-            <p:nvSpPr>
-              <p:cNvPr id="68" name="Rounded Rectangle 67">
-                <a:extLst>
-                  <a:ext uri="{FF2B5EF4-FFF2-40B4-BE49-F238E27FC236}">
-                    <a16:creationId xmlns:a16="http://schemas.microsoft.com/office/drawing/2014/main" id="{54A05D87-D0AD-AFEF-FC35-983112684C18}"/>
-                  </a:ext>
-                </a:extLst>
-              </p:cNvPr>
-              <p:cNvSpPr/>
-              <p:nvPr/>
-            </p:nvSpPr>
-            <p:spPr>
-              <a:xfrm>
-                <a:off x="1823800" y="4820221"/>
-                <a:ext cx="1620000" cy="385200"/>
-              </a:xfrm>
-              <a:prstGeom prst="roundRect">
-                <a:avLst>
-                  <a:gd name="adj" fmla="val 11196"/>
-                </a:avLst>
-              </a:prstGeom>
-              <a:solidFill>
-                <a:schemeClr val="accent4"/>
-              </a:solidFill>
+            <a:prstGeom prst="roundRect">
+              <a:avLst>
+                <a:gd name="adj" fmla="val 5059"/>
+              </a:avLst>
+            </a:prstGeom>
+            <a:solidFill>
+              <a:schemeClr val="bg1">
+                <a:lumMod val="95000"/>
+              </a:schemeClr>
+            </a:solidFill>
+            <a:ln w="19050">
+              <a:noFill/>
+            </a:ln>
+            <a:effectLst>
+              <a:outerShdw blurRad="50800" dist="38100" dir="2700000" algn="tl" rotWithShape="0">
+                <a:prstClr val="black">
+                  <a:alpha val="40000"/>
+                </a:prstClr>
+              </a:outerShdw>
+            </a:effectLst>
+          </p:spPr>
+          <p:style>
+            <a:lnRef idx="2">
+              <a:schemeClr val="accent1">
+                <a:shade val="50000"/>
+              </a:schemeClr>
+            </a:lnRef>
+            <a:fillRef idx="1">
+              <a:schemeClr val="accent1"/>
+            </a:fillRef>
+            <a:effectRef idx="0">
+              <a:schemeClr val="accent1"/>
+            </a:effectRef>
+            <a:fontRef idx="minor">
+              <a:schemeClr val="lt1"/>
+            </a:fontRef>
+          </p:style>
+          <p:txBody>
+            <a:bodyPr wrap="square" lIns="0" tIns="0" rIns="0" bIns="0" rtlCol="0" anchor="ctr"/>
+            <a:lstStyle/>
+            <a:p>
+              <a:pPr algn="ctr"/>
+              <a:endParaRPr lang="en-US" sz="1400" dirty="0">
+                <a:solidFill>
+                  <a:schemeClr val="bg1">
+                    <a:lumMod val="95000"/>
+                  </a:schemeClr>
+                </a:solidFill>
+              </a:endParaRPr>
+            </a:p>
+          </p:txBody>
+        </p:sp>
+        <p:sp>
+          <p:nvSpPr>
+            <p:cNvPr id="85" name="Rounded Rectangle 114">
+              <a:extLst>
+                <a:ext uri="{FF2B5EF4-FFF2-40B4-BE49-F238E27FC236}">
+                  <a16:creationId xmlns:a16="http://schemas.microsoft.com/office/drawing/2014/main" id="{23B6A628-FCCC-4E65-8963-19973CA2E7D7}"/>
+                </a:ext>
+              </a:extLst>
+            </p:cNvPr>
+            <p:cNvSpPr/>
+            <p:nvPr/>
+          </p:nvSpPr>
+          <p:spPr>
+            <a:xfrm>
+              <a:off x="2843283" y="4029034"/>
+              <a:ext cx="1872208" cy="255080"/>
+            </a:xfrm>
+            <a:prstGeom prst="roundRect">
+              <a:avLst>
+                <a:gd name="adj" fmla="val 19644"/>
+              </a:avLst>
+            </a:prstGeom>
+            <a:solidFill>
+              <a:schemeClr val="tx1"/>
+            </a:solidFill>
+            <a:ln>
+              <a:noFill/>
+            </a:ln>
+            <a:effectLst>
+              <a:outerShdw blurRad="50800" dist="38100" dir="2700000" algn="tl" rotWithShape="0">
+                <a:prstClr val="black">
+                  <a:alpha val="40000"/>
+                </a:prstClr>
+              </a:outerShdw>
+            </a:effectLst>
+          </p:spPr>
+          <p:style>
+            <a:lnRef idx="2">
+              <a:schemeClr val="dk1">
+                <a:shade val="50000"/>
+              </a:schemeClr>
+            </a:lnRef>
+            <a:fillRef idx="1">
+              <a:schemeClr val="dk1"/>
+            </a:fillRef>
+            <a:effectRef idx="0">
+              <a:schemeClr val="dk1"/>
+            </a:effectRef>
+            <a:fontRef idx="minor">
+              <a:schemeClr val="lt1"/>
+            </a:fontRef>
+          </p:style>
+          <p:txBody>
+            <a:bodyPr rtlCol="0" anchor="ctr"/>
+            <a:lstStyle/>
+            <a:p>
+              <a:pPr algn="ctr"/>
+              <a:r>
+                <a:rPr lang="en-US" sz="1000" dirty="0">
+                  <a:solidFill>
+                    <a:srgbClr val="FFFFFF"/>
+                  </a:solidFill>
+                  <a:latin typeface="Source Sans Pro" panose="020B0503030403020204" pitchFamily="34" charset="0"/>
+                  <a:ea typeface="Source Sans Pro" panose="020B0503030403020204" pitchFamily="34" charset="0"/>
+                  <a:cs typeface="Arial" panose="020B0604020202020204" pitchFamily="34" charset="0"/>
+                </a:rPr>
+                <a:t>Managed Code Applications</a:t>
+              </a:r>
+            </a:p>
+          </p:txBody>
+        </p:sp>
+        <p:sp>
+          <p:nvSpPr>
+            <p:cNvPr id="117" name="TextBox 116">
+              <a:extLst>
+                <a:ext uri="{FF2B5EF4-FFF2-40B4-BE49-F238E27FC236}">
+                  <a16:creationId xmlns:a16="http://schemas.microsoft.com/office/drawing/2014/main" id="{7919CBE3-81C7-4DD0-94ED-87CCA9F5D8E8}"/>
+                </a:ext>
+              </a:extLst>
+            </p:cNvPr>
+            <p:cNvSpPr txBox="1"/>
+            <p:nvPr/>
+          </p:nvSpPr>
+          <p:spPr>
+            <a:xfrm>
+              <a:off x="2795708" y="2311872"/>
+              <a:ext cx="1850359" cy="276999"/>
+            </a:xfrm>
+            <a:prstGeom prst="rect">
+              <a:avLst/>
+            </a:prstGeom>
+            <a:noFill/>
+          </p:spPr>
+          <p:txBody>
+            <a:bodyPr wrap="square" rtlCol="0">
+              <a:spAutoFit/>
+            </a:bodyPr>
+            <a:lstStyle>
+              <a:defPPr>
+                <a:defRPr lang="en-US"/>
+              </a:defPPr>
+              <a:lvl1pPr>
+                <a:defRPr sz="1200" b="1">
+                  <a:latin typeface="Source Sans Pro SemiBold" charset="0"/>
+                  <a:ea typeface="Source Sans Pro SemiBold" charset="0"/>
+                  <a:cs typeface="Source Sans Pro SemiBold" charset="0"/>
+                </a:defRPr>
+              </a:lvl1pPr>
+            </a:lstStyle>
+            <a:p>
+              <a:r>
+                <a:rPr lang="en-US" dirty="0"/>
+                <a:t>MICROEJ SDK Workspace</a:t>
+              </a:r>
+            </a:p>
+          </p:txBody>
+        </p:sp>
+        <p:sp>
+          <p:nvSpPr>
+            <p:cNvPr id="121" name="Rounded Rectangle 114">
+              <a:extLst>
+                <a:ext uri="{FF2B5EF4-FFF2-40B4-BE49-F238E27FC236}">
+                  <a16:creationId xmlns:a16="http://schemas.microsoft.com/office/drawing/2014/main" id="{C3BC971D-01A8-4300-B6EE-560EA7C7D394}"/>
+                </a:ext>
+              </a:extLst>
+            </p:cNvPr>
+            <p:cNvSpPr/>
+            <p:nvPr/>
+          </p:nvSpPr>
+          <p:spPr>
+            <a:xfrm>
+              <a:off x="2843283" y="3603159"/>
+              <a:ext cx="1872208" cy="255080"/>
+            </a:xfrm>
+            <a:prstGeom prst="roundRect">
+              <a:avLst>
+                <a:gd name="adj" fmla="val 19644"/>
+              </a:avLst>
+            </a:prstGeom>
+            <a:solidFill>
+              <a:schemeClr val="tx1"/>
+            </a:solidFill>
+            <a:ln>
+              <a:noFill/>
+            </a:ln>
+            <a:effectLst>
+              <a:outerShdw blurRad="50800" dist="38100" dir="2700000" algn="tl" rotWithShape="0">
+                <a:prstClr val="black">
+                  <a:alpha val="40000"/>
+                </a:prstClr>
+              </a:outerShdw>
+            </a:effectLst>
+          </p:spPr>
+          <p:style>
+            <a:lnRef idx="2">
+              <a:schemeClr val="dk1">
+                <a:shade val="50000"/>
+              </a:schemeClr>
+            </a:lnRef>
+            <a:fillRef idx="1">
+              <a:schemeClr val="dk1"/>
+            </a:fillRef>
+            <a:effectRef idx="0">
+              <a:schemeClr val="dk1"/>
+            </a:effectRef>
+            <a:fontRef idx="minor">
+              <a:schemeClr val="lt1"/>
+            </a:fontRef>
+          </p:style>
+          <p:txBody>
+            <a:bodyPr rtlCol="0" anchor="ctr"/>
+            <a:lstStyle/>
+            <a:p>
+              <a:pPr algn="ctr"/>
+              <a:r>
+                <a:rPr lang="en-US" sz="1000" dirty="0">
+                  <a:solidFill>
+                    <a:srgbClr val="FFFFFF"/>
+                  </a:solidFill>
+                  <a:latin typeface="Source Sans Pro" panose="020B0503030403020204" pitchFamily="34" charset="0"/>
+                  <a:ea typeface="Source Sans Pro" panose="020B0503030403020204" pitchFamily="34" charset="0"/>
+                </a:rPr>
+                <a:t>VEE Ports</a:t>
+              </a:r>
+            </a:p>
+          </p:txBody>
+        </p:sp>
+        <p:sp>
+          <p:nvSpPr>
+            <p:cNvPr id="127" name="Rounded Rectangle 114">
+              <a:extLst>
+                <a:ext uri="{FF2B5EF4-FFF2-40B4-BE49-F238E27FC236}">
+                  <a16:creationId xmlns:a16="http://schemas.microsoft.com/office/drawing/2014/main" id="{B2F17F48-047C-4B94-8A7C-566FCDAB4FFC}"/>
+                </a:ext>
+              </a:extLst>
+            </p:cNvPr>
+            <p:cNvSpPr/>
+            <p:nvPr/>
+          </p:nvSpPr>
+          <p:spPr>
+            <a:xfrm>
+              <a:off x="2843283" y="2751407"/>
+              <a:ext cx="1872208" cy="255080"/>
+            </a:xfrm>
+            <a:prstGeom prst="roundRect">
+              <a:avLst>
+                <a:gd name="adj" fmla="val 19644"/>
+              </a:avLst>
+            </a:prstGeom>
+            <a:solidFill>
+              <a:schemeClr val="accent1"/>
+            </a:solidFill>
+            <a:ln>
+              <a:noFill/>
+            </a:ln>
+            <a:effectLst>
+              <a:outerShdw blurRad="50800" dist="38100" dir="2700000" algn="tl" rotWithShape="0">
+                <a:prstClr val="black">
+                  <a:alpha val="40000"/>
+                </a:prstClr>
+              </a:outerShdw>
+            </a:effectLst>
+          </p:spPr>
+          <p:style>
+            <a:lnRef idx="2">
+              <a:schemeClr val="dk1">
+                <a:shade val="50000"/>
+              </a:schemeClr>
+            </a:lnRef>
+            <a:fillRef idx="1">
+              <a:schemeClr val="dk1"/>
+            </a:fillRef>
+            <a:effectRef idx="0">
+              <a:schemeClr val="dk1"/>
+            </a:effectRef>
+            <a:fontRef idx="minor">
+              <a:schemeClr val="lt1"/>
+            </a:fontRef>
+          </p:style>
+          <p:txBody>
+            <a:bodyPr rtlCol="0" anchor="ctr"/>
+            <a:lstStyle/>
+            <a:p>
+              <a:pPr algn="ctr"/>
+              <a:r>
+                <a:rPr lang="en-US" sz="1000" dirty="0">
+                  <a:solidFill>
+                    <a:srgbClr val="FFFFFF"/>
+                  </a:solidFill>
+                  <a:latin typeface="Source Sans Pro" panose="020B0503030403020204" pitchFamily="34" charset="0"/>
+                  <a:ea typeface="Source Sans Pro" panose="020B0503030403020204" pitchFamily="34" charset="0"/>
+                </a:rPr>
+                <a:t>Architecture</a:t>
+              </a:r>
+            </a:p>
+          </p:txBody>
+        </p:sp>
+        <p:sp>
+          <p:nvSpPr>
+            <p:cNvPr id="48" name="Rounded Rectangle 114">
+              <a:extLst>
+                <a:ext uri="{FF2B5EF4-FFF2-40B4-BE49-F238E27FC236}">
+                  <a16:creationId xmlns:a16="http://schemas.microsoft.com/office/drawing/2014/main" id="{E0836930-B007-BC53-863B-0B2A36BAFC6A}"/>
+                </a:ext>
+              </a:extLst>
+            </p:cNvPr>
+            <p:cNvSpPr/>
+            <p:nvPr/>
+          </p:nvSpPr>
+          <p:spPr>
+            <a:xfrm>
+              <a:off x="2843283" y="3177283"/>
+              <a:ext cx="1872208" cy="255080"/>
+            </a:xfrm>
+            <a:prstGeom prst="roundRect">
+              <a:avLst>
+                <a:gd name="adj" fmla="val 19644"/>
+              </a:avLst>
+            </a:prstGeom>
+            <a:solidFill>
+              <a:schemeClr val="accent1"/>
+            </a:solidFill>
+            <a:ln>
+              <a:noFill/>
+            </a:ln>
+            <a:effectLst>
+              <a:outerShdw blurRad="50800" dist="38100" dir="2700000" algn="tl" rotWithShape="0">
+                <a:prstClr val="black">
+                  <a:alpha val="40000"/>
+                </a:prstClr>
+              </a:outerShdw>
+            </a:effectLst>
+          </p:spPr>
+          <p:style>
+            <a:lnRef idx="2">
+              <a:schemeClr val="dk1">
+                <a:shade val="50000"/>
+              </a:schemeClr>
+            </a:lnRef>
+            <a:fillRef idx="1">
+              <a:schemeClr val="dk1"/>
+            </a:fillRef>
+            <a:effectRef idx="0">
+              <a:schemeClr val="dk1"/>
+            </a:effectRef>
+            <a:fontRef idx="minor">
+              <a:schemeClr val="lt1"/>
+            </a:fontRef>
+          </p:style>
+          <p:txBody>
+            <a:bodyPr rtlCol="0" anchor="ctr"/>
+            <a:lstStyle/>
+            <a:p>
+              <a:pPr algn="ctr"/>
+              <a:r>
+                <a:rPr lang="en-US" sz="1000" dirty="0">
+                  <a:solidFill>
+                    <a:srgbClr val="FFFFFF"/>
+                  </a:solidFill>
+                  <a:latin typeface="Source Sans Pro" panose="020B0503030403020204" pitchFamily="34" charset="0"/>
+                  <a:ea typeface="Source Sans Pro" panose="020B0503030403020204" pitchFamily="34" charset="0"/>
+                </a:rPr>
+                <a:t>Libraries</a:t>
+              </a:r>
+            </a:p>
+          </p:txBody>
+        </p:sp>
+      </p:grpSp>
+      <p:cxnSp>
+        <p:nvCxnSpPr>
+          <p:cNvPr id="55" name="Straight Arrow Connector 54">
+            <a:extLst>
+              <a:ext uri="{FF2B5EF4-FFF2-40B4-BE49-F238E27FC236}">
+                <a16:creationId xmlns:a16="http://schemas.microsoft.com/office/drawing/2014/main" id="{887968BA-8178-E44B-C493-45509761E072}"/>
+              </a:ext>
+            </a:extLst>
+          </p:cNvPr>
+          <p:cNvCxnSpPr>
+            <a:cxnSpLocks/>
+            <a:stCxn id="112" idx="2"/>
+            <a:endCxn id="129" idx="0"/>
+          </p:cNvCxnSpPr>
+          <p:nvPr/>
+        </p:nvCxnSpPr>
+        <p:spPr>
+          <a:xfrm>
+            <a:off x="3799451" y="3358312"/>
+            <a:ext cx="568132" cy="1770683"/>
+          </a:xfrm>
+          <a:prstGeom prst="straightConnector1">
+            <a:avLst/>
+          </a:prstGeom>
+          <a:ln w="25400">
+            <a:solidFill>
+              <a:schemeClr val="bg2">
+                <a:lumMod val="75000"/>
+              </a:schemeClr>
+            </a:solidFill>
+            <a:tailEnd type="triangle"/>
+          </a:ln>
+        </p:spPr>
+        <p:style>
+          <a:lnRef idx="1">
+            <a:schemeClr val="accent1"/>
+          </a:lnRef>
+          <a:fillRef idx="0">
+            <a:schemeClr val="accent1"/>
+          </a:fillRef>
+          <a:effectRef idx="0">
+            <a:schemeClr val="accent1"/>
+          </a:effectRef>
+          <a:fontRef idx="minor">
+            <a:schemeClr val="tx1"/>
+          </a:fontRef>
+        </p:style>
+      </p:cxnSp>
+      <p:cxnSp>
+        <p:nvCxnSpPr>
+          <p:cNvPr id="103" name="Elbow Connector 102">
+            <a:extLst>
+              <a:ext uri="{FF2B5EF4-FFF2-40B4-BE49-F238E27FC236}">
+                <a16:creationId xmlns:a16="http://schemas.microsoft.com/office/drawing/2014/main" id="{2ED75F96-42C2-370D-3599-26D7FC179D86}"/>
+              </a:ext>
+            </a:extLst>
+          </p:cNvPr>
+          <p:cNvCxnSpPr>
+            <a:cxnSpLocks/>
+            <a:stCxn id="27" idx="1"/>
+            <a:endCxn id="127" idx="3"/>
+          </p:cNvCxnSpPr>
+          <p:nvPr/>
+        </p:nvCxnSpPr>
+        <p:spPr>
+          <a:xfrm flipH="1" flipV="1">
+            <a:off x="4716275" y="1735801"/>
+            <a:ext cx="3406639" cy="17366"/>
+          </a:xfrm>
+          <a:prstGeom prst="straightConnector1">
+            <a:avLst/>
+          </a:prstGeom>
+          <a:ln w="25400">
+            <a:solidFill>
+              <a:schemeClr val="accent1"/>
+            </a:solidFill>
+            <a:tailEnd type="triangle"/>
+          </a:ln>
+        </p:spPr>
+        <p:style>
+          <a:lnRef idx="1">
+            <a:schemeClr val="accent1"/>
+          </a:lnRef>
+          <a:fillRef idx="0">
+            <a:schemeClr val="accent1"/>
+          </a:fillRef>
+          <a:effectRef idx="0">
+            <a:schemeClr val="accent1"/>
+          </a:effectRef>
+          <a:fontRef idx="minor">
+            <a:schemeClr val="tx1"/>
+          </a:fontRef>
+        </p:style>
+      </p:cxnSp>
+      <p:cxnSp>
+        <p:nvCxnSpPr>
+          <p:cNvPr id="120" name="Elbow Connector 119">
+            <a:extLst>
+              <a:ext uri="{FF2B5EF4-FFF2-40B4-BE49-F238E27FC236}">
+                <a16:creationId xmlns:a16="http://schemas.microsoft.com/office/drawing/2014/main" id="{AFF7CD7D-37EA-527B-1E94-C59B3DDE17DA}"/>
+              </a:ext>
+            </a:extLst>
+          </p:cNvPr>
+          <p:cNvCxnSpPr>
+            <a:cxnSpLocks/>
+            <a:endCxn id="48" idx="3"/>
+          </p:cNvCxnSpPr>
+          <p:nvPr/>
+        </p:nvCxnSpPr>
+        <p:spPr>
+          <a:xfrm rot="10800000">
+            <a:off x="4716276" y="2161678"/>
+            <a:ext cx="3674129" cy="623685"/>
+          </a:xfrm>
+          <a:prstGeom prst="bentConnector3">
+            <a:avLst>
+              <a:gd name="adj1" fmla="val 78227"/>
+            </a:avLst>
+          </a:prstGeom>
+          <a:ln w="25400">
+            <a:solidFill>
+              <a:schemeClr val="accent1"/>
+            </a:solidFill>
+            <a:tailEnd type="triangle"/>
+          </a:ln>
+        </p:spPr>
+        <p:style>
+          <a:lnRef idx="1">
+            <a:schemeClr val="accent1"/>
+          </a:lnRef>
+          <a:fillRef idx="0">
+            <a:schemeClr val="accent1"/>
+          </a:fillRef>
+          <a:effectRef idx="0">
+            <a:schemeClr val="accent1"/>
+          </a:effectRef>
+          <a:fontRef idx="minor">
+            <a:schemeClr val="tx1"/>
+          </a:fontRef>
+        </p:style>
+      </p:cxnSp>
+      <p:cxnSp>
+        <p:nvCxnSpPr>
+          <p:cNvPr id="109" name="Elbow Connector 108">
+            <a:extLst>
+              <a:ext uri="{FF2B5EF4-FFF2-40B4-BE49-F238E27FC236}">
+                <a16:creationId xmlns:a16="http://schemas.microsoft.com/office/drawing/2014/main" id="{2A0BB27E-32AC-23E3-4C67-80DEE3D372FC}"/>
+              </a:ext>
+            </a:extLst>
+          </p:cNvPr>
+          <p:cNvCxnSpPr>
+            <a:cxnSpLocks/>
+            <a:stCxn id="42" idx="1"/>
+            <a:endCxn id="121" idx="3"/>
+          </p:cNvCxnSpPr>
+          <p:nvPr/>
+        </p:nvCxnSpPr>
+        <p:spPr>
+          <a:xfrm rot="10800000">
+            <a:off x="4716276" y="2587553"/>
+            <a:ext cx="3504581" cy="1218392"/>
+          </a:xfrm>
+          <a:prstGeom prst="bentConnector3">
+            <a:avLst>
+              <a:gd name="adj1" fmla="val 79592"/>
+            </a:avLst>
+          </a:prstGeom>
+          <a:ln w="25400">
+            <a:solidFill>
+              <a:schemeClr val="bg2">
+                <a:lumMod val="75000"/>
+              </a:schemeClr>
+            </a:solidFill>
+            <a:tailEnd type="triangle"/>
+          </a:ln>
+        </p:spPr>
+        <p:style>
+          <a:lnRef idx="1">
+            <a:schemeClr val="accent1"/>
+          </a:lnRef>
+          <a:fillRef idx="0">
+            <a:schemeClr val="accent1"/>
+          </a:fillRef>
+          <a:effectRef idx="0">
+            <a:schemeClr val="accent1"/>
+          </a:effectRef>
+          <a:fontRef idx="minor">
+            <a:schemeClr val="tx1"/>
+          </a:fontRef>
+        </p:style>
+      </p:cxnSp>
+      <p:cxnSp>
+        <p:nvCxnSpPr>
+          <p:cNvPr id="132" name="Elbow Connector 131">
+            <a:extLst>
+              <a:ext uri="{FF2B5EF4-FFF2-40B4-BE49-F238E27FC236}">
+                <a16:creationId xmlns:a16="http://schemas.microsoft.com/office/drawing/2014/main" id="{919D78A0-A582-630C-05F1-A6B20FB007DB}"/>
+              </a:ext>
+            </a:extLst>
+          </p:cNvPr>
+          <p:cNvCxnSpPr>
+            <a:cxnSpLocks/>
+            <a:stCxn id="25" idx="1"/>
+            <a:endCxn id="85" idx="3"/>
+          </p:cNvCxnSpPr>
+          <p:nvPr/>
+        </p:nvCxnSpPr>
+        <p:spPr>
+          <a:xfrm rot="10800000">
+            <a:off x="4716275" y="3013429"/>
+            <a:ext cx="3793506" cy="2242549"/>
+          </a:xfrm>
+          <a:prstGeom prst="bentConnector3">
+            <a:avLst>
+              <a:gd name="adj1" fmla="val 85863"/>
+            </a:avLst>
+          </a:prstGeom>
+          <a:ln w="25400">
+            <a:solidFill>
+              <a:schemeClr val="bg2">
+                <a:lumMod val="75000"/>
+              </a:schemeClr>
+            </a:solidFill>
+            <a:tailEnd type="triangle"/>
+          </a:ln>
+        </p:spPr>
+        <p:style>
+          <a:lnRef idx="1">
+            <a:schemeClr val="accent1"/>
+          </a:lnRef>
+          <a:fillRef idx="0">
+            <a:schemeClr val="accent1"/>
+          </a:fillRef>
+          <a:effectRef idx="0">
+            <a:schemeClr val="accent1"/>
+          </a:effectRef>
+          <a:fontRef idx="minor">
+            <a:schemeClr val="tx1"/>
+          </a:fontRef>
+        </p:style>
+      </p:cxnSp>
+      <p:pic>
+        <p:nvPicPr>
+          <p:cNvPr id="144" name="Picture 143">
+            <a:extLst>
+              <a:ext uri="{FF2B5EF4-FFF2-40B4-BE49-F238E27FC236}">
+                <a16:creationId xmlns:a16="http://schemas.microsoft.com/office/drawing/2014/main" id="{93C96E4E-051D-3351-DD1A-A28CD750CA4E}"/>
+              </a:ext>
+            </a:extLst>
+          </p:cNvPr>
+          <p:cNvPicPr>
+            <a:picLocks noChangeAspect="1"/>
+          </p:cNvPicPr>
+          <p:nvPr/>
+        </p:nvPicPr>
+        <p:blipFill>
+          <a:blip r:embed="rId11">
+            <a:extLst>
+              <a:ext uri="{28A0092B-C50C-407E-A947-70E740481C1C}">
+                <a14:useLocalDpi xmlns:a14="http://schemas.microsoft.com/office/drawing/2010/main" val="0"/>
+              </a:ext>
+            </a:extLst>
+          </a:blip>
+          <a:stretch>
+            <a:fillRect/>
+          </a:stretch>
+        </p:blipFill>
+        <p:spPr>
+          <a:xfrm>
+            <a:off x="4487336" y="6045658"/>
+            <a:ext cx="1176616" cy="640824"/>
+          </a:xfrm>
+          <a:prstGeom prst="rect">
+            <a:avLst/>
+          </a:prstGeom>
+        </p:spPr>
+      </p:pic>
+      <p:sp>
+        <p:nvSpPr>
+          <p:cNvPr id="155" name="Rounded Rectangle 114">
+            <a:extLst>
+              <a:ext uri="{FF2B5EF4-FFF2-40B4-BE49-F238E27FC236}">
+                <a16:creationId xmlns:a16="http://schemas.microsoft.com/office/drawing/2014/main" id="{8CCA8FDD-DEA2-8C5B-4356-4072810EEC85}"/>
+              </a:ext>
+            </a:extLst>
+          </p:cNvPr>
+          <p:cNvSpPr/>
+          <p:nvPr/>
+        </p:nvSpPr>
+        <p:spPr>
+          <a:xfrm>
+            <a:off x="2356198" y="5882230"/>
+            <a:ext cx="1290406" cy="430296"/>
+          </a:xfrm>
+          <a:prstGeom prst="roundRect">
+            <a:avLst>
+              <a:gd name="adj" fmla="val 50000"/>
+            </a:avLst>
+          </a:prstGeom>
+          <a:solidFill>
+            <a:schemeClr val="tx1"/>
+          </a:solidFill>
+          <a:ln>
+            <a:noFill/>
+          </a:ln>
+          <a:effectLst>
+            <a:outerShdw blurRad="50800" dist="38100" dir="2700000" algn="tl" rotWithShape="0">
+              <a:prstClr val="black">
+                <a:alpha val="40000"/>
+              </a:prstClr>
+            </a:outerShdw>
+          </a:effectLst>
+        </p:spPr>
+        <p:style>
+          <a:lnRef idx="2">
+            <a:schemeClr val="dk1">
+              <a:shade val="50000"/>
+            </a:schemeClr>
+          </a:lnRef>
+          <a:fillRef idx="1">
+            <a:schemeClr val="dk1"/>
+          </a:fillRef>
+          <a:effectRef idx="0">
+            <a:schemeClr val="dk1"/>
+          </a:effectRef>
+          <a:fontRef idx="minor">
+            <a:schemeClr val="lt1"/>
+          </a:fontRef>
+        </p:style>
+        <p:txBody>
+          <a:bodyPr rtlCol="0" anchor="ctr"/>
+          <a:lstStyle/>
+          <a:p>
+            <a:pPr algn="ctr"/>
+            <a:r>
+              <a:rPr lang="en-US" sz="1000" dirty="0">
+                <a:solidFill>
+                  <a:srgbClr val="FFFFFF"/>
+                </a:solidFill>
+                <a:latin typeface="Source Sans Pro" panose="020B0503030403020204" pitchFamily="34" charset="0"/>
+                <a:ea typeface="Source Sans Pro" panose="020B0503030403020204" pitchFamily="34" charset="0"/>
+              </a:rPr>
+              <a:t> Simulated</a:t>
+            </a:r>
+          </a:p>
+          <a:p>
+            <a:pPr algn="ctr"/>
+            <a:r>
+              <a:rPr lang="en-US" sz="1000" dirty="0">
+                <a:solidFill>
+                  <a:srgbClr val="FFFFFF"/>
+                </a:solidFill>
+                <a:latin typeface="Source Sans Pro" panose="020B0503030403020204" pitchFamily="34" charset="0"/>
+                <a:ea typeface="Source Sans Pro" panose="020B0503030403020204" pitchFamily="34" charset="0"/>
+              </a:rPr>
+              <a:t>Execution</a:t>
+            </a:r>
+          </a:p>
+        </p:txBody>
+      </p:sp>
+      <p:grpSp>
+        <p:nvGrpSpPr>
+          <p:cNvPr id="150" name="Group 149">
+            <a:extLst>
+              <a:ext uri="{FF2B5EF4-FFF2-40B4-BE49-F238E27FC236}">
+                <a16:creationId xmlns:a16="http://schemas.microsoft.com/office/drawing/2014/main" id="{0DFF95D2-0E76-EC19-D474-3B649A6F4F1D}"/>
+              </a:ext>
+            </a:extLst>
+          </p:cNvPr>
+          <p:cNvGrpSpPr/>
+          <p:nvPr/>
+        </p:nvGrpSpPr>
+        <p:grpSpPr>
+          <a:xfrm>
+            <a:off x="1922537" y="5854257"/>
+            <a:ext cx="997918" cy="851754"/>
+            <a:chOff x="5002529" y="4506426"/>
+            <a:chExt cx="1523309" cy="1425888"/>
+          </a:xfrm>
+        </p:grpSpPr>
+        <p:pic>
+          <p:nvPicPr>
+            <p:cNvPr id="151" name="Picture 150">
+              <a:extLst>
+                <a:ext uri="{FF2B5EF4-FFF2-40B4-BE49-F238E27FC236}">
+                  <a16:creationId xmlns:a16="http://schemas.microsoft.com/office/drawing/2014/main" id="{0231E831-7B02-AF7C-3F29-EF82BCE7DA5F}"/>
+                </a:ext>
+              </a:extLst>
+            </p:cNvPr>
+            <p:cNvPicPr>
+              <a:picLocks noChangeAspect="1"/>
+            </p:cNvPicPr>
+            <p:nvPr/>
+          </p:nvPicPr>
+          <p:blipFill>
+            <a:blip r:embed="rId12">
+              <a:extLst>
+                <a:ext uri="{28A0092B-C50C-407E-A947-70E740481C1C}">
+                  <a14:useLocalDpi xmlns:a14="http://schemas.microsoft.com/office/drawing/2010/main" val="0"/>
+                </a:ext>
+              </a:extLst>
+            </a:blip>
+            <a:stretch>
+              <a:fillRect/>
+            </a:stretch>
+          </p:blipFill>
+          <p:spPr>
+            <a:xfrm>
+              <a:off x="5002529" y="4506426"/>
+              <a:ext cx="1523309" cy="1425888"/>
+            </a:xfrm>
+            <a:prstGeom prst="rect">
+              <a:avLst/>
+            </a:prstGeom>
+          </p:spPr>
+        </p:pic>
+        <p:pic>
+          <p:nvPicPr>
+            <p:cNvPr id="152" name="Picture 151">
+              <a:extLst>
+                <a:ext uri="{FF2B5EF4-FFF2-40B4-BE49-F238E27FC236}">
+                  <a16:creationId xmlns:a16="http://schemas.microsoft.com/office/drawing/2014/main" id="{6A522F23-13AD-2456-A12B-0ADD95C3B260}"/>
+                </a:ext>
+              </a:extLst>
+            </p:cNvPr>
+            <p:cNvPicPr>
+              <a:picLocks noChangeAspect="1"/>
+            </p:cNvPicPr>
+            <p:nvPr/>
+          </p:nvPicPr>
+          <p:blipFill>
+            <a:blip r:embed="rId13">
+              <a:extLst>
+                <a:ext uri="{28A0092B-C50C-407E-A947-70E740481C1C}">
+                  <a14:useLocalDpi xmlns:a14="http://schemas.microsoft.com/office/drawing/2010/main" val="0"/>
+                </a:ext>
+              </a:extLst>
+            </a:blip>
+            <a:stretch>
+              <a:fillRect/>
+            </a:stretch>
+          </p:blipFill>
+          <p:spPr>
+            <a:xfrm>
+              <a:off x="5430858" y="4714109"/>
+              <a:ext cx="505261" cy="505261"/>
+            </a:xfrm>
+            <a:prstGeom prst="rect">
+              <a:avLst/>
+            </a:prstGeom>
+            <a:scene3d>
+              <a:camera prst="isometricRightUp">
+                <a:rot lat="2100000" lon="19200000" rev="300000"/>
+              </a:camera>
+              <a:lightRig rig="threePt" dir="t"/>
+            </a:scene3d>
+          </p:spPr>
+        </p:pic>
+      </p:grpSp>
+      <p:cxnSp>
+        <p:nvCxnSpPr>
+          <p:cNvPr id="157" name="Straight Arrow Connector 156">
+            <a:extLst>
+              <a:ext uri="{FF2B5EF4-FFF2-40B4-BE49-F238E27FC236}">
+                <a16:creationId xmlns:a16="http://schemas.microsoft.com/office/drawing/2014/main" id="{F5C838E3-BEC4-07D1-EBBC-729DBC62C1A2}"/>
+              </a:ext>
+            </a:extLst>
+          </p:cNvPr>
+          <p:cNvCxnSpPr>
+            <a:cxnSpLocks/>
+            <a:stCxn id="112" idx="2"/>
+          </p:cNvCxnSpPr>
+          <p:nvPr/>
+        </p:nvCxnSpPr>
+        <p:spPr>
+          <a:xfrm flipH="1">
+            <a:off x="3033092" y="3358312"/>
+            <a:ext cx="766359" cy="2121352"/>
+          </a:xfrm>
+          <a:prstGeom prst="straightConnector1">
+            <a:avLst/>
+          </a:prstGeom>
+          <a:ln w="25400">
+            <a:solidFill>
+              <a:schemeClr val="bg2">
+                <a:lumMod val="75000"/>
+              </a:schemeClr>
+            </a:solidFill>
+            <a:tailEnd type="triangle"/>
+          </a:ln>
+        </p:spPr>
+        <p:style>
+          <a:lnRef idx="1">
+            <a:schemeClr val="accent1"/>
+          </a:lnRef>
+          <a:fillRef idx="0">
+            <a:schemeClr val="accent1"/>
+          </a:fillRef>
+          <a:effectRef idx="0">
+            <a:schemeClr val="accent1"/>
+          </a:effectRef>
+          <a:fontRef idx="minor">
+            <a:schemeClr val="tx1"/>
+          </a:fontRef>
+        </p:style>
+      </p:cxnSp>
+      <p:sp>
+        <p:nvSpPr>
+          <p:cNvPr id="108" name="Rounded Rectangle 62">
+            <a:extLst>
+              <a:ext uri="{FF2B5EF4-FFF2-40B4-BE49-F238E27FC236}">
+                <a16:creationId xmlns:a16="http://schemas.microsoft.com/office/drawing/2014/main" id="{594485E9-9FDD-42D9-A895-515379347D47}"/>
+              </a:ext>
+            </a:extLst>
+          </p:cNvPr>
+          <p:cNvSpPr/>
+          <p:nvPr/>
+        </p:nvSpPr>
+        <p:spPr>
+          <a:xfrm>
+            <a:off x="2755999" y="3823147"/>
+            <a:ext cx="2091301" cy="829989"/>
+          </a:xfrm>
+          <a:prstGeom prst="roundRect">
+            <a:avLst>
+              <a:gd name="adj" fmla="val 5059"/>
+            </a:avLst>
+          </a:prstGeom>
+          <a:solidFill>
+            <a:schemeClr val="accent1"/>
+          </a:solidFill>
+          <a:ln>
+            <a:noFill/>
+          </a:ln>
+          <a:effectLst>
+            <a:outerShdw blurRad="50800" dist="38100" dir="2700000" algn="tl" rotWithShape="0">
+              <a:prstClr val="black">
+                <a:alpha val="40000"/>
+              </a:prstClr>
+            </a:outerShdw>
+          </a:effectLst>
+        </p:spPr>
+        <p:style>
+          <a:lnRef idx="2">
+            <a:schemeClr val="dk1">
+              <a:shade val="50000"/>
+            </a:schemeClr>
+          </a:lnRef>
+          <a:fillRef idx="1">
+            <a:schemeClr val="dk1"/>
+          </a:fillRef>
+          <a:effectRef idx="0">
+            <a:schemeClr val="dk1"/>
+          </a:effectRef>
+          <a:fontRef idx="minor">
+            <a:schemeClr val="lt1"/>
+          </a:fontRef>
+        </p:style>
+        <p:txBody>
+          <a:bodyPr rtlCol="0" anchor="ctr"/>
+          <a:lstStyle/>
+          <a:p>
+            <a:pPr algn="ctr"/>
+            <a:r>
+              <a:rPr lang="en-US" sz="1200" dirty="0" err="1">
+                <a:solidFill>
+                  <a:srgbClr val="FFFFFF"/>
+                </a:solidFill>
+                <a:latin typeface="Source Sans Pro" panose="020B0503030403020204" pitchFamily="34" charset="0"/>
+                <a:ea typeface="Source Sans Pro" panose="020B0503030403020204" pitchFamily="34" charset="0"/>
+                <a:cs typeface="Arial" panose="020B0604020202020204" pitchFamily="34" charset="0"/>
+              </a:rPr>
+              <a:t>MicroEJ</a:t>
+            </a:r>
+            <a:r>
+              <a:rPr lang="en-US" sz="1200" dirty="0">
+                <a:solidFill>
+                  <a:srgbClr val="FFFFFF"/>
+                </a:solidFill>
+                <a:latin typeface="Source Sans Pro" panose="020B0503030403020204" pitchFamily="34" charset="0"/>
+                <a:ea typeface="Source Sans Pro" panose="020B0503030403020204" pitchFamily="34" charset="0"/>
+                <a:cs typeface="Arial" panose="020B0604020202020204" pitchFamily="34" charset="0"/>
+              </a:rPr>
+              <a:t> SDK</a:t>
+            </a:r>
+          </a:p>
+        </p:txBody>
+      </p:sp>
+      <p:sp>
+        <p:nvSpPr>
+          <p:cNvPr id="161" name="TextBox 160">
+            <a:extLst>
+              <a:ext uri="{FF2B5EF4-FFF2-40B4-BE49-F238E27FC236}">
+                <a16:creationId xmlns:a16="http://schemas.microsoft.com/office/drawing/2014/main" id="{CE21FD37-5C89-CE54-E56F-21CA3D1CAC4E}"/>
+              </a:ext>
+            </a:extLst>
+          </p:cNvPr>
+          <p:cNvSpPr txBox="1"/>
+          <p:nvPr/>
+        </p:nvSpPr>
+        <p:spPr>
+          <a:xfrm>
+            <a:off x="5512782" y="4848867"/>
+            <a:ext cx="2575263" cy="338554"/>
+          </a:xfrm>
+          <a:prstGeom prst="rect">
+            <a:avLst/>
+          </a:prstGeom>
+          <a:noFill/>
+        </p:spPr>
+        <p:txBody>
+          <a:bodyPr vert="horz" wrap="square" lIns="0" tIns="0" rIns="0" bIns="0" numCol="1" spcCol="288000" rtlCol="0" anchor="t" anchorCtr="0">
+            <a:spAutoFit/>
+          </a:bodyPr>
+          <a:lstStyle/>
+          <a:p>
+            <a:pPr algn="ctr">
+              <a:spcBef>
+                <a:spcPts val="0"/>
+              </a:spcBef>
+              <a:spcAft>
+                <a:spcPts val="600"/>
+              </a:spcAft>
+            </a:pPr>
+            <a:r>
+              <a:rPr lang="en-US" sz="1100" spc="0" dirty="0">
+                <a:ln>
+                  <a:noFill/>
+                </a:ln>
+                <a:solidFill>
+                  <a:schemeClr val="bg2">
+                    <a:lumMod val="75000"/>
+                  </a:schemeClr>
+                </a:solidFill>
+                <a:latin typeface="Source Sans Pro" panose="020B0503030403020204" pitchFamily="34" charset="0"/>
+                <a:ea typeface="Source Sans Pro" panose="020B0503030403020204" pitchFamily="34" charset="0"/>
+                <a:cs typeface="Source Sans Pro Light" charset="0"/>
+              </a:rPr>
+              <a:t>Resolve Dependencies through </a:t>
+            </a:r>
+            <a:r>
+              <a:rPr lang="en-US" sz="1100" dirty="0">
+                <a:solidFill>
+                  <a:schemeClr val="bg2">
+                    <a:lumMod val="75000"/>
+                  </a:schemeClr>
+                </a:solidFill>
+                <a:latin typeface="Source Sans Pro" panose="020B0503030403020204" pitchFamily="34" charset="0"/>
+                <a:ea typeface="Source Sans Pro" panose="020B0503030403020204" pitchFamily="34" charset="0"/>
+                <a:cs typeface="Source Sans Pro Light" charset="0"/>
+              </a:rPr>
+              <a:t>G</a:t>
+            </a:r>
+            <a:r>
+              <a:rPr lang="en-US" sz="1100" spc="0" dirty="0">
+                <a:ln>
+                  <a:noFill/>
+                </a:ln>
+                <a:solidFill>
+                  <a:schemeClr val="bg2">
+                    <a:lumMod val="75000"/>
+                  </a:schemeClr>
+                </a:solidFill>
+                <a:latin typeface="Source Sans Pro" panose="020B0503030403020204" pitchFamily="34" charset="0"/>
+                <a:ea typeface="Source Sans Pro" panose="020B0503030403020204" pitchFamily="34" charset="0"/>
+                <a:cs typeface="Source Sans Pro Light" charset="0"/>
+              </a:rPr>
+              <a:t>radle </a:t>
+            </a:r>
+            <a:r>
+              <a:rPr lang="en-US" sz="1100" spc="0" dirty="0">
+                <a:ln>
+                  <a:noFill/>
+                </a:ln>
+                <a:latin typeface="Source Sans Pro" panose="020B0503030403020204" pitchFamily="34" charset="0"/>
+                <a:ea typeface="Source Sans Pro" panose="020B0503030403020204" pitchFamily="34" charset="0"/>
+                <a:cs typeface="Source Sans Pro Light" charset="0"/>
+              </a:rPr>
+              <a:t>Offline </a:t>
+            </a:r>
+            <a:r>
+              <a:rPr lang="en-US" sz="1100" dirty="0">
+                <a:latin typeface="Source Sans Pro" panose="020B0503030403020204" pitchFamily="34" charset="0"/>
+                <a:ea typeface="Source Sans Pro" panose="020B0503030403020204" pitchFamily="34" charset="0"/>
+                <a:cs typeface="Source Sans Pro Light" charset="0"/>
+              </a:rPr>
+              <a:t>R</a:t>
+            </a:r>
+            <a:r>
+              <a:rPr lang="en-US" sz="1100" spc="0" dirty="0">
+                <a:ln>
+                  <a:noFill/>
+                </a:ln>
+                <a:latin typeface="Source Sans Pro" panose="020B0503030403020204" pitchFamily="34" charset="0"/>
+                <a:ea typeface="Source Sans Pro" panose="020B0503030403020204" pitchFamily="34" charset="0"/>
+                <a:cs typeface="Source Sans Pro Light" charset="0"/>
+              </a:rPr>
+              <a:t>epository</a:t>
+            </a:r>
+            <a:endParaRPr lang="en-US" sz="1100" spc="0" dirty="0">
               <a:ln>
                 <a:noFill/>
               </a:ln>
-              <a:effectLst/>
-            </p:spPr>
-            <p:style>
-              <a:lnRef idx="2">
-                <a:schemeClr val="dk1">
-                  <a:shade val="50000"/>
-                </a:schemeClr>
-              </a:lnRef>
-              <a:fillRef idx="1">
-                <a:schemeClr val="dk1"/>
-              </a:fillRef>
-              <a:effectRef idx="0">
-                <a:schemeClr val="dk1"/>
-              </a:effectRef>
-              <a:fontRef idx="minor">
-                <a:schemeClr val="lt1"/>
-              </a:fontRef>
-            </p:style>
-            <p:txBody>
-              <a:bodyPr rtlCol="0" anchor="ctr"/>
-              <a:lstStyle/>
-              <a:p>
-                <a:pPr algn="ctr">
-                  <a:defRPr/>
-                </a:pPr>
-                <a:r>
-                  <a:rPr lang="en-US" sz="1000" dirty="0">
-                    <a:solidFill>
-                      <a:srgbClr val="FFFFFF"/>
-                    </a:solidFill>
-                    <a:latin typeface="Source Sans Pro" panose="020B0503030403020204" pitchFamily="34" charset="0"/>
-                    <a:ea typeface="Source Sans Pro" panose="020B0503030403020204" pitchFamily="34" charset="0"/>
-                    <a:cs typeface="Arial" panose="020B0604020202020204" pitchFamily="34" charset="0"/>
-                  </a:rPr>
-                  <a:t>Managed Code</a:t>
-                </a:r>
-              </a:p>
-            </p:txBody>
-          </p:sp>
-          <p:sp>
-            <p:nvSpPr>
-              <p:cNvPr id="70" name="Rounded Rectangle 69">
-                <a:extLst>
-                  <a:ext uri="{FF2B5EF4-FFF2-40B4-BE49-F238E27FC236}">
-                    <a16:creationId xmlns:a16="http://schemas.microsoft.com/office/drawing/2014/main" id="{26DDB83C-8259-4FFF-E1FF-ECDD2EE0EAB1}"/>
-                  </a:ext>
-                </a:extLst>
-              </p:cNvPr>
-              <p:cNvSpPr/>
-              <p:nvPr/>
-            </p:nvSpPr>
-            <p:spPr>
-              <a:xfrm>
-                <a:off x="1823395" y="5283761"/>
-                <a:ext cx="1620000" cy="385200"/>
-              </a:xfrm>
-              <a:prstGeom prst="roundRect">
-                <a:avLst>
-                  <a:gd name="adj" fmla="val 11196"/>
-                </a:avLst>
-              </a:prstGeom>
               <a:solidFill>
-                <a:schemeClr val="accent6"/>
-              </a:solidFill>
-              <a:ln>
-                <a:noFill/>
-              </a:ln>
-              <a:effectLst/>
-            </p:spPr>
-            <p:style>
-              <a:lnRef idx="2">
-                <a:schemeClr val="dk1">
-                  <a:shade val="50000"/>
-                </a:schemeClr>
-              </a:lnRef>
-              <a:fillRef idx="1">
-                <a:schemeClr val="dk1"/>
-              </a:fillRef>
-              <a:effectRef idx="0">
-                <a:schemeClr val="dk1"/>
-              </a:effectRef>
-              <a:fontRef idx="minor">
-                <a:schemeClr val="lt1"/>
-              </a:fontRef>
-            </p:style>
-            <p:txBody>
-              <a:bodyPr rtlCol="0" anchor="ctr"/>
-              <a:lstStyle/>
-              <a:p>
-                <a:pPr algn="ctr">
-                  <a:defRPr/>
-                </a:pPr>
-                <a:r>
-                  <a:rPr lang="en-US" sz="1000" dirty="0">
-                    <a:solidFill>
-                      <a:srgbClr val="FFFFFF"/>
-                    </a:solidFill>
-                    <a:latin typeface="Source Sans Pro" panose="020B0503030403020204" pitchFamily="34" charset="0"/>
-                    <a:ea typeface="Source Sans Pro" panose="020B0503030403020204" pitchFamily="34" charset="0"/>
-                    <a:cs typeface="Arial" panose="020B0604020202020204" pitchFamily="34" charset="0"/>
-                  </a:rPr>
-                  <a:t>Native Code</a:t>
-                </a:r>
-              </a:p>
-            </p:txBody>
-          </p:sp>
-        </p:grpSp>
-        <p:grpSp>
-          <p:nvGrpSpPr>
-            <p:cNvPr id="60" name="Group 59">
-              <a:extLst>
-                <a:ext uri="{FF2B5EF4-FFF2-40B4-BE49-F238E27FC236}">
-                  <a16:creationId xmlns:a16="http://schemas.microsoft.com/office/drawing/2014/main" id="{43523007-7948-E771-6077-4B3959BC63A6}"/>
-                </a:ext>
-              </a:extLst>
-            </p:cNvPr>
-            <p:cNvGrpSpPr/>
-            <p:nvPr/>
-          </p:nvGrpSpPr>
-          <p:grpSpPr>
-            <a:xfrm>
-              <a:off x="635174" y="3392280"/>
-              <a:ext cx="1620000" cy="1332864"/>
-              <a:chOff x="174460" y="4341130"/>
-              <a:chExt cx="1620000" cy="1332864"/>
-            </a:xfrm>
-          </p:grpSpPr>
-          <p:sp>
-            <p:nvSpPr>
-              <p:cNvPr id="61" name="Rounded Rectangle 60">
-                <a:extLst>
-                  <a:ext uri="{FF2B5EF4-FFF2-40B4-BE49-F238E27FC236}">
-                    <a16:creationId xmlns:a16="http://schemas.microsoft.com/office/drawing/2014/main" id="{5E296DB7-1254-940C-147D-455D1E722534}"/>
-                  </a:ext>
-                </a:extLst>
-              </p:cNvPr>
-              <p:cNvSpPr/>
-              <p:nvPr/>
-            </p:nvSpPr>
-            <p:spPr>
-              <a:xfrm>
-                <a:off x="175443" y="4341130"/>
-                <a:ext cx="1619017" cy="385200"/>
-              </a:xfrm>
-              <a:prstGeom prst="roundRect">
-                <a:avLst>
-                  <a:gd name="adj" fmla="val 7525"/>
-                </a:avLst>
-              </a:prstGeom>
-              <a:solidFill>
-                <a:schemeClr val="bg1">
-                  <a:lumMod val="50000"/>
+                <a:schemeClr val="bg2">
+                  <a:lumMod val="75000"/>
                 </a:schemeClr>
               </a:solidFill>
-              <a:ln w="12700">
-                <a:noFill/>
-              </a:ln>
-              <a:effectLst/>
-            </p:spPr>
-            <p:style>
-              <a:lnRef idx="2">
-                <a:schemeClr val="dk1"/>
-              </a:lnRef>
-              <a:fillRef idx="1">
-                <a:schemeClr val="lt1"/>
-              </a:fillRef>
-              <a:effectRef idx="0">
-                <a:schemeClr val="dk1"/>
-              </a:effectRef>
-              <a:fontRef idx="minor">
-                <a:schemeClr val="dk1"/>
-              </a:fontRef>
-            </p:style>
-            <p:txBody>
-              <a:bodyPr wrap="square" tIns="36000" bIns="36000" rtlCol="0" anchor="ctr" anchorCtr="1">
-                <a:noAutofit/>
-              </a:bodyPr>
-              <a:lstStyle/>
-              <a:p>
-                <a:pPr algn="ctr"/>
-                <a:r>
-                  <a:rPr lang="en-US" sz="1000" dirty="0">
-                    <a:solidFill>
-                      <a:schemeClr val="bg1"/>
-                    </a:solidFill>
-                    <a:latin typeface="Source Sans Pro" panose="020B0503030403020204" pitchFamily="34" charset="0"/>
-                    <a:ea typeface="Source Sans Pro" panose="020B0503030403020204" pitchFamily="34" charset="0"/>
-                    <a:cs typeface="Source Sans Pro Light" charset="0"/>
-                  </a:rPr>
-                  <a:t>Configuration</a:t>
-                </a:r>
-                <a:endParaRPr lang="en-GB" sz="1000" dirty="0">
-                  <a:solidFill>
-                    <a:schemeClr val="bg1"/>
-                  </a:solidFill>
-                  <a:latin typeface="Source Sans Pro" panose="020B0503030403020204" pitchFamily="34" charset="0"/>
-                  <a:ea typeface="Source Sans Pro" panose="020B0503030403020204" pitchFamily="34" charset="0"/>
-                  <a:cs typeface="Source Sans Pro Light" charset="0"/>
-                </a:endParaRPr>
-              </a:p>
-            </p:txBody>
-          </p:sp>
-          <p:sp>
-            <p:nvSpPr>
-              <p:cNvPr id="62" name="Rounded Rectangle 7">
-                <a:extLst>
-                  <a:ext uri="{FF2B5EF4-FFF2-40B4-BE49-F238E27FC236}">
-                    <a16:creationId xmlns:a16="http://schemas.microsoft.com/office/drawing/2014/main" id="{1CBCC5F3-4C08-DA22-3DDF-E20813A3D7E3}"/>
-                  </a:ext>
-                </a:extLst>
-              </p:cNvPr>
-              <p:cNvSpPr/>
-              <p:nvPr/>
-            </p:nvSpPr>
-            <p:spPr>
-              <a:xfrm>
-                <a:off x="174460" y="4814273"/>
-                <a:ext cx="1620000" cy="385889"/>
-              </a:xfrm>
-              <a:prstGeom prst="roundRect">
-                <a:avLst/>
-              </a:prstGeom>
-              <a:solidFill>
-                <a:schemeClr val="tx1"/>
-              </a:solidFill>
-              <a:ln>
-                <a:noFill/>
-              </a:ln>
-              <a:effectLst/>
-            </p:spPr>
-            <p:style>
-              <a:lnRef idx="2">
-                <a:schemeClr val="dk1">
-                  <a:shade val="50000"/>
-                </a:schemeClr>
-              </a:lnRef>
-              <a:fillRef idx="1">
-                <a:schemeClr val="dk1"/>
-              </a:fillRef>
-              <a:effectRef idx="0">
-                <a:schemeClr val="dk1"/>
-              </a:effectRef>
-              <a:fontRef idx="minor">
-                <a:schemeClr val="lt1"/>
-              </a:fontRef>
-            </p:style>
-            <p:txBody>
-              <a:bodyPr rtlCol="0" anchor="ctr"/>
-              <a:lstStyle/>
-              <a:p>
-                <a:pPr algn="ctr"/>
-                <a:r>
-                  <a:rPr lang="en-US" sz="1000" dirty="0">
-                    <a:solidFill>
-                      <a:srgbClr val="FFFFFF"/>
-                    </a:solidFill>
-                    <a:latin typeface="Source Sans Pro" panose="020B0503030403020204" pitchFamily="34" charset="0"/>
-                    <a:ea typeface="Source Sans Pro" panose="020B0503030403020204" pitchFamily="34" charset="0"/>
-                    <a:cs typeface="Source Sans Pro Light" charset="0"/>
-                  </a:rPr>
-                  <a:t>Build Tool</a:t>
-                </a:r>
-              </a:p>
-            </p:txBody>
-          </p:sp>
-          <p:sp>
-            <p:nvSpPr>
-              <p:cNvPr id="65" name="Rounded Rectangle 7">
-                <a:extLst>
-                  <a:ext uri="{FF2B5EF4-FFF2-40B4-BE49-F238E27FC236}">
-                    <a16:creationId xmlns:a16="http://schemas.microsoft.com/office/drawing/2014/main" id="{55697C9F-BEC2-EED6-84AA-48660D48A67D}"/>
-                  </a:ext>
-                </a:extLst>
-              </p:cNvPr>
-              <p:cNvSpPr/>
-              <p:nvPr/>
-            </p:nvSpPr>
-            <p:spPr>
-              <a:xfrm>
-                <a:off x="174460" y="5288105"/>
-                <a:ext cx="1620000" cy="385889"/>
-              </a:xfrm>
-              <a:prstGeom prst="roundRect">
-                <a:avLst/>
-              </a:prstGeom>
-              <a:solidFill>
-                <a:schemeClr val="accent2"/>
-              </a:solidFill>
-              <a:ln w="9525">
-                <a:noFill/>
-              </a:ln>
-              <a:effectLst/>
-            </p:spPr>
-            <p:style>
-              <a:lnRef idx="2">
-                <a:schemeClr val="dk1">
-                  <a:shade val="50000"/>
-                </a:schemeClr>
-              </a:lnRef>
-              <a:fillRef idx="1">
-                <a:schemeClr val="dk1"/>
-              </a:fillRef>
-              <a:effectRef idx="0">
-                <a:schemeClr val="dk1"/>
-              </a:effectRef>
-              <a:fontRef idx="minor">
-                <a:schemeClr val="lt1"/>
-              </a:fontRef>
-            </p:style>
-            <p:txBody>
-              <a:bodyPr rtlCol="0" anchor="ctr"/>
-              <a:lstStyle/>
-              <a:p>
-                <a:pPr algn="ctr"/>
-                <a:r>
-                  <a:rPr lang="en-US" sz="1000" dirty="0">
-                    <a:solidFill>
-                      <a:srgbClr val="FFFFFF"/>
-                    </a:solidFill>
-                    <a:latin typeface="Source Sans Pro" panose="020B0503030403020204" pitchFamily="34" charset="0"/>
-                    <a:ea typeface="Source Sans Pro" panose="020B0503030403020204" pitchFamily="34" charset="0"/>
-                    <a:cs typeface="Arial" panose="020B0604020202020204" pitchFamily="34" charset="0"/>
-                  </a:rPr>
-                  <a:t>Sim Tool</a:t>
-                </a:r>
-              </a:p>
-            </p:txBody>
-          </p:sp>
-        </p:grpSp>
-      </p:grpSp>
+              <a:latin typeface="Source Sans Pro" panose="020B0503030403020204" pitchFamily="34" charset="0"/>
+              <a:ea typeface="Source Sans Pro" panose="020B0503030403020204" pitchFamily="34" charset="0"/>
+              <a:cs typeface="Source Sans Pro Light" charset="0"/>
+            </a:endParaRPr>
+          </a:p>
+        </p:txBody>
+      </p:sp>
     </p:spTree>
     <p:extLst>
       <p:ext uri="{BB962C8B-B14F-4D97-AF65-F5344CB8AC3E}">

--- a/overview/images/qa_resources-v4.pptx
+++ b/overview/images/qa_resources-v4.pptx
@@ -238,7 +238,7 @@
               <a:rPr lang="fr-FR" smtClean="0">
                 <a:latin typeface="Calibri Regular" charset="0"/>
               </a:rPr>
-              <a:t>06/11/2025</a:t>
+              <a:t>07/11/2025</a:t>
             </a:fld>
             <a:endParaRPr lang="en-US" dirty="0">
               <a:latin typeface="Calibri Regular" charset="0"/>
@@ -426,7 +426,7 @@
           <a:p>
             <a:fld id="{D125E8DA-58CB-F841-A404-E11EC1E2C988}" type="datetime1">
               <a:rPr lang="fr-FR" smtClean="0"/>
-              <a:t>06/11/2025</a:t>
+              <a:t>07/11/2025</a:t>
             </a:fld>
             <a:endParaRPr lang="en-US" dirty="0"/>
           </a:p>
@@ -43580,8 +43580,8 @@
         </p:nvCxnSpPr>
         <p:spPr>
           <a:xfrm>
-            <a:off x="9113859" y="2450875"/>
-            <a:ext cx="0" cy="831172"/>
+            <a:off x="9113859" y="1790022"/>
+            <a:ext cx="11939" cy="1481488"/>
           </a:xfrm>
           <a:prstGeom prst="straightConnector1">
             <a:avLst/>
@@ -43627,7 +43627,7 @@
         <p:spPr>
           <a:xfrm>
             <a:off x="9110094" y="964985"/>
-            <a:ext cx="3765" cy="1100001"/>
+            <a:ext cx="3765" cy="439148"/>
           </a:xfrm>
           <a:prstGeom prst="straightConnector1">
             <a:avLst/>
@@ -45682,7 +45682,7 @@
         </p:nvSpPr>
         <p:spPr>
           <a:xfrm>
-            <a:off x="8313956" y="2064986"/>
+            <a:off x="8313956" y="1404133"/>
             <a:ext cx="1599805" cy="385889"/>
           </a:xfrm>
           <a:prstGeom prst="roundRect">

--- a/overview/images/qa_resources-v4.pptx
+++ b/overview/images/qa_resources-v4.pptx
@@ -238,7 +238,7 @@
               <a:rPr lang="fr-FR" smtClean="0">
                 <a:latin typeface="Calibri Regular" charset="0"/>
               </a:rPr>
-              <a:t>07/11/2025</a:t>
+              <a:t>12/11/2025</a:t>
             </a:fld>
             <a:endParaRPr lang="en-US" dirty="0">
               <a:latin typeface="Calibri Regular" charset="0"/>
@@ -426,7 +426,7 @@
           <a:p>
             <a:fld id="{D125E8DA-58CB-F841-A404-E11EC1E2C988}" type="datetime1">
               <a:rPr lang="fr-FR" smtClean="0"/>
-              <a:t>07/11/2025</a:t>
+              <a:t>12/11/2025</a:t>
             </a:fld>
             <a:endParaRPr lang="en-US" dirty="0"/>
           </a:p>
@@ -42835,7 +42835,7 @@
         </p:nvSpPr>
         <p:spPr>
           <a:xfrm>
-            <a:off x="4170109" y="3025289"/>
+            <a:off x="2512957" y="2996952"/>
             <a:ext cx="1239442" cy="246221"/>
           </a:xfrm>
           <a:prstGeom prst="rect">
@@ -43037,7 +43037,7 @@
         </p:nvSpPr>
         <p:spPr>
           <a:xfrm>
-            <a:off x="4175788" y="1818765"/>
+            <a:off x="4118826" y="1818484"/>
             <a:ext cx="556563" cy="246221"/>
           </a:xfrm>
           <a:prstGeom prst="rect">
@@ -43175,8 +43175,8 @@
         </p:nvSpPr>
         <p:spPr>
           <a:xfrm>
-            <a:off x="4217751" y="978870"/>
-            <a:ext cx="784189" cy="400110"/>
+            <a:off x="4138136" y="1116357"/>
+            <a:ext cx="513282" cy="246221"/>
           </a:xfrm>
           <a:prstGeom prst="rect">
             <a:avLst/>
@@ -43294,22 +43294,7 @@
                 <a:latin typeface="Source Sans Pro" panose="020B0503030403020204" pitchFamily="34" charset="0"/>
                 <a:ea typeface="Source Sans Pro" panose="020B0503030403020204" pitchFamily="34" charset="0"/>
               </a:rPr>
-              <a:t>(.java, .list, </a:t>
-            </a:r>
-          </a:p>
-          <a:p>
-            <a:pPr>
-              <a:defRPr/>
-            </a:pPr>
-            <a:r>
-              <a:rPr lang="en-US" sz="1000" dirty="0">
-                <a:solidFill>
-                  <a:srgbClr val="97A7AF"/>
-                </a:solidFill>
-                <a:latin typeface="Source Sans Pro" panose="020B0503030403020204" pitchFamily="34" charset="0"/>
-                <a:ea typeface="Source Sans Pro" panose="020B0503030403020204" pitchFamily="34" charset="0"/>
-              </a:rPr>
-              <a:t>resources)</a:t>
+              <a:t>(.java)</a:t>
             </a:r>
           </a:p>
         </p:txBody>
@@ -43325,13 +43310,12 @@
           </p:cNvPr>
           <p:cNvCxnSpPr>
             <a:cxnSpLocks/>
-            <a:stCxn id="118" idx="2"/>
           </p:cNvCxnSpPr>
           <p:nvPr/>
         </p:nvCxnSpPr>
         <p:spPr>
           <a:xfrm>
-            <a:off x="4158970" y="1781109"/>
+            <a:off x="4158763" y="1794973"/>
             <a:ext cx="0" cy="292448"/>
           </a:xfrm>
           <a:prstGeom prst="straightConnector1">
@@ -43373,7 +43357,7 @@
         </p:nvSpPr>
         <p:spPr>
           <a:xfrm>
-            <a:off x="5728433" y="3036151"/>
+            <a:off x="5728433" y="2996952"/>
             <a:ext cx="973343" cy="246221"/>
           </a:xfrm>
           <a:prstGeom prst="rect">
@@ -43574,13 +43558,12 @@
           </p:cNvPr>
           <p:cNvCxnSpPr>
             <a:cxnSpLocks/>
-            <a:stCxn id="116" idx="2"/>
           </p:cNvCxnSpPr>
           <p:nvPr/>
         </p:nvCxnSpPr>
         <p:spPr>
           <a:xfrm>
-            <a:off x="9113859" y="1790022"/>
+            <a:off x="9113859" y="1797079"/>
             <a:ext cx="11939" cy="1481488"/>
           </a:xfrm>
           <a:prstGeom prst="straightConnector1">
@@ -43668,7 +43651,7 @@
         </p:nvSpPr>
         <p:spPr>
           <a:xfrm>
-            <a:off x="9097187" y="2991684"/>
+            <a:off x="9097187" y="2996952"/>
             <a:ext cx="360996" cy="246221"/>
           </a:xfrm>
           <a:prstGeom prst="rect">
@@ -43806,7 +43789,7 @@
         </p:nvSpPr>
         <p:spPr>
           <a:xfrm>
-            <a:off x="9097187" y="1804336"/>
+            <a:off x="9097187" y="1124744"/>
             <a:ext cx="508473" cy="246221"/>
           </a:xfrm>
           <a:prstGeom prst="rect">
@@ -43941,13 +43924,12 @@
           </p:cNvPr>
           <p:cNvCxnSpPr>
             <a:cxnSpLocks/>
-            <a:stCxn id="102" idx="2"/>
           </p:cNvCxnSpPr>
           <p:nvPr/>
         </p:nvCxnSpPr>
         <p:spPr>
           <a:xfrm>
-            <a:off x="10786663" y="964985"/>
+            <a:off x="10786663" y="972042"/>
             <a:ext cx="0" cy="2306525"/>
           </a:xfrm>
           <a:prstGeom prst="straightConnector1">
@@ -43989,7 +43971,7 @@
         </p:nvSpPr>
         <p:spPr>
           <a:xfrm>
-            <a:off x="10776402" y="2991684"/>
+            <a:off x="10776402" y="2996952"/>
             <a:ext cx="354584" cy="246221"/>
           </a:xfrm>
           <a:prstGeom prst="rect">
@@ -44129,7 +44111,7 @@
         </p:nvCxnSpPr>
         <p:spPr>
           <a:xfrm>
-            <a:off x="4152752" y="2872198"/>
+            <a:off x="2495600" y="2867087"/>
             <a:ext cx="4666" cy="411480"/>
           </a:xfrm>
           <a:prstGeom prst="straightConnector1">
@@ -45663,7 +45645,7 @@
                 <a:ea typeface="Source Sans Pro" panose="020B0503030403020204" pitchFamily="34" charset="0"/>
                 <a:cs typeface="Source Sans Pro Light" charset="0"/>
               </a:rPr>
-              <a:t>Third Party ELF Linker</a:t>
+              <a:t>ELF Linker (Native Toolchain)</a:t>
             </a:r>
           </a:p>
         </p:txBody>
@@ -45726,7 +45708,21 @@
                 <a:ea typeface="Source Sans Pro" panose="020B0503030403020204" pitchFamily="34" charset="0"/>
                 <a:cs typeface="Source Sans Pro Light" charset="0"/>
               </a:rPr>
-              <a:t>Third Party C Compiler</a:t>
+              <a:t>C Compiler</a:t>
+            </a:r>
+          </a:p>
+          <a:p>
+            <a:pPr algn="ctr"/>
+            <a:r>
+              <a:rPr lang="en-US" sz="1000" dirty="0">
+                <a:solidFill>
+                  <a:srgbClr val="FFFFFF"/>
+                </a:solidFill>
+                <a:latin typeface="Source Sans Pro" panose="020B0503030403020204" pitchFamily="34" charset="0"/>
+                <a:ea typeface="Source Sans Pro" panose="020B0503030403020204" pitchFamily="34" charset="0"/>
+                <a:cs typeface="Source Sans Pro Light" charset="0"/>
+              </a:rPr>
+              <a:t>(Native Toolchain)</a:t>
             </a:r>
           </a:p>
         </p:txBody>
@@ -45875,7 +45871,7 @@
         </p:nvGrpSpPr>
         <p:grpSpPr>
           <a:xfrm>
-            <a:off x="4703468" y="4154767"/>
+            <a:off x="4697515" y="4157942"/>
             <a:ext cx="344751" cy="303135"/>
             <a:chOff x="3862697" y="4114169"/>
             <a:chExt cx="344751" cy="303135"/>
@@ -46570,7 +46566,7 @@
         </p:nvSpPr>
         <p:spPr>
           <a:xfrm>
-            <a:off x="5746447" y="1078271"/>
+            <a:off x="5746447" y="1124744"/>
             <a:ext cx="519553" cy="246221"/>
           </a:xfrm>
           <a:prstGeom prst="rect">
@@ -46705,13 +46701,12 @@
           </p:cNvPr>
           <p:cNvCxnSpPr>
             <a:cxnSpLocks/>
-            <a:stCxn id="9" idx="2"/>
           </p:cNvCxnSpPr>
           <p:nvPr/>
         </p:nvCxnSpPr>
         <p:spPr>
           <a:xfrm>
-            <a:off x="5769862" y="1781365"/>
+            <a:off x="5769655" y="1809491"/>
             <a:ext cx="5363" cy="277930"/>
           </a:xfrm>
           <a:prstGeom prst="straightConnector1">
@@ -47042,13 +47037,12 @@
           </p:cNvPr>
           <p:cNvCxnSpPr>
             <a:cxnSpLocks/>
-            <a:stCxn id="17" idx="2"/>
           </p:cNvCxnSpPr>
           <p:nvPr/>
         </p:nvCxnSpPr>
         <p:spPr>
           <a:xfrm>
-            <a:off x="7433524" y="967922"/>
+            <a:off x="7433317" y="956162"/>
             <a:ext cx="0" cy="1131259"/>
           </a:xfrm>
           <a:prstGeom prst="straightConnector1">
@@ -47406,7 +47400,7 @@
         </p:nvCxnSpPr>
         <p:spPr>
           <a:xfrm>
-            <a:off x="5732836" y="2861976"/>
+            <a:off x="5732836" y="2867087"/>
             <a:ext cx="4666" cy="411480"/>
           </a:xfrm>
           <a:prstGeom prst="straightConnector1">
